--- a/git.pptx
+++ b/git.pptx
@@ -5,7 +5,7 @@
     <p:sldMasterId id="2147483648" r:id="rId1"/>
   </p:sldMasterIdLst>
   <p:notesMasterIdLst>
-    <p:notesMasterId r:id="rId9"/>
+    <p:notesMasterId r:id="rId22"/>
   </p:notesMasterIdLst>
   <p:sldIdLst>
     <p:sldId id="256" r:id="rId2"/>
@@ -15,6 +15,19 @@
     <p:sldId id="262" r:id="rId6"/>
     <p:sldId id="263" r:id="rId7"/>
     <p:sldId id="264" r:id="rId8"/>
+    <p:sldId id="265" r:id="rId9"/>
+    <p:sldId id="266" r:id="rId10"/>
+    <p:sldId id="267" r:id="rId11"/>
+    <p:sldId id="268" r:id="rId12"/>
+    <p:sldId id="269" r:id="rId13"/>
+    <p:sldId id="270" r:id="rId14"/>
+    <p:sldId id="271" r:id="rId15"/>
+    <p:sldId id="272" r:id="rId16"/>
+    <p:sldId id="273" r:id="rId17"/>
+    <p:sldId id="274" r:id="rId18"/>
+    <p:sldId id="275" r:id="rId19"/>
+    <p:sldId id="276" r:id="rId20"/>
+    <p:sldId id="277" r:id="rId21"/>
   </p:sldIdLst>
   <p:sldSz cx="12192000" cy="6858000"/>
   <p:notesSz cx="6858000" cy="9144000"/>
@@ -129,6 +142,23 @@
             <p14:sldId id="262"/>
             <p14:sldId id="263"/>
             <p14:sldId id="264"/>
+            <p14:sldId id="265"/>
+            <p14:sldId id="266"/>
+            <p14:sldId id="267"/>
+            <p14:sldId id="268"/>
+            <p14:sldId id="269"/>
+            <p14:sldId id="270"/>
+            <p14:sldId id="271"/>
+          </p14:sldIdLst>
+        </p14:section>
+        <p14:section name="Sourcetreeの使い方" id="{9AE5613A-6661-42DC-897D-1D1B47829D16}">
+          <p14:sldIdLst>
+            <p14:sldId id="272"/>
+            <p14:sldId id="273"/>
+            <p14:sldId id="274"/>
+            <p14:sldId id="275"/>
+            <p14:sldId id="276"/>
+            <p14:sldId id="277"/>
           </p14:sldIdLst>
         </p14:section>
       </p14:sectionLst>
@@ -183,7 +213,33 @@
           <inkml:channelProperty channel="Y" name="resolution" value="1000" units="1/cm"/>
         </inkml:channelProperties>
       </inkml:inkSource>
-      <inkml:timestamp xml:id="ts0" timeString="2018-08-31T02:32:17.613"/>
+      <inkml:timestamp xml:id="ts0" timeString="2018-09-07T07:59:42.015"/>
+    </inkml:context>
+    <inkml:brush xml:id="br0">
+      <inkml:brushProperty name="width" value="0.35" units="cm"/>
+      <inkml:brushProperty name="height" value="0.35" units="cm"/>
+      <inkml:brushProperty name="ignorePressure" value="1"/>
+    </inkml:brush>
+  </inkml:definitions>
+  <inkml:trace contextRef="#ctx0" brushRef="#br0">1 0,'3769'0,"-3736"0</inkml:trace>
+</inkml:ink>
+</file>
+
+<file path=ppt/ink/ink11.xml><?xml version="1.0" encoding="utf-8"?>
+<inkml:ink xmlns:inkml="http://www.w3.org/2003/InkML">
+  <inkml:definitions>
+    <inkml:context xml:id="ctx0">
+      <inkml:inkSource xml:id="inkSrc0">
+        <inkml:traceFormat>
+          <inkml:channel name="X" type="integer" min="-2.14748E9" max="2.14748E9" units="cm"/>
+          <inkml:channel name="Y" type="integer" min="-2.14748E9" max="2.14748E9" units="cm"/>
+        </inkml:traceFormat>
+        <inkml:channelProperties>
+          <inkml:channelProperty channel="X" name="resolution" value="1000" units="1/cm"/>
+          <inkml:channelProperty channel="Y" name="resolution" value="1000" units="1/cm"/>
+        </inkml:channelProperties>
+      </inkml:inkSource>
+      <inkml:timestamp xml:id="ts0" timeString="2018-09-07T07:58:16.571"/>
     </inkml:context>
     <inkml:brush xml:id="br0">
       <inkml:brushProperty name="width" value="0.5" units="cm"/>
@@ -194,7 +250,239 @@
       <inkml:brushProperty name="ignorePressure" value="1"/>
     </inkml:brush>
   </inkml:definitions>
-  <inkml:trace contextRef="#ctx0" brushRef="#br0">1 0</inkml:trace>
+  <inkml:trace contextRef="#ctx0" brushRef="#br0">0 1,'1195'0,"-1150"0</inkml:trace>
+</inkml:ink>
+</file>
+
+<file path=ppt/ink/ink12.xml><?xml version="1.0" encoding="utf-8"?>
+<inkml:ink xmlns:inkml="http://www.w3.org/2003/InkML">
+  <inkml:definitions>
+    <inkml:context xml:id="ctx0">
+      <inkml:inkSource xml:id="inkSrc0">
+        <inkml:traceFormat>
+          <inkml:channel name="X" type="integer" min="-2.14748E9" max="2.14748E9" units="cm"/>
+          <inkml:channel name="Y" type="integer" min="-2.14748E9" max="2.14748E9" units="cm"/>
+        </inkml:traceFormat>
+        <inkml:channelProperties>
+          <inkml:channelProperty channel="X" name="resolution" value="1000" units="1/cm"/>
+          <inkml:channelProperty channel="Y" name="resolution" value="1000" units="1/cm"/>
+        </inkml:channelProperties>
+      </inkml:inkSource>
+      <inkml:timestamp xml:id="ts0" timeString="2018-09-07T07:58:16.571"/>
+    </inkml:context>
+    <inkml:brush xml:id="br0">
+      <inkml:brushProperty name="width" value="0.5" units="cm"/>
+      <inkml:brushProperty name="height" value="1" units="cm"/>
+      <inkml:brushProperty name="color" value="#FFFF5B"/>
+      <inkml:brushProperty name="tip" value="rectangle"/>
+      <inkml:brushProperty name="rasterOp" value="maskPen"/>
+      <inkml:brushProperty name="ignorePressure" value="1"/>
+    </inkml:brush>
+  </inkml:definitions>
+  <inkml:trace contextRef="#ctx0" brushRef="#br0">0 1,'1195'0,"-1150"0</inkml:trace>
+</inkml:ink>
+</file>
+
+<file path=ppt/ink/ink13.xml><?xml version="1.0" encoding="utf-8"?>
+<inkml:ink xmlns:inkml="http://www.w3.org/2003/InkML">
+  <inkml:definitions>
+    <inkml:context xml:id="ctx0">
+      <inkml:inkSource xml:id="inkSrc0">
+        <inkml:traceFormat>
+          <inkml:channel name="X" type="integer" min="-2.14748E9" max="2.14748E9" units="cm"/>
+          <inkml:channel name="Y" type="integer" min="-2.14748E9" max="2.14748E9" units="cm"/>
+        </inkml:traceFormat>
+        <inkml:channelProperties>
+          <inkml:channelProperty channel="X" name="resolution" value="1000" units="1/cm"/>
+          <inkml:channelProperty channel="Y" name="resolution" value="1000" units="1/cm"/>
+        </inkml:channelProperties>
+      </inkml:inkSource>
+      <inkml:timestamp xml:id="ts0" timeString="2018-09-07T08:05:39.468"/>
+    </inkml:context>
+    <inkml:brush xml:id="br0">
+      <inkml:brushProperty name="width" value="0.5" units="cm"/>
+      <inkml:brushProperty name="height" value="1" units="cm"/>
+      <inkml:brushProperty name="color" value="#FFFF5B"/>
+      <inkml:brushProperty name="tip" value="rectangle"/>
+      <inkml:brushProperty name="rasterOp" value="maskPen"/>
+      <inkml:brushProperty name="ignorePressure" value="1"/>
+    </inkml:brush>
+  </inkml:definitions>
+  <inkml:trace contextRef="#ctx0" brushRef="#br0">0 0,'1112'0,"247"0,-1334 0</inkml:trace>
+</inkml:ink>
+</file>
+
+<file path=ppt/ink/ink14.xml><?xml version="1.0" encoding="utf-8"?>
+<inkml:ink xmlns:inkml="http://www.w3.org/2003/InkML">
+  <inkml:definitions>
+    <inkml:context xml:id="ctx0">
+      <inkml:inkSource xml:id="inkSrc0">
+        <inkml:traceFormat>
+          <inkml:channel name="X" type="integer" min="-2.14748E9" max="2.14748E9" units="cm"/>
+          <inkml:channel name="Y" type="integer" min="-2.14748E9" max="2.14748E9" units="cm"/>
+        </inkml:traceFormat>
+        <inkml:channelProperties>
+          <inkml:channelProperty channel="X" name="resolution" value="1000" units="1/cm"/>
+          <inkml:channelProperty channel="Y" name="resolution" value="1000" units="1/cm"/>
+        </inkml:channelProperties>
+      </inkml:inkSource>
+      <inkml:timestamp xml:id="ts0" timeString="2018-09-07T08:05:39.468"/>
+    </inkml:context>
+    <inkml:brush xml:id="br0">
+      <inkml:brushProperty name="width" value="0.5" units="cm"/>
+      <inkml:brushProperty name="height" value="1" units="cm"/>
+      <inkml:brushProperty name="color" value="#FFFF5B"/>
+      <inkml:brushProperty name="tip" value="rectangle"/>
+      <inkml:brushProperty name="rasterOp" value="maskPen"/>
+      <inkml:brushProperty name="ignorePressure" value="1"/>
+    </inkml:brush>
+  </inkml:definitions>
+  <inkml:trace contextRef="#ctx0" brushRef="#br0">0 0,'1112'0,"247"0,-1334 0</inkml:trace>
+</inkml:ink>
+</file>
+
+<file path=ppt/ink/ink15.xml><?xml version="1.0" encoding="utf-8"?>
+<inkml:ink xmlns:inkml="http://www.w3.org/2003/InkML">
+  <inkml:definitions>
+    <inkml:context xml:id="ctx0">
+      <inkml:inkSource xml:id="inkSrc0">
+        <inkml:traceFormat>
+          <inkml:channel name="X" type="integer" min="-2.14748E9" max="2.14748E9" units="cm"/>
+          <inkml:channel name="Y" type="integer" min="-2.14748E9" max="2.14748E9" units="cm"/>
+        </inkml:traceFormat>
+        <inkml:channelProperties>
+          <inkml:channelProperty channel="X" name="resolution" value="1000" units="1/cm"/>
+          <inkml:channelProperty channel="Y" name="resolution" value="1000" units="1/cm"/>
+        </inkml:channelProperties>
+      </inkml:inkSource>
+      <inkml:timestamp xml:id="ts0" timeString="2018-09-07T08:05:39.468"/>
+    </inkml:context>
+    <inkml:brush xml:id="br0">
+      <inkml:brushProperty name="width" value="0.5" units="cm"/>
+      <inkml:brushProperty name="height" value="1" units="cm"/>
+      <inkml:brushProperty name="color" value="#FFFF5B"/>
+      <inkml:brushProperty name="tip" value="rectangle"/>
+      <inkml:brushProperty name="rasterOp" value="maskPen"/>
+      <inkml:brushProperty name="ignorePressure" value="1"/>
+    </inkml:brush>
+  </inkml:definitions>
+  <inkml:trace contextRef="#ctx0" brushRef="#br0">0 0,'1112'0,"247"0,-1334 0</inkml:trace>
+</inkml:ink>
+</file>
+
+<file path=ppt/ink/ink16.xml><?xml version="1.0" encoding="utf-8"?>
+<inkml:ink xmlns:inkml="http://www.w3.org/2003/InkML">
+  <inkml:definitions>
+    <inkml:context xml:id="ctx0">
+      <inkml:inkSource xml:id="inkSrc0">
+        <inkml:traceFormat>
+          <inkml:channel name="X" type="integer" min="-2.14748E9" max="2.14748E9" units="cm"/>
+          <inkml:channel name="Y" type="integer" min="-2.14748E9" max="2.14748E9" units="cm"/>
+        </inkml:traceFormat>
+        <inkml:channelProperties>
+          <inkml:channelProperty channel="X" name="resolution" value="1000" units="1/cm"/>
+          <inkml:channelProperty channel="Y" name="resolution" value="1000" units="1/cm"/>
+        </inkml:channelProperties>
+      </inkml:inkSource>
+      <inkml:timestamp xml:id="ts0" timeString="2018-09-12T06:58:54.775"/>
+    </inkml:context>
+    <inkml:brush xml:id="br0">
+      <inkml:brushProperty name="width" value="0.3" units="cm"/>
+      <inkml:brushProperty name="height" value="0.6" units="cm"/>
+      <inkml:brushProperty name="color" value="#FFFF5B"/>
+      <inkml:brushProperty name="tip" value="rectangle"/>
+      <inkml:brushProperty name="rasterOp" value="maskPen"/>
+      <inkml:brushProperty name="ignorePressure" value="1"/>
+    </inkml:brush>
+  </inkml:definitions>
+  <inkml:trace contextRef="#ctx0" brushRef="#br0">1 1,'691'0,"-675"0</inkml:trace>
+</inkml:ink>
+</file>
+
+<file path=ppt/ink/ink17.xml><?xml version="1.0" encoding="utf-8"?>
+<inkml:ink xmlns:inkml="http://www.w3.org/2003/InkML">
+  <inkml:definitions>
+    <inkml:context xml:id="ctx0">
+      <inkml:inkSource xml:id="inkSrc0">
+        <inkml:traceFormat>
+          <inkml:channel name="X" type="integer" min="-2.14748E9" max="2.14748E9" units="cm"/>
+          <inkml:channel name="Y" type="integer" min="-2.14748E9" max="2.14748E9" units="cm"/>
+        </inkml:traceFormat>
+        <inkml:channelProperties>
+          <inkml:channelProperty channel="X" name="resolution" value="1000" units="1/cm"/>
+          <inkml:channelProperty channel="Y" name="resolution" value="1000" units="1/cm"/>
+        </inkml:channelProperties>
+      </inkml:inkSource>
+      <inkml:timestamp xml:id="ts0" timeString="2018-09-12T06:59:13.924"/>
+    </inkml:context>
+    <inkml:brush xml:id="br0">
+      <inkml:brushProperty name="width" value="0.3" units="cm"/>
+      <inkml:brushProperty name="height" value="0.6" units="cm"/>
+      <inkml:brushProperty name="color" value="#FFFF5B"/>
+      <inkml:brushProperty name="tip" value="rectangle"/>
+      <inkml:brushProperty name="rasterOp" value="maskPen"/>
+      <inkml:brushProperty name="ignorePressure" value="1"/>
+    </inkml:brush>
+  </inkml:definitions>
+  <inkml:trace contextRef="#ctx0" brushRef="#br0">0 1,'1620'0,"-1599"0</inkml:trace>
+</inkml:ink>
+</file>
+
+<file path=ppt/ink/ink18.xml><?xml version="1.0" encoding="utf-8"?>
+<inkml:ink xmlns:inkml="http://www.w3.org/2003/InkML">
+  <inkml:definitions>
+    <inkml:context xml:id="ctx0">
+      <inkml:inkSource xml:id="inkSrc0">
+        <inkml:traceFormat>
+          <inkml:channel name="X" type="integer" min="-2.14748E9" max="2.14748E9" units="cm"/>
+          <inkml:channel name="Y" type="integer" min="-2.14748E9" max="2.14748E9" units="cm"/>
+        </inkml:traceFormat>
+        <inkml:channelProperties>
+          <inkml:channelProperty channel="X" name="resolution" value="1000" units="1/cm"/>
+          <inkml:channelProperty channel="Y" name="resolution" value="1000" units="1/cm"/>
+        </inkml:channelProperties>
+      </inkml:inkSource>
+      <inkml:timestamp xml:id="ts0" timeString="2018-09-12T07:00:35.164"/>
+    </inkml:context>
+    <inkml:brush xml:id="br0">
+      <inkml:brushProperty name="width" value="0.4" units="cm"/>
+      <inkml:brushProperty name="height" value="0.8" units="cm"/>
+      <inkml:brushProperty name="color" value="#FF2500"/>
+      <inkml:brushProperty name="tip" value="rectangle"/>
+      <inkml:brushProperty name="rasterOp" value="maskPen"/>
+      <inkml:brushProperty name="ignorePressure" value="1"/>
+    </inkml:brush>
+  </inkml:definitions>
+  <inkml:trace contextRef="#ctx0" brushRef="#br0">0 0,'1572'0,"-1555"0</inkml:trace>
+</inkml:ink>
+</file>
+
+<file path=ppt/ink/ink19.xml><?xml version="1.0" encoding="utf-8"?>
+<inkml:ink xmlns:inkml="http://www.w3.org/2003/InkML">
+  <inkml:definitions>
+    <inkml:context xml:id="ctx0">
+      <inkml:inkSource xml:id="inkSrc0">
+        <inkml:traceFormat>
+          <inkml:channel name="X" type="integer" min="-2.14748E9" max="2.14748E9" units="cm"/>
+          <inkml:channel name="Y" type="integer" min="-2.14748E9" max="2.14748E9" units="cm"/>
+        </inkml:traceFormat>
+        <inkml:channelProperties>
+          <inkml:channelProperty channel="X" name="resolution" value="1000" units="1/cm"/>
+          <inkml:channelProperty channel="Y" name="resolution" value="1000" units="1/cm"/>
+        </inkml:channelProperties>
+      </inkml:inkSource>
+      <inkml:timestamp xml:id="ts0" timeString="2018-09-12T07:00:46.979"/>
+    </inkml:context>
+    <inkml:brush xml:id="br0">
+      <inkml:brushProperty name="width" value="0.4" units="cm"/>
+      <inkml:brushProperty name="height" value="0.8" units="cm"/>
+      <inkml:brushProperty name="color" value="#FF2500"/>
+      <inkml:brushProperty name="tip" value="rectangle"/>
+      <inkml:brushProperty name="rasterOp" value="maskPen"/>
+      <inkml:brushProperty name="ignorePressure" value="1"/>
+    </inkml:brush>
+  </inkml:definitions>
+  <inkml:trace contextRef="#ctx0" brushRef="#br0">0 0,'2114'0,"-2098"0</inkml:trace>
 </inkml:ink>
 </file>
 
@@ -224,6 +512,151 @@
     </inkml:brush>
   </inkml:definitions>
   <inkml:trace contextRef="#ctx0" brushRef="#br0">0 1,'3424'0,"-3418"0,0 0,2 0,0 0,0 0,25 0,13 0,-62 0,8 0</inkml:trace>
+</inkml:ink>
+</file>
+
+<file path=ppt/ink/ink20.xml><?xml version="1.0" encoding="utf-8"?>
+<inkml:ink xmlns:inkml="http://www.w3.org/2003/InkML">
+  <inkml:definitions>
+    <inkml:context xml:id="ctx0">
+      <inkml:inkSource xml:id="inkSrc0">
+        <inkml:traceFormat>
+          <inkml:channel name="X" type="integer" min="-2.14748E9" max="2.14748E9" units="cm"/>
+          <inkml:channel name="Y" type="integer" min="-2.14748E9" max="2.14748E9" units="cm"/>
+        </inkml:traceFormat>
+        <inkml:channelProperties>
+          <inkml:channelProperty channel="X" name="resolution" value="1000" units="1/cm"/>
+          <inkml:channelProperty channel="Y" name="resolution" value="1000" units="1/cm"/>
+        </inkml:channelProperties>
+      </inkml:inkSource>
+      <inkml:timestamp xml:id="ts0" timeString="2018-09-12T07:01:00.211"/>
+    </inkml:context>
+    <inkml:brush xml:id="br0">
+      <inkml:brushProperty name="width" value="0.4" units="cm"/>
+      <inkml:brushProperty name="height" value="0.8" units="cm"/>
+      <inkml:brushProperty name="color" value="#FF2500"/>
+      <inkml:brushProperty name="tip" value="rectangle"/>
+      <inkml:brushProperty name="rasterOp" value="maskPen"/>
+      <inkml:brushProperty name="ignorePressure" value="1"/>
+    </inkml:brush>
+  </inkml:definitions>
+  <inkml:trace contextRef="#ctx0" brushRef="#br0">0 0,'1264'0,"-1243"0</inkml:trace>
+</inkml:ink>
+</file>
+
+<file path=ppt/ink/ink21.xml><?xml version="1.0" encoding="utf-8"?>
+<inkml:ink xmlns:inkml="http://www.w3.org/2003/InkML">
+  <inkml:definitions>
+    <inkml:context xml:id="ctx0">
+      <inkml:inkSource xml:id="inkSrc0">
+        <inkml:traceFormat>
+          <inkml:channel name="X" type="integer" min="-2.14748E9" max="2.14748E9" units="cm"/>
+          <inkml:channel name="Y" type="integer" min="-2.14748E9" max="2.14748E9" units="cm"/>
+        </inkml:traceFormat>
+        <inkml:channelProperties>
+          <inkml:channelProperty channel="X" name="resolution" value="1000" units="1/cm"/>
+          <inkml:channelProperty channel="Y" name="resolution" value="1000" units="1/cm"/>
+        </inkml:channelProperties>
+      </inkml:inkSource>
+      <inkml:timestamp xml:id="ts0" timeString="2018-09-12T07:01:02.631"/>
+    </inkml:context>
+    <inkml:brush xml:id="br0">
+      <inkml:brushProperty name="width" value="0.4" units="cm"/>
+      <inkml:brushProperty name="height" value="0.8" units="cm"/>
+      <inkml:brushProperty name="color" value="#FF2500"/>
+      <inkml:brushProperty name="tip" value="rectangle"/>
+      <inkml:brushProperty name="rasterOp" value="maskPen"/>
+      <inkml:brushProperty name="ignorePressure" value="1"/>
+    </inkml:brush>
+  </inkml:definitions>
+  <inkml:trace contextRef="#ctx0" brushRef="#br0">0 0</inkml:trace>
+</inkml:ink>
+</file>
+
+<file path=ppt/ink/ink22.xml><?xml version="1.0" encoding="utf-8"?>
+<inkml:ink xmlns:inkml="http://www.w3.org/2003/InkML">
+  <inkml:definitions>
+    <inkml:context xml:id="ctx0">
+      <inkml:inkSource xml:id="inkSrc0">
+        <inkml:traceFormat>
+          <inkml:channel name="X" type="integer" min="-2.14748E9" max="2.14748E9" units="cm"/>
+          <inkml:channel name="Y" type="integer" min="-2.14748E9" max="2.14748E9" units="cm"/>
+        </inkml:traceFormat>
+        <inkml:channelProperties>
+          <inkml:channelProperty channel="X" name="resolution" value="1000" units="1/cm"/>
+          <inkml:channelProperty channel="Y" name="resolution" value="1000" units="1/cm"/>
+        </inkml:channelProperties>
+      </inkml:inkSource>
+      <inkml:timestamp xml:id="ts0" timeString="2018-09-12T07:01:13.757"/>
+    </inkml:context>
+    <inkml:brush xml:id="br0">
+      <inkml:brushProperty name="width" value="0.4" units="cm"/>
+      <inkml:brushProperty name="height" value="0.8" units="cm"/>
+      <inkml:brushProperty name="color" value="#FF2500"/>
+      <inkml:brushProperty name="tip" value="rectangle"/>
+      <inkml:brushProperty name="rasterOp" value="maskPen"/>
+      <inkml:brushProperty name="ignorePressure" value="1"/>
+    </inkml:brush>
+  </inkml:definitions>
+  <inkml:trace contextRef="#ctx0" brushRef="#br0">1 0,'89'0,"-69"0</inkml:trace>
+</inkml:ink>
+</file>
+
+<file path=ppt/ink/ink23.xml><?xml version="1.0" encoding="utf-8"?>
+<inkml:ink xmlns:inkml="http://www.w3.org/2003/InkML">
+  <inkml:definitions>
+    <inkml:context xml:id="ctx0">
+      <inkml:inkSource xml:id="inkSrc0">
+        <inkml:traceFormat>
+          <inkml:channel name="X" type="integer" min="-2.14748E9" max="2.14748E9" units="cm"/>
+          <inkml:channel name="Y" type="integer" min="-2.14748E9" max="2.14748E9" units="cm"/>
+        </inkml:traceFormat>
+        <inkml:channelProperties>
+          <inkml:channelProperty channel="X" name="resolution" value="1000" units="1/cm"/>
+          <inkml:channelProperty channel="Y" name="resolution" value="1000" units="1/cm"/>
+        </inkml:channelProperties>
+      </inkml:inkSource>
+      <inkml:timestamp xml:id="ts0" timeString="2018-09-12T07:13:33.882"/>
+    </inkml:context>
+    <inkml:brush xml:id="br0">
+      <inkml:brushProperty name="width" value="0.3" units="cm"/>
+      <inkml:brushProperty name="height" value="0.6" units="cm"/>
+      <inkml:brushProperty name="color" value="#FFFC00"/>
+      <inkml:brushProperty name="tip" value="rectangle"/>
+      <inkml:brushProperty name="rasterOp" value="maskPen"/>
+      <inkml:brushProperty name="ignorePressure" value="1"/>
+    </inkml:brush>
+  </inkml:definitions>
+  <inkml:trace contextRef="#ctx0" brushRef="#br0">1 0,'1269'0,"-1226"0</inkml:trace>
+</inkml:ink>
+</file>
+
+<file path=ppt/ink/ink24.xml><?xml version="1.0" encoding="utf-8"?>
+<inkml:ink xmlns:inkml="http://www.w3.org/2003/InkML">
+  <inkml:definitions>
+    <inkml:context xml:id="ctx0">
+      <inkml:inkSource xml:id="inkSrc0">
+        <inkml:traceFormat>
+          <inkml:channel name="X" type="integer" min="-2.14748E9" max="2.14748E9" units="cm"/>
+          <inkml:channel name="Y" type="integer" min="-2.14748E9" max="2.14748E9" units="cm"/>
+        </inkml:traceFormat>
+        <inkml:channelProperties>
+          <inkml:channelProperty channel="X" name="resolution" value="1000" units="1/cm"/>
+          <inkml:channelProperty channel="Y" name="resolution" value="1000" units="1/cm"/>
+        </inkml:channelProperties>
+      </inkml:inkSource>
+      <inkml:timestamp xml:id="ts0" timeString="2018-09-12T07:13:36.082"/>
+    </inkml:context>
+    <inkml:brush xml:id="br0">
+      <inkml:brushProperty name="width" value="0.3" units="cm"/>
+      <inkml:brushProperty name="height" value="0.6" units="cm"/>
+      <inkml:brushProperty name="color" value="#FFFC00"/>
+      <inkml:brushProperty name="tip" value="rectangle"/>
+      <inkml:brushProperty name="rasterOp" value="maskPen"/>
+      <inkml:brushProperty name="ignorePressure" value="1"/>
+    </inkml:brush>
+  </inkml:definitions>
+  <inkml:trace contextRef="#ctx0" brushRef="#br0">0 0,'2028'0,"-2015"0</inkml:trace>
 </inkml:ink>
 </file>
 
@@ -357,7 +790,7 @@
           <inkml:channelProperty channel="Y" name="resolution" value="1000" units="1/cm"/>
         </inkml:channelProperties>
       </inkml:inkSource>
-      <inkml:timestamp xml:id="ts0" timeString="2018-08-29T16:00:48.757"/>
+      <inkml:timestamp xml:id="ts0" timeString="2018-09-07T07:56:14.076"/>
     </inkml:context>
     <inkml:brush xml:id="br0">
       <inkml:brushProperty name="width" value="0.5" units="cm"/>
@@ -368,7 +801,7 @@
       <inkml:brushProperty name="ignorePressure" value="1"/>
     </inkml:brush>
   </inkml:definitions>
-  <inkml:trace contextRef="#ctx0" brushRef="#br0">0 1,'2387'0,"-2355"0</inkml:trace>
+  <inkml:trace contextRef="#ctx0" brushRef="#br0">1 1,'4045'0,"-4023"0</inkml:trace>
 </inkml:ink>
 </file>
 
@@ -386,7 +819,7 @@
           <inkml:channelProperty channel="Y" name="resolution" value="1000" units="1/cm"/>
         </inkml:channelProperties>
       </inkml:inkSource>
-      <inkml:timestamp xml:id="ts0" timeString="2018-08-29T16:01:03.899"/>
+      <inkml:timestamp xml:id="ts0" timeString="2018-08-31T02:32:17.613"/>
     </inkml:context>
     <inkml:brush xml:id="br0">
       <inkml:brushProperty name="width" value="0.5" units="cm"/>
@@ -397,7 +830,7 @@
       <inkml:brushProperty name="ignorePressure" value="1"/>
     </inkml:brush>
   </inkml:definitions>
-  <inkml:trace contextRef="#ctx0" brushRef="#br0">1 0,'2354'0,"-2338"0</inkml:trace>
+  <inkml:trace contextRef="#ctx0" brushRef="#br0">1 0</inkml:trace>
 </inkml:ink>
 </file>
 
@@ -415,7 +848,7 @@
           <inkml:channelProperty channel="Y" name="resolution" value="1000" units="1/cm"/>
         </inkml:channelProperties>
       </inkml:inkSource>
-      <inkml:timestamp xml:id="ts0" timeString="2018-08-29T16:01:12.269"/>
+      <inkml:timestamp xml:id="ts0" timeString="2018-09-07T07:58:16.571"/>
     </inkml:context>
     <inkml:brush xml:id="br0">
       <inkml:brushProperty name="width" value="0.5" units="cm"/>
@@ -426,7 +859,7 @@
       <inkml:brushProperty name="ignorePressure" value="1"/>
     </inkml:brush>
   </inkml:definitions>
-  <inkml:trace contextRef="#ctx0" brushRef="#br0">1 1,'2427'0,"-2409"0</inkml:trace>
+  <inkml:trace contextRef="#ctx0" brushRef="#br0">0 1,'1195'0,"-1150"0</inkml:trace>
 </inkml:ink>
 </file>
 
@@ -512,7 +945,7 @@
           <a:p>
             <a:fld id="{86046D81-5AB9-45E9-B1AC-1C4B4F9FB52B}" type="datetimeFigureOut">
               <a:rPr kumimoji="1" lang="ja-JP" altLang="en-US" smtClean="0"/>
-              <a:t>2018/8/31</a:t>
+              <a:t>2018/9/12</a:t>
             </a:fld>
             <a:endParaRPr kumimoji="1" lang="ja-JP" altLang="en-US"/>
           </a:p>
@@ -895,6 +1328,846 @@
 </p:notes>
 </file>
 
+<file path=ppt/notesSlides/notesSlide10.xml><?xml version="1.0" encoding="utf-8"?>
+<p:notes xmlns:a="http://schemas.openxmlformats.org/drawingml/2006/main" xmlns:r="http://schemas.openxmlformats.org/officeDocument/2006/relationships" xmlns:p="http://schemas.openxmlformats.org/presentationml/2006/main">
+  <p:cSld>
+    <p:spTree>
+      <p:nvGrpSpPr>
+        <p:cNvPr id="1" name=""/>
+        <p:cNvGrpSpPr/>
+        <p:nvPr/>
+      </p:nvGrpSpPr>
+      <p:grpSpPr>
+        <a:xfrm>
+          <a:off x="0" y="0"/>
+          <a:ext cx="0" cy="0"/>
+          <a:chOff x="0" y="0"/>
+          <a:chExt cx="0" cy="0"/>
+        </a:xfrm>
+      </p:grpSpPr>
+      <p:sp>
+        <p:nvSpPr>
+          <p:cNvPr id="2" name="スライド イメージ プレースホルダー 1"/>
+          <p:cNvSpPr>
+            <a:spLocks noGrp="1" noRot="1" noChangeAspect="1"/>
+          </p:cNvSpPr>
+          <p:nvPr>
+            <p:ph type="sldImg"/>
+          </p:nvPr>
+        </p:nvSpPr>
+        <p:spPr/>
+      </p:sp>
+      <p:sp>
+        <p:nvSpPr>
+          <p:cNvPr id="3" name="ノート プレースホルダー 2"/>
+          <p:cNvSpPr>
+            <a:spLocks noGrp="1"/>
+          </p:cNvSpPr>
+          <p:nvPr>
+            <p:ph type="body" idx="1"/>
+          </p:nvPr>
+        </p:nvSpPr>
+        <p:spPr/>
+        <p:txBody>
+          <a:bodyPr/>
+          <a:lstStyle/>
+          <a:p>
+            <a:endParaRPr kumimoji="1" lang="ja-JP" altLang="en-US" dirty="0"/>
+          </a:p>
+        </p:txBody>
+      </p:sp>
+      <p:sp>
+        <p:nvSpPr>
+          <p:cNvPr id="4" name="スライド番号プレースホルダー 3"/>
+          <p:cNvSpPr>
+            <a:spLocks noGrp="1"/>
+          </p:cNvSpPr>
+          <p:nvPr>
+            <p:ph type="sldNum" sz="quarter" idx="10"/>
+          </p:nvPr>
+        </p:nvSpPr>
+        <p:spPr/>
+        <p:txBody>
+          <a:bodyPr/>
+          <a:lstStyle/>
+          <a:p>
+            <a:fld id="{BCBA475A-E4EF-4230-A042-9AEE72A46185}" type="slidenum">
+              <a:rPr kumimoji="1" lang="ja-JP" altLang="en-US" smtClean="0"/>
+              <a:t>11</a:t>
+            </a:fld>
+            <a:endParaRPr kumimoji="1" lang="ja-JP" altLang="en-US"/>
+          </a:p>
+        </p:txBody>
+      </p:sp>
+    </p:spTree>
+    <p:extLst>
+      <p:ext uri="{BB962C8B-B14F-4D97-AF65-F5344CB8AC3E}">
+        <p14:creationId xmlns:p14="http://schemas.microsoft.com/office/powerpoint/2010/main" val="3833509187"/>
+      </p:ext>
+    </p:extLst>
+  </p:cSld>
+  <p:clrMapOvr>
+    <a:masterClrMapping/>
+  </p:clrMapOvr>
+</p:notes>
+</file>
+
+<file path=ppt/notesSlides/notesSlide11.xml><?xml version="1.0" encoding="utf-8"?>
+<p:notes xmlns:a="http://schemas.openxmlformats.org/drawingml/2006/main" xmlns:r="http://schemas.openxmlformats.org/officeDocument/2006/relationships" xmlns:p="http://schemas.openxmlformats.org/presentationml/2006/main">
+  <p:cSld>
+    <p:spTree>
+      <p:nvGrpSpPr>
+        <p:cNvPr id="1" name=""/>
+        <p:cNvGrpSpPr/>
+        <p:nvPr/>
+      </p:nvGrpSpPr>
+      <p:grpSpPr>
+        <a:xfrm>
+          <a:off x="0" y="0"/>
+          <a:ext cx="0" cy="0"/>
+          <a:chOff x="0" y="0"/>
+          <a:chExt cx="0" cy="0"/>
+        </a:xfrm>
+      </p:grpSpPr>
+      <p:sp>
+        <p:nvSpPr>
+          <p:cNvPr id="2" name="スライド イメージ プレースホルダー 1"/>
+          <p:cNvSpPr>
+            <a:spLocks noGrp="1" noRot="1" noChangeAspect="1"/>
+          </p:cNvSpPr>
+          <p:nvPr>
+            <p:ph type="sldImg"/>
+          </p:nvPr>
+        </p:nvSpPr>
+        <p:spPr/>
+      </p:sp>
+      <p:sp>
+        <p:nvSpPr>
+          <p:cNvPr id="3" name="ノート プレースホルダー 2"/>
+          <p:cNvSpPr>
+            <a:spLocks noGrp="1"/>
+          </p:cNvSpPr>
+          <p:nvPr>
+            <p:ph type="body" idx="1"/>
+          </p:nvPr>
+        </p:nvSpPr>
+        <p:spPr/>
+        <p:txBody>
+          <a:bodyPr/>
+          <a:lstStyle/>
+          <a:p>
+            <a:endParaRPr kumimoji="1" lang="ja-JP" altLang="en-US" dirty="0"/>
+          </a:p>
+        </p:txBody>
+      </p:sp>
+      <p:sp>
+        <p:nvSpPr>
+          <p:cNvPr id="4" name="スライド番号プレースホルダー 3"/>
+          <p:cNvSpPr>
+            <a:spLocks noGrp="1"/>
+          </p:cNvSpPr>
+          <p:nvPr>
+            <p:ph type="sldNum" sz="quarter" idx="10"/>
+          </p:nvPr>
+        </p:nvSpPr>
+        <p:spPr/>
+        <p:txBody>
+          <a:bodyPr/>
+          <a:lstStyle/>
+          <a:p>
+            <a:fld id="{BCBA475A-E4EF-4230-A042-9AEE72A46185}" type="slidenum">
+              <a:rPr kumimoji="1" lang="ja-JP" altLang="en-US" smtClean="0"/>
+              <a:t>12</a:t>
+            </a:fld>
+            <a:endParaRPr kumimoji="1" lang="ja-JP" altLang="en-US"/>
+          </a:p>
+        </p:txBody>
+      </p:sp>
+    </p:spTree>
+    <p:extLst>
+      <p:ext uri="{BB962C8B-B14F-4D97-AF65-F5344CB8AC3E}">
+        <p14:creationId xmlns:p14="http://schemas.microsoft.com/office/powerpoint/2010/main" val="3896889340"/>
+      </p:ext>
+    </p:extLst>
+  </p:cSld>
+  <p:clrMapOvr>
+    <a:masterClrMapping/>
+  </p:clrMapOvr>
+</p:notes>
+</file>
+
+<file path=ppt/notesSlides/notesSlide12.xml><?xml version="1.0" encoding="utf-8"?>
+<p:notes xmlns:a="http://schemas.openxmlformats.org/drawingml/2006/main" xmlns:r="http://schemas.openxmlformats.org/officeDocument/2006/relationships" xmlns:p="http://schemas.openxmlformats.org/presentationml/2006/main">
+  <p:cSld>
+    <p:spTree>
+      <p:nvGrpSpPr>
+        <p:cNvPr id="1" name=""/>
+        <p:cNvGrpSpPr/>
+        <p:nvPr/>
+      </p:nvGrpSpPr>
+      <p:grpSpPr>
+        <a:xfrm>
+          <a:off x="0" y="0"/>
+          <a:ext cx="0" cy="0"/>
+          <a:chOff x="0" y="0"/>
+          <a:chExt cx="0" cy="0"/>
+        </a:xfrm>
+      </p:grpSpPr>
+      <p:sp>
+        <p:nvSpPr>
+          <p:cNvPr id="2" name="スライド イメージ プレースホルダー 1"/>
+          <p:cNvSpPr>
+            <a:spLocks noGrp="1" noRot="1" noChangeAspect="1"/>
+          </p:cNvSpPr>
+          <p:nvPr>
+            <p:ph type="sldImg"/>
+          </p:nvPr>
+        </p:nvSpPr>
+        <p:spPr/>
+      </p:sp>
+      <p:sp>
+        <p:nvSpPr>
+          <p:cNvPr id="3" name="ノート プレースホルダー 2"/>
+          <p:cNvSpPr>
+            <a:spLocks noGrp="1"/>
+          </p:cNvSpPr>
+          <p:nvPr>
+            <p:ph type="body" idx="1"/>
+          </p:nvPr>
+        </p:nvSpPr>
+        <p:spPr/>
+        <p:txBody>
+          <a:bodyPr/>
+          <a:lstStyle/>
+          <a:p>
+            <a:endParaRPr kumimoji="1" lang="ja-JP" altLang="en-US" dirty="0"/>
+          </a:p>
+        </p:txBody>
+      </p:sp>
+      <p:sp>
+        <p:nvSpPr>
+          <p:cNvPr id="4" name="スライド番号プレースホルダー 3"/>
+          <p:cNvSpPr>
+            <a:spLocks noGrp="1"/>
+          </p:cNvSpPr>
+          <p:nvPr>
+            <p:ph type="sldNum" sz="quarter" idx="10"/>
+          </p:nvPr>
+        </p:nvSpPr>
+        <p:spPr/>
+        <p:txBody>
+          <a:bodyPr/>
+          <a:lstStyle/>
+          <a:p>
+            <a:fld id="{BCBA475A-E4EF-4230-A042-9AEE72A46185}" type="slidenum">
+              <a:rPr kumimoji="1" lang="ja-JP" altLang="en-US" smtClean="0"/>
+              <a:t>13</a:t>
+            </a:fld>
+            <a:endParaRPr kumimoji="1" lang="ja-JP" altLang="en-US"/>
+          </a:p>
+        </p:txBody>
+      </p:sp>
+    </p:spTree>
+    <p:extLst>
+      <p:ext uri="{BB962C8B-B14F-4D97-AF65-F5344CB8AC3E}">
+        <p14:creationId xmlns:p14="http://schemas.microsoft.com/office/powerpoint/2010/main" val="3032357909"/>
+      </p:ext>
+    </p:extLst>
+  </p:cSld>
+  <p:clrMapOvr>
+    <a:masterClrMapping/>
+  </p:clrMapOvr>
+</p:notes>
+</file>
+
+<file path=ppt/notesSlides/notesSlide13.xml><?xml version="1.0" encoding="utf-8"?>
+<p:notes xmlns:a="http://schemas.openxmlformats.org/drawingml/2006/main" xmlns:r="http://schemas.openxmlformats.org/officeDocument/2006/relationships" xmlns:p="http://schemas.openxmlformats.org/presentationml/2006/main">
+  <p:cSld>
+    <p:spTree>
+      <p:nvGrpSpPr>
+        <p:cNvPr id="1" name=""/>
+        <p:cNvGrpSpPr/>
+        <p:nvPr/>
+      </p:nvGrpSpPr>
+      <p:grpSpPr>
+        <a:xfrm>
+          <a:off x="0" y="0"/>
+          <a:ext cx="0" cy="0"/>
+          <a:chOff x="0" y="0"/>
+          <a:chExt cx="0" cy="0"/>
+        </a:xfrm>
+      </p:grpSpPr>
+      <p:sp>
+        <p:nvSpPr>
+          <p:cNvPr id="2" name="スライド イメージ プレースホルダー 1"/>
+          <p:cNvSpPr>
+            <a:spLocks noGrp="1" noRot="1" noChangeAspect="1"/>
+          </p:cNvSpPr>
+          <p:nvPr>
+            <p:ph type="sldImg"/>
+          </p:nvPr>
+        </p:nvSpPr>
+        <p:spPr/>
+      </p:sp>
+      <p:sp>
+        <p:nvSpPr>
+          <p:cNvPr id="3" name="ノート プレースホルダー 2"/>
+          <p:cNvSpPr>
+            <a:spLocks noGrp="1"/>
+          </p:cNvSpPr>
+          <p:nvPr>
+            <p:ph type="body" idx="1"/>
+          </p:nvPr>
+        </p:nvSpPr>
+        <p:spPr/>
+        <p:txBody>
+          <a:bodyPr/>
+          <a:lstStyle/>
+          <a:p>
+            <a:endParaRPr kumimoji="1" lang="ja-JP" altLang="en-US" dirty="0"/>
+          </a:p>
+        </p:txBody>
+      </p:sp>
+      <p:sp>
+        <p:nvSpPr>
+          <p:cNvPr id="4" name="スライド番号プレースホルダー 3"/>
+          <p:cNvSpPr>
+            <a:spLocks noGrp="1"/>
+          </p:cNvSpPr>
+          <p:nvPr>
+            <p:ph type="sldNum" sz="quarter" idx="10"/>
+          </p:nvPr>
+        </p:nvSpPr>
+        <p:spPr/>
+        <p:txBody>
+          <a:bodyPr/>
+          <a:lstStyle/>
+          <a:p>
+            <a:fld id="{BCBA475A-E4EF-4230-A042-9AEE72A46185}" type="slidenum">
+              <a:rPr kumimoji="1" lang="ja-JP" altLang="en-US" smtClean="0"/>
+              <a:t>14</a:t>
+            </a:fld>
+            <a:endParaRPr kumimoji="1" lang="ja-JP" altLang="en-US"/>
+          </a:p>
+        </p:txBody>
+      </p:sp>
+    </p:spTree>
+    <p:extLst>
+      <p:ext uri="{BB962C8B-B14F-4D97-AF65-F5344CB8AC3E}">
+        <p14:creationId xmlns:p14="http://schemas.microsoft.com/office/powerpoint/2010/main" val="2920741344"/>
+      </p:ext>
+    </p:extLst>
+  </p:cSld>
+  <p:clrMapOvr>
+    <a:masterClrMapping/>
+  </p:clrMapOvr>
+</p:notes>
+</file>
+
+<file path=ppt/notesSlides/notesSlide14.xml><?xml version="1.0" encoding="utf-8"?>
+<p:notes xmlns:a="http://schemas.openxmlformats.org/drawingml/2006/main" xmlns:r="http://schemas.openxmlformats.org/officeDocument/2006/relationships" xmlns:p="http://schemas.openxmlformats.org/presentationml/2006/main">
+  <p:cSld>
+    <p:spTree>
+      <p:nvGrpSpPr>
+        <p:cNvPr id="1" name=""/>
+        <p:cNvGrpSpPr/>
+        <p:nvPr/>
+      </p:nvGrpSpPr>
+      <p:grpSpPr>
+        <a:xfrm>
+          <a:off x="0" y="0"/>
+          <a:ext cx="0" cy="0"/>
+          <a:chOff x="0" y="0"/>
+          <a:chExt cx="0" cy="0"/>
+        </a:xfrm>
+      </p:grpSpPr>
+      <p:sp>
+        <p:nvSpPr>
+          <p:cNvPr id="2" name="スライド イメージ プレースホルダー 1"/>
+          <p:cNvSpPr>
+            <a:spLocks noGrp="1" noRot="1" noChangeAspect="1"/>
+          </p:cNvSpPr>
+          <p:nvPr>
+            <p:ph type="sldImg"/>
+          </p:nvPr>
+        </p:nvSpPr>
+        <p:spPr/>
+      </p:sp>
+      <p:sp>
+        <p:nvSpPr>
+          <p:cNvPr id="3" name="ノート プレースホルダー 2"/>
+          <p:cNvSpPr>
+            <a:spLocks noGrp="1"/>
+          </p:cNvSpPr>
+          <p:nvPr>
+            <p:ph type="body" idx="1"/>
+          </p:nvPr>
+        </p:nvSpPr>
+        <p:spPr/>
+        <p:txBody>
+          <a:bodyPr/>
+          <a:lstStyle/>
+          <a:p>
+            <a:endParaRPr kumimoji="1" lang="ja-JP" altLang="en-US" dirty="0"/>
+          </a:p>
+        </p:txBody>
+      </p:sp>
+      <p:sp>
+        <p:nvSpPr>
+          <p:cNvPr id="4" name="スライド番号プレースホルダー 3"/>
+          <p:cNvSpPr>
+            <a:spLocks noGrp="1"/>
+          </p:cNvSpPr>
+          <p:nvPr>
+            <p:ph type="sldNum" sz="quarter" idx="10"/>
+          </p:nvPr>
+        </p:nvSpPr>
+        <p:spPr/>
+        <p:txBody>
+          <a:bodyPr/>
+          <a:lstStyle/>
+          <a:p>
+            <a:fld id="{BCBA475A-E4EF-4230-A042-9AEE72A46185}" type="slidenum">
+              <a:rPr kumimoji="1" lang="ja-JP" altLang="en-US" smtClean="0"/>
+              <a:t>15</a:t>
+            </a:fld>
+            <a:endParaRPr kumimoji="1" lang="ja-JP" altLang="en-US"/>
+          </a:p>
+        </p:txBody>
+      </p:sp>
+    </p:spTree>
+    <p:extLst>
+      <p:ext uri="{BB962C8B-B14F-4D97-AF65-F5344CB8AC3E}">
+        <p14:creationId xmlns:p14="http://schemas.microsoft.com/office/powerpoint/2010/main" val="2664991001"/>
+      </p:ext>
+    </p:extLst>
+  </p:cSld>
+  <p:clrMapOvr>
+    <a:masterClrMapping/>
+  </p:clrMapOvr>
+</p:notes>
+</file>
+
+<file path=ppt/notesSlides/notesSlide15.xml><?xml version="1.0" encoding="utf-8"?>
+<p:notes xmlns:a="http://schemas.openxmlformats.org/drawingml/2006/main" xmlns:r="http://schemas.openxmlformats.org/officeDocument/2006/relationships" xmlns:p="http://schemas.openxmlformats.org/presentationml/2006/main">
+  <p:cSld>
+    <p:spTree>
+      <p:nvGrpSpPr>
+        <p:cNvPr id="1" name=""/>
+        <p:cNvGrpSpPr/>
+        <p:nvPr/>
+      </p:nvGrpSpPr>
+      <p:grpSpPr>
+        <a:xfrm>
+          <a:off x="0" y="0"/>
+          <a:ext cx="0" cy="0"/>
+          <a:chOff x="0" y="0"/>
+          <a:chExt cx="0" cy="0"/>
+        </a:xfrm>
+      </p:grpSpPr>
+      <p:sp>
+        <p:nvSpPr>
+          <p:cNvPr id="2" name="スライド イメージ プレースホルダー 1"/>
+          <p:cNvSpPr>
+            <a:spLocks noGrp="1" noRot="1" noChangeAspect="1"/>
+          </p:cNvSpPr>
+          <p:nvPr>
+            <p:ph type="sldImg"/>
+          </p:nvPr>
+        </p:nvSpPr>
+        <p:spPr/>
+      </p:sp>
+      <p:sp>
+        <p:nvSpPr>
+          <p:cNvPr id="3" name="ノート プレースホルダー 2"/>
+          <p:cNvSpPr>
+            <a:spLocks noGrp="1"/>
+          </p:cNvSpPr>
+          <p:nvPr>
+            <p:ph type="body" idx="1"/>
+          </p:nvPr>
+        </p:nvSpPr>
+        <p:spPr/>
+        <p:txBody>
+          <a:bodyPr/>
+          <a:lstStyle/>
+          <a:p>
+            <a:endParaRPr kumimoji="1" lang="ja-JP" altLang="en-US" dirty="0"/>
+          </a:p>
+        </p:txBody>
+      </p:sp>
+      <p:sp>
+        <p:nvSpPr>
+          <p:cNvPr id="4" name="スライド番号プレースホルダー 3"/>
+          <p:cNvSpPr>
+            <a:spLocks noGrp="1"/>
+          </p:cNvSpPr>
+          <p:nvPr>
+            <p:ph type="sldNum" sz="quarter" idx="10"/>
+          </p:nvPr>
+        </p:nvSpPr>
+        <p:spPr/>
+        <p:txBody>
+          <a:bodyPr/>
+          <a:lstStyle/>
+          <a:p>
+            <a:fld id="{BCBA475A-E4EF-4230-A042-9AEE72A46185}" type="slidenum">
+              <a:rPr kumimoji="1" lang="ja-JP" altLang="en-US" smtClean="0"/>
+              <a:t>16</a:t>
+            </a:fld>
+            <a:endParaRPr kumimoji="1" lang="ja-JP" altLang="en-US"/>
+          </a:p>
+        </p:txBody>
+      </p:sp>
+    </p:spTree>
+    <p:extLst>
+      <p:ext uri="{BB962C8B-B14F-4D97-AF65-F5344CB8AC3E}">
+        <p14:creationId xmlns:p14="http://schemas.microsoft.com/office/powerpoint/2010/main" val="2108918487"/>
+      </p:ext>
+    </p:extLst>
+  </p:cSld>
+  <p:clrMapOvr>
+    <a:masterClrMapping/>
+  </p:clrMapOvr>
+</p:notes>
+</file>
+
+<file path=ppt/notesSlides/notesSlide16.xml><?xml version="1.0" encoding="utf-8"?>
+<p:notes xmlns:a="http://schemas.openxmlformats.org/drawingml/2006/main" xmlns:r="http://schemas.openxmlformats.org/officeDocument/2006/relationships" xmlns:p="http://schemas.openxmlformats.org/presentationml/2006/main">
+  <p:cSld>
+    <p:spTree>
+      <p:nvGrpSpPr>
+        <p:cNvPr id="1" name=""/>
+        <p:cNvGrpSpPr/>
+        <p:nvPr/>
+      </p:nvGrpSpPr>
+      <p:grpSpPr>
+        <a:xfrm>
+          <a:off x="0" y="0"/>
+          <a:ext cx="0" cy="0"/>
+          <a:chOff x="0" y="0"/>
+          <a:chExt cx="0" cy="0"/>
+        </a:xfrm>
+      </p:grpSpPr>
+      <p:sp>
+        <p:nvSpPr>
+          <p:cNvPr id="2" name="スライド イメージ プレースホルダー 1"/>
+          <p:cNvSpPr>
+            <a:spLocks noGrp="1" noRot="1" noChangeAspect="1"/>
+          </p:cNvSpPr>
+          <p:nvPr>
+            <p:ph type="sldImg"/>
+          </p:nvPr>
+        </p:nvSpPr>
+        <p:spPr/>
+      </p:sp>
+      <p:sp>
+        <p:nvSpPr>
+          <p:cNvPr id="3" name="ノート プレースホルダー 2"/>
+          <p:cNvSpPr>
+            <a:spLocks noGrp="1"/>
+          </p:cNvSpPr>
+          <p:nvPr>
+            <p:ph type="body" idx="1"/>
+          </p:nvPr>
+        </p:nvSpPr>
+        <p:spPr/>
+        <p:txBody>
+          <a:bodyPr/>
+          <a:lstStyle/>
+          <a:p>
+            <a:endParaRPr kumimoji="1" lang="ja-JP" altLang="en-US" dirty="0"/>
+          </a:p>
+        </p:txBody>
+      </p:sp>
+      <p:sp>
+        <p:nvSpPr>
+          <p:cNvPr id="4" name="スライド番号プレースホルダー 3"/>
+          <p:cNvSpPr>
+            <a:spLocks noGrp="1"/>
+          </p:cNvSpPr>
+          <p:nvPr>
+            <p:ph type="sldNum" sz="quarter" idx="10"/>
+          </p:nvPr>
+        </p:nvSpPr>
+        <p:spPr/>
+        <p:txBody>
+          <a:bodyPr/>
+          <a:lstStyle/>
+          <a:p>
+            <a:fld id="{BCBA475A-E4EF-4230-A042-9AEE72A46185}" type="slidenum">
+              <a:rPr kumimoji="1" lang="ja-JP" altLang="en-US" smtClean="0"/>
+              <a:t>17</a:t>
+            </a:fld>
+            <a:endParaRPr kumimoji="1" lang="ja-JP" altLang="en-US"/>
+          </a:p>
+        </p:txBody>
+      </p:sp>
+    </p:spTree>
+    <p:extLst>
+      <p:ext uri="{BB962C8B-B14F-4D97-AF65-F5344CB8AC3E}">
+        <p14:creationId xmlns:p14="http://schemas.microsoft.com/office/powerpoint/2010/main" val="677191251"/>
+      </p:ext>
+    </p:extLst>
+  </p:cSld>
+  <p:clrMapOvr>
+    <a:masterClrMapping/>
+  </p:clrMapOvr>
+</p:notes>
+</file>
+
+<file path=ppt/notesSlides/notesSlide17.xml><?xml version="1.0" encoding="utf-8"?>
+<p:notes xmlns:a="http://schemas.openxmlformats.org/drawingml/2006/main" xmlns:r="http://schemas.openxmlformats.org/officeDocument/2006/relationships" xmlns:p="http://schemas.openxmlformats.org/presentationml/2006/main">
+  <p:cSld>
+    <p:spTree>
+      <p:nvGrpSpPr>
+        <p:cNvPr id="1" name=""/>
+        <p:cNvGrpSpPr/>
+        <p:nvPr/>
+      </p:nvGrpSpPr>
+      <p:grpSpPr>
+        <a:xfrm>
+          <a:off x="0" y="0"/>
+          <a:ext cx="0" cy="0"/>
+          <a:chOff x="0" y="0"/>
+          <a:chExt cx="0" cy="0"/>
+        </a:xfrm>
+      </p:grpSpPr>
+      <p:sp>
+        <p:nvSpPr>
+          <p:cNvPr id="2" name="スライド イメージ プレースホルダー 1"/>
+          <p:cNvSpPr>
+            <a:spLocks noGrp="1" noRot="1" noChangeAspect="1"/>
+          </p:cNvSpPr>
+          <p:nvPr>
+            <p:ph type="sldImg"/>
+          </p:nvPr>
+        </p:nvSpPr>
+        <p:spPr/>
+      </p:sp>
+      <p:sp>
+        <p:nvSpPr>
+          <p:cNvPr id="3" name="ノート プレースホルダー 2"/>
+          <p:cNvSpPr>
+            <a:spLocks noGrp="1"/>
+          </p:cNvSpPr>
+          <p:nvPr>
+            <p:ph type="body" idx="1"/>
+          </p:nvPr>
+        </p:nvSpPr>
+        <p:spPr/>
+        <p:txBody>
+          <a:bodyPr/>
+          <a:lstStyle/>
+          <a:p>
+            <a:endParaRPr kumimoji="1" lang="ja-JP" altLang="en-US" dirty="0"/>
+          </a:p>
+        </p:txBody>
+      </p:sp>
+      <p:sp>
+        <p:nvSpPr>
+          <p:cNvPr id="4" name="スライド番号プレースホルダー 3"/>
+          <p:cNvSpPr>
+            <a:spLocks noGrp="1"/>
+          </p:cNvSpPr>
+          <p:nvPr>
+            <p:ph type="sldNum" sz="quarter" idx="10"/>
+          </p:nvPr>
+        </p:nvSpPr>
+        <p:spPr/>
+        <p:txBody>
+          <a:bodyPr/>
+          <a:lstStyle/>
+          <a:p>
+            <a:fld id="{BCBA475A-E4EF-4230-A042-9AEE72A46185}" type="slidenum">
+              <a:rPr kumimoji="1" lang="ja-JP" altLang="en-US" smtClean="0"/>
+              <a:t>18</a:t>
+            </a:fld>
+            <a:endParaRPr kumimoji="1" lang="ja-JP" altLang="en-US"/>
+          </a:p>
+        </p:txBody>
+      </p:sp>
+    </p:spTree>
+    <p:extLst>
+      <p:ext uri="{BB962C8B-B14F-4D97-AF65-F5344CB8AC3E}">
+        <p14:creationId xmlns:p14="http://schemas.microsoft.com/office/powerpoint/2010/main" val="1834822625"/>
+      </p:ext>
+    </p:extLst>
+  </p:cSld>
+  <p:clrMapOvr>
+    <a:masterClrMapping/>
+  </p:clrMapOvr>
+</p:notes>
+</file>
+
+<file path=ppt/notesSlides/notesSlide18.xml><?xml version="1.0" encoding="utf-8"?>
+<p:notes xmlns:a="http://schemas.openxmlformats.org/drawingml/2006/main" xmlns:r="http://schemas.openxmlformats.org/officeDocument/2006/relationships" xmlns:p="http://schemas.openxmlformats.org/presentationml/2006/main">
+  <p:cSld>
+    <p:spTree>
+      <p:nvGrpSpPr>
+        <p:cNvPr id="1" name=""/>
+        <p:cNvGrpSpPr/>
+        <p:nvPr/>
+      </p:nvGrpSpPr>
+      <p:grpSpPr>
+        <a:xfrm>
+          <a:off x="0" y="0"/>
+          <a:ext cx="0" cy="0"/>
+          <a:chOff x="0" y="0"/>
+          <a:chExt cx="0" cy="0"/>
+        </a:xfrm>
+      </p:grpSpPr>
+      <p:sp>
+        <p:nvSpPr>
+          <p:cNvPr id="2" name="スライド イメージ プレースホルダー 1"/>
+          <p:cNvSpPr>
+            <a:spLocks noGrp="1" noRot="1" noChangeAspect="1"/>
+          </p:cNvSpPr>
+          <p:nvPr>
+            <p:ph type="sldImg"/>
+          </p:nvPr>
+        </p:nvSpPr>
+        <p:spPr/>
+      </p:sp>
+      <p:sp>
+        <p:nvSpPr>
+          <p:cNvPr id="3" name="ノート プレースホルダー 2"/>
+          <p:cNvSpPr>
+            <a:spLocks noGrp="1"/>
+          </p:cNvSpPr>
+          <p:nvPr>
+            <p:ph type="body" idx="1"/>
+          </p:nvPr>
+        </p:nvSpPr>
+        <p:spPr/>
+        <p:txBody>
+          <a:bodyPr/>
+          <a:lstStyle/>
+          <a:p>
+            <a:endParaRPr kumimoji="1" lang="ja-JP" altLang="en-US" dirty="0"/>
+          </a:p>
+        </p:txBody>
+      </p:sp>
+      <p:sp>
+        <p:nvSpPr>
+          <p:cNvPr id="4" name="スライド番号プレースホルダー 3"/>
+          <p:cNvSpPr>
+            <a:spLocks noGrp="1"/>
+          </p:cNvSpPr>
+          <p:nvPr>
+            <p:ph type="sldNum" sz="quarter" idx="10"/>
+          </p:nvPr>
+        </p:nvSpPr>
+        <p:spPr/>
+        <p:txBody>
+          <a:bodyPr/>
+          <a:lstStyle/>
+          <a:p>
+            <a:fld id="{BCBA475A-E4EF-4230-A042-9AEE72A46185}" type="slidenum">
+              <a:rPr kumimoji="1" lang="ja-JP" altLang="en-US" smtClean="0"/>
+              <a:t>19</a:t>
+            </a:fld>
+            <a:endParaRPr kumimoji="1" lang="ja-JP" altLang="en-US"/>
+          </a:p>
+        </p:txBody>
+      </p:sp>
+    </p:spTree>
+    <p:extLst>
+      <p:ext uri="{BB962C8B-B14F-4D97-AF65-F5344CB8AC3E}">
+        <p14:creationId xmlns:p14="http://schemas.microsoft.com/office/powerpoint/2010/main" val="745324612"/>
+      </p:ext>
+    </p:extLst>
+  </p:cSld>
+  <p:clrMapOvr>
+    <a:masterClrMapping/>
+  </p:clrMapOvr>
+</p:notes>
+</file>
+
+<file path=ppt/notesSlides/notesSlide19.xml><?xml version="1.0" encoding="utf-8"?>
+<p:notes xmlns:a="http://schemas.openxmlformats.org/drawingml/2006/main" xmlns:r="http://schemas.openxmlformats.org/officeDocument/2006/relationships" xmlns:p="http://schemas.openxmlformats.org/presentationml/2006/main">
+  <p:cSld>
+    <p:spTree>
+      <p:nvGrpSpPr>
+        <p:cNvPr id="1" name=""/>
+        <p:cNvGrpSpPr/>
+        <p:nvPr/>
+      </p:nvGrpSpPr>
+      <p:grpSpPr>
+        <a:xfrm>
+          <a:off x="0" y="0"/>
+          <a:ext cx="0" cy="0"/>
+          <a:chOff x="0" y="0"/>
+          <a:chExt cx="0" cy="0"/>
+        </a:xfrm>
+      </p:grpSpPr>
+      <p:sp>
+        <p:nvSpPr>
+          <p:cNvPr id="2" name="スライド イメージ プレースホルダー 1"/>
+          <p:cNvSpPr>
+            <a:spLocks noGrp="1" noRot="1" noChangeAspect="1"/>
+          </p:cNvSpPr>
+          <p:nvPr>
+            <p:ph type="sldImg"/>
+          </p:nvPr>
+        </p:nvSpPr>
+        <p:spPr/>
+      </p:sp>
+      <p:sp>
+        <p:nvSpPr>
+          <p:cNvPr id="3" name="ノート プレースホルダー 2"/>
+          <p:cNvSpPr>
+            <a:spLocks noGrp="1"/>
+          </p:cNvSpPr>
+          <p:nvPr>
+            <p:ph type="body" idx="1"/>
+          </p:nvPr>
+        </p:nvSpPr>
+        <p:spPr/>
+        <p:txBody>
+          <a:bodyPr/>
+          <a:lstStyle/>
+          <a:p>
+            <a:endParaRPr kumimoji="1" lang="ja-JP" altLang="en-US" dirty="0"/>
+          </a:p>
+        </p:txBody>
+      </p:sp>
+      <p:sp>
+        <p:nvSpPr>
+          <p:cNvPr id="4" name="スライド番号プレースホルダー 3"/>
+          <p:cNvSpPr>
+            <a:spLocks noGrp="1"/>
+          </p:cNvSpPr>
+          <p:nvPr>
+            <p:ph type="sldNum" sz="quarter" idx="10"/>
+          </p:nvPr>
+        </p:nvSpPr>
+        <p:spPr/>
+        <p:txBody>
+          <a:bodyPr/>
+          <a:lstStyle/>
+          <a:p>
+            <a:fld id="{BCBA475A-E4EF-4230-A042-9AEE72A46185}" type="slidenum">
+              <a:rPr kumimoji="1" lang="ja-JP" altLang="en-US" smtClean="0"/>
+              <a:t>20</a:t>
+            </a:fld>
+            <a:endParaRPr kumimoji="1" lang="ja-JP" altLang="en-US"/>
+          </a:p>
+        </p:txBody>
+      </p:sp>
+    </p:spTree>
+    <p:extLst>
+      <p:ext uri="{BB962C8B-B14F-4D97-AF65-F5344CB8AC3E}">
+        <p14:creationId xmlns:p14="http://schemas.microsoft.com/office/powerpoint/2010/main" val="718843892"/>
+      </p:ext>
+    </p:extLst>
+  </p:cSld>
+  <p:clrMapOvr>
+    <a:masterClrMapping/>
+  </p:clrMapOvr>
+</p:notes>
+</file>
+
 <file path=ppt/notesSlides/notesSlide2.xml><?xml version="1.0" encoding="utf-8"?>
 <p:notes xmlns:a="http://schemas.openxmlformats.org/drawingml/2006/main" xmlns:r="http://schemas.openxmlformats.org/officeDocument/2006/relationships" xmlns:p="http://schemas.openxmlformats.org/presentationml/2006/main">
   <p:cSld>
@@ -1306,6 +2579,258 @@
     <p:extLst>
       <p:ext uri="{BB962C8B-B14F-4D97-AF65-F5344CB8AC3E}">
         <p14:creationId xmlns:p14="http://schemas.microsoft.com/office/powerpoint/2010/main" val="3863739544"/>
+      </p:ext>
+    </p:extLst>
+  </p:cSld>
+  <p:clrMapOvr>
+    <a:masterClrMapping/>
+  </p:clrMapOvr>
+</p:notes>
+</file>
+
+<file path=ppt/notesSlides/notesSlide7.xml><?xml version="1.0" encoding="utf-8"?>
+<p:notes xmlns:a="http://schemas.openxmlformats.org/drawingml/2006/main" xmlns:r="http://schemas.openxmlformats.org/officeDocument/2006/relationships" xmlns:p="http://schemas.openxmlformats.org/presentationml/2006/main">
+  <p:cSld>
+    <p:spTree>
+      <p:nvGrpSpPr>
+        <p:cNvPr id="1" name=""/>
+        <p:cNvGrpSpPr/>
+        <p:nvPr/>
+      </p:nvGrpSpPr>
+      <p:grpSpPr>
+        <a:xfrm>
+          <a:off x="0" y="0"/>
+          <a:ext cx="0" cy="0"/>
+          <a:chOff x="0" y="0"/>
+          <a:chExt cx="0" cy="0"/>
+        </a:xfrm>
+      </p:grpSpPr>
+      <p:sp>
+        <p:nvSpPr>
+          <p:cNvPr id="2" name="スライド イメージ プレースホルダー 1"/>
+          <p:cNvSpPr>
+            <a:spLocks noGrp="1" noRot="1" noChangeAspect="1"/>
+          </p:cNvSpPr>
+          <p:nvPr>
+            <p:ph type="sldImg"/>
+          </p:nvPr>
+        </p:nvSpPr>
+        <p:spPr/>
+      </p:sp>
+      <p:sp>
+        <p:nvSpPr>
+          <p:cNvPr id="3" name="ノート プレースホルダー 2"/>
+          <p:cNvSpPr>
+            <a:spLocks noGrp="1"/>
+          </p:cNvSpPr>
+          <p:nvPr>
+            <p:ph type="body" idx="1"/>
+          </p:nvPr>
+        </p:nvSpPr>
+        <p:spPr/>
+        <p:txBody>
+          <a:bodyPr/>
+          <a:lstStyle/>
+          <a:p>
+            <a:endParaRPr kumimoji="1" lang="ja-JP" altLang="en-US" dirty="0"/>
+          </a:p>
+        </p:txBody>
+      </p:sp>
+      <p:sp>
+        <p:nvSpPr>
+          <p:cNvPr id="4" name="スライド番号プレースホルダー 3"/>
+          <p:cNvSpPr>
+            <a:spLocks noGrp="1"/>
+          </p:cNvSpPr>
+          <p:nvPr>
+            <p:ph type="sldNum" sz="quarter" idx="10"/>
+          </p:nvPr>
+        </p:nvSpPr>
+        <p:spPr/>
+        <p:txBody>
+          <a:bodyPr/>
+          <a:lstStyle/>
+          <a:p>
+            <a:fld id="{BCBA475A-E4EF-4230-A042-9AEE72A46185}" type="slidenum">
+              <a:rPr kumimoji="1" lang="ja-JP" altLang="en-US" smtClean="0"/>
+              <a:t>8</a:t>
+            </a:fld>
+            <a:endParaRPr kumimoji="1" lang="ja-JP" altLang="en-US"/>
+          </a:p>
+        </p:txBody>
+      </p:sp>
+    </p:spTree>
+    <p:extLst>
+      <p:ext uri="{BB962C8B-B14F-4D97-AF65-F5344CB8AC3E}">
+        <p14:creationId xmlns:p14="http://schemas.microsoft.com/office/powerpoint/2010/main" val="3229430266"/>
+      </p:ext>
+    </p:extLst>
+  </p:cSld>
+  <p:clrMapOvr>
+    <a:masterClrMapping/>
+  </p:clrMapOvr>
+</p:notes>
+</file>
+
+<file path=ppt/notesSlides/notesSlide8.xml><?xml version="1.0" encoding="utf-8"?>
+<p:notes xmlns:a="http://schemas.openxmlformats.org/drawingml/2006/main" xmlns:r="http://schemas.openxmlformats.org/officeDocument/2006/relationships" xmlns:p="http://schemas.openxmlformats.org/presentationml/2006/main">
+  <p:cSld>
+    <p:spTree>
+      <p:nvGrpSpPr>
+        <p:cNvPr id="1" name=""/>
+        <p:cNvGrpSpPr/>
+        <p:nvPr/>
+      </p:nvGrpSpPr>
+      <p:grpSpPr>
+        <a:xfrm>
+          <a:off x="0" y="0"/>
+          <a:ext cx="0" cy="0"/>
+          <a:chOff x="0" y="0"/>
+          <a:chExt cx="0" cy="0"/>
+        </a:xfrm>
+      </p:grpSpPr>
+      <p:sp>
+        <p:nvSpPr>
+          <p:cNvPr id="2" name="スライド イメージ プレースホルダー 1"/>
+          <p:cNvSpPr>
+            <a:spLocks noGrp="1" noRot="1" noChangeAspect="1"/>
+          </p:cNvSpPr>
+          <p:nvPr>
+            <p:ph type="sldImg"/>
+          </p:nvPr>
+        </p:nvSpPr>
+        <p:spPr/>
+      </p:sp>
+      <p:sp>
+        <p:nvSpPr>
+          <p:cNvPr id="3" name="ノート プレースホルダー 2"/>
+          <p:cNvSpPr>
+            <a:spLocks noGrp="1"/>
+          </p:cNvSpPr>
+          <p:nvPr>
+            <p:ph type="body" idx="1"/>
+          </p:nvPr>
+        </p:nvSpPr>
+        <p:spPr/>
+        <p:txBody>
+          <a:bodyPr/>
+          <a:lstStyle/>
+          <a:p>
+            <a:endParaRPr kumimoji="1" lang="ja-JP" altLang="en-US" dirty="0"/>
+          </a:p>
+        </p:txBody>
+      </p:sp>
+      <p:sp>
+        <p:nvSpPr>
+          <p:cNvPr id="4" name="スライド番号プレースホルダー 3"/>
+          <p:cNvSpPr>
+            <a:spLocks noGrp="1"/>
+          </p:cNvSpPr>
+          <p:nvPr>
+            <p:ph type="sldNum" sz="quarter" idx="10"/>
+          </p:nvPr>
+        </p:nvSpPr>
+        <p:spPr/>
+        <p:txBody>
+          <a:bodyPr/>
+          <a:lstStyle/>
+          <a:p>
+            <a:fld id="{BCBA475A-E4EF-4230-A042-9AEE72A46185}" type="slidenum">
+              <a:rPr kumimoji="1" lang="ja-JP" altLang="en-US" smtClean="0"/>
+              <a:t>9</a:t>
+            </a:fld>
+            <a:endParaRPr kumimoji="1" lang="ja-JP" altLang="en-US"/>
+          </a:p>
+        </p:txBody>
+      </p:sp>
+    </p:spTree>
+    <p:extLst>
+      <p:ext uri="{BB962C8B-B14F-4D97-AF65-F5344CB8AC3E}">
+        <p14:creationId xmlns:p14="http://schemas.microsoft.com/office/powerpoint/2010/main" val="1227649358"/>
+      </p:ext>
+    </p:extLst>
+  </p:cSld>
+  <p:clrMapOvr>
+    <a:masterClrMapping/>
+  </p:clrMapOvr>
+</p:notes>
+</file>
+
+<file path=ppt/notesSlides/notesSlide9.xml><?xml version="1.0" encoding="utf-8"?>
+<p:notes xmlns:a="http://schemas.openxmlformats.org/drawingml/2006/main" xmlns:r="http://schemas.openxmlformats.org/officeDocument/2006/relationships" xmlns:p="http://schemas.openxmlformats.org/presentationml/2006/main">
+  <p:cSld>
+    <p:spTree>
+      <p:nvGrpSpPr>
+        <p:cNvPr id="1" name=""/>
+        <p:cNvGrpSpPr/>
+        <p:nvPr/>
+      </p:nvGrpSpPr>
+      <p:grpSpPr>
+        <a:xfrm>
+          <a:off x="0" y="0"/>
+          <a:ext cx="0" cy="0"/>
+          <a:chOff x="0" y="0"/>
+          <a:chExt cx="0" cy="0"/>
+        </a:xfrm>
+      </p:grpSpPr>
+      <p:sp>
+        <p:nvSpPr>
+          <p:cNvPr id="2" name="スライド イメージ プレースホルダー 1"/>
+          <p:cNvSpPr>
+            <a:spLocks noGrp="1" noRot="1" noChangeAspect="1"/>
+          </p:cNvSpPr>
+          <p:nvPr>
+            <p:ph type="sldImg"/>
+          </p:nvPr>
+        </p:nvSpPr>
+        <p:spPr/>
+      </p:sp>
+      <p:sp>
+        <p:nvSpPr>
+          <p:cNvPr id="3" name="ノート プレースホルダー 2"/>
+          <p:cNvSpPr>
+            <a:spLocks noGrp="1"/>
+          </p:cNvSpPr>
+          <p:nvPr>
+            <p:ph type="body" idx="1"/>
+          </p:nvPr>
+        </p:nvSpPr>
+        <p:spPr/>
+        <p:txBody>
+          <a:bodyPr/>
+          <a:lstStyle/>
+          <a:p>
+            <a:endParaRPr kumimoji="1" lang="ja-JP" altLang="en-US" dirty="0"/>
+          </a:p>
+        </p:txBody>
+      </p:sp>
+      <p:sp>
+        <p:nvSpPr>
+          <p:cNvPr id="4" name="スライド番号プレースホルダー 3"/>
+          <p:cNvSpPr>
+            <a:spLocks noGrp="1"/>
+          </p:cNvSpPr>
+          <p:nvPr>
+            <p:ph type="sldNum" sz="quarter" idx="10"/>
+          </p:nvPr>
+        </p:nvSpPr>
+        <p:spPr/>
+        <p:txBody>
+          <a:bodyPr/>
+          <a:lstStyle/>
+          <a:p>
+            <a:fld id="{BCBA475A-E4EF-4230-A042-9AEE72A46185}" type="slidenum">
+              <a:rPr kumimoji="1" lang="ja-JP" altLang="en-US" smtClean="0"/>
+              <a:t>10</a:t>
+            </a:fld>
+            <a:endParaRPr kumimoji="1" lang="ja-JP" altLang="en-US"/>
+          </a:p>
+        </p:txBody>
+      </p:sp>
+    </p:spTree>
+    <p:extLst>
+      <p:ext uri="{BB962C8B-B14F-4D97-AF65-F5344CB8AC3E}">
+        <p14:creationId xmlns:p14="http://schemas.microsoft.com/office/powerpoint/2010/main" val="2026645789"/>
       </p:ext>
     </p:extLst>
   </p:cSld>
@@ -1462,7 +2987,7 @@
           <a:p>
             <a:fld id="{82A1F928-7F2E-419B-B14E-22C5E74D67C0}" type="datetimeFigureOut">
               <a:rPr kumimoji="1" lang="ja-JP" altLang="en-US" smtClean="0"/>
-              <a:t>2018/8/31</a:t>
+              <a:t>2018/9/12</a:t>
             </a:fld>
             <a:endParaRPr kumimoji="1" lang="ja-JP" altLang="en-US"/>
           </a:p>
@@ -1692,7 +3217,7 @@
           <a:p>
             <a:fld id="{82A1F928-7F2E-419B-B14E-22C5E74D67C0}" type="datetimeFigureOut">
               <a:rPr kumimoji="1" lang="ja-JP" altLang="en-US" smtClean="0"/>
-              <a:t>2018/8/31</a:t>
+              <a:t>2018/9/12</a:t>
             </a:fld>
             <a:endParaRPr kumimoji="1" lang="ja-JP" altLang="en-US"/>
           </a:p>
@@ -1932,7 +3457,7 @@
           <a:p>
             <a:fld id="{82A1F928-7F2E-419B-B14E-22C5E74D67C0}" type="datetimeFigureOut">
               <a:rPr kumimoji="1" lang="ja-JP" altLang="en-US" smtClean="0"/>
-              <a:t>2018/8/31</a:t>
+              <a:t>2018/9/12</a:t>
             </a:fld>
             <a:endParaRPr kumimoji="1" lang="ja-JP" altLang="en-US"/>
           </a:p>
@@ -2162,7 +3687,7 @@
           <a:p>
             <a:fld id="{82A1F928-7F2E-419B-B14E-22C5E74D67C0}" type="datetimeFigureOut">
               <a:rPr kumimoji="1" lang="ja-JP" altLang="en-US" smtClean="0"/>
-              <a:t>2018/8/31</a:t>
+              <a:t>2018/9/12</a:t>
             </a:fld>
             <a:endParaRPr kumimoji="1" lang="ja-JP" altLang="en-US"/>
           </a:p>
@@ -2437,7 +3962,7 @@
           <a:p>
             <a:fld id="{82A1F928-7F2E-419B-B14E-22C5E74D67C0}" type="datetimeFigureOut">
               <a:rPr kumimoji="1" lang="ja-JP" altLang="en-US" smtClean="0"/>
-              <a:t>2018/8/31</a:t>
+              <a:t>2018/9/12</a:t>
             </a:fld>
             <a:endParaRPr kumimoji="1" lang="ja-JP" altLang="en-US"/>
           </a:p>
@@ -2766,7 +4291,7 @@
           <a:p>
             <a:fld id="{82A1F928-7F2E-419B-B14E-22C5E74D67C0}" type="datetimeFigureOut">
               <a:rPr kumimoji="1" lang="ja-JP" altLang="en-US" smtClean="0"/>
-              <a:t>2018/8/31</a:t>
+              <a:t>2018/9/12</a:t>
             </a:fld>
             <a:endParaRPr kumimoji="1" lang="ja-JP" altLang="en-US"/>
           </a:p>
@@ -3242,7 +4767,7 @@
           <a:p>
             <a:fld id="{82A1F928-7F2E-419B-B14E-22C5E74D67C0}" type="datetimeFigureOut">
               <a:rPr kumimoji="1" lang="ja-JP" altLang="en-US" smtClean="0"/>
-              <a:t>2018/8/31</a:t>
+              <a:t>2018/9/12</a:t>
             </a:fld>
             <a:endParaRPr kumimoji="1" lang="ja-JP" altLang="en-US"/>
           </a:p>
@@ -3383,7 +4908,7 @@
           <a:p>
             <a:fld id="{82A1F928-7F2E-419B-B14E-22C5E74D67C0}" type="datetimeFigureOut">
               <a:rPr kumimoji="1" lang="ja-JP" altLang="en-US" smtClean="0"/>
-              <a:t>2018/8/31</a:t>
+              <a:t>2018/9/12</a:t>
             </a:fld>
             <a:endParaRPr kumimoji="1" lang="ja-JP" altLang="en-US"/>
           </a:p>
@@ -3496,7 +5021,7 @@
           <a:p>
             <a:fld id="{82A1F928-7F2E-419B-B14E-22C5E74D67C0}" type="datetimeFigureOut">
               <a:rPr kumimoji="1" lang="ja-JP" altLang="en-US" smtClean="0"/>
-              <a:t>2018/8/31</a:t>
+              <a:t>2018/9/12</a:t>
             </a:fld>
             <a:endParaRPr kumimoji="1" lang="ja-JP" altLang="en-US"/>
           </a:p>
@@ -3839,7 +5364,7 @@
           <a:p>
             <a:fld id="{82A1F928-7F2E-419B-B14E-22C5E74D67C0}" type="datetimeFigureOut">
               <a:rPr kumimoji="1" lang="ja-JP" altLang="en-US" smtClean="0"/>
-              <a:t>2018/8/31</a:t>
+              <a:t>2018/9/12</a:t>
             </a:fld>
             <a:endParaRPr kumimoji="1" lang="ja-JP" altLang="en-US"/>
           </a:p>
@@ -4127,7 +5652,7 @@
           <a:p>
             <a:fld id="{82A1F928-7F2E-419B-B14E-22C5E74D67C0}" type="datetimeFigureOut">
               <a:rPr kumimoji="1" lang="ja-JP" altLang="en-US" smtClean="0"/>
-              <a:t>2018/8/31</a:t>
+              <a:t>2018/9/12</a:t>
             </a:fld>
             <a:endParaRPr kumimoji="1" lang="ja-JP" altLang="en-US"/>
           </a:p>
@@ -4400,7 +5925,7 @@
           <a:p>
             <a:fld id="{82A1F928-7F2E-419B-B14E-22C5E74D67C0}" type="datetimeFigureOut">
               <a:rPr kumimoji="1" lang="ja-JP" altLang="en-US" smtClean="0"/>
-              <a:t>2018/8/31</a:t>
+              <a:t>2018/9/12</a:t>
             </a:fld>
             <a:endParaRPr kumimoji="1" lang="ja-JP" altLang="en-US"/>
           </a:p>
@@ -4890,6 +6415,3171 @@
 </p:sld>
 </file>
 
+<file path=ppt/slides/slide10.xml><?xml version="1.0" encoding="utf-8"?>
+<p:sld xmlns:a="http://schemas.openxmlformats.org/drawingml/2006/main" xmlns:r="http://schemas.openxmlformats.org/officeDocument/2006/relationships" xmlns:p="http://schemas.openxmlformats.org/presentationml/2006/main">
+  <p:cSld>
+    <p:bg>
+      <p:bgPr>
+        <a:solidFill>
+          <a:schemeClr val="bg1"/>
+        </a:solidFill>
+        <a:effectLst/>
+      </p:bgPr>
+    </p:bg>
+    <p:spTree>
+      <p:nvGrpSpPr>
+        <p:cNvPr id="1" name=""/>
+        <p:cNvGrpSpPr/>
+        <p:nvPr/>
+      </p:nvGrpSpPr>
+      <p:grpSpPr>
+        <a:xfrm>
+          <a:off x="0" y="0"/>
+          <a:ext cx="0" cy="0"/>
+          <a:chOff x="0" y="0"/>
+          <a:chExt cx="0" cy="0"/>
+        </a:xfrm>
+      </p:grpSpPr>
+      <p:sp>
+        <p:nvSpPr>
+          <p:cNvPr id="13" name="Down Arrow 7">
+            <a:extLst>
+              <a:ext uri="{FF2B5EF4-FFF2-40B4-BE49-F238E27FC236}">
+                <a16:creationId xmlns:a16="http://schemas.microsoft.com/office/drawing/2014/main" id="{73DE2CFE-42F2-48F0-8706-5264E012B10C}"/>
+              </a:ext>
+              <a:ext uri="{C183D7F6-B498-43B3-948B-1728B52AA6E4}">
+                <adec:decorative xmlns:adec="http://schemas.microsoft.com/office/drawing/2017/decorative" val="1"/>
+              </a:ext>
+            </a:extLst>
+          </p:cNvPr>
+          <p:cNvSpPr>
+            <a:spLocks noGrp="1" noRot="1" noChangeAspect="1" noMove="1" noResize="1" noEditPoints="1" noAdjustHandles="1" noChangeArrowheads="1" noChangeShapeType="1" noTextEdit="1"/>
+          </p:cNvSpPr>
+          <p:nvPr>
+            <p:extLst>
+              <p:ext uri="{386F3935-93C4-4BCD-93E2-E3B085C9AB24}">
+                <p16:designElem xmlns:p16="http://schemas.microsoft.com/office/powerpoint/2015/main" val="1"/>
+              </p:ext>
+            </p:extLst>
+          </p:nvPr>
+        </p:nvSpPr>
+        <p:spPr>
+          <a:xfrm rot="16200000">
+            <a:off x="1288521" y="381403"/>
+            <a:ext cx="2200313" cy="3342508"/>
+          </a:xfrm>
+          <a:prstGeom prst="downArrow">
+            <a:avLst>
+              <a:gd name="adj1" fmla="val 100000"/>
+              <a:gd name="adj2" fmla="val 15788"/>
+            </a:avLst>
+          </a:prstGeom>
+          <a:solidFill>
+            <a:srgbClr val="404040"/>
+          </a:solidFill>
+          <a:ln w="53975">
+            <a:noFill/>
+          </a:ln>
+        </p:spPr>
+        <p:style>
+          <a:lnRef idx="2">
+            <a:schemeClr val="accent1">
+              <a:shade val="50000"/>
+            </a:schemeClr>
+          </a:lnRef>
+          <a:fillRef idx="1">
+            <a:schemeClr val="accent1"/>
+          </a:fillRef>
+          <a:effectRef idx="0">
+            <a:schemeClr val="accent1"/>
+          </a:effectRef>
+          <a:fontRef idx="minor">
+            <a:schemeClr val="lt1"/>
+          </a:fontRef>
+        </p:style>
+        <p:txBody>
+          <a:bodyPr rtlCol="0" anchor="ctr"/>
+          <a:lstStyle/>
+          <a:p>
+            <a:pPr marL="0" marR="0" lvl="0" indent="0" algn="ctr" defTabSz="914400" rtl="0" eaLnBrk="1" fontAlgn="auto" latinLnBrk="0" hangingPunct="1">
+              <a:lnSpc>
+                <a:spcPct val="100000"/>
+              </a:lnSpc>
+              <a:spcBef>
+                <a:spcPts val="0"/>
+              </a:spcBef>
+              <a:spcAft>
+                <a:spcPts val="0"/>
+              </a:spcAft>
+              <a:buClrTx/>
+              <a:buSzTx/>
+              <a:buFontTx/>
+              <a:buNone/>
+              <a:tabLst/>
+              <a:defRPr/>
+            </a:pPr>
+            <a:endParaRPr kumimoji="0" lang="en-US" sz="1800" b="0" i="0" u="none" strike="noStrike" kern="1200" cap="none" spc="0" normalizeH="0" baseline="0" noProof="0">
+              <a:ln>
+                <a:noFill/>
+              </a:ln>
+              <a:solidFill>
+                <a:prstClr val="white"/>
+              </a:solidFill>
+              <a:effectLst/>
+              <a:uLnTx/>
+              <a:uFillTx/>
+              <a:latin typeface="Calibri" panose="020F0502020204030204"/>
+              <a:ea typeface="+mn-ea"/>
+              <a:cs typeface="+mn-cs"/>
+            </a:endParaRPr>
+          </a:p>
+        </p:txBody>
+      </p:sp>
+      <p:sp>
+        <p:nvSpPr>
+          <p:cNvPr id="2" name="タイトル 1">
+            <a:extLst>
+              <a:ext uri="{FF2B5EF4-FFF2-40B4-BE49-F238E27FC236}">
+                <a16:creationId xmlns:a16="http://schemas.microsoft.com/office/drawing/2014/main" id="{A7D5D82D-CF3A-481C-A431-BE9E236A1998}"/>
+              </a:ext>
+            </a:extLst>
+          </p:cNvPr>
+          <p:cNvSpPr>
+            <a:spLocks noGrp="1"/>
+          </p:cNvSpPr>
+          <p:nvPr>
+            <p:ph type="title"/>
+          </p:nvPr>
+        </p:nvSpPr>
+        <p:spPr>
+          <a:xfrm>
+            <a:off x="966952" y="1204108"/>
+            <a:ext cx="2669406" cy="1781175"/>
+          </a:xfrm>
+        </p:spPr>
+        <p:txBody>
+          <a:bodyPr>
+            <a:normAutofit/>
+          </a:bodyPr>
+          <a:lstStyle/>
+          <a:p>
+            <a:r>
+              <a:rPr kumimoji="1" lang="en-US" altLang="ja-JP" sz="3200" dirty="0" err="1">
+                <a:solidFill>
+                  <a:srgbClr val="FFFFFF"/>
+                </a:solidFill>
+              </a:rPr>
+              <a:t>Sourcetree</a:t>
+            </a:r>
+            <a:r>
+              <a:rPr kumimoji="1" lang="ja-JP" altLang="en-US" sz="3200" dirty="0">
+                <a:solidFill>
+                  <a:srgbClr val="FFFFFF"/>
+                </a:solidFill>
+              </a:rPr>
+              <a:t>のインストール</a:t>
+            </a:r>
+          </a:p>
+        </p:txBody>
+      </p:sp>
+      <p:sp>
+        <p:nvSpPr>
+          <p:cNvPr id="10" name="Content Placeholder 9">
+            <a:extLst>
+              <a:ext uri="{FF2B5EF4-FFF2-40B4-BE49-F238E27FC236}">
+                <a16:creationId xmlns:a16="http://schemas.microsoft.com/office/drawing/2014/main" id="{0A837A21-1852-40A6-A18A-F08488F334AF}"/>
+              </a:ext>
+            </a:extLst>
+          </p:cNvPr>
+          <p:cNvSpPr>
+            <a:spLocks noGrp="1"/>
+          </p:cNvSpPr>
+          <p:nvPr>
+            <p:ph idx="1"/>
+          </p:nvPr>
+        </p:nvSpPr>
+        <p:spPr>
+          <a:xfrm>
+            <a:off x="966950" y="3355130"/>
+            <a:ext cx="3092981" cy="2427333"/>
+          </a:xfrm>
+        </p:spPr>
+        <p:txBody>
+          <a:bodyPr>
+            <a:normAutofit/>
+          </a:bodyPr>
+          <a:lstStyle/>
+          <a:p>
+            <a:r>
+              <a:rPr lang="ja-JP" altLang="en-US" sz="1600" dirty="0"/>
+              <a:t>完了するまで数分待ち、終わったらこの画面になるのでそうなったら、「次へ」を選択する。</a:t>
+            </a:r>
+            <a:endParaRPr lang="en-US" altLang="ja-JP" sz="1600" dirty="0"/>
+          </a:p>
+        </p:txBody>
+      </p:sp>
+      <p:pic>
+        <p:nvPicPr>
+          <p:cNvPr id="8" name="コンテンツ プレースホルダー 4">
+            <a:extLst>
+              <a:ext uri="{FF2B5EF4-FFF2-40B4-BE49-F238E27FC236}">
+                <a16:creationId xmlns:a16="http://schemas.microsoft.com/office/drawing/2014/main" id="{90FF0F12-B6E9-47AB-BCA8-A3C9632A32AA}"/>
+              </a:ext>
+            </a:extLst>
+          </p:cNvPr>
+          <p:cNvPicPr>
+            <a:picLocks noChangeAspect="1"/>
+          </p:cNvPicPr>
+          <p:nvPr/>
+        </p:nvPicPr>
+        <p:blipFill>
+          <a:blip r:embed="rId3">
+            <a:extLst>
+              <a:ext uri="{28A0092B-C50C-407E-A947-70E740481C1C}">
+                <a14:useLocalDpi xmlns:a14="http://schemas.microsoft.com/office/drawing/2010/main" val="0"/>
+              </a:ext>
+            </a:extLst>
+          </a:blip>
+          <a:stretch>
+            <a:fillRect/>
+          </a:stretch>
+        </p:blipFill>
+        <p:spPr>
+          <a:xfrm>
+            <a:off x="4789699" y="1200698"/>
+            <a:ext cx="6599029" cy="4027146"/>
+          </a:xfrm>
+          <a:prstGeom prst="rect">
+            <a:avLst/>
+          </a:prstGeom>
+        </p:spPr>
+      </p:pic>
+      <mc:AlternateContent xmlns:mc="http://schemas.openxmlformats.org/markup-compatibility/2006" xmlns:p14="http://schemas.microsoft.com/office/powerpoint/2010/main">
+        <mc:Choice Requires="p14">
+          <p:contentPart p14:bwMode="auto" r:id="rId4">
+            <p14:nvContentPartPr>
+              <p14:cNvPr id="4" name="インク 3">
+                <a:extLst>
+                  <a:ext uri="{FF2B5EF4-FFF2-40B4-BE49-F238E27FC236}">
+                    <a16:creationId xmlns:a16="http://schemas.microsoft.com/office/drawing/2014/main" id="{FE9B922C-4578-4D3E-B245-1B7345A5F7A5}"/>
+                  </a:ext>
+                </a:extLst>
+              </p14:cNvPr>
+              <p14:cNvContentPartPr/>
+              <p14:nvPr/>
+            </p14:nvContentPartPr>
+            <p14:xfrm>
+              <a:off x="10778290" y="4977670"/>
+              <a:ext cx="446760" cy="360"/>
+            </p14:xfrm>
+          </p:contentPart>
+        </mc:Choice>
+        <mc:Fallback xmlns="">
+          <p:pic>
+            <p:nvPicPr>
+              <p:cNvPr id="4" name="インク 3">
+                <a:extLst>
+                  <a:ext uri="{FF2B5EF4-FFF2-40B4-BE49-F238E27FC236}">
+                    <a16:creationId xmlns:a16="http://schemas.microsoft.com/office/drawing/2014/main" id="{FE9B922C-4578-4D3E-B245-1B7345A5F7A5}"/>
+                  </a:ext>
+                </a:extLst>
+              </p:cNvPr>
+              <p:cNvPicPr/>
+              <p:nvPr/>
+            </p:nvPicPr>
+            <p:blipFill>
+              <a:blip r:embed="rId5"/>
+              <a:stretch>
+                <a:fillRect/>
+              </a:stretch>
+            </p:blipFill>
+            <p:spPr>
+              <a:xfrm>
+                <a:off x="10688290" y="4798030"/>
+                <a:ext cx="626400" cy="360000"/>
+              </a:xfrm>
+              <a:prstGeom prst="rect">
+                <a:avLst/>
+              </a:prstGeom>
+            </p:spPr>
+          </p:pic>
+        </mc:Fallback>
+      </mc:AlternateContent>
+    </p:spTree>
+    <p:extLst>
+      <p:ext uri="{BB962C8B-B14F-4D97-AF65-F5344CB8AC3E}">
+        <p14:creationId xmlns:p14="http://schemas.microsoft.com/office/powerpoint/2010/main" val="3125930119"/>
+      </p:ext>
+    </p:extLst>
+  </p:cSld>
+  <p:clrMapOvr>
+    <a:masterClrMapping/>
+  </p:clrMapOvr>
+</p:sld>
+</file>
+
+<file path=ppt/slides/slide11.xml><?xml version="1.0" encoding="utf-8"?>
+<p:sld xmlns:a="http://schemas.openxmlformats.org/drawingml/2006/main" xmlns:r="http://schemas.openxmlformats.org/officeDocument/2006/relationships" xmlns:p="http://schemas.openxmlformats.org/presentationml/2006/main">
+  <p:cSld>
+    <p:bg>
+      <p:bgPr>
+        <a:solidFill>
+          <a:schemeClr val="bg1"/>
+        </a:solidFill>
+        <a:effectLst/>
+      </p:bgPr>
+    </p:bg>
+    <p:spTree>
+      <p:nvGrpSpPr>
+        <p:cNvPr id="1" name=""/>
+        <p:cNvGrpSpPr/>
+        <p:nvPr/>
+      </p:nvGrpSpPr>
+      <p:grpSpPr>
+        <a:xfrm>
+          <a:off x="0" y="0"/>
+          <a:ext cx="0" cy="0"/>
+          <a:chOff x="0" y="0"/>
+          <a:chExt cx="0" cy="0"/>
+        </a:xfrm>
+      </p:grpSpPr>
+      <p:sp>
+        <p:nvSpPr>
+          <p:cNvPr id="13" name="Down Arrow 7">
+            <a:extLst>
+              <a:ext uri="{FF2B5EF4-FFF2-40B4-BE49-F238E27FC236}">
+                <a16:creationId xmlns:a16="http://schemas.microsoft.com/office/drawing/2014/main" id="{73DE2CFE-42F2-48F0-8706-5264E012B10C}"/>
+              </a:ext>
+              <a:ext uri="{C183D7F6-B498-43B3-948B-1728B52AA6E4}">
+                <adec:decorative xmlns:adec="http://schemas.microsoft.com/office/drawing/2017/decorative" val="1"/>
+              </a:ext>
+            </a:extLst>
+          </p:cNvPr>
+          <p:cNvSpPr>
+            <a:spLocks noGrp="1" noRot="1" noChangeAspect="1" noMove="1" noResize="1" noEditPoints="1" noAdjustHandles="1" noChangeArrowheads="1" noChangeShapeType="1" noTextEdit="1"/>
+          </p:cNvSpPr>
+          <p:nvPr>
+            <p:extLst>
+              <p:ext uri="{386F3935-93C4-4BCD-93E2-E3B085C9AB24}">
+                <p16:designElem xmlns:p16="http://schemas.microsoft.com/office/powerpoint/2015/main" val="1"/>
+              </p:ext>
+            </p:extLst>
+          </p:nvPr>
+        </p:nvSpPr>
+        <p:spPr>
+          <a:xfrm rot="16200000">
+            <a:off x="1288521" y="381403"/>
+            <a:ext cx="2200313" cy="3342508"/>
+          </a:xfrm>
+          <a:prstGeom prst="downArrow">
+            <a:avLst>
+              <a:gd name="adj1" fmla="val 100000"/>
+              <a:gd name="adj2" fmla="val 15788"/>
+            </a:avLst>
+          </a:prstGeom>
+          <a:solidFill>
+            <a:srgbClr val="404040"/>
+          </a:solidFill>
+          <a:ln w="53975">
+            <a:noFill/>
+          </a:ln>
+        </p:spPr>
+        <p:style>
+          <a:lnRef idx="2">
+            <a:schemeClr val="accent1">
+              <a:shade val="50000"/>
+            </a:schemeClr>
+          </a:lnRef>
+          <a:fillRef idx="1">
+            <a:schemeClr val="accent1"/>
+          </a:fillRef>
+          <a:effectRef idx="0">
+            <a:schemeClr val="accent1"/>
+          </a:effectRef>
+          <a:fontRef idx="minor">
+            <a:schemeClr val="lt1"/>
+          </a:fontRef>
+        </p:style>
+        <p:txBody>
+          <a:bodyPr rtlCol="0" anchor="ctr"/>
+          <a:lstStyle/>
+          <a:p>
+            <a:pPr marL="0" marR="0" lvl="0" indent="0" algn="ctr" defTabSz="914400" rtl="0" eaLnBrk="1" fontAlgn="auto" latinLnBrk="0" hangingPunct="1">
+              <a:lnSpc>
+                <a:spcPct val="100000"/>
+              </a:lnSpc>
+              <a:spcBef>
+                <a:spcPts val="0"/>
+              </a:spcBef>
+              <a:spcAft>
+                <a:spcPts val="0"/>
+              </a:spcAft>
+              <a:buClrTx/>
+              <a:buSzTx/>
+              <a:buFontTx/>
+              <a:buNone/>
+              <a:tabLst/>
+              <a:defRPr/>
+            </a:pPr>
+            <a:endParaRPr kumimoji="0" lang="en-US" sz="1800" b="0" i="0" u="none" strike="noStrike" kern="1200" cap="none" spc="0" normalizeH="0" baseline="0" noProof="0">
+              <a:ln>
+                <a:noFill/>
+              </a:ln>
+              <a:solidFill>
+                <a:prstClr val="white"/>
+              </a:solidFill>
+              <a:effectLst/>
+              <a:uLnTx/>
+              <a:uFillTx/>
+              <a:latin typeface="Calibri" panose="020F0502020204030204"/>
+              <a:ea typeface="+mn-ea"/>
+              <a:cs typeface="+mn-cs"/>
+            </a:endParaRPr>
+          </a:p>
+        </p:txBody>
+      </p:sp>
+      <p:sp>
+        <p:nvSpPr>
+          <p:cNvPr id="2" name="タイトル 1">
+            <a:extLst>
+              <a:ext uri="{FF2B5EF4-FFF2-40B4-BE49-F238E27FC236}">
+                <a16:creationId xmlns:a16="http://schemas.microsoft.com/office/drawing/2014/main" id="{A7D5D82D-CF3A-481C-A431-BE9E236A1998}"/>
+              </a:ext>
+            </a:extLst>
+          </p:cNvPr>
+          <p:cNvSpPr>
+            <a:spLocks noGrp="1"/>
+          </p:cNvSpPr>
+          <p:nvPr>
+            <p:ph type="title"/>
+          </p:nvPr>
+        </p:nvSpPr>
+        <p:spPr>
+          <a:xfrm>
+            <a:off x="966952" y="1204108"/>
+            <a:ext cx="2669406" cy="1781175"/>
+          </a:xfrm>
+        </p:spPr>
+        <p:txBody>
+          <a:bodyPr>
+            <a:normAutofit/>
+          </a:bodyPr>
+          <a:lstStyle/>
+          <a:p>
+            <a:r>
+              <a:rPr kumimoji="1" lang="en-US" altLang="ja-JP" sz="3200" dirty="0" err="1">
+                <a:solidFill>
+                  <a:srgbClr val="FFFFFF"/>
+                </a:solidFill>
+              </a:rPr>
+              <a:t>Sourcetree</a:t>
+            </a:r>
+            <a:r>
+              <a:rPr kumimoji="1" lang="ja-JP" altLang="en-US" sz="3200" dirty="0">
+                <a:solidFill>
+                  <a:srgbClr val="FFFFFF"/>
+                </a:solidFill>
+              </a:rPr>
+              <a:t>のインストール</a:t>
+            </a:r>
+          </a:p>
+        </p:txBody>
+      </p:sp>
+      <p:sp>
+        <p:nvSpPr>
+          <p:cNvPr id="10" name="Content Placeholder 9">
+            <a:extLst>
+              <a:ext uri="{FF2B5EF4-FFF2-40B4-BE49-F238E27FC236}">
+                <a16:creationId xmlns:a16="http://schemas.microsoft.com/office/drawing/2014/main" id="{0A837A21-1852-40A6-A18A-F08488F334AF}"/>
+              </a:ext>
+            </a:extLst>
+          </p:cNvPr>
+          <p:cNvSpPr>
+            <a:spLocks noGrp="1"/>
+          </p:cNvSpPr>
+          <p:nvPr>
+            <p:ph idx="1"/>
+          </p:nvPr>
+        </p:nvSpPr>
+        <p:spPr>
+          <a:xfrm>
+            <a:off x="966950" y="3355130"/>
+            <a:ext cx="3092981" cy="2427333"/>
+          </a:xfrm>
+        </p:spPr>
+        <p:txBody>
+          <a:bodyPr>
+            <a:normAutofit/>
+          </a:bodyPr>
+          <a:lstStyle/>
+          <a:p>
+            <a:r>
+              <a:rPr lang="ja-JP" altLang="en-US" sz="1600" dirty="0"/>
+              <a:t>グローバル無視設定ファイルを作成するか聞かれるので、「いいえ」を選択する。</a:t>
+            </a:r>
+            <a:endParaRPr lang="en-US" altLang="ja-JP" sz="1600" dirty="0"/>
+          </a:p>
+          <a:p>
+            <a:r>
+              <a:rPr lang="ja-JP" altLang="en-US" sz="1600" dirty="0"/>
+              <a:t>因みに、これは後から設定する。</a:t>
+            </a:r>
+            <a:endParaRPr lang="en-US" altLang="ja-JP" sz="1600" dirty="0"/>
+          </a:p>
+        </p:txBody>
+      </p:sp>
+      <p:pic>
+        <p:nvPicPr>
+          <p:cNvPr id="8" name="コンテンツ プレースホルダー 4">
+            <a:extLst>
+              <a:ext uri="{FF2B5EF4-FFF2-40B4-BE49-F238E27FC236}">
+                <a16:creationId xmlns:a16="http://schemas.microsoft.com/office/drawing/2014/main" id="{90FF0F12-B6E9-47AB-BCA8-A3C9632A32AA}"/>
+              </a:ext>
+            </a:extLst>
+          </p:cNvPr>
+          <p:cNvPicPr>
+            <a:picLocks noChangeAspect="1"/>
+          </p:cNvPicPr>
+          <p:nvPr/>
+        </p:nvPicPr>
+        <p:blipFill>
+          <a:blip r:embed="rId3">
+            <a:extLst>
+              <a:ext uri="{28A0092B-C50C-407E-A947-70E740481C1C}">
+                <a14:useLocalDpi xmlns:a14="http://schemas.microsoft.com/office/drawing/2010/main" val="0"/>
+              </a:ext>
+            </a:extLst>
+          </a:blip>
+          <a:stretch>
+            <a:fillRect/>
+          </a:stretch>
+        </p:blipFill>
+        <p:spPr>
+          <a:xfrm>
+            <a:off x="4789699" y="1370640"/>
+            <a:ext cx="6599029" cy="3687262"/>
+          </a:xfrm>
+          <a:prstGeom prst="rect">
+            <a:avLst/>
+          </a:prstGeom>
+        </p:spPr>
+      </p:pic>
+      <mc:AlternateContent xmlns:mc="http://schemas.openxmlformats.org/markup-compatibility/2006" xmlns:p14="http://schemas.microsoft.com/office/powerpoint/2010/main">
+        <mc:Choice Requires="p14">
+          <p:contentPart p14:bwMode="auto" r:id="rId4">
+            <p14:nvContentPartPr>
+              <p14:cNvPr id="3" name="インク 2">
+                <a:extLst>
+                  <a:ext uri="{FF2B5EF4-FFF2-40B4-BE49-F238E27FC236}">
+                    <a16:creationId xmlns:a16="http://schemas.microsoft.com/office/drawing/2014/main" id="{F3627E5F-F99C-430B-9087-31534EA51D1B}"/>
+                  </a:ext>
+                </a:extLst>
+              </p14:cNvPr>
+              <p14:cNvContentPartPr/>
+              <p14:nvPr/>
+            </p14:nvContentPartPr>
+            <p14:xfrm>
+              <a:off x="10316532" y="4750808"/>
+              <a:ext cx="898920" cy="360"/>
+            </p14:xfrm>
+          </p:contentPart>
+        </mc:Choice>
+        <mc:Fallback xmlns="">
+          <p:pic>
+            <p:nvPicPr>
+              <p:cNvPr id="3" name="インク 2">
+                <a:extLst>
+                  <a:ext uri="{FF2B5EF4-FFF2-40B4-BE49-F238E27FC236}">
+                    <a16:creationId xmlns:a16="http://schemas.microsoft.com/office/drawing/2014/main" id="{F3627E5F-F99C-430B-9087-31534EA51D1B}"/>
+                  </a:ext>
+                </a:extLst>
+              </p:cNvPr>
+              <p:cNvPicPr/>
+              <p:nvPr/>
+            </p:nvPicPr>
+            <p:blipFill>
+              <a:blip r:embed="rId5"/>
+              <a:stretch>
+                <a:fillRect/>
+              </a:stretch>
+            </p:blipFill>
+            <p:spPr>
+              <a:xfrm>
+                <a:off x="10226532" y="4570808"/>
+                <a:ext cx="1078560" cy="360000"/>
+              </a:xfrm>
+              <a:prstGeom prst="rect">
+                <a:avLst/>
+              </a:prstGeom>
+            </p:spPr>
+          </p:pic>
+        </mc:Fallback>
+      </mc:AlternateContent>
+    </p:spTree>
+    <p:extLst>
+      <p:ext uri="{BB962C8B-B14F-4D97-AF65-F5344CB8AC3E}">
+        <p14:creationId xmlns:p14="http://schemas.microsoft.com/office/powerpoint/2010/main" val="421410854"/>
+      </p:ext>
+    </p:extLst>
+  </p:cSld>
+  <p:clrMapOvr>
+    <a:masterClrMapping/>
+  </p:clrMapOvr>
+</p:sld>
+</file>
+
+<file path=ppt/slides/slide12.xml><?xml version="1.0" encoding="utf-8"?>
+<p:sld xmlns:a="http://schemas.openxmlformats.org/drawingml/2006/main" xmlns:r="http://schemas.openxmlformats.org/officeDocument/2006/relationships" xmlns:p="http://schemas.openxmlformats.org/presentationml/2006/main">
+  <p:cSld>
+    <p:bg>
+      <p:bgPr>
+        <a:solidFill>
+          <a:schemeClr val="bg1"/>
+        </a:solidFill>
+        <a:effectLst/>
+      </p:bgPr>
+    </p:bg>
+    <p:spTree>
+      <p:nvGrpSpPr>
+        <p:cNvPr id="1" name=""/>
+        <p:cNvGrpSpPr/>
+        <p:nvPr/>
+      </p:nvGrpSpPr>
+      <p:grpSpPr>
+        <a:xfrm>
+          <a:off x="0" y="0"/>
+          <a:ext cx="0" cy="0"/>
+          <a:chOff x="0" y="0"/>
+          <a:chExt cx="0" cy="0"/>
+        </a:xfrm>
+      </p:grpSpPr>
+      <p:sp>
+        <p:nvSpPr>
+          <p:cNvPr id="13" name="Down Arrow 7">
+            <a:extLst>
+              <a:ext uri="{FF2B5EF4-FFF2-40B4-BE49-F238E27FC236}">
+                <a16:creationId xmlns:a16="http://schemas.microsoft.com/office/drawing/2014/main" id="{73DE2CFE-42F2-48F0-8706-5264E012B10C}"/>
+              </a:ext>
+              <a:ext uri="{C183D7F6-B498-43B3-948B-1728B52AA6E4}">
+                <adec:decorative xmlns:adec="http://schemas.microsoft.com/office/drawing/2017/decorative" val="1"/>
+              </a:ext>
+            </a:extLst>
+          </p:cNvPr>
+          <p:cNvSpPr>
+            <a:spLocks noGrp="1" noRot="1" noChangeAspect="1" noMove="1" noResize="1" noEditPoints="1" noAdjustHandles="1" noChangeArrowheads="1" noChangeShapeType="1" noTextEdit="1"/>
+          </p:cNvSpPr>
+          <p:nvPr>
+            <p:extLst>
+              <p:ext uri="{386F3935-93C4-4BCD-93E2-E3B085C9AB24}">
+                <p16:designElem xmlns:p16="http://schemas.microsoft.com/office/powerpoint/2015/main" val="1"/>
+              </p:ext>
+            </p:extLst>
+          </p:nvPr>
+        </p:nvSpPr>
+        <p:spPr>
+          <a:xfrm rot="16200000">
+            <a:off x="1288521" y="381403"/>
+            <a:ext cx="2200313" cy="3342508"/>
+          </a:xfrm>
+          <a:prstGeom prst="downArrow">
+            <a:avLst>
+              <a:gd name="adj1" fmla="val 100000"/>
+              <a:gd name="adj2" fmla="val 15788"/>
+            </a:avLst>
+          </a:prstGeom>
+          <a:solidFill>
+            <a:srgbClr val="404040"/>
+          </a:solidFill>
+          <a:ln w="53975">
+            <a:noFill/>
+          </a:ln>
+        </p:spPr>
+        <p:style>
+          <a:lnRef idx="2">
+            <a:schemeClr val="accent1">
+              <a:shade val="50000"/>
+            </a:schemeClr>
+          </a:lnRef>
+          <a:fillRef idx="1">
+            <a:schemeClr val="accent1"/>
+          </a:fillRef>
+          <a:effectRef idx="0">
+            <a:schemeClr val="accent1"/>
+          </a:effectRef>
+          <a:fontRef idx="minor">
+            <a:schemeClr val="lt1"/>
+          </a:fontRef>
+        </p:style>
+        <p:txBody>
+          <a:bodyPr rtlCol="0" anchor="ctr"/>
+          <a:lstStyle/>
+          <a:p>
+            <a:pPr marL="0" marR="0" lvl="0" indent="0" algn="ctr" defTabSz="914400" rtl="0" eaLnBrk="1" fontAlgn="auto" latinLnBrk="0" hangingPunct="1">
+              <a:lnSpc>
+                <a:spcPct val="100000"/>
+              </a:lnSpc>
+              <a:spcBef>
+                <a:spcPts val="0"/>
+              </a:spcBef>
+              <a:spcAft>
+                <a:spcPts val="0"/>
+              </a:spcAft>
+              <a:buClrTx/>
+              <a:buSzTx/>
+              <a:buFontTx/>
+              <a:buNone/>
+              <a:tabLst/>
+              <a:defRPr/>
+            </a:pPr>
+            <a:endParaRPr kumimoji="0" lang="en-US" sz="1800" b="0" i="0" u="none" strike="noStrike" kern="1200" cap="none" spc="0" normalizeH="0" baseline="0" noProof="0">
+              <a:ln>
+                <a:noFill/>
+              </a:ln>
+              <a:solidFill>
+                <a:prstClr val="white"/>
+              </a:solidFill>
+              <a:effectLst/>
+              <a:uLnTx/>
+              <a:uFillTx/>
+              <a:latin typeface="Calibri" panose="020F0502020204030204"/>
+              <a:ea typeface="+mn-ea"/>
+              <a:cs typeface="+mn-cs"/>
+            </a:endParaRPr>
+          </a:p>
+        </p:txBody>
+      </p:sp>
+      <p:sp>
+        <p:nvSpPr>
+          <p:cNvPr id="2" name="タイトル 1">
+            <a:extLst>
+              <a:ext uri="{FF2B5EF4-FFF2-40B4-BE49-F238E27FC236}">
+                <a16:creationId xmlns:a16="http://schemas.microsoft.com/office/drawing/2014/main" id="{A7D5D82D-CF3A-481C-A431-BE9E236A1998}"/>
+              </a:ext>
+            </a:extLst>
+          </p:cNvPr>
+          <p:cNvSpPr>
+            <a:spLocks noGrp="1"/>
+          </p:cNvSpPr>
+          <p:nvPr>
+            <p:ph type="title"/>
+          </p:nvPr>
+        </p:nvSpPr>
+        <p:spPr>
+          <a:xfrm>
+            <a:off x="966952" y="1204108"/>
+            <a:ext cx="2669406" cy="1781175"/>
+          </a:xfrm>
+        </p:spPr>
+        <p:txBody>
+          <a:bodyPr>
+            <a:normAutofit/>
+          </a:bodyPr>
+          <a:lstStyle/>
+          <a:p>
+            <a:r>
+              <a:rPr kumimoji="1" lang="en-US" altLang="ja-JP" sz="3200" dirty="0" err="1">
+                <a:solidFill>
+                  <a:srgbClr val="FFFFFF"/>
+                </a:solidFill>
+              </a:rPr>
+              <a:t>Sourcetree</a:t>
+            </a:r>
+            <a:r>
+              <a:rPr kumimoji="1" lang="ja-JP" altLang="en-US" sz="3200" dirty="0">
+                <a:solidFill>
+                  <a:srgbClr val="FFFFFF"/>
+                </a:solidFill>
+              </a:rPr>
+              <a:t>のインストール</a:t>
+            </a:r>
+          </a:p>
+        </p:txBody>
+      </p:sp>
+      <p:sp>
+        <p:nvSpPr>
+          <p:cNvPr id="10" name="Content Placeholder 9">
+            <a:extLst>
+              <a:ext uri="{FF2B5EF4-FFF2-40B4-BE49-F238E27FC236}">
+                <a16:creationId xmlns:a16="http://schemas.microsoft.com/office/drawing/2014/main" id="{0A837A21-1852-40A6-A18A-F08488F334AF}"/>
+              </a:ext>
+            </a:extLst>
+          </p:cNvPr>
+          <p:cNvSpPr>
+            <a:spLocks noGrp="1"/>
+          </p:cNvSpPr>
+          <p:nvPr>
+            <p:ph idx="1"/>
+          </p:nvPr>
+        </p:nvSpPr>
+        <p:spPr>
+          <a:xfrm>
+            <a:off x="966950" y="3355130"/>
+            <a:ext cx="3092981" cy="2427333"/>
+          </a:xfrm>
+        </p:spPr>
+        <p:txBody>
+          <a:bodyPr>
+            <a:normAutofit/>
+          </a:bodyPr>
+          <a:lstStyle/>
+          <a:p>
+            <a:r>
+              <a:rPr lang="ja-JP" altLang="en-US" sz="1600" dirty="0"/>
+              <a:t>グローバル無視設定ファイルを作成するか聞かれるので、「いいえ」を選択する。</a:t>
+            </a:r>
+            <a:endParaRPr lang="en-US" altLang="ja-JP" sz="1600" dirty="0"/>
+          </a:p>
+          <a:p>
+            <a:r>
+              <a:rPr lang="ja-JP" altLang="en-US" sz="1600" dirty="0"/>
+              <a:t>因みに、これは後から設定する。</a:t>
+            </a:r>
+            <a:endParaRPr lang="en-US" altLang="ja-JP" sz="1600" dirty="0"/>
+          </a:p>
+        </p:txBody>
+      </p:sp>
+      <p:pic>
+        <p:nvPicPr>
+          <p:cNvPr id="8" name="コンテンツ プレースホルダー 4">
+            <a:extLst>
+              <a:ext uri="{FF2B5EF4-FFF2-40B4-BE49-F238E27FC236}">
+                <a16:creationId xmlns:a16="http://schemas.microsoft.com/office/drawing/2014/main" id="{90FF0F12-B6E9-47AB-BCA8-A3C9632A32AA}"/>
+              </a:ext>
+            </a:extLst>
+          </p:cNvPr>
+          <p:cNvPicPr>
+            <a:picLocks noChangeAspect="1"/>
+          </p:cNvPicPr>
+          <p:nvPr/>
+        </p:nvPicPr>
+        <p:blipFill>
+          <a:blip r:embed="rId3">
+            <a:extLst>
+              <a:ext uri="{28A0092B-C50C-407E-A947-70E740481C1C}">
+                <a14:useLocalDpi xmlns:a14="http://schemas.microsoft.com/office/drawing/2010/main" val="0"/>
+              </a:ext>
+            </a:extLst>
+          </a:blip>
+          <a:stretch>
+            <a:fillRect/>
+          </a:stretch>
+        </p:blipFill>
+        <p:spPr>
+          <a:xfrm>
+            <a:off x="4789699" y="1370640"/>
+            <a:ext cx="6599029" cy="3687262"/>
+          </a:xfrm>
+          <a:prstGeom prst="rect">
+            <a:avLst/>
+          </a:prstGeom>
+        </p:spPr>
+      </p:pic>
+      <mc:AlternateContent xmlns:mc="http://schemas.openxmlformats.org/markup-compatibility/2006" xmlns:p14="http://schemas.microsoft.com/office/powerpoint/2010/main">
+        <mc:Choice Requires="p14">
+          <p:contentPart p14:bwMode="auto" r:id="rId4">
+            <p14:nvContentPartPr>
+              <p14:cNvPr id="3" name="インク 2">
+                <a:extLst>
+                  <a:ext uri="{FF2B5EF4-FFF2-40B4-BE49-F238E27FC236}">
+                    <a16:creationId xmlns:a16="http://schemas.microsoft.com/office/drawing/2014/main" id="{F3627E5F-F99C-430B-9087-31534EA51D1B}"/>
+                  </a:ext>
+                </a:extLst>
+              </p14:cNvPr>
+              <p14:cNvContentPartPr/>
+              <p14:nvPr/>
+            </p14:nvContentPartPr>
+            <p14:xfrm>
+              <a:off x="10316532" y="4750808"/>
+              <a:ext cx="898920" cy="360"/>
+            </p14:xfrm>
+          </p:contentPart>
+        </mc:Choice>
+        <mc:Fallback xmlns="">
+          <p:pic>
+            <p:nvPicPr>
+              <p:cNvPr id="3" name="インク 2">
+                <a:extLst>
+                  <a:ext uri="{FF2B5EF4-FFF2-40B4-BE49-F238E27FC236}">
+                    <a16:creationId xmlns:a16="http://schemas.microsoft.com/office/drawing/2014/main" id="{F3627E5F-F99C-430B-9087-31534EA51D1B}"/>
+                  </a:ext>
+                </a:extLst>
+              </p:cNvPr>
+              <p:cNvPicPr/>
+              <p:nvPr/>
+            </p:nvPicPr>
+            <p:blipFill>
+              <a:blip r:embed="rId5"/>
+              <a:stretch>
+                <a:fillRect/>
+              </a:stretch>
+            </p:blipFill>
+            <p:spPr>
+              <a:xfrm>
+                <a:off x="10226532" y="4570808"/>
+                <a:ext cx="1078560" cy="360000"/>
+              </a:xfrm>
+              <a:prstGeom prst="rect">
+                <a:avLst/>
+              </a:prstGeom>
+            </p:spPr>
+          </p:pic>
+        </mc:Fallback>
+      </mc:AlternateContent>
+    </p:spTree>
+    <p:extLst>
+      <p:ext uri="{BB962C8B-B14F-4D97-AF65-F5344CB8AC3E}">
+        <p14:creationId xmlns:p14="http://schemas.microsoft.com/office/powerpoint/2010/main" val="2427821107"/>
+      </p:ext>
+    </p:extLst>
+  </p:cSld>
+  <p:clrMapOvr>
+    <a:masterClrMapping/>
+  </p:clrMapOvr>
+</p:sld>
+</file>
+
+<file path=ppt/slides/slide13.xml><?xml version="1.0" encoding="utf-8"?>
+<p:sld xmlns:a="http://schemas.openxmlformats.org/drawingml/2006/main" xmlns:r="http://schemas.openxmlformats.org/officeDocument/2006/relationships" xmlns:p="http://schemas.openxmlformats.org/presentationml/2006/main">
+  <p:cSld>
+    <p:bg>
+      <p:bgPr>
+        <a:solidFill>
+          <a:schemeClr val="bg1"/>
+        </a:solidFill>
+        <a:effectLst/>
+      </p:bgPr>
+    </p:bg>
+    <p:spTree>
+      <p:nvGrpSpPr>
+        <p:cNvPr id="1" name=""/>
+        <p:cNvGrpSpPr/>
+        <p:nvPr/>
+      </p:nvGrpSpPr>
+      <p:grpSpPr>
+        <a:xfrm>
+          <a:off x="0" y="0"/>
+          <a:ext cx="0" cy="0"/>
+          <a:chOff x="0" y="0"/>
+          <a:chExt cx="0" cy="0"/>
+        </a:xfrm>
+      </p:grpSpPr>
+      <p:sp>
+        <p:nvSpPr>
+          <p:cNvPr id="13" name="Down Arrow 7">
+            <a:extLst>
+              <a:ext uri="{FF2B5EF4-FFF2-40B4-BE49-F238E27FC236}">
+                <a16:creationId xmlns:a16="http://schemas.microsoft.com/office/drawing/2014/main" id="{73DE2CFE-42F2-48F0-8706-5264E012B10C}"/>
+              </a:ext>
+              <a:ext uri="{C183D7F6-B498-43B3-948B-1728B52AA6E4}">
+                <adec:decorative xmlns:adec="http://schemas.microsoft.com/office/drawing/2017/decorative" val="1"/>
+              </a:ext>
+            </a:extLst>
+          </p:cNvPr>
+          <p:cNvSpPr>
+            <a:spLocks noGrp="1" noRot="1" noChangeAspect="1" noMove="1" noResize="1" noEditPoints="1" noAdjustHandles="1" noChangeArrowheads="1" noChangeShapeType="1" noTextEdit="1"/>
+          </p:cNvSpPr>
+          <p:nvPr>
+            <p:extLst>
+              <p:ext uri="{386F3935-93C4-4BCD-93E2-E3B085C9AB24}">
+                <p16:designElem xmlns:p16="http://schemas.microsoft.com/office/powerpoint/2015/main" val="1"/>
+              </p:ext>
+            </p:extLst>
+          </p:nvPr>
+        </p:nvSpPr>
+        <p:spPr>
+          <a:xfrm rot="16200000">
+            <a:off x="1288521" y="381403"/>
+            <a:ext cx="2200313" cy="3342508"/>
+          </a:xfrm>
+          <a:prstGeom prst="downArrow">
+            <a:avLst>
+              <a:gd name="adj1" fmla="val 100000"/>
+              <a:gd name="adj2" fmla="val 15788"/>
+            </a:avLst>
+          </a:prstGeom>
+          <a:solidFill>
+            <a:srgbClr val="404040"/>
+          </a:solidFill>
+          <a:ln w="53975">
+            <a:noFill/>
+          </a:ln>
+        </p:spPr>
+        <p:style>
+          <a:lnRef idx="2">
+            <a:schemeClr val="accent1">
+              <a:shade val="50000"/>
+            </a:schemeClr>
+          </a:lnRef>
+          <a:fillRef idx="1">
+            <a:schemeClr val="accent1"/>
+          </a:fillRef>
+          <a:effectRef idx="0">
+            <a:schemeClr val="accent1"/>
+          </a:effectRef>
+          <a:fontRef idx="minor">
+            <a:schemeClr val="lt1"/>
+          </a:fontRef>
+        </p:style>
+        <p:txBody>
+          <a:bodyPr rtlCol="0" anchor="ctr"/>
+          <a:lstStyle/>
+          <a:p>
+            <a:pPr marL="0" marR="0" lvl="0" indent="0" algn="ctr" defTabSz="914400" rtl="0" eaLnBrk="1" fontAlgn="auto" latinLnBrk="0" hangingPunct="1">
+              <a:lnSpc>
+                <a:spcPct val="100000"/>
+              </a:lnSpc>
+              <a:spcBef>
+                <a:spcPts val="0"/>
+              </a:spcBef>
+              <a:spcAft>
+                <a:spcPts val="0"/>
+              </a:spcAft>
+              <a:buClrTx/>
+              <a:buSzTx/>
+              <a:buFontTx/>
+              <a:buNone/>
+              <a:tabLst/>
+              <a:defRPr/>
+            </a:pPr>
+            <a:endParaRPr kumimoji="0" lang="en-US" sz="1800" b="0" i="0" u="none" strike="noStrike" kern="1200" cap="none" spc="0" normalizeH="0" baseline="0" noProof="0">
+              <a:ln>
+                <a:noFill/>
+              </a:ln>
+              <a:solidFill>
+                <a:prstClr val="white"/>
+              </a:solidFill>
+              <a:effectLst/>
+              <a:uLnTx/>
+              <a:uFillTx/>
+              <a:latin typeface="Calibri" panose="020F0502020204030204"/>
+              <a:ea typeface="+mn-ea"/>
+              <a:cs typeface="+mn-cs"/>
+            </a:endParaRPr>
+          </a:p>
+        </p:txBody>
+      </p:sp>
+      <p:sp>
+        <p:nvSpPr>
+          <p:cNvPr id="2" name="タイトル 1">
+            <a:extLst>
+              <a:ext uri="{FF2B5EF4-FFF2-40B4-BE49-F238E27FC236}">
+                <a16:creationId xmlns:a16="http://schemas.microsoft.com/office/drawing/2014/main" id="{A7D5D82D-CF3A-481C-A431-BE9E236A1998}"/>
+              </a:ext>
+            </a:extLst>
+          </p:cNvPr>
+          <p:cNvSpPr>
+            <a:spLocks noGrp="1"/>
+          </p:cNvSpPr>
+          <p:nvPr>
+            <p:ph type="title"/>
+          </p:nvPr>
+        </p:nvSpPr>
+        <p:spPr>
+          <a:xfrm>
+            <a:off x="966952" y="1204108"/>
+            <a:ext cx="2669406" cy="1781175"/>
+          </a:xfrm>
+        </p:spPr>
+        <p:txBody>
+          <a:bodyPr>
+            <a:normAutofit/>
+          </a:bodyPr>
+          <a:lstStyle/>
+          <a:p>
+            <a:r>
+              <a:rPr kumimoji="1" lang="en-US" altLang="ja-JP" sz="3200" dirty="0" err="1">
+                <a:solidFill>
+                  <a:srgbClr val="FFFFFF"/>
+                </a:solidFill>
+              </a:rPr>
+              <a:t>Sourcetree</a:t>
+            </a:r>
+            <a:r>
+              <a:rPr kumimoji="1" lang="ja-JP" altLang="en-US" sz="3200" dirty="0">
+                <a:solidFill>
+                  <a:srgbClr val="FFFFFF"/>
+                </a:solidFill>
+              </a:rPr>
+              <a:t>のインストール</a:t>
+            </a:r>
+          </a:p>
+        </p:txBody>
+      </p:sp>
+      <p:sp>
+        <p:nvSpPr>
+          <p:cNvPr id="10" name="Content Placeholder 9">
+            <a:extLst>
+              <a:ext uri="{FF2B5EF4-FFF2-40B4-BE49-F238E27FC236}">
+                <a16:creationId xmlns:a16="http://schemas.microsoft.com/office/drawing/2014/main" id="{0A837A21-1852-40A6-A18A-F08488F334AF}"/>
+              </a:ext>
+            </a:extLst>
+          </p:cNvPr>
+          <p:cNvSpPr>
+            <a:spLocks noGrp="1"/>
+          </p:cNvSpPr>
+          <p:nvPr>
+            <p:ph idx="1"/>
+          </p:nvPr>
+        </p:nvSpPr>
+        <p:spPr>
+          <a:xfrm>
+            <a:off x="966950" y="3355130"/>
+            <a:ext cx="3092981" cy="2427333"/>
+          </a:xfrm>
+        </p:spPr>
+        <p:txBody>
+          <a:bodyPr>
+            <a:normAutofit/>
+          </a:bodyPr>
+          <a:lstStyle/>
+          <a:p>
+            <a:r>
+              <a:rPr lang="en-US" altLang="ja-JP" sz="1600" dirty="0"/>
+              <a:t>SSH</a:t>
+            </a:r>
+            <a:r>
+              <a:rPr lang="ja-JP" altLang="en-US" sz="1600" dirty="0"/>
+              <a:t>キーを読み込むか聞かれるので「いいえ」を選択する。</a:t>
+            </a:r>
+            <a:endParaRPr lang="en-US" altLang="ja-JP" sz="1600" dirty="0"/>
+          </a:p>
+        </p:txBody>
+      </p:sp>
+      <p:pic>
+        <p:nvPicPr>
+          <p:cNvPr id="8" name="コンテンツ プレースホルダー 4">
+            <a:extLst>
+              <a:ext uri="{FF2B5EF4-FFF2-40B4-BE49-F238E27FC236}">
+                <a16:creationId xmlns:a16="http://schemas.microsoft.com/office/drawing/2014/main" id="{90FF0F12-B6E9-47AB-BCA8-A3C9632A32AA}"/>
+              </a:ext>
+            </a:extLst>
+          </p:cNvPr>
+          <p:cNvPicPr>
+            <a:picLocks noChangeAspect="1"/>
+          </p:cNvPicPr>
+          <p:nvPr/>
+        </p:nvPicPr>
+        <p:blipFill>
+          <a:blip r:embed="rId3">
+            <a:extLst>
+              <a:ext uri="{28A0092B-C50C-407E-A947-70E740481C1C}">
+                <a14:useLocalDpi xmlns:a14="http://schemas.microsoft.com/office/drawing/2010/main" val="0"/>
+              </a:ext>
+            </a:extLst>
+          </a:blip>
+          <a:stretch>
+            <a:fillRect/>
+          </a:stretch>
+        </p:blipFill>
+        <p:spPr>
+          <a:xfrm>
+            <a:off x="4789699" y="2263191"/>
+            <a:ext cx="6599029" cy="1902159"/>
+          </a:xfrm>
+          <a:prstGeom prst="rect">
+            <a:avLst/>
+          </a:prstGeom>
+        </p:spPr>
+      </p:pic>
+      <mc:AlternateContent xmlns:mc="http://schemas.openxmlformats.org/markup-compatibility/2006" xmlns:p14="http://schemas.microsoft.com/office/powerpoint/2010/main">
+        <mc:Choice Requires="p14">
+          <p:contentPart p14:bwMode="auto" r:id="rId4">
+            <p14:nvContentPartPr>
+              <p14:cNvPr id="3" name="インク 2">
+                <a:extLst>
+                  <a:ext uri="{FF2B5EF4-FFF2-40B4-BE49-F238E27FC236}">
+                    <a16:creationId xmlns:a16="http://schemas.microsoft.com/office/drawing/2014/main" id="{F3627E5F-F99C-430B-9087-31534EA51D1B}"/>
+                  </a:ext>
+                </a:extLst>
+              </p14:cNvPr>
+              <p14:cNvContentPartPr/>
+              <p14:nvPr/>
+            </p14:nvContentPartPr>
+            <p14:xfrm>
+              <a:off x="10326130" y="3867939"/>
+              <a:ext cx="898920" cy="360"/>
+            </p14:xfrm>
+          </p:contentPart>
+        </mc:Choice>
+        <mc:Fallback xmlns="">
+          <p:pic>
+            <p:nvPicPr>
+              <p:cNvPr id="3" name="インク 2">
+                <a:extLst>
+                  <a:ext uri="{FF2B5EF4-FFF2-40B4-BE49-F238E27FC236}">
+                    <a16:creationId xmlns:a16="http://schemas.microsoft.com/office/drawing/2014/main" id="{F3627E5F-F99C-430B-9087-31534EA51D1B}"/>
+                  </a:ext>
+                </a:extLst>
+              </p:cNvPr>
+              <p:cNvPicPr/>
+              <p:nvPr/>
+            </p:nvPicPr>
+            <p:blipFill>
+              <a:blip r:embed="rId5"/>
+              <a:stretch>
+                <a:fillRect/>
+              </a:stretch>
+            </p:blipFill>
+            <p:spPr>
+              <a:xfrm>
+                <a:off x="10236130" y="3687939"/>
+                <a:ext cx="1078560" cy="360000"/>
+              </a:xfrm>
+              <a:prstGeom prst="rect">
+                <a:avLst/>
+              </a:prstGeom>
+            </p:spPr>
+          </p:pic>
+        </mc:Fallback>
+      </mc:AlternateContent>
+    </p:spTree>
+    <p:extLst>
+      <p:ext uri="{BB962C8B-B14F-4D97-AF65-F5344CB8AC3E}">
+        <p14:creationId xmlns:p14="http://schemas.microsoft.com/office/powerpoint/2010/main" val="3832024745"/>
+      </p:ext>
+    </p:extLst>
+  </p:cSld>
+  <p:clrMapOvr>
+    <a:masterClrMapping/>
+  </p:clrMapOvr>
+</p:sld>
+</file>
+
+<file path=ppt/slides/slide14.xml><?xml version="1.0" encoding="utf-8"?>
+<p:sld xmlns:a="http://schemas.openxmlformats.org/drawingml/2006/main" xmlns:r="http://schemas.openxmlformats.org/officeDocument/2006/relationships" xmlns:p="http://schemas.openxmlformats.org/presentationml/2006/main">
+  <p:cSld>
+    <p:bg>
+      <p:bgPr>
+        <a:solidFill>
+          <a:schemeClr val="bg1"/>
+        </a:solidFill>
+        <a:effectLst/>
+      </p:bgPr>
+    </p:bg>
+    <p:spTree>
+      <p:nvGrpSpPr>
+        <p:cNvPr id="1" name=""/>
+        <p:cNvGrpSpPr/>
+        <p:nvPr/>
+      </p:nvGrpSpPr>
+      <p:grpSpPr>
+        <a:xfrm>
+          <a:off x="0" y="0"/>
+          <a:ext cx="0" cy="0"/>
+          <a:chOff x="0" y="0"/>
+          <a:chExt cx="0" cy="0"/>
+        </a:xfrm>
+      </p:grpSpPr>
+      <p:sp>
+        <p:nvSpPr>
+          <p:cNvPr id="13" name="Down Arrow 7">
+            <a:extLst>
+              <a:ext uri="{FF2B5EF4-FFF2-40B4-BE49-F238E27FC236}">
+                <a16:creationId xmlns:a16="http://schemas.microsoft.com/office/drawing/2014/main" id="{73DE2CFE-42F2-48F0-8706-5264E012B10C}"/>
+              </a:ext>
+              <a:ext uri="{C183D7F6-B498-43B3-948B-1728B52AA6E4}">
+                <adec:decorative xmlns:adec="http://schemas.microsoft.com/office/drawing/2017/decorative" val="1"/>
+              </a:ext>
+            </a:extLst>
+          </p:cNvPr>
+          <p:cNvSpPr>
+            <a:spLocks noGrp="1" noRot="1" noChangeAspect="1" noMove="1" noResize="1" noEditPoints="1" noAdjustHandles="1" noChangeArrowheads="1" noChangeShapeType="1" noTextEdit="1"/>
+          </p:cNvSpPr>
+          <p:nvPr>
+            <p:extLst>
+              <p:ext uri="{386F3935-93C4-4BCD-93E2-E3B085C9AB24}">
+                <p16:designElem xmlns:p16="http://schemas.microsoft.com/office/powerpoint/2015/main" val="1"/>
+              </p:ext>
+            </p:extLst>
+          </p:nvPr>
+        </p:nvSpPr>
+        <p:spPr>
+          <a:xfrm rot="16200000">
+            <a:off x="1288521" y="381403"/>
+            <a:ext cx="2200313" cy="3342508"/>
+          </a:xfrm>
+          <a:prstGeom prst="downArrow">
+            <a:avLst>
+              <a:gd name="adj1" fmla="val 100000"/>
+              <a:gd name="adj2" fmla="val 15788"/>
+            </a:avLst>
+          </a:prstGeom>
+          <a:solidFill>
+            <a:srgbClr val="404040"/>
+          </a:solidFill>
+          <a:ln w="53975">
+            <a:noFill/>
+          </a:ln>
+        </p:spPr>
+        <p:style>
+          <a:lnRef idx="2">
+            <a:schemeClr val="accent1">
+              <a:shade val="50000"/>
+            </a:schemeClr>
+          </a:lnRef>
+          <a:fillRef idx="1">
+            <a:schemeClr val="accent1"/>
+          </a:fillRef>
+          <a:effectRef idx="0">
+            <a:schemeClr val="accent1"/>
+          </a:effectRef>
+          <a:fontRef idx="minor">
+            <a:schemeClr val="lt1"/>
+          </a:fontRef>
+        </p:style>
+        <p:txBody>
+          <a:bodyPr rtlCol="0" anchor="ctr"/>
+          <a:lstStyle/>
+          <a:p>
+            <a:pPr marL="0" marR="0" lvl="0" indent="0" algn="ctr" defTabSz="914400" rtl="0" eaLnBrk="1" fontAlgn="auto" latinLnBrk="0" hangingPunct="1">
+              <a:lnSpc>
+                <a:spcPct val="100000"/>
+              </a:lnSpc>
+              <a:spcBef>
+                <a:spcPts val="0"/>
+              </a:spcBef>
+              <a:spcAft>
+                <a:spcPts val="0"/>
+              </a:spcAft>
+              <a:buClrTx/>
+              <a:buSzTx/>
+              <a:buFontTx/>
+              <a:buNone/>
+              <a:tabLst/>
+              <a:defRPr/>
+            </a:pPr>
+            <a:endParaRPr kumimoji="0" lang="en-US" sz="1800" b="0" i="0" u="none" strike="noStrike" kern="1200" cap="none" spc="0" normalizeH="0" baseline="0" noProof="0">
+              <a:ln>
+                <a:noFill/>
+              </a:ln>
+              <a:solidFill>
+                <a:prstClr val="white"/>
+              </a:solidFill>
+              <a:effectLst/>
+              <a:uLnTx/>
+              <a:uFillTx/>
+              <a:latin typeface="Calibri" panose="020F0502020204030204"/>
+              <a:ea typeface="+mn-ea"/>
+              <a:cs typeface="+mn-cs"/>
+            </a:endParaRPr>
+          </a:p>
+        </p:txBody>
+      </p:sp>
+      <p:sp>
+        <p:nvSpPr>
+          <p:cNvPr id="2" name="タイトル 1">
+            <a:extLst>
+              <a:ext uri="{FF2B5EF4-FFF2-40B4-BE49-F238E27FC236}">
+                <a16:creationId xmlns:a16="http://schemas.microsoft.com/office/drawing/2014/main" id="{A7D5D82D-CF3A-481C-A431-BE9E236A1998}"/>
+              </a:ext>
+            </a:extLst>
+          </p:cNvPr>
+          <p:cNvSpPr>
+            <a:spLocks noGrp="1"/>
+          </p:cNvSpPr>
+          <p:nvPr>
+            <p:ph type="title"/>
+          </p:nvPr>
+        </p:nvSpPr>
+        <p:spPr>
+          <a:xfrm>
+            <a:off x="966952" y="1204108"/>
+            <a:ext cx="2669406" cy="1781175"/>
+          </a:xfrm>
+        </p:spPr>
+        <p:txBody>
+          <a:bodyPr>
+            <a:normAutofit/>
+          </a:bodyPr>
+          <a:lstStyle/>
+          <a:p>
+            <a:r>
+              <a:rPr kumimoji="1" lang="en-US" altLang="ja-JP" sz="3200" dirty="0" err="1">
+                <a:solidFill>
+                  <a:srgbClr val="FFFFFF"/>
+                </a:solidFill>
+              </a:rPr>
+              <a:t>Sourcetree</a:t>
+            </a:r>
+            <a:r>
+              <a:rPr kumimoji="1" lang="ja-JP" altLang="en-US" sz="3200" dirty="0">
+                <a:solidFill>
+                  <a:srgbClr val="FFFFFF"/>
+                </a:solidFill>
+              </a:rPr>
+              <a:t>のインストール</a:t>
+            </a:r>
+          </a:p>
+        </p:txBody>
+      </p:sp>
+      <p:sp>
+        <p:nvSpPr>
+          <p:cNvPr id="10" name="Content Placeholder 9">
+            <a:extLst>
+              <a:ext uri="{FF2B5EF4-FFF2-40B4-BE49-F238E27FC236}">
+                <a16:creationId xmlns:a16="http://schemas.microsoft.com/office/drawing/2014/main" id="{0A837A21-1852-40A6-A18A-F08488F334AF}"/>
+              </a:ext>
+            </a:extLst>
+          </p:cNvPr>
+          <p:cNvSpPr>
+            <a:spLocks noGrp="1"/>
+          </p:cNvSpPr>
+          <p:nvPr>
+            <p:ph idx="1"/>
+          </p:nvPr>
+        </p:nvSpPr>
+        <p:spPr>
+          <a:xfrm>
+            <a:off x="966950" y="3355130"/>
+            <a:ext cx="3092981" cy="2427333"/>
+          </a:xfrm>
+        </p:spPr>
+        <p:txBody>
+          <a:bodyPr>
+            <a:normAutofit/>
+          </a:bodyPr>
+          <a:lstStyle/>
+          <a:p>
+            <a:r>
+              <a:rPr lang="ja-JP" altLang="en-US" sz="1600" dirty="0"/>
+              <a:t>とりあえず、前画面で「いいえ」を選択した後、この画面になることを確認する。</a:t>
+            </a:r>
+            <a:endParaRPr lang="en-US" altLang="ja-JP" sz="1600" dirty="0"/>
+          </a:p>
+        </p:txBody>
+      </p:sp>
+      <p:pic>
+        <p:nvPicPr>
+          <p:cNvPr id="8" name="コンテンツ プレースホルダー 4">
+            <a:extLst>
+              <a:ext uri="{FF2B5EF4-FFF2-40B4-BE49-F238E27FC236}">
+                <a16:creationId xmlns:a16="http://schemas.microsoft.com/office/drawing/2014/main" id="{90FF0F12-B6E9-47AB-BCA8-A3C9632A32AA}"/>
+              </a:ext>
+            </a:extLst>
+          </p:cNvPr>
+          <p:cNvPicPr>
+            <a:picLocks noChangeAspect="1"/>
+          </p:cNvPicPr>
+          <p:nvPr/>
+        </p:nvPicPr>
+        <p:blipFill>
+          <a:blip r:embed="rId3">
+            <a:extLst>
+              <a:ext uri="{28A0092B-C50C-407E-A947-70E740481C1C}">
+                <a14:useLocalDpi xmlns:a14="http://schemas.microsoft.com/office/drawing/2010/main" val="0"/>
+              </a:ext>
+            </a:extLst>
+          </a:blip>
+          <a:stretch>
+            <a:fillRect/>
+          </a:stretch>
+        </p:blipFill>
+        <p:spPr>
+          <a:xfrm>
+            <a:off x="4696557" y="952501"/>
+            <a:ext cx="6986993" cy="4657996"/>
+          </a:xfrm>
+          <a:prstGeom prst="rect">
+            <a:avLst/>
+          </a:prstGeom>
+        </p:spPr>
+      </p:pic>
+    </p:spTree>
+    <p:extLst>
+      <p:ext uri="{BB962C8B-B14F-4D97-AF65-F5344CB8AC3E}">
+        <p14:creationId xmlns:p14="http://schemas.microsoft.com/office/powerpoint/2010/main" val="906937372"/>
+      </p:ext>
+    </p:extLst>
+  </p:cSld>
+  <p:clrMapOvr>
+    <a:masterClrMapping/>
+  </p:clrMapOvr>
+</p:sld>
+</file>
+
+<file path=ppt/slides/slide15.xml><?xml version="1.0" encoding="utf-8"?>
+<p:sld xmlns:a="http://schemas.openxmlformats.org/drawingml/2006/main" xmlns:r="http://schemas.openxmlformats.org/officeDocument/2006/relationships" xmlns:p="http://schemas.openxmlformats.org/presentationml/2006/main">
+  <p:cSld>
+    <p:bg>
+      <p:bgPr>
+        <a:solidFill>
+          <a:schemeClr val="bg1"/>
+        </a:solidFill>
+        <a:effectLst/>
+      </p:bgPr>
+    </p:bg>
+    <p:spTree>
+      <p:nvGrpSpPr>
+        <p:cNvPr id="1" name=""/>
+        <p:cNvGrpSpPr/>
+        <p:nvPr/>
+      </p:nvGrpSpPr>
+      <p:grpSpPr>
+        <a:xfrm>
+          <a:off x="0" y="0"/>
+          <a:ext cx="0" cy="0"/>
+          <a:chOff x="0" y="0"/>
+          <a:chExt cx="0" cy="0"/>
+        </a:xfrm>
+      </p:grpSpPr>
+      <p:sp>
+        <p:nvSpPr>
+          <p:cNvPr id="13" name="Down Arrow 7">
+            <a:extLst>
+              <a:ext uri="{FF2B5EF4-FFF2-40B4-BE49-F238E27FC236}">
+                <a16:creationId xmlns:a16="http://schemas.microsoft.com/office/drawing/2014/main" id="{73DE2CFE-42F2-48F0-8706-5264E012B10C}"/>
+              </a:ext>
+              <a:ext uri="{C183D7F6-B498-43B3-948B-1728B52AA6E4}">
+                <adec:decorative xmlns:adec="http://schemas.microsoft.com/office/drawing/2017/decorative" val="1"/>
+              </a:ext>
+            </a:extLst>
+          </p:cNvPr>
+          <p:cNvSpPr>
+            <a:spLocks noGrp="1" noRot="1" noChangeAspect="1" noMove="1" noResize="1" noEditPoints="1" noAdjustHandles="1" noChangeArrowheads="1" noChangeShapeType="1" noTextEdit="1"/>
+          </p:cNvSpPr>
+          <p:nvPr>
+            <p:extLst>
+              <p:ext uri="{386F3935-93C4-4BCD-93E2-E3B085C9AB24}">
+                <p16:designElem xmlns:p16="http://schemas.microsoft.com/office/powerpoint/2015/main" val="1"/>
+              </p:ext>
+            </p:extLst>
+          </p:nvPr>
+        </p:nvSpPr>
+        <p:spPr>
+          <a:xfrm rot="16200000">
+            <a:off x="1288521" y="381403"/>
+            <a:ext cx="2200313" cy="3342508"/>
+          </a:xfrm>
+          <a:prstGeom prst="downArrow">
+            <a:avLst>
+              <a:gd name="adj1" fmla="val 100000"/>
+              <a:gd name="adj2" fmla="val 15788"/>
+            </a:avLst>
+          </a:prstGeom>
+          <a:solidFill>
+            <a:srgbClr val="404040"/>
+          </a:solidFill>
+          <a:ln w="53975">
+            <a:noFill/>
+          </a:ln>
+        </p:spPr>
+        <p:style>
+          <a:lnRef idx="2">
+            <a:schemeClr val="accent1">
+              <a:shade val="50000"/>
+            </a:schemeClr>
+          </a:lnRef>
+          <a:fillRef idx="1">
+            <a:schemeClr val="accent1"/>
+          </a:fillRef>
+          <a:effectRef idx="0">
+            <a:schemeClr val="accent1"/>
+          </a:effectRef>
+          <a:fontRef idx="minor">
+            <a:schemeClr val="lt1"/>
+          </a:fontRef>
+        </p:style>
+        <p:txBody>
+          <a:bodyPr rtlCol="0" anchor="ctr"/>
+          <a:lstStyle/>
+          <a:p>
+            <a:pPr marL="0" marR="0" lvl="0" indent="0" algn="ctr" defTabSz="914400" rtl="0" eaLnBrk="1" fontAlgn="auto" latinLnBrk="0" hangingPunct="1">
+              <a:lnSpc>
+                <a:spcPct val="100000"/>
+              </a:lnSpc>
+              <a:spcBef>
+                <a:spcPts val="0"/>
+              </a:spcBef>
+              <a:spcAft>
+                <a:spcPts val="0"/>
+              </a:spcAft>
+              <a:buClrTx/>
+              <a:buSzTx/>
+              <a:buFontTx/>
+              <a:buNone/>
+              <a:tabLst/>
+              <a:defRPr/>
+            </a:pPr>
+            <a:endParaRPr kumimoji="0" lang="en-US" sz="1800" b="0" i="0" u="none" strike="noStrike" kern="1200" cap="none" spc="0" normalizeH="0" baseline="0" noProof="0">
+              <a:ln>
+                <a:noFill/>
+              </a:ln>
+              <a:solidFill>
+                <a:prstClr val="white"/>
+              </a:solidFill>
+              <a:effectLst/>
+              <a:uLnTx/>
+              <a:uFillTx/>
+              <a:latin typeface="Calibri" panose="020F0502020204030204"/>
+              <a:ea typeface="+mn-ea"/>
+              <a:cs typeface="+mn-cs"/>
+            </a:endParaRPr>
+          </a:p>
+        </p:txBody>
+      </p:sp>
+      <p:sp>
+        <p:nvSpPr>
+          <p:cNvPr id="2" name="タイトル 1">
+            <a:extLst>
+              <a:ext uri="{FF2B5EF4-FFF2-40B4-BE49-F238E27FC236}">
+                <a16:creationId xmlns:a16="http://schemas.microsoft.com/office/drawing/2014/main" id="{A7D5D82D-CF3A-481C-A431-BE9E236A1998}"/>
+              </a:ext>
+            </a:extLst>
+          </p:cNvPr>
+          <p:cNvSpPr>
+            <a:spLocks noGrp="1"/>
+          </p:cNvSpPr>
+          <p:nvPr>
+            <p:ph type="title"/>
+          </p:nvPr>
+        </p:nvSpPr>
+        <p:spPr>
+          <a:xfrm>
+            <a:off x="966952" y="1204108"/>
+            <a:ext cx="2669406" cy="1781175"/>
+          </a:xfrm>
+        </p:spPr>
+        <p:txBody>
+          <a:bodyPr>
+            <a:normAutofit/>
+          </a:bodyPr>
+          <a:lstStyle/>
+          <a:p>
+            <a:r>
+              <a:rPr kumimoji="1" lang="en-US" altLang="ja-JP" sz="3200" dirty="0" err="1">
+                <a:solidFill>
+                  <a:srgbClr val="FFFFFF"/>
+                </a:solidFill>
+              </a:rPr>
+              <a:t>Sourcetree</a:t>
+            </a:r>
+            <a:r>
+              <a:rPr kumimoji="1" lang="ja-JP" altLang="en-US" sz="3200" dirty="0">
+                <a:solidFill>
+                  <a:srgbClr val="FFFFFF"/>
+                </a:solidFill>
+              </a:rPr>
+              <a:t>の</a:t>
+            </a:r>
+            <a:r>
+              <a:rPr lang="ja-JP" altLang="en-US" sz="3200" dirty="0">
+                <a:solidFill>
+                  <a:srgbClr val="FFFFFF"/>
+                </a:solidFill>
+              </a:rPr>
+              <a:t>使い方</a:t>
+            </a:r>
+            <a:endParaRPr kumimoji="1" lang="ja-JP" altLang="en-US" sz="3200" dirty="0">
+              <a:solidFill>
+                <a:srgbClr val="FFFFFF"/>
+              </a:solidFill>
+            </a:endParaRPr>
+          </a:p>
+        </p:txBody>
+      </p:sp>
+      <p:sp>
+        <p:nvSpPr>
+          <p:cNvPr id="10" name="Content Placeholder 9">
+            <a:extLst>
+              <a:ext uri="{FF2B5EF4-FFF2-40B4-BE49-F238E27FC236}">
+                <a16:creationId xmlns:a16="http://schemas.microsoft.com/office/drawing/2014/main" id="{0A837A21-1852-40A6-A18A-F08488F334AF}"/>
+              </a:ext>
+            </a:extLst>
+          </p:cNvPr>
+          <p:cNvSpPr>
+            <a:spLocks noGrp="1"/>
+          </p:cNvSpPr>
+          <p:nvPr>
+            <p:ph idx="1"/>
+          </p:nvPr>
+        </p:nvSpPr>
+        <p:spPr>
+          <a:xfrm>
+            <a:off x="966950" y="3355130"/>
+            <a:ext cx="3092981" cy="2427333"/>
+          </a:xfrm>
+        </p:spPr>
+        <p:txBody>
+          <a:bodyPr>
+            <a:normAutofit/>
+          </a:bodyPr>
+          <a:lstStyle/>
+          <a:p>
+            <a:r>
+              <a:rPr lang="ja-JP" altLang="en-US" sz="1600" dirty="0"/>
+              <a:t>どこでもいいので、フォルダを一つ作成する。</a:t>
+            </a:r>
+            <a:endParaRPr lang="en-US" altLang="ja-JP" sz="1600" dirty="0"/>
+          </a:p>
+          <a:p>
+            <a:r>
+              <a:rPr lang="ja-JP" altLang="en-US" sz="1600" dirty="0"/>
+              <a:t>ここでは「</a:t>
+            </a:r>
+            <a:r>
+              <a:rPr lang="en-US" altLang="ja-JP" sz="1600" dirty="0"/>
+              <a:t>sample</a:t>
+            </a:r>
+            <a:r>
+              <a:rPr lang="ja-JP" altLang="en-US" sz="1600" dirty="0"/>
+              <a:t>」フォルダを作成する。</a:t>
+            </a:r>
+            <a:endParaRPr lang="en-US" altLang="ja-JP" sz="1600" dirty="0"/>
+          </a:p>
+        </p:txBody>
+      </p:sp>
+      <p:pic>
+        <p:nvPicPr>
+          <p:cNvPr id="8" name="コンテンツ プレースホルダー 4">
+            <a:extLst>
+              <a:ext uri="{FF2B5EF4-FFF2-40B4-BE49-F238E27FC236}">
+                <a16:creationId xmlns:a16="http://schemas.microsoft.com/office/drawing/2014/main" id="{90FF0F12-B6E9-47AB-BCA8-A3C9632A32AA}"/>
+              </a:ext>
+            </a:extLst>
+          </p:cNvPr>
+          <p:cNvPicPr>
+            <a:picLocks noChangeAspect="1"/>
+          </p:cNvPicPr>
+          <p:nvPr/>
+        </p:nvPicPr>
+        <p:blipFill>
+          <a:blip r:embed="rId3">
+            <a:extLst>
+              <a:ext uri="{28A0092B-C50C-407E-A947-70E740481C1C}">
+                <a14:useLocalDpi xmlns:a14="http://schemas.microsoft.com/office/drawing/2010/main" val="0"/>
+              </a:ext>
+            </a:extLst>
+          </a:blip>
+          <a:stretch>
+            <a:fillRect/>
+          </a:stretch>
+        </p:blipFill>
+        <p:spPr>
+          <a:xfrm>
+            <a:off x="4696557" y="1282596"/>
+            <a:ext cx="6986993" cy="3997805"/>
+          </a:xfrm>
+          <a:prstGeom prst="rect">
+            <a:avLst/>
+          </a:prstGeom>
+        </p:spPr>
+      </p:pic>
+    </p:spTree>
+    <p:extLst>
+      <p:ext uri="{BB962C8B-B14F-4D97-AF65-F5344CB8AC3E}">
+        <p14:creationId xmlns:p14="http://schemas.microsoft.com/office/powerpoint/2010/main" val="4195324459"/>
+      </p:ext>
+    </p:extLst>
+  </p:cSld>
+  <p:clrMapOvr>
+    <a:masterClrMapping/>
+  </p:clrMapOvr>
+</p:sld>
+</file>
+
+<file path=ppt/slides/slide16.xml><?xml version="1.0" encoding="utf-8"?>
+<p:sld xmlns:a="http://schemas.openxmlformats.org/drawingml/2006/main" xmlns:r="http://schemas.openxmlformats.org/officeDocument/2006/relationships" xmlns:p="http://schemas.openxmlformats.org/presentationml/2006/main">
+  <p:cSld>
+    <p:bg>
+      <p:bgPr>
+        <a:solidFill>
+          <a:schemeClr val="bg1"/>
+        </a:solidFill>
+        <a:effectLst/>
+      </p:bgPr>
+    </p:bg>
+    <p:spTree>
+      <p:nvGrpSpPr>
+        <p:cNvPr id="1" name=""/>
+        <p:cNvGrpSpPr/>
+        <p:nvPr/>
+      </p:nvGrpSpPr>
+      <p:grpSpPr>
+        <a:xfrm>
+          <a:off x="0" y="0"/>
+          <a:ext cx="0" cy="0"/>
+          <a:chOff x="0" y="0"/>
+          <a:chExt cx="0" cy="0"/>
+        </a:xfrm>
+      </p:grpSpPr>
+      <p:sp>
+        <p:nvSpPr>
+          <p:cNvPr id="13" name="Down Arrow 7">
+            <a:extLst>
+              <a:ext uri="{FF2B5EF4-FFF2-40B4-BE49-F238E27FC236}">
+                <a16:creationId xmlns:a16="http://schemas.microsoft.com/office/drawing/2014/main" id="{73DE2CFE-42F2-48F0-8706-5264E012B10C}"/>
+              </a:ext>
+              <a:ext uri="{C183D7F6-B498-43B3-948B-1728B52AA6E4}">
+                <adec:decorative xmlns:adec="http://schemas.microsoft.com/office/drawing/2017/decorative" val="1"/>
+              </a:ext>
+            </a:extLst>
+          </p:cNvPr>
+          <p:cNvSpPr>
+            <a:spLocks noGrp="1" noRot="1" noChangeAspect="1" noMove="1" noResize="1" noEditPoints="1" noAdjustHandles="1" noChangeArrowheads="1" noChangeShapeType="1" noTextEdit="1"/>
+          </p:cNvSpPr>
+          <p:nvPr>
+            <p:extLst>
+              <p:ext uri="{386F3935-93C4-4BCD-93E2-E3B085C9AB24}">
+                <p16:designElem xmlns:p16="http://schemas.microsoft.com/office/powerpoint/2015/main" val="1"/>
+              </p:ext>
+            </p:extLst>
+          </p:nvPr>
+        </p:nvSpPr>
+        <p:spPr>
+          <a:xfrm rot="16200000">
+            <a:off x="1288521" y="381403"/>
+            <a:ext cx="2200313" cy="3342508"/>
+          </a:xfrm>
+          <a:prstGeom prst="downArrow">
+            <a:avLst>
+              <a:gd name="adj1" fmla="val 100000"/>
+              <a:gd name="adj2" fmla="val 15788"/>
+            </a:avLst>
+          </a:prstGeom>
+          <a:solidFill>
+            <a:srgbClr val="404040"/>
+          </a:solidFill>
+          <a:ln w="53975">
+            <a:noFill/>
+          </a:ln>
+        </p:spPr>
+        <p:style>
+          <a:lnRef idx="2">
+            <a:schemeClr val="accent1">
+              <a:shade val="50000"/>
+            </a:schemeClr>
+          </a:lnRef>
+          <a:fillRef idx="1">
+            <a:schemeClr val="accent1"/>
+          </a:fillRef>
+          <a:effectRef idx="0">
+            <a:schemeClr val="accent1"/>
+          </a:effectRef>
+          <a:fontRef idx="minor">
+            <a:schemeClr val="lt1"/>
+          </a:fontRef>
+        </p:style>
+        <p:txBody>
+          <a:bodyPr rtlCol="0" anchor="ctr"/>
+          <a:lstStyle/>
+          <a:p>
+            <a:pPr marL="0" marR="0" lvl="0" indent="0" algn="ctr" defTabSz="914400" rtl="0" eaLnBrk="1" fontAlgn="auto" latinLnBrk="0" hangingPunct="1">
+              <a:lnSpc>
+                <a:spcPct val="100000"/>
+              </a:lnSpc>
+              <a:spcBef>
+                <a:spcPts val="0"/>
+              </a:spcBef>
+              <a:spcAft>
+                <a:spcPts val="0"/>
+              </a:spcAft>
+              <a:buClrTx/>
+              <a:buSzTx/>
+              <a:buFontTx/>
+              <a:buNone/>
+              <a:tabLst/>
+              <a:defRPr/>
+            </a:pPr>
+            <a:endParaRPr kumimoji="0" lang="en-US" sz="1800" b="0" i="0" u="none" strike="noStrike" kern="1200" cap="none" spc="0" normalizeH="0" baseline="0" noProof="0">
+              <a:ln>
+                <a:noFill/>
+              </a:ln>
+              <a:solidFill>
+                <a:prstClr val="white"/>
+              </a:solidFill>
+              <a:effectLst/>
+              <a:uLnTx/>
+              <a:uFillTx/>
+              <a:latin typeface="Calibri" panose="020F0502020204030204"/>
+              <a:ea typeface="+mn-ea"/>
+              <a:cs typeface="+mn-cs"/>
+            </a:endParaRPr>
+          </a:p>
+        </p:txBody>
+      </p:sp>
+      <p:sp>
+        <p:nvSpPr>
+          <p:cNvPr id="2" name="タイトル 1">
+            <a:extLst>
+              <a:ext uri="{FF2B5EF4-FFF2-40B4-BE49-F238E27FC236}">
+                <a16:creationId xmlns:a16="http://schemas.microsoft.com/office/drawing/2014/main" id="{A7D5D82D-CF3A-481C-A431-BE9E236A1998}"/>
+              </a:ext>
+            </a:extLst>
+          </p:cNvPr>
+          <p:cNvSpPr>
+            <a:spLocks noGrp="1"/>
+          </p:cNvSpPr>
+          <p:nvPr>
+            <p:ph type="title"/>
+          </p:nvPr>
+        </p:nvSpPr>
+        <p:spPr>
+          <a:xfrm>
+            <a:off x="966952" y="1204108"/>
+            <a:ext cx="2669406" cy="1781175"/>
+          </a:xfrm>
+        </p:spPr>
+        <p:txBody>
+          <a:bodyPr>
+            <a:normAutofit/>
+          </a:bodyPr>
+          <a:lstStyle/>
+          <a:p>
+            <a:r>
+              <a:rPr kumimoji="1" lang="en-US" altLang="ja-JP" sz="3200" dirty="0" err="1">
+                <a:solidFill>
+                  <a:srgbClr val="FFFFFF"/>
+                </a:solidFill>
+              </a:rPr>
+              <a:t>Sourcetree</a:t>
+            </a:r>
+            <a:r>
+              <a:rPr kumimoji="1" lang="ja-JP" altLang="en-US" sz="3200" dirty="0">
+                <a:solidFill>
+                  <a:srgbClr val="FFFFFF"/>
+                </a:solidFill>
+              </a:rPr>
+              <a:t>の使い方</a:t>
+            </a:r>
+          </a:p>
+        </p:txBody>
+      </p:sp>
+      <p:sp>
+        <p:nvSpPr>
+          <p:cNvPr id="10" name="Content Placeholder 9">
+            <a:extLst>
+              <a:ext uri="{FF2B5EF4-FFF2-40B4-BE49-F238E27FC236}">
+                <a16:creationId xmlns:a16="http://schemas.microsoft.com/office/drawing/2014/main" id="{0A837A21-1852-40A6-A18A-F08488F334AF}"/>
+              </a:ext>
+            </a:extLst>
+          </p:cNvPr>
+          <p:cNvSpPr>
+            <a:spLocks noGrp="1"/>
+          </p:cNvSpPr>
+          <p:nvPr>
+            <p:ph idx="1"/>
+          </p:nvPr>
+        </p:nvSpPr>
+        <p:spPr>
+          <a:xfrm>
+            <a:off x="966950" y="3355130"/>
+            <a:ext cx="3092981" cy="2427333"/>
+          </a:xfrm>
+        </p:spPr>
+        <p:txBody>
+          <a:bodyPr>
+            <a:normAutofit/>
+          </a:bodyPr>
+          <a:lstStyle/>
+          <a:p>
+            <a:r>
+              <a:rPr lang="ja-JP" altLang="en-US" sz="1600" dirty="0"/>
+              <a:t>作成したら、「</a:t>
+            </a:r>
+            <a:r>
+              <a:rPr lang="en-US" altLang="ja-JP" sz="1600" dirty="0" err="1"/>
+              <a:t>Cloane</a:t>
+            </a:r>
+            <a:r>
+              <a:rPr lang="ja-JP" altLang="en-US" sz="1600" dirty="0"/>
+              <a:t>」を選択し、「参照」で先ほど作ったフォルダを選択し、「クローン」を選択する。</a:t>
+            </a:r>
+            <a:endParaRPr lang="en-US" altLang="ja-JP" sz="1600" dirty="0"/>
+          </a:p>
+          <a:p>
+            <a:r>
+              <a:rPr lang="ja-JP" altLang="en-US" sz="1600" dirty="0"/>
+              <a:t>その後、画面のように出力先ディレクトリのエラーが出るので、「はい」を選択する。</a:t>
+            </a:r>
+            <a:endParaRPr lang="en-US" altLang="ja-JP" sz="1600" dirty="0"/>
+          </a:p>
+        </p:txBody>
+      </p:sp>
+      <p:pic>
+        <p:nvPicPr>
+          <p:cNvPr id="8" name="コンテンツ プレースホルダー 4">
+            <a:extLst>
+              <a:ext uri="{FF2B5EF4-FFF2-40B4-BE49-F238E27FC236}">
+                <a16:creationId xmlns:a16="http://schemas.microsoft.com/office/drawing/2014/main" id="{90FF0F12-B6E9-47AB-BCA8-A3C9632A32AA}"/>
+              </a:ext>
+            </a:extLst>
+          </p:cNvPr>
+          <p:cNvPicPr>
+            <a:picLocks noChangeAspect="1"/>
+          </p:cNvPicPr>
+          <p:nvPr/>
+        </p:nvPicPr>
+        <p:blipFill>
+          <a:blip r:embed="rId3">
+            <a:extLst>
+              <a:ext uri="{28A0092B-C50C-407E-A947-70E740481C1C}">
+                <a14:useLocalDpi xmlns:a14="http://schemas.microsoft.com/office/drawing/2010/main" val="0"/>
+              </a:ext>
+            </a:extLst>
+          </a:blip>
+          <a:stretch>
+            <a:fillRect/>
+          </a:stretch>
+        </p:blipFill>
+        <p:spPr>
+          <a:xfrm>
+            <a:off x="5191700" y="1282596"/>
+            <a:ext cx="5996707" cy="3997805"/>
+          </a:xfrm>
+          <a:prstGeom prst="rect">
+            <a:avLst/>
+          </a:prstGeom>
+        </p:spPr>
+      </p:pic>
+      <mc:AlternateContent xmlns:mc="http://schemas.openxmlformats.org/markup-compatibility/2006">
+        <mc:Choice xmlns:p14="http://schemas.microsoft.com/office/powerpoint/2010/main" Requires="p14">
+          <p:contentPart p14:bwMode="auto" r:id="rId4">
+            <p14:nvContentPartPr>
+              <p14:cNvPr id="4" name="インク 3">
+                <a:extLst>
+                  <a:ext uri="{FF2B5EF4-FFF2-40B4-BE49-F238E27FC236}">
+                    <a16:creationId xmlns:a16="http://schemas.microsoft.com/office/drawing/2014/main" id="{2C46A35A-2E72-4081-B283-9E77BEB91236}"/>
+                  </a:ext>
+                </a:extLst>
+              </p14:cNvPr>
+              <p14:cNvContentPartPr/>
+              <p14:nvPr/>
+            </p14:nvContentPartPr>
+            <p14:xfrm>
+              <a:off x="8616473" y="2234414"/>
+              <a:ext cx="254880" cy="360"/>
+            </p14:xfrm>
+          </p:contentPart>
+        </mc:Choice>
+        <mc:Fallback>
+          <p:pic>
+            <p:nvPicPr>
+              <p:cNvPr id="4" name="インク 3">
+                <a:extLst>
+                  <a:ext uri="{FF2B5EF4-FFF2-40B4-BE49-F238E27FC236}">
+                    <a16:creationId xmlns:a16="http://schemas.microsoft.com/office/drawing/2014/main" id="{2C46A35A-2E72-4081-B283-9E77BEB91236}"/>
+                  </a:ext>
+                </a:extLst>
+              </p:cNvPr>
+              <p:cNvPicPr/>
+              <p:nvPr/>
+            </p:nvPicPr>
+            <p:blipFill>
+              <a:blip r:embed="rId5"/>
+              <a:stretch>
+                <a:fillRect/>
+              </a:stretch>
+            </p:blipFill>
+            <p:spPr>
+              <a:xfrm>
+                <a:off x="8562833" y="2126774"/>
+                <a:ext cx="362520" cy="216000"/>
+              </a:xfrm>
+              <a:prstGeom prst="rect">
+                <a:avLst/>
+              </a:prstGeom>
+            </p:spPr>
+          </p:pic>
+        </mc:Fallback>
+      </mc:AlternateContent>
+      <mc:AlternateContent xmlns:mc="http://schemas.openxmlformats.org/markup-compatibility/2006">
+        <mc:Choice xmlns:p14="http://schemas.microsoft.com/office/powerpoint/2010/main" Requires="p14">
+          <p:contentPart p14:bwMode="auto" r:id="rId6">
+            <p14:nvContentPartPr>
+              <p14:cNvPr id="5" name="インク 4">
+                <a:extLst>
+                  <a:ext uri="{FF2B5EF4-FFF2-40B4-BE49-F238E27FC236}">
+                    <a16:creationId xmlns:a16="http://schemas.microsoft.com/office/drawing/2014/main" id="{FB9B20EC-07A9-4417-BA15-F8183B14F8F7}"/>
+                  </a:ext>
+                </a:extLst>
+              </p14:cNvPr>
+              <p14:cNvContentPartPr/>
+              <p14:nvPr/>
+            </p14:nvContentPartPr>
+            <p14:xfrm>
+              <a:off x="1995353" y="4950614"/>
+              <a:ext cx="590760" cy="360"/>
+            </p14:xfrm>
+          </p:contentPart>
+        </mc:Choice>
+        <mc:Fallback>
+          <p:pic>
+            <p:nvPicPr>
+              <p:cNvPr id="5" name="インク 4">
+                <a:extLst>
+                  <a:ext uri="{FF2B5EF4-FFF2-40B4-BE49-F238E27FC236}">
+                    <a16:creationId xmlns:a16="http://schemas.microsoft.com/office/drawing/2014/main" id="{FB9B20EC-07A9-4417-BA15-F8183B14F8F7}"/>
+                  </a:ext>
+                </a:extLst>
+              </p:cNvPr>
+              <p:cNvPicPr/>
+              <p:nvPr/>
+            </p:nvPicPr>
+            <p:blipFill>
+              <a:blip r:embed="rId7"/>
+              <a:stretch>
+                <a:fillRect/>
+              </a:stretch>
+            </p:blipFill>
+            <p:spPr>
+              <a:xfrm>
+                <a:off x="1941353" y="4842974"/>
+                <a:ext cx="698400" cy="216000"/>
+              </a:xfrm>
+              <a:prstGeom prst="rect">
+                <a:avLst/>
+              </a:prstGeom>
+            </p:spPr>
+          </p:pic>
+        </mc:Fallback>
+      </mc:AlternateContent>
+      <mc:AlternateContent xmlns:mc="http://schemas.openxmlformats.org/markup-compatibility/2006">
+        <mc:Choice xmlns:p14="http://schemas.microsoft.com/office/powerpoint/2010/main" Requires="p14">
+          <p:contentPart p14:bwMode="auto" r:id="rId8">
+            <p14:nvContentPartPr>
+              <p14:cNvPr id="7" name="インク 6">
+                <a:extLst>
+                  <a:ext uri="{FF2B5EF4-FFF2-40B4-BE49-F238E27FC236}">
+                    <a16:creationId xmlns:a16="http://schemas.microsoft.com/office/drawing/2014/main" id="{3B440669-C136-4030-97AD-9132A4951E06}"/>
+                  </a:ext>
+                </a:extLst>
+              </p14:cNvPr>
+              <p14:cNvContentPartPr/>
+              <p14:nvPr/>
+            </p14:nvContentPartPr>
+            <p14:xfrm>
+              <a:off x="2032793" y="3698894"/>
+              <a:ext cx="572400" cy="360"/>
+            </p14:xfrm>
+          </p:contentPart>
+        </mc:Choice>
+        <mc:Fallback>
+          <p:pic>
+            <p:nvPicPr>
+              <p:cNvPr id="7" name="インク 6">
+                <a:extLst>
+                  <a:ext uri="{FF2B5EF4-FFF2-40B4-BE49-F238E27FC236}">
+                    <a16:creationId xmlns:a16="http://schemas.microsoft.com/office/drawing/2014/main" id="{3B440669-C136-4030-97AD-9132A4951E06}"/>
+                  </a:ext>
+                </a:extLst>
+              </p:cNvPr>
+              <p:cNvPicPr/>
+              <p:nvPr/>
+            </p:nvPicPr>
+            <p:blipFill>
+              <a:blip r:embed="rId9"/>
+              <a:stretch>
+                <a:fillRect/>
+              </a:stretch>
+            </p:blipFill>
+            <p:spPr>
+              <a:xfrm>
+                <a:off x="1960793" y="3554894"/>
+                <a:ext cx="716040" cy="288000"/>
+              </a:xfrm>
+              <a:prstGeom prst="rect">
+                <a:avLst/>
+              </a:prstGeom>
+            </p:spPr>
+          </p:pic>
+        </mc:Fallback>
+      </mc:AlternateContent>
+      <mc:AlternateContent xmlns:mc="http://schemas.openxmlformats.org/markup-compatibility/2006">
+        <mc:Choice xmlns:p14="http://schemas.microsoft.com/office/powerpoint/2010/main" Requires="p14">
+          <p:contentPart p14:bwMode="auto" r:id="rId10">
+            <p14:nvContentPartPr>
+              <p14:cNvPr id="9" name="インク 8">
+                <a:extLst>
+                  <a:ext uri="{FF2B5EF4-FFF2-40B4-BE49-F238E27FC236}">
+                    <a16:creationId xmlns:a16="http://schemas.microsoft.com/office/drawing/2014/main" id="{3190AEBC-9C78-4730-ADA9-10861A0CCF6B}"/>
+                  </a:ext>
+                </a:extLst>
+              </p14:cNvPr>
+              <p14:cNvContentPartPr/>
+              <p14:nvPr/>
+            </p14:nvContentPartPr>
+            <p14:xfrm>
+              <a:off x="2662073" y="3489014"/>
+              <a:ext cx="767160" cy="360"/>
+            </p14:xfrm>
+          </p:contentPart>
+        </mc:Choice>
+        <mc:Fallback>
+          <p:pic>
+            <p:nvPicPr>
+              <p:cNvPr id="9" name="インク 8">
+                <a:extLst>
+                  <a:ext uri="{FF2B5EF4-FFF2-40B4-BE49-F238E27FC236}">
+                    <a16:creationId xmlns:a16="http://schemas.microsoft.com/office/drawing/2014/main" id="{3190AEBC-9C78-4730-ADA9-10861A0CCF6B}"/>
+                  </a:ext>
+                </a:extLst>
+              </p:cNvPr>
+              <p:cNvPicPr/>
+              <p:nvPr/>
+            </p:nvPicPr>
+            <p:blipFill>
+              <a:blip r:embed="rId11"/>
+              <a:stretch>
+                <a:fillRect/>
+              </a:stretch>
+            </p:blipFill>
+            <p:spPr>
+              <a:xfrm>
+                <a:off x="2590073" y="3345014"/>
+                <a:ext cx="910800" cy="288000"/>
+              </a:xfrm>
+              <a:prstGeom prst="rect">
+                <a:avLst/>
+              </a:prstGeom>
+            </p:spPr>
+          </p:pic>
+        </mc:Fallback>
+      </mc:AlternateContent>
+      <mc:AlternateContent xmlns:mc="http://schemas.openxmlformats.org/markup-compatibility/2006">
+        <mc:Choice xmlns:p14="http://schemas.microsoft.com/office/powerpoint/2010/main" Requires="p14">
+          <p:contentPart p14:bwMode="auto" r:id="rId12">
+            <p14:nvContentPartPr>
+              <p14:cNvPr id="11" name="インク 10">
+                <a:extLst>
+                  <a:ext uri="{FF2B5EF4-FFF2-40B4-BE49-F238E27FC236}">
+                    <a16:creationId xmlns:a16="http://schemas.microsoft.com/office/drawing/2014/main" id="{C2588D83-C61D-4059-890C-3A9EFAB90D6E}"/>
+                  </a:ext>
+                </a:extLst>
+              </p14:cNvPr>
+              <p14:cNvContentPartPr/>
+              <p14:nvPr/>
+            </p14:nvContentPartPr>
+            <p14:xfrm>
+              <a:off x="8046593" y="2585414"/>
+              <a:ext cx="462960" cy="360"/>
+            </p14:xfrm>
+          </p:contentPart>
+        </mc:Choice>
+        <mc:Fallback>
+          <p:pic>
+            <p:nvPicPr>
+              <p:cNvPr id="11" name="インク 10">
+                <a:extLst>
+                  <a:ext uri="{FF2B5EF4-FFF2-40B4-BE49-F238E27FC236}">
+                    <a16:creationId xmlns:a16="http://schemas.microsoft.com/office/drawing/2014/main" id="{C2588D83-C61D-4059-890C-3A9EFAB90D6E}"/>
+                  </a:ext>
+                </a:extLst>
+              </p:cNvPr>
+              <p:cNvPicPr/>
+              <p:nvPr/>
+            </p:nvPicPr>
+            <p:blipFill>
+              <a:blip r:embed="rId13"/>
+              <a:stretch>
+                <a:fillRect/>
+              </a:stretch>
+            </p:blipFill>
+            <p:spPr>
+              <a:xfrm>
+                <a:off x="7974593" y="2441414"/>
+                <a:ext cx="606600" cy="288000"/>
+              </a:xfrm>
+              <a:prstGeom prst="rect">
+                <a:avLst/>
+              </a:prstGeom>
+            </p:spPr>
+          </p:pic>
+        </mc:Fallback>
+      </mc:AlternateContent>
+      <mc:AlternateContent xmlns:mc="http://schemas.openxmlformats.org/markup-compatibility/2006">
+        <mc:Choice xmlns:p14="http://schemas.microsoft.com/office/powerpoint/2010/main" Requires="p14">
+          <p:contentPart p14:bwMode="auto" r:id="rId14">
+            <p14:nvContentPartPr>
+              <p14:cNvPr id="12" name="インク 11">
+                <a:extLst>
+                  <a:ext uri="{FF2B5EF4-FFF2-40B4-BE49-F238E27FC236}">
+                    <a16:creationId xmlns:a16="http://schemas.microsoft.com/office/drawing/2014/main" id="{C05E4C72-1ACE-4310-8D51-B77B2968EDE2}"/>
+                  </a:ext>
+                </a:extLst>
+              </p14:cNvPr>
+              <p14:cNvContentPartPr/>
+              <p14:nvPr/>
+            </p14:nvContentPartPr>
+            <p14:xfrm>
+              <a:off x="7970993" y="2585414"/>
+              <a:ext cx="360" cy="360"/>
+            </p14:xfrm>
+          </p:contentPart>
+        </mc:Choice>
+        <mc:Fallback>
+          <p:pic>
+            <p:nvPicPr>
+              <p:cNvPr id="12" name="インク 11">
+                <a:extLst>
+                  <a:ext uri="{FF2B5EF4-FFF2-40B4-BE49-F238E27FC236}">
+                    <a16:creationId xmlns:a16="http://schemas.microsoft.com/office/drawing/2014/main" id="{C05E4C72-1ACE-4310-8D51-B77B2968EDE2}"/>
+                  </a:ext>
+                </a:extLst>
+              </p:cNvPr>
+              <p:cNvPicPr/>
+              <p:nvPr/>
+            </p:nvPicPr>
+            <p:blipFill>
+              <a:blip r:embed="rId15"/>
+              <a:stretch>
+                <a:fillRect/>
+              </a:stretch>
+            </p:blipFill>
+            <p:spPr>
+              <a:xfrm>
+                <a:off x="7898993" y="2441414"/>
+                <a:ext cx="144000" cy="288000"/>
+              </a:xfrm>
+              <a:prstGeom prst="rect">
+                <a:avLst/>
+              </a:prstGeom>
+            </p:spPr>
+          </p:pic>
+        </mc:Fallback>
+      </mc:AlternateContent>
+      <mc:AlternateContent xmlns:mc="http://schemas.openxmlformats.org/markup-compatibility/2006">
+        <mc:Choice xmlns:p14="http://schemas.microsoft.com/office/powerpoint/2010/main" Requires="p14">
+          <p:contentPart p14:bwMode="auto" r:id="rId16">
+            <p14:nvContentPartPr>
+              <p14:cNvPr id="14" name="インク 13">
+                <a:extLst>
+                  <a:ext uri="{FF2B5EF4-FFF2-40B4-BE49-F238E27FC236}">
+                    <a16:creationId xmlns:a16="http://schemas.microsoft.com/office/drawing/2014/main" id="{BE398049-1958-491C-867E-7F75DC0FFEF5}"/>
+                  </a:ext>
+                </a:extLst>
+              </p14:cNvPr>
+              <p14:cNvContentPartPr/>
+              <p14:nvPr/>
+            </p14:nvContentPartPr>
+            <p14:xfrm>
+              <a:off x="6986393" y="1751654"/>
+              <a:ext cx="39600" cy="360"/>
+            </p14:xfrm>
+          </p:contentPart>
+        </mc:Choice>
+        <mc:Fallback>
+          <p:pic>
+            <p:nvPicPr>
+              <p:cNvPr id="14" name="インク 13">
+                <a:extLst>
+                  <a:ext uri="{FF2B5EF4-FFF2-40B4-BE49-F238E27FC236}">
+                    <a16:creationId xmlns:a16="http://schemas.microsoft.com/office/drawing/2014/main" id="{BE398049-1958-491C-867E-7F75DC0FFEF5}"/>
+                  </a:ext>
+                </a:extLst>
+              </p:cNvPr>
+              <p:cNvPicPr/>
+              <p:nvPr/>
+            </p:nvPicPr>
+            <p:blipFill>
+              <a:blip r:embed="rId17"/>
+              <a:stretch>
+                <a:fillRect/>
+              </a:stretch>
+            </p:blipFill>
+            <p:spPr>
+              <a:xfrm>
+                <a:off x="6914753" y="1607654"/>
+                <a:ext cx="183240" cy="288000"/>
+              </a:xfrm>
+              <a:prstGeom prst="rect">
+                <a:avLst/>
+              </a:prstGeom>
+            </p:spPr>
+          </p:pic>
+        </mc:Fallback>
+      </mc:AlternateContent>
+    </p:spTree>
+    <p:extLst>
+      <p:ext uri="{BB962C8B-B14F-4D97-AF65-F5344CB8AC3E}">
+        <p14:creationId xmlns:p14="http://schemas.microsoft.com/office/powerpoint/2010/main" val="3288272769"/>
+      </p:ext>
+    </p:extLst>
+  </p:cSld>
+  <p:clrMapOvr>
+    <a:masterClrMapping/>
+  </p:clrMapOvr>
+</p:sld>
+</file>
+
+<file path=ppt/slides/slide17.xml><?xml version="1.0" encoding="utf-8"?>
+<p:sld xmlns:a="http://schemas.openxmlformats.org/drawingml/2006/main" xmlns:r="http://schemas.openxmlformats.org/officeDocument/2006/relationships" xmlns:p="http://schemas.openxmlformats.org/presentationml/2006/main">
+  <p:cSld>
+    <p:bg>
+      <p:bgPr>
+        <a:solidFill>
+          <a:schemeClr val="bg1"/>
+        </a:solidFill>
+        <a:effectLst/>
+      </p:bgPr>
+    </p:bg>
+    <p:spTree>
+      <p:nvGrpSpPr>
+        <p:cNvPr id="1" name=""/>
+        <p:cNvGrpSpPr/>
+        <p:nvPr/>
+      </p:nvGrpSpPr>
+      <p:grpSpPr>
+        <a:xfrm>
+          <a:off x="0" y="0"/>
+          <a:ext cx="0" cy="0"/>
+          <a:chOff x="0" y="0"/>
+          <a:chExt cx="0" cy="0"/>
+        </a:xfrm>
+      </p:grpSpPr>
+      <p:sp>
+        <p:nvSpPr>
+          <p:cNvPr id="13" name="Down Arrow 7">
+            <a:extLst>
+              <a:ext uri="{FF2B5EF4-FFF2-40B4-BE49-F238E27FC236}">
+                <a16:creationId xmlns:a16="http://schemas.microsoft.com/office/drawing/2014/main" id="{73DE2CFE-42F2-48F0-8706-5264E012B10C}"/>
+              </a:ext>
+              <a:ext uri="{C183D7F6-B498-43B3-948B-1728B52AA6E4}">
+                <adec:decorative xmlns:adec="http://schemas.microsoft.com/office/drawing/2017/decorative" val="1"/>
+              </a:ext>
+            </a:extLst>
+          </p:cNvPr>
+          <p:cNvSpPr>
+            <a:spLocks noGrp="1" noRot="1" noChangeAspect="1" noMove="1" noResize="1" noEditPoints="1" noAdjustHandles="1" noChangeArrowheads="1" noChangeShapeType="1" noTextEdit="1"/>
+          </p:cNvSpPr>
+          <p:nvPr>
+            <p:extLst>
+              <p:ext uri="{386F3935-93C4-4BCD-93E2-E3B085C9AB24}">
+                <p16:designElem xmlns:p16="http://schemas.microsoft.com/office/powerpoint/2015/main" val="1"/>
+              </p:ext>
+            </p:extLst>
+          </p:nvPr>
+        </p:nvSpPr>
+        <p:spPr>
+          <a:xfrm rot="16200000">
+            <a:off x="1288521" y="381403"/>
+            <a:ext cx="2200313" cy="3342508"/>
+          </a:xfrm>
+          <a:prstGeom prst="downArrow">
+            <a:avLst>
+              <a:gd name="adj1" fmla="val 100000"/>
+              <a:gd name="adj2" fmla="val 15788"/>
+            </a:avLst>
+          </a:prstGeom>
+          <a:solidFill>
+            <a:srgbClr val="404040"/>
+          </a:solidFill>
+          <a:ln w="53975">
+            <a:noFill/>
+          </a:ln>
+        </p:spPr>
+        <p:style>
+          <a:lnRef idx="2">
+            <a:schemeClr val="accent1">
+              <a:shade val="50000"/>
+            </a:schemeClr>
+          </a:lnRef>
+          <a:fillRef idx="1">
+            <a:schemeClr val="accent1"/>
+          </a:fillRef>
+          <a:effectRef idx="0">
+            <a:schemeClr val="accent1"/>
+          </a:effectRef>
+          <a:fontRef idx="minor">
+            <a:schemeClr val="lt1"/>
+          </a:fontRef>
+        </p:style>
+        <p:txBody>
+          <a:bodyPr rtlCol="0" anchor="ctr"/>
+          <a:lstStyle/>
+          <a:p>
+            <a:pPr marL="0" marR="0" lvl="0" indent="0" algn="ctr" defTabSz="914400" rtl="0" eaLnBrk="1" fontAlgn="auto" latinLnBrk="0" hangingPunct="1">
+              <a:lnSpc>
+                <a:spcPct val="100000"/>
+              </a:lnSpc>
+              <a:spcBef>
+                <a:spcPts val="0"/>
+              </a:spcBef>
+              <a:spcAft>
+                <a:spcPts val="0"/>
+              </a:spcAft>
+              <a:buClrTx/>
+              <a:buSzTx/>
+              <a:buFontTx/>
+              <a:buNone/>
+              <a:tabLst/>
+              <a:defRPr/>
+            </a:pPr>
+            <a:endParaRPr kumimoji="0" lang="en-US" sz="1800" b="0" i="0" u="none" strike="noStrike" kern="1200" cap="none" spc="0" normalizeH="0" baseline="0" noProof="0">
+              <a:ln>
+                <a:noFill/>
+              </a:ln>
+              <a:solidFill>
+                <a:prstClr val="white"/>
+              </a:solidFill>
+              <a:effectLst/>
+              <a:uLnTx/>
+              <a:uFillTx/>
+              <a:latin typeface="Calibri" panose="020F0502020204030204"/>
+              <a:ea typeface="+mn-ea"/>
+              <a:cs typeface="+mn-cs"/>
+            </a:endParaRPr>
+          </a:p>
+        </p:txBody>
+      </p:sp>
+      <p:sp>
+        <p:nvSpPr>
+          <p:cNvPr id="2" name="タイトル 1">
+            <a:extLst>
+              <a:ext uri="{FF2B5EF4-FFF2-40B4-BE49-F238E27FC236}">
+                <a16:creationId xmlns:a16="http://schemas.microsoft.com/office/drawing/2014/main" id="{A7D5D82D-CF3A-481C-A431-BE9E236A1998}"/>
+              </a:ext>
+            </a:extLst>
+          </p:cNvPr>
+          <p:cNvSpPr>
+            <a:spLocks noGrp="1"/>
+          </p:cNvSpPr>
+          <p:nvPr>
+            <p:ph type="title"/>
+          </p:nvPr>
+        </p:nvSpPr>
+        <p:spPr>
+          <a:xfrm>
+            <a:off x="966952" y="1204108"/>
+            <a:ext cx="2669406" cy="1781175"/>
+          </a:xfrm>
+        </p:spPr>
+        <p:txBody>
+          <a:bodyPr>
+            <a:normAutofit/>
+          </a:bodyPr>
+          <a:lstStyle/>
+          <a:p>
+            <a:r>
+              <a:rPr kumimoji="1" lang="en-US" altLang="ja-JP" sz="3200" dirty="0" err="1">
+                <a:solidFill>
+                  <a:srgbClr val="FFFFFF"/>
+                </a:solidFill>
+              </a:rPr>
+              <a:t>Sourcetree</a:t>
+            </a:r>
+            <a:r>
+              <a:rPr kumimoji="1" lang="ja-JP" altLang="en-US" sz="3200" dirty="0">
+                <a:solidFill>
+                  <a:srgbClr val="FFFFFF"/>
+                </a:solidFill>
+              </a:rPr>
+              <a:t>の使い方</a:t>
+            </a:r>
+          </a:p>
+        </p:txBody>
+      </p:sp>
+      <p:sp>
+        <p:nvSpPr>
+          <p:cNvPr id="10" name="Content Placeholder 9">
+            <a:extLst>
+              <a:ext uri="{FF2B5EF4-FFF2-40B4-BE49-F238E27FC236}">
+                <a16:creationId xmlns:a16="http://schemas.microsoft.com/office/drawing/2014/main" id="{0A837A21-1852-40A6-A18A-F08488F334AF}"/>
+              </a:ext>
+            </a:extLst>
+          </p:cNvPr>
+          <p:cNvSpPr>
+            <a:spLocks noGrp="1"/>
+          </p:cNvSpPr>
+          <p:nvPr>
+            <p:ph idx="1"/>
+          </p:nvPr>
+        </p:nvSpPr>
+        <p:spPr>
+          <a:xfrm>
+            <a:off x="966950" y="3355130"/>
+            <a:ext cx="3092981" cy="2427333"/>
+          </a:xfrm>
+        </p:spPr>
+        <p:txBody>
+          <a:bodyPr>
+            <a:normAutofit/>
+          </a:bodyPr>
+          <a:lstStyle/>
+          <a:p>
+            <a:r>
+              <a:rPr lang="ja-JP" altLang="en-US" sz="1600" dirty="0"/>
+              <a:t>少し待つと、この画面になります。</a:t>
+            </a:r>
+            <a:endParaRPr lang="en-US" altLang="ja-JP" sz="1600" dirty="0"/>
+          </a:p>
+        </p:txBody>
+      </p:sp>
+      <p:pic>
+        <p:nvPicPr>
+          <p:cNvPr id="8" name="コンテンツ プレースホルダー 4">
+            <a:extLst>
+              <a:ext uri="{FF2B5EF4-FFF2-40B4-BE49-F238E27FC236}">
+                <a16:creationId xmlns:a16="http://schemas.microsoft.com/office/drawing/2014/main" id="{90FF0F12-B6E9-47AB-BCA8-A3C9632A32AA}"/>
+              </a:ext>
+            </a:extLst>
+          </p:cNvPr>
+          <p:cNvPicPr>
+            <a:picLocks noChangeAspect="1"/>
+          </p:cNvPicPr>
+          <p:nvPr/>
+        </p:nvPicPr>
+        <p:blipFill>
+          <a:blip r:embed="rId3">
+            <a:extLst>
+              <a:ext uri="{28A0092B-C50C-407E-A947-70E740481C1C}">
+                <a14:useLocalDpi xmlns:a14="http://schemas.microsoft.com/office/drawing/2010/main" val="0"/>
+              </a:ext>
+            </a:extLst>
+          </a:blip>
+          <a:stretch>
+            <a:fillRect/>
+          </a:stretch>
+        </p:blipFill>
+        <p:spPr>
+          <a:xfrm>
+            <a:off x="5191700" y="1282596"/>
+            <a:ext cx="5996707" cy="3997804"/>
+          </a:xfrm>
+          <a:prstGeom prst="rect">
+            <a:avLst/>
+          </a:prstGeom>
+        </p:spPr>
+      </p:pic>
+    </p:spTree>
+    <p:extLst>
+      <p:ext uri="{BB962C8B-B14F-4D97-AF65-F5344CB8AC3E}">
+        <p14:creationId xmlns:p14="http://schemas.microsoft.com/office/powerpoint/2010/main" val="1220762970"/>
+      </p:ext>
+    </p:extLst>
+  </p:cSld>
+  <p:clrMapOvr>
+    <a:masterClrMapping/>
+  </p:clrMapOvr>
+</p:sld>
+</file>
+
+<file path=ppt/slides/slide18.xml><?xml version="1.0" encoding="utf-8"?>
+<p:sld xmlns:a="http://schemas.openxmlformats.org/drawingml/2006/main" xmlns:r="http://schemas.openxmlformats.org/officeDocument/2006/relationships" xmlns:p="http://schemas.openxmlformats.org/presentationml/2006/main">
+  <p:cSld>
+    <p:bg>
+      <p:bgPr>
+        <a:solidFill>
+          <a:schemeClr val="bg1"/>
+        </a:solidFill>
+        <a:effectLst/>
+      </p:bgPr>
+    </p:bg>
+    <p:spTree>
+      <p:nvGrpSpPr>
+        <p:cNvPr id="1" name=""/>
+        <p:cNvGrpSpPr/>
+        <p:nvPr/>
+      </p:nvGrpSpPr>
+      <p:grpSpPr>
+        <a:xfrm>
+          <a:off x="0" y="0"/>
+          <a:ext cx="0" cy="0"/>
+          <a:chOff x="0" y="0"/>
+          <a:chExt cx="0" cy="0"/>
+        </a:xfrm>
+      </p:grpSpPr>
+      <p:sp>
+        <p:nvSpPr>
+          <p:cNvPr id="13" name="Down Arrow 7">
+            <a:extLst>
+              <a:ext uri="{FF2B5EF4-FFF2-40B4-BE49-F238E27FC236}">
+                <a16:creationId xmlns:a16="http://schemas.microsoft.com/office/drawing/2014/main" id="{73DE2CFE-42F2-48F0-8706-5264E012B10C}"/>
+              </a:ext>
+              <a:ext uri="{C183D7F6-B498-43B3-948B-1728B52AA6E4}">
+                <adec:decorative xmlns:adec="http://schemas.microsoft.com/office/drawing/2017/decorative" val="1"/>
+              </a:ext>
+            </a:extLst>
+          </p:cNvPr>
+          <p:cNvSpPr>
+            <a:spLocks noGrp="1" noRot="1" noChangeAspect="1" noMove="1" noResize="1" noEditPoints="1" noAdjustHandles="1" noChangeArrowheads="1" noChangeShapeType="1" noTextEdit="1"/>
+          </p:cNvSpPr>
+          <p:nvPr>
+            <p:extLst>
+              <p:ext uri="{386F3935-93C4-4BCD-93E2-E3B085C9AB24}">
+                <p16:designElem xmlns:p16="http://schemas.microsoft.com/office/powerpoint/2015/main" val="1"/>
+              </p:ext>
+            </p:extLst>
+          </p:nvPr>
+        </p:nvSpPr>
+        <p:spPr>
+          <a:xfrm rot="16200000">
+            <a:off x="1288521" y="381403"/>
+            <a:ext cx="2200313" cy="3342508"/>
+          </a:xfrm>
+          <a:prstGeom prst="downArrow">
+            <a:avLst>
+              <a:gd name="adj1" fmla="val 100000"/>
+              <a:gd name="adj2" fmla="val 15788"/>
+            </a:avLst>
+          </a:prstGeom>
+          <a:solidFill>
+            <a:srgbClr val="404040"/>
+          </a:solidFill>
+          <a:ln w="53975">
+            <a:noFill/>
+          </a:ln>
+        </p:spPr>
+        <p:style>
+          <a:lnRef idx="2">
+            <a:schemeClr val="accent1">
+              <a:shade val="50000"/>
+            </a:schemeClr>
+          </a:lnRef>
+          <a:fillRef idx="1">
+            <a:schemeClr val="accent1"/>
+          </a:fillRef>
+          <a:effectRef idx="0">
+            <a:schemeClr val="accent1"/>
+          </a:effectRef>
+          <a:fontRef idx="minor">
+            <a:schemeClr val="lt1"/>
+          </a:fontRef>
+        </p:style>
+        <p:txBody>
+          <a:bodyPr rtlCol="0" anchor="ctr"/>
+          <a:lstStyle/>
+          <a:p>
+            <a:pPr marL="0" marR="0" lvl="0" indent="0" algn="ctr" defTabSz="914400" rtl="0" eaLnBrk="1" fontAlgn="auto" latinLnBrk="0" hangingPunct="1">
+              <a:lnSpc>
+                <a:spcPct val="100000"/>
+              </a:lnSpc>
+              <a:spcBef>
+                <a:spcPts val="0"/>
+              </a:spcBef>
+              <a:spcAft>
+                <a:spcPts val="0"/>
+              </a:spcAft>
+              <a:buClrTx/>
+              <a:buSzTx/>
+              <a:buFontTx/>
+              <a:buNone/>
+              <a:tabLst/>
+              <a:defRPr/>
+            </a:pPr>
+            <a:endParaRPr kumimoji="0" lang="en-US" sz="1800" b="0" i="0" u="none" strike="noStrike" kern="1200" cap="none" spc="0" normalizeH="0" baseline="0" noProof="0">
+              <a:ln>
+                <a:noFill/>
+              </a:ln>
+              <a:solidFill>
+                <a:prstClr val="white"/>
+              </a:solidFill>
+              <a:effectLst/>
+              <a:uLnTx/>
+              <a:uFillTx/>
+              <a:latin typeface="Calibri" panose="020F0502020204030204"/>
+              <a:ea typeface="+mn-ea"/>
+              <a:cs typeface="+mn-cs"/>
+            </a:endParaRPr>
+          </a:p>
+        </p:txBody>
+      </p:sp>
+      <p:sp>
+        <p:nvSpPr>
+          <p:cNvPr id="2" name="タイトル 1">
+            <a:extLst>
+              <a:ext uri="{FF2B5EF4-FFF2-40B4-BE49-F238E27FC236}">
+                <a16:creationId xmlns:a16="http://schemas.microsoft.com/office/drawing/2014/main" id="{A7D5D82D-CF3A-481C-A431-BE9E236A1998}"/>
+              </a:ext>
+            </a:extLst>
+          </p:cNvPr>
+          <p:cNvSpPr>
+            <a:spLocks noGrp="1"/>
+          </p:cNvSpPr>
+          <p:nvPr>
+            <p:ph type="title"/>
+          </p:nvPr>
+        </p:nvSpPr>
+        <p:spPr>
+          <a:xfrm>
+            <a:off x="966952" y="1204108"/>
+            <a:ext cx="2669406" cy="1781175"/>
+          </a:xfrm>
+        </p:spPr>
+        <p:txBody>
+          <a:bodyPr>
+            <a:normAutofit/>
+          </a:bodyPr>
+          <a:lstStyle/>
+          <a:p>
+            <a:r>
+              <a:rPr kumimoji="1" lang="en-US" altLang="ja-JP" sz="3200" dirty="0" err="1">
+                <a:solidFill>
+                  <a:srgbClr val="FFFFFF"/>
+                </a:solidFill>
+              </a:rPr>
+              <a:t>Sourcetree</a:t>
+            </a:r>
+            <a:r>
+              <a:rPr kumimoji="1" lang="ja-JP" altLang="en-US" sz="3200" dirty="0">
+                <a:solidFill>
+                  <a:srgbClr val="FFFFFF"/>
+                </a:solidFill>
+              </a:rPr>
+              <a:t>の使い方</a:t>
+            </a:r>
+          </a:p>
+        </p:txBody>
+      </p:sp>
+      <p:sp>
+        <p:nvSpPr>
+          <p:cNvPr id="10" name="Content Placeholder 9">
+            <a:extLst>
+              <a:ext uri="{FF2B5EF4-FFF2-40B4-BE49-F238E27FC236}">
+                <a16:creationId xmlns:a16="http://schemas.microsoft.com/office/drawing/2014/main" id="{0A837A21-1852-40A6-A18A-F08488F334AF}"/>
+              </a:ext>
+            </a:extLst>
+          </p:cNvPr>
+          <p:cNvSpPr>
+            <a:spLocks noGrp="1"/>
+          </p:cNvSpPr>
+          <p:nvPr>
+            <p:ph idx="1"/>
+          </p:nvPr>
+        </p:nvSpPr>
+        <p:spPr>
+          <a:xfrm>
+            <a:off x="966950" y="3355130"/>
+            <a:ext cx="3092981" cy="2427333"/>
+          </a:xfrm>
+        </p:spPr>
+        <p:txBody>
+          <a:bodyPr>
+            <a:normAutofit/>
+          </a:bodyPr>
+          <a:lstStyle/>
+          <a:p>
+            <a:r>
+              <a:rPr lang="ja-JP" altLang="en-US" sz="1600" dirty="0"/>
+              <a:t>先ほど作ったフォルダに隠しフォルダで「</a:t>
+            </a:r>
+            <a:r>
+              <a:rPr lang="en-US" altLang="ja-JP" sz="1600" dirty="0"/>
+              <a:t>.git</a:t>
+            </a:r>
+            <a:r>
+              <a:rPr lang="ja-JP" altLang="en-US" sz="1600" dirty="0"/>
+              <a:t>」があることを念のため確認する。</a:t>
+            </a:r>
+            <a:endParaRPr lang="en-US" altLang="ja-JP" sz="1600" dirty="0"/>
+          </a:p>
+        </p:txBody>
+      </p:sp>
+      <p:pic>
+        <p:nvPicPr>
+          <p:cNvPr id="8" name="コンテンツ プレースホルダー 4">
+            <a:extLst>
+              <a:ext uri="{FF2B5EF4-FFF2-40B4-BE49-F238E27FC236}">
+                <a16:creationId xmlns:a16="http://schemas.microsoft.com/office/drawing/2014/main" id="{90FF0F12-B6E9-47AB-BCA8-A3C9632A32AA}"/>
+              </a:ext>
+            </a:extLst>
+          </p:cNvPr>
+          <p:cNvPicPr>
+            <a:picLocks noChangeAspect="1"/>
+          </p:cNvPicPr>
+          <p:nvPr/>
+        </p:nvPicPr>
+        <p:blipFill>
+          <a:blip r:embed="rId3">
+            <a:extLst>
+              <a:ext uri="{28A0092B-C50C-407E-A947-70E740481C1C}">
+                <a14:useLocalDpi xmlns:a14="http://schemas.microsoft.com/office/drawing/2010/main" val="0"/>
+              </a:ext>
+            </a:extLst>
+          </a:blip>
+          <a:stretch>
+            <a:fillRect/>
+          </a:stretch>
+        </p:blipFill>
+        <p:spPr>
+          <a:xfrm>
+            <a:off x="5428320" y="1282596"/>
+            <a:ext cx="5523467" cy="3997804"/>
+          </a:xfrm>
+          <a:prstGeom prst="rect">
+            <a:avLst/>
+          </a:prstGeom>
+        </p:spPr>
+      </p:pic>
+    </p:spTree>
+    <p:extLst>
+      <p:ext uri="{BB962C8B-B14F-4D97-AF65-F5344CB8AC3E}">
+        <p14:creationId xmlns:p14="http://schemas.microsoft.com/office/powerpoint/2010/main" val="728464139"/>
+      </p:ext>
+    </p:extLst>
+  </p:cSld>
+  <p:clrMapOvr>
+    <a:masterClrMapping/>
+  </p:clrMapOvr>
+</p:sld>
+</file>
+
+<file path=ppt/slides/slide19.xml><?xml version="1.0" encoding="utf-8"?>
+<p:sld xmlns:a="http://schemas.openxmlformats.org/drawingml/2006/main" xmlns:r="http://schemas.openxmlformats.org/officeDocument/2006/relationships" xmlns:p="http://schemas.openxmlformats.org/presentationml/2006/main">
+  <p:cSld>
+    <p:bg>
+      <p:bgPr>
+        <a:solidFill>
+          <a:schemeClr val="bg1"/>
+        </a:solidFill>
+        <a:effectLst/>
+      </p:bgPr>
+    </p:bg>
+    <p:spTree>
+      <p:nvGrpSpPr>
+        <p:cNvPr id="1" name=""/>
+        <p:cNvGrpSpPr/>
+        <p:nvPr/>
+      </p:nvGrpSpPr>
+      <p:grpSpPr>
+        <a:xfrm>
+          <a:off x="0" y="0"/>
+          <a:ext cx="0" cy="0"/>
+          <a:chOff x="0" y="0"/>
+          <a:chExt cx="0" cy="0"/>
+        </a:xfrm>
+      </p:grpSpPr>
+      <p:sp>
+        <p:nvSpPr>
+          <p:cNvPr id="13" name="Down Arrow 7">
+            <a:extLst>
+              <a:ext uri="{FF2B5EF4-FFF2-40B4-BE49-F238E27FC236}">
+                <a16:creationId xmlns:a16="http://schemas.microsoft.com/office/drawing/2014/main" id="{73DE2CFE-42F2-48F0-8706-5264E012B10C}"/>
+              </a:ext>
+              <a:ext uri="{C183D7F6-B498-43B3-948B-1728B52AA6E4}">
+                <adec:decorative xmlns:adec="http://schemas.microsoft.com/office/drawing/2017/decorative" val="1"/>
+              </a:ext>
+            </a:extLst>
+          </p:cNvPr>
+          <p:cNvSpPr>
+            <a:spLocks noGrp="1" noRot="1" noChangeAspect="1" noMove="1" noResize="1" noEditPoints="1" noAdjustHandles="1" noChangeArrowheads="1" noChangeShapeType="1" noTextEdit="1"/>
+          </p:cNvSpPr>
+          <p:nvPr>
+            <p:extLst>
+              <p:ext uri="{386F3935-93C4-4BCD-93E2-E3B085C9AB24}">
+                <p16:designElem xmlns:p16="http://schemas.microsoft.com/office/powerpoint/2015/main" val="1"/>
+              </p:ext>
+            </p:extLst>
+          </p:nvPr>
+        </p:nvSpPr>
+        <p:spPr>
+          <a:xfrm rot="16200000">
+            <a:off x="1288521" y="381403"/>
+            <a:ext cx="2200313" cy="3342508"/>
+          </a:xfrm>
+          <a:prstGeom prst="downArrow">
+            <a:avLst>
+              <a:gd name="adj1" fmla="val 100000"/>
+              <a:gd name="adj2" fmla="val 15788"/>
+            </a:avLst>
+          </a:prstGeom>
+          <a:solidFill>
+            <a:srgbClr val="404040"/>
+          </a:solidFill>
+          <a:ln w="53975">
+            <a:noFill/>
+          </a:ln>
+        </p:spPr>
+        <p:style>
+          <a:lnRef idx="2">
+            <a:schemeClr val="accent1">
+              <a:shade val="50000"/>
+            </a:schemeClr>
+          </a:lnRef>
+          <a:fillRef idx="1">
+            <a:schemeClr val="accent1"/>
+          </a:fillRef>
+          <a:effectRef idx="0">
+            <a:schemeClr val="accent1"/>
+          </a:effectRef>
+          <a:fontRef idx="minor">
+            <a:schemeClr val="lt1"/>
+          </a:fontRef>
+        </p:style>
+        <p:txBody>
+          <a:bodyPr rtlCol="0" anchor="ctr"/>
+          <a:lstStyle/>
+          <a:p>
+            <a:pPr marL="0" marR="0" lvl="0" indent="0" algn="ctr" defTabSz="914400" rtl="0" eaLnBrk="1" fontAlgn="auto" latinLnBrk="0" hangingPunct="1">
+              <a:lnSpc>
+                <a:spcPct val="100000"/>
+              </a:lnSpc>
+              <a:spcBef>
+                <a:spcPts val="0"/>
+              </a:spcBef>
+              <a:spcAft>
+                <a:spcPts val="0"/>
+              </a:spcAft>
+              <a:buClrTx/>
+              <a:buSzTx/>
+              <a:buFontTx/>
+              <a:buNone/>
+              <a:tabLst/>
+              <a:defRPr/>
+            </a:pPr>
+            <a:endParaRPr kumimoji="0" lang="en-US" sz="1800" b="0" i="0" u="none" strike="noStrike" kern="1200" cap="none" spc="0" normalizeH="0" baseline="0" noProof="0">
+              <a:ln>
+                <a:noFill/>
+              </a:ln>
+              <a:solidFill>
+                <a:prstClr val="white"/>
+              </a:solidFill>
+              <a:effectLst/>
+              <a:uLnTx/>
+              <a:uFillTx/>
+              <a:latin typeface="Calibri" panose="020F0502020204030204"/>
+              <a:ea typeface="+mn-ea"/>
+              <a:cs typeface="+mn-cs"/>
+            </a:endParaRPr>
+          </a:p>
+        </p:txBody>
+      </p:sp>
+      <p:sp>
+        <p:nvSpPr>
+          <p:cNvPr id="2" name="タイトル 1">
+            <a:extLst>
+              <a:ext uri="{FF2B5EF4-FFF2-40B4-BE49-F238E27FC236}">
+                <a16:creationId xmlns:a16="http://schemas.microsoft.com/office/drawing/2014/main" id="{A7D5D82D-CF3A-481C-A431-BE9E236A1998}"/>
+              </a:ext>
+            </a:extLst>
+          </p:cNvPr>
+          <p:cNvSpPr>
+            <a:spLocks noGrp="1"/>
+          </p:cNvSpPr>
+          <p:nvPr>
+            <p:ph type="title"/>
+          </p:nvPr>
+        </p:nvSpPr>
+        <p:spPr>
+          <a:xfrm>
+            <a:off x="966952" y="1204108"/>
+            <a:ext cx="2669406" cy="1781175"/>
+          </a:xfrm>
+        </p:spPr>
+        <p:txBody>
+          <a:bodyPr>
+            <a:normAutofit/>
+          </a:bodyPr>
+          <a:lstStyle/>
+          <a:p>
+            <a:r>
+              <a:rPr kumimoji="1" lang="en-US" altLang="ja-JP" sz="3200" dirty="0" err="1">
+                <a:solidFill>
+                  <a:srgbClr val="FFFFFF"/>
+                </a:solidFill>
+              </a:rPr>
+              <a:t>Sourcetree</a:t>
+            </a:r>
+            <a:r>
+              <a:rPr kumimoji="1" lang="ja-JP" altLang="en-US" sz="3200" dirty="0">
+                <a:solidFill>
+                  <a:srgbClr val="FFFFFF"/>
+                </a:solidFill>
+              </a:rPr>
+              <a:t>の使い方</a:t>
+            </a:r>
+          </a:p>
+        </p:txBody>
+      </p:sp>
+      <p:sp>
+        <p:nvSpPr>
+          <p:cNvPr id="10" name="Content Placeholder 9">
+            <a:extLst>
+              <a:ext uri="{FF2B5EF4-FFF2-40B4-BE49-F238E27FC236}">
+                <a16:creationId xmlns:a16="http://schemas.microsoft.com/office/drawing/2014/main" id="{0A837A21-1852-40A6-A18A-F08488F334AF}"/>
+              </a:ext>
+            </a:extLst>
+          </p:cNvPr>
+          <p:cNvSpPr>
+            <a:spLocks noGrp="1"/>
+          </p:cNvSpPr>
+          <p:nvPr>
+            <p:ph idx="1"/>
+          </p:nvPr>
+        </p:nvSpPr>
+        <p:spPr>
+          <a:xfrm>
+            <a:off x="966950" y="3355130"/>
+            <a:ext cx="3092981" cy="2427333"/>
+          </a:xfrm>
+        </p:spPr>
+        <p:txBody>
+          <a:bodyPr>
+            <a:normAutofit/>
+          </a:bodyPr>
+          <a:lstStyle/>
+          <a:p>
+            <a:r>
+              <a:rPr lang="ja-JP" altLang="en-US" sz="1600" dirty="0"/>
+              <a:t>フォルダ内にテキストファイルを作成し、保存します。</a:t>
+            </a:r>
+            <a:endParaRPr lang="en-US" altLang="ja-JP" sz="1600" dirty="0"/>
+          </a:p>
+          <a:p>
+            <a:r>
+              <a:rPr lang="ja-JP" altLang="en-US" sz="1600" dirty="0"/>
+              <a:t>ここでは「</a:t>
+            </a:r>
+            <a:r>
+              <a:rPr lang="en-US" altLang="ja-JP" sz="1600" dirty="0"/>
+              <a:t>okonomi.txt</a:t>
+            </a:r>
+            <a:r>
+              <a:rPr lang="ja-JP" altLang="en-US" sz="1600" dirty="0"/>
+              <a:t>」を作成し、文章は右のようにします。</a:t>
+            </a:r>
+            <a:endParaRPr lang="en-US" altLang="ja-JP" sz="1600" dirty="0"/>
+          </a:p>
+        </p:txBody>
+      </p:sp>
+      <p:pic>
+        <p:nvPicPr>
+          <p:cNvPr id="8" name="コンテンツ プレースホルダー 4">
+            <a:extLst>
+              <a:ext uri="{FF2B5EF4-FFF2-40B4-BE49-F238E27FC236}">
+                <a16:creationId xmlns:a16="http://schemas.microsoft.com/office/drawing/2014/main" id="{90FF0F12-B6E9-47AB-BCA8-A3C9632A32AA}"/>
+              </a:ext>
+            </a:extLst>
+          </p:cNvPr>
+          <p:cNvPicPr>
+            <a:picLocks noChangeAspect="1"/>
+          </p:cNvPicPr>
+          <p:nvPr/>
+        </p:nvPicPr>
+        <p:blipFill>
+          <a:blip r:embed="rId3">
+            <a:extLst>
+              <a:ext uri="{28A0092B-C50C-407E-A947-70E740481C1C}">
+                <a14:useLocalDpi xmlns:a14="http://schemas.microsoft.com/office/drawing/2010/main" val="0"/>
+              </a:ext>
+            </a:extLst>
+          </a:blip>
+          <a:stretch>
+            <a:fillRect/>
+          </a:stretch>
+        </p:blipFill>
+        <p:spPr>
+          <a:xfrm>
+            <a:off x="6373490" y="1282596"/>
+            <a:ext cx="3633127" cy="3997804"/>
+          </a:xfrm>
+          <a:prstGeom prst="rect">
+            <a:avLst/>
+          </a:prstGeom>
+        </p:spPr>
+      </p:pic>
+    </p:spTree>
+    <p:extLst>
+      <p:ext uri="{BB962C8B-B14F-4D97-AF65-F5344CB8AC3E}">
+        <p14:creationId xmlns:p14="http://schemas.microsoft.com/office/powerpoint/2010/main" val="868945613"/>
+      </p:ext>
+    </p:extLst>
+  </p:cSld>
+  <p:clrMapOvr>
+    <a:masterClrMapping/>
+  </p:clrMapOvr>
+</p:sld>
+</file>
+
 <file path=ppt/slides/slide2.xml><?xml version="1.0" encoding="utf-8"?>
 <p:sld xmlns:a="http://schemas.openxmlformats.org/drawingml/2006/main" xmlns:r="http://schemas.openxmlformats.org/officeDocument/2006/relationships" xmlns:p="http://schemas.openxmlformats.org/presentationml/2006/main">
   <p:cSld>
@@ -5214,6 +9904,367 @@
     <p:extLst>
       <p:ext uri="{BB962C8B-B14F-4D97-AF65-F5344CB8AC3E}">
         <p14:creationId xmlns:p14="http://schemas.microsoft.com/office/powerpoint/2010/main" val="557039796"/>
+      </p:ext>
+    </p:extLst>
+  </p:cSld>
+  <p:clrMapOvr>
+    <a:masterClrMapping/>
+  </p:clrMapOvr>
+</p:sld>
+</file>
+
+<file path=ppt/slides/slide20.xml><?xml version="1.0" encoding="utf-8"?>
+<p:sld xmlns:a="http://schemas.openxmlformats.org/drawingml/2006/main" xmlns:r="http://schemas.openxmlformats.org/officeDocument/2006/relationships" xmlns:p="http://schemas.openxmlformats.org/presentationml/2006/main">
+  <p:cSld>
+    <p:bg>
+      <p:bgPr>
+        <a:solidFill>
+          <a:schemeClr val="bg1"/>
+        </a:solidFill>
+        <a:effectLst/>
+      </p:bgPr>
+    </p:bg>
+    <p:spTree>
+      <p:nvGrpSpPr>
+        <p:cNvPr id="1" name=""/>
+        <p:cNvGrpSpPr/>
+        <p:nvPr/>
+      </p:nvGrpSpPr>
+      <p:grpSpPr>
+        <a:xfrm>
+          <a:off x="0" y="0"/>
+          <a:ext cx="0" cy="0"/>
+          <a:chOff x="0" y="0"/>
+          <a:chExt cx="0" cy="0"/>
+        </a:xfrm>
+      </p:grpSpPr>
+      <p:sp>
+        <p:nvSpPr>
+          <p:cNvPr id="13" name="Down Arrow 7">
+            <a:extLst>
+              <a:ext uri="{FF2B5EF4-FFF2-40B4-BE49-F238E27FC236}">
+                <a16:creationId xmlns:a16="http://schemas.microsoft.com/office/drawing/2014/main" id="{73DE2CFE-42F2-48F0-8706-5264E012B10C}"/>
+              </a:ext>
+              <a:ext uri="{C183D7F6-B498-43B3-948B-1728B52AA6E4}">
+                <adec:decorative xmlns:adec="http://schemas.microsoft.com/office/drawing/2017/decorative" val="1"/>
+              </a:ext>
+            </a:extLst>
+          </p:cNvPr>
+          <p:cNvSpPr>
+            <a:spLocks noGrp="1" noRot="1" noChangeAspect="1" noMove="1" noResize="1" noEditPoints="1" noAdjustHandles="1" noChangeArrowheads="1" noChangeShapeType="1" noTextEdit="1"/>
+          </p:cNvSpPr>
+          <p:nvPr>
+            <p:extLst>
+              <p:ext uri="{386F3935-93C4-4BCD-93E2-E3B085C9AB24}">
+                <p16:designElem xmlns:p16="http://schemas.microsoft.com/office/powerpoint/2015/main" val="1"/>
+              </p:ext>
+            </p:extLst>
+          </p:nvPr>
+        </p:nvSpPr>
+        <p:spPr>
+          <a:xfrm rot="16200000">
+            <a:off x="1288521" y="381403"/>
+            <a:ext cx="2200313" cy="3342508"/>
+          </a:xfrm>
+          <a:prstGeom prst="downArrow">
+            <a:avLst>
+              <a:gd name="adj1" fmla="val 100000"/>
+              <a:gd name="adj2" fmla="val 15788"/>
+            </a:avLst>
+          </a:prstGeom>
+          <a:solidFill>
+            <a:srgbClr val="404040"/>
+          </a:solidFill>
+          <a:ln w="53975">
+            <a:noFill/>
+          </a:ln>
+        </p:spPr>
+        <p:style>
+          <a:lnRef idx="2">
+            <a:schemeClr val="accent1">
+              <a:shade val="50000"/>
+            </a:schemeClr>
+          </a:lnRef>
+          <a:fillRef idx="1">
+            <a:schemeClr val="accent1"/>
+          </a:fillRef>
+          <a:effectRef idx="0">
+            <a:schemeClr val="accent1"/>
+          </a:effectRef>
+          <a:fontRef idx="minor">
+            <a:schemeClr val="lt1"/>
+          </a:fontRef>
+        </p:style>
+        <p:txBody>
+          <a:bodyPr rtlCol="0" anchor="ctr"/>
+          <a:lstStyle/>
+          <a:p>
+            <a:pPr marL="0" marR="0" lvl="0" indent="0" algn="ctr" defTabSz="914400" rtl="0" eaLnBrk="1" fontAlgn="auto" latinLnBrk="0" hangingPunct="1">
+              <a:lnSpc>
+                <a:spcPct val="100000"/>
+              </a:lnSpc>
+              <a:spcBef>
+                <a:spcPts val="0"/>
+              </a:spcBef>
+              <a:spcAft>
+                <a:spcPts val="0"/>
+              </a:spcAft>
+              <a:buClrTx/>
+              <a:buSzTx/>
+              <a:buFontTx/>
+              <a:buNone/>
+              <a:tabLst/>
+              <a:defRPr/>
+            </a:pPr>
+            <a:endParaRPr kumimoji="0" lang="en-US" sz="1800" b="0" i="0" u="none" strike="noStrike" kern="1200" cap="none" spc="0" normalizeH="0" baseline="0" noProof="0">
+              <a:ln>
+                <a:noFill/>
+              </a:ln>
+              <a:solidFill>
+                <a:prstClr val="white"/>
+              </a:solidFill>
+              <a:effectLst/>
+              <a:uLnTx/>
+              <a:uFillTx/>
+              <a:latin typeface="Calibri" panose="020F0502020204030204"/>
+              <a:ea typeface="+mn-ea"/>
+              <a:cs typeface="+mn-cs"/>
+            </a:endParaRPr>
+          </a:p>
+        </p:txBody>
+      </p:sp>
+      <p:sp>
+        <p:nvSpPr>
+          <p:cNvPr id="2" name="タイトル 1">
+            <a:extLst>
+              <a:ext uri="{FF2B5EF4-FFF2-40B4-BE49-F238E27FC236}">
+                <a16:creationId xmlns:a16="http://schemas.microsoft.com/office/drawing/2014/main" id="{A7D5D82D-CF3A-481C-A431-BE9E236A1998}"/>
+              </a:ext>
+            </a:extLst>
+          </p:cNvPr>
+          <p:cNvSpPr>
+            <a:spLocks noGrp="1"/>
+          </p:cNvSpPr>
+          <p:nvPr>
+            <p:ph type="title"/>
+          </p:nvPr>
+        </p:nvSpPr>
+        <p:spPr>
+          <a:xfrm>
+            <a:off x="966952" y="1204108"/>
+            <a:ext cx="2669406" cy="1781175"/>
+          </a:xfrm>
+        </p:spPr>
+        <p:txBody>
+          <a:bodyPr>
+            <a:normAutofit/>
+          </a:bodyPr>
+          <a:lstStyle/>
+          <a:p>
+            <a:r>
+              <a:rPr kumimoji="1" lang="en-US" altLang="ja-JP" sz="3200" dirty="0" err="1">
+                <a:solidFill>
+                  <a:srgbClr val="FFFFFF"/>
+                </a:solidFill>
+              </a:rPr>
+              <a:t>Sourcetree</a:t>
+            </a:r>
+            <a:r>
+              <a:rPr kumimoji="1" lang="ja-JP" altLang="en-US" sz="3200" dirty="0">
+                <a:solidFill>
+                  <a:srgbClr val="FFFFFF"/>
+                </a:solidFill>
+              </a:rPr>
+              <a:t>の使い方</a:t>
+            </a:r>
+          </a:p>
+        </p:txBody>
+      </p:sp>
+      <p:sp>
+        <p:nvSpPr>
+          <p:cNvPr id="10" name="Content Placeholder 9">
+            <a:extLst>
+              <a:ext uri="{FF2B5EF4-FFF2-40B4-BE49-F238E27FC236}">
+                <a16:creationId xmlns:a16="http://schemas.microsoft.com/office/drawing/2014/main" id="{0A837A21-1852-40A6-A18A-F08488F334AF}"/>
+              </a:ext>
+            </a:extLst>
+          </p:cNvPr>
+          <p:cNvSpPr>
+            <a:spLocks noGrp="1"/>
+          </p:cNvSpPr>
+          <p:nvPr>
+            <p:ph idx="1"/>
+          </p:nvPr>
+        </p:nvSpPr>
+        <p:spPr>
+          <a:xfrm>
+            <a:off x="966950" y="3355130"/>
+            <a:ext cx="3092981" cy="2427333"/>
+          </a:xfrm>
+        </p:spPr>
+        <p:txBody>
+          <a:bodyPr>
+            <a:normAutofit/>
+          </a:bodyPr>
+          <a:lstStyle/>
+          <a:p>
+            <a:r>
+              <a:rPr lang="en-US" altLang="ja-JP" sz="1600" dirty="0" err="1"/>
+              <a:t>Sourcetree</a:t>
+            </a:r>
+            <a:r>
+              <a:rPr lang="ja-JP" altLang="en-US" sz="1600" dirty="0"/>
+              <a:t>を開くと、先ほど作ったテキストファイルが「作業ツリーのファイル」内に入っている。</a:t>
+            </a:r>
+            <a:endParaRPr lang="en-US" altLang="ja-JP" sz="1600" dirty="0"/>
+          </a:p>
+          <a:p>
+            <a:endParaRPr lang="en-US" altLang="ja-JP" sz="1600" dirty="0"/>
+          </a:p>
+        </p:txBody>
+      </p:sp>
+      <p:pic>
+        <p:nvPicPr>
+          <p:cNvPr id="8" name="コンテンツ プレースホルダー 4">
+            <a:extLst>
+              <a:ext uri="{FF2B5EF4-FFF2-40B4-BE49-F238E27FC236}">
+                <a16:creationId xmlns:a16="http://schemas.microsoft.com/office/drawing/2014/main" id="{90FF0F12-B6E9-47AB-BCA8-A3C9632A32AA}"/>
+              </a:ext>
+            </a:extLst>
+          </p:cNvPr>
+          <p:cNvPicPr>
+            <a:picLocks noChangeAspect="1"/>
+          </p:cNvPicPr>
+          <p:nvPr/>
+        </p:nvPicPr>
+        <p:blipFill>
+          <a:blip r:embed="rId3">
+            <a:extLst>
+              <a:ext uri="{28A0092B-C50C-407E-A947-70E740481C1C}">
+                <a14:useLocalDpi xmlns:a14="http://schemas.microsoft.com/office/drawing/2010/main" val="0"/>
+              </a:ext>
+            </a:extLst>
+          </a:blip>
+          <a:stretch>
+            <a:fillRect/>
+          </a:stretch>
+        </p:blipFill>
+        <p:spPr>
+          <a:xfrm>
+            <a:off x="4378532" y="899311"/>
+            <a:ext cx="6760511" cy="4507006"/>
+          </a:xfrm>
+          <a:prstGeom prst="rect">
+            <a:avLst/>
+          </a:prstGeom>
+        </p:spPr>
+      </p:pic>
+      <mc:AlternateContent xmlns:mc="http://schemas.openxmlformats.org/markup-compatibility/2006">
+        <mc:Choice xmlns:p14="http://schemas.microsoft.com/office/powerpoint/2010/main" Requires="p14">
+          <p:contentPart p14:bwMode="auto" r:id="rId4">
+            <p14:nvContentPartPr>
+              <p14:cNvPr id="6" name="インク 5">
+                <a:extLst>
+                  <a:ext uri="{FF2B5EF4-FFF2-40B4-BE49-F238E27FC236}">
+                    <a16:creationId xmlns:a16="http://schemas.microsoft.com/office/drawing/2014/main" id="{EA2E0A98-1F8F-4C65-85D5-9F0609D059A3}"/>
+                  </a:ext>
+                </a:extLst>
+              </p14:cNvPr>
+              <p14:cNvContentPartPr/>
+              <p14:nvPr/>
+            </p14:nvContentPartPr>
+            <p14:xfrm>
+              <a:off x="5641793" y="3143054"/>
+              <a:ext cx="472680" cy="360"/>
+            </p14:xfrm>
+          </p:contentPart>
+        </mc:Choice>
+        <mc:Fallback>
+          <p:pic>
+            <p:nvPicPr>
+              <p:cNvPr id="6" name="インク 5">
+                <a:extLst>
+                  <a:ext uri="{FF2B5EF4-FFF2-40B4-BE49-F238E27FC236}">
+                    <a16:creationId xmlns:a16="http://schemas.microsoft.com/office/drawing/2014/main" id="{EA2E0A98-1F8F-4C65-85D5-9F0609D059A3}"/>
+                  </a:ext>
+                </a:extLst>
+              </p:cNvPr>
+              <p:cNvPicPr/>
+              <p:nvPr/>
+            </p:nvPicPr>
+            <p:blipFill>
+              <a:blip r:embed="rId5"/>
+              <a:stretch>
+                <a:fillRect/>
+              </a:stretch>
+            </p:blipFill>
+            <p:spPr>
+              <a:xfrm>
+                <a:off x="5588153" y="3035054"/>
+                <a:ext cx="580320" cy="216000"/>
+              </a:xfrm>
+              <a:prstGeom prst="rect">
+                <a:avLst/>
+              </a:prstGeom>
+            </p:spPr>
+          </p:pic>
+        </mc:Fallback>
+      </mc:AlternateContent>
+      <mc:AlternateContent xmlns:mc="http://schemas.openxmlformats.org/markup-compatibility/2006">
+        <mc:Choice xmlns:p14="http://schemas.microsoft.com/office/powerpoint/2010/main" Requires="p14">
+          <p:contentPart p14:bwMode="auto" r:id="rId6">
+            <p14:nvContentPartPr>
+              <p14:cNvPr id="7" name="インク 6">
+                <a:extLst>
+                  <a:ext uri="{FF2B5EF4-FFF2-40B4-BE49-F238E27FC236}">
+                    <a16:creationId xmlns:a16="http://schemas.microsoft.com/office/drawing/2014/main" id="{5BCE3A4D-C36F-4482-9743-2A81EE5C833D}"/>
+                  </a:ext>
+                </a:extLst>
+              </p14:cNvPr>
+              <p14:cNvContentPartPr/>
+              <p14:nvPr/>
+            </p14:nvContentPartPr>
+            <p14:xfrm>
+              <a:off x="6777233" y="3143054"/>
+              <a:ext cx="735120" cy="360"/>
+            </p14:xfrm>
+          </p:contentPart>
+        </mc:Choice>
+        <mc:Fallback>
+          <p:pic>
+            <p:nvPicPr>
+              <p:cNvPr id="7" name="インク 6">
+                <a:extLst>
+                  <a:ext uri="{FF2B5EF4-FFF2-40B4-BE49-F238E27FC236}">
+                    <a16:creationId xmlns:a16="http://schemas.microsoft.com/office/drawing/2014/main" id="{5BCE3A4D-C36F-4482-9743-2A81EE5C833D}"/>
+                  </a:ext>
+                </a:extLst>
+              </p:cNvPr>
+              <p:cNvPicPr/>
+              <p:nvPr/>
+            </p:nvPicPr>
+            <p:blipFill>
+              <a:blip r:embed="rId7"/>
+              <a:stretch>
+                <a:fillRect/>
+              </a:stretch>
+            </p:blipFill>
+            <p:spPr>
+              <a:xfrm>
+                <a:off x="6723233" y="3035054"/>
+                <a:ext cx="842760" cy="216000"/>
+              </a:xfrm>
+              <a:prstGeom prst="rect">
+                <a:avLst/>
+              </a:prstGeom>
+            </p:spPr>
+          </p:pic>
+        </mc:Fallback>
+      </mc:AlternateContent>
+    </p:spTree>
+    <p:extLst>
+      <p:ext uri="{BB962C8B-B14F-4D97-AF65-F5344CB8AC3E}">
+        <p14:creationId xmlns:p14="http://schemas.microsoft.com/office/powerpoint/2010/main" val="3468121904"/>
       </p:ext>
     </p:extLst>
   </p:cSld>
@@ -6717,8 +11768,8 @@
         </p:nvSpPr>
         <p:spPr>
           <a:xfrm>
-            <a:off x="966951" y="3355130"/>
-            <a:ext cx="2669407" cy="2427333"/>
+            <a:off x="966950" y="3355130"/>
+            <a:ext cx="3092981" cy="2427333"/>
           </a:xfrm>
         </p:spPr>
         <p:txBody>
@@ -6729,15 +11780,33 @@
           <a:p>
             <a:r>
               <a:rPr lang="ja-JP" altLang="en-US" sz="1600" dirty="0"/>
-              <a:t>アカウント設定の画面になるので、ここでは「</a:t>
-            </a:r>
+              <a:t>アカウントの登録をします。</a:t>
+            </a:r>
+            <a:endParaRPr lang="en-US" altLang="ja-JP" sz="1600" dirty="0"/>
+          </a:p>
+          <a:p>
             <a:r>
               <a:rPr lang="en-US" altLang="ja-JP" sz="1600" dirty="0"/>
-              <a:t>Atlassian</a:t>
+              <a:t>Google</a:t>
             </a:r>
             <a:r>
               <a:rPr lang="ja-JP" altLang="en-US" sz="1600" dirty="0"/>
-              <a:t>アカウント」を選択する。</a:t>
+              <a:t>アカウントか新規で作るか選べます。</a:t>
+            </a:r>
+            <a:endParaRPr lang="en-US" altLang="ja-JP" sz="1600" dirty="0"/>
+          </a:p>
+          <a:p>
+            <a:r>
+              <a:rPr lang="ja-JP" altLang="en-US" sz="1600" dirty="0"/>
+              <a:t>ここでは、「</a:t>
+            </a:r>
+            <a:r>
+              <a:rPr lang="en-US" altLang="ja-JP" sz="1600" dirty="0"/>
+              <a:t>Google</a:t>
+            </a:r>
+            <a:r>
+              <a:rPr lang="ja-JP" altLang="en-US" sz="1600" dirty="0"/>
+              <a:t>アカウント」で進めていきます。</a:t>
             </a:r>
             <a:endParaRPr lang="en-US" altLang="ja-JP" sz="1600" dirty="0"/>
           </a:p>
@@ -6771,8 +11840,8 @@
         </p:blipFill>
         <p:spPr>
           <a:xfrm>
-            <a:off x="5810375" y="1950009"/>
-            <a:ext cx="4607176" cy="2834943"/>
+            <a:off x="6096000" y="564438"/>
+            <a:ext cx="3615017" cy="5581383"/>
           </a:xfrm>
           <a:prstGeom prst="rect">
             <a:avLst/>
@@ -6783,10 +11852,10 @@
         <mc:Choice Requires="p14">
           <p:contentPart p14:bwMode="auto" r:id="rId4">
             <p14:nvContentPartPr>
-              <p14:cNvPr id="3" name="インク 2">
+              <p14:cNvPr id="4" name="インク 3">
                 <a:extLst>
                   <a:ext uri="{FF2B5EF4-FFF2-40B4-BE49-F238E27FC236}">
-                    <a16:creationId xmlns:a16="http://schemas.microsoft.com/office/drawing/2014/main" id="{6A145DB5-F538-4398-AEB0-E0CB1031F678}"/>
+                    <a16:creationId xmlns:a16="http://schemas.microsoft.com/office/drawing/2014/main" id="{AF1FDAD8-B144-41C7-8569-2CC45764154A}"/>
                   </a:ext>
                 </a:extLst>
               </p14:cNvPr>
@@ -6794,18 +11863,18 @@
               <p14:nvPr/>
             </p14:nvContentPartPr>
             <p14:xfrm>
-              <a:off x="8316646" y="2854207"/>
-              <a:ext cx="871200" cy="360"/>
+              <a:off x="7150692" y="2026328"/>
+              <a:ext cx="1464480" cy="360"/>
             </p14:xfrm>
           </p:contentPart>
         </mc:Choice>
         <mc:Fallback xmlns="">
           <p:pic>
             <p:nvPicPr>
-              <p:cNvPr id="3" name="インク 2">
+              <p:cNvPr id="4" name="インク 3">
                 <a:extLst>
                   <a:ext uri="{FF2B5EF4-FFF2-40B4-BE49-F238E27FC236}">
-                    <a16:creationId xmlns:a16="http://schemas.microsoft.com/office/drawing/2014/main" id="{6A145DB5-F538-4398-AEB0-E0CB1031F678}"/>
+                    <a16:creationId xmlns:a16="http://schemas.microsoft.com/office/drawing/2014/main" id="{AF1FDAD8-B144-41C7-8569-2CC45764154A}"/>
                   </a:ext>
                 </a:extLst>
               </p:cNvPr>
@@ -6820,8 +11889,8 @@
             </p:blipFill>
             <p:spPr>
               <a:xfrm>
-                <a:off x="8226646" y="2674567"/>
-                <a:ext cx="1050840" cy="360000"/>
+                <a:off x="7061052" y="1846688"/>
+                <a:ext cx="1644120" cy="360000"/>
               </a:xfrm>
               <a:prstGeom prst="rect">
                 <a:avLst/>
@@ -6830,111 +11899,271 @@
           </p:pic>
         </mc:Fallback>
       </mc:AlternateContent>
+    </p:spTree>
+    <p:extLst>
+      <p:ext uri="{BB962C8B-B14F-4D97-AF65-F5344CB8AC3E}">
+        <p14:creationId xmlns:p14="http://schemas.microsoft.com/office/powerpoint/2010/main" val="2968364414"/>
+      </p:ext>
+    </p:extLst>
+  </p:cSld>
+  <p:clrMapOvr>
+    <a:masterClrMapping/>
+  </p:clrMapOvr>
+</p:sld>
+</file>
+
+<file path=ppt/slides/slide8.xml><?xml version="1.0" encoding="utf-8"?>
+<p:sld xmlns:a="http://schemas.openxmlformats.org/drawingml/2006/main" xmlns:r="http://schemas.openxmlformats.org/officeDocument/2006/relationships" xmlns:p="http://schemas.openxmlformats.org/presentationml/2006/main">
+  <p:cSld>
+    <p:bg>
+      <p:bgPr>
+        <a:solidFill>
+          <a:schemeClr val="bg1"/>
+        </a:solidFill>
+        <a:effectLst/>
+      </p:bgPr>
+    </p:bg>
+    <p:spTree>
+      <p:nvGrpSpPr>
+        <p:cNvPr id="1" name=""/>
+        <p:cNvGrpSpPr/>
+        <p:nvPr/>
+      </p:nvGrpSpPr>
+      <p:grpSpPr>
+        <a:xfrm>
+          <a:off x="0" y="0"/>
+          <a:ext cx="0" cy="0"/>
+          <a:chOff x="0" y="0"/>
+          <a:chExt cx="0" cy="0"/>
+        </a:xfrm>
+      </p:grpSpPr>
+      <p:sp>
+        <p:nvSpPr>
+          <p:cNvPr id="13" name="Down Arrow 7">
+            <a:extLst>
+              <a:ext uri="{FF2B5EF4-FFF2-40B4-BE49-F238E27FC236}">
+                <a16:creationId xmlns:a16="http://schemas.microsoft.com/office/drawing/2014/main" id="{73DE2CFE-42F2-48F0-8706-5264E012B10C}"/>
+              </a:ext>
+              <a:ext uri="{C183D7F6-B498-43B3-948B-1728B52AA6E4}">
+                <adec:decorative xmlns:adec="http://schemas.microsoft.com/office/drawing/2017/decorative" val="1"/>
+              </a:ext>
+            </a:extLst>
+          </p:cNvPr>
+          <p:cNvSpPr>
+            <a:spLocks noGrp="1" noRot="1" noChangeAspect="1" noMove="1" noResize="1" noEditPoints="1" noAdjustHandles="1" noChangeArrowheads="1" noChangeShapeType="1" noTextEdit="1"/>
+          </p:cNvSpPr>
+          <p:nvPr>
+            <p:extLst>
+              <p:ext uri="{386F3935-93C4-4BCD-93E2-E3B085C9AB24}">
+                <p16:designElem xmlns:p16="http://schemas.microsoft.com/office/powerpoint/2015/main" val="1"/>
+              </p:ext>
+            </p:extLst>
+          </p:nvPr>
+        </p:nvSpPr>
+        <p:spPr>
+          <a:xfrm rot="16200000">
+            <a:off x="1288521" y="381403"/>
+            <a:ext cx="2200313" cy="3342508"/>
+          </a:xfrm>
+          <a:prstGeom prst="downArrow">
+            <a:avLst>
+              <a:gd name="adj1" fmla="val 100000"/>
+              <a:gd name="adj2" fmla="val 15788"/>
+            </a:avLst>
+          </a:prstGeom>
+          <a:solidFill>
+            <a:srgbClr val="404040"/>
+          </a:solidFill>
+          <a:ln w="53975">
+            <a:noFill/>
+          </a:ln>
+        </p:spPr>
+        <p:style>
+          <a:lnRef idx="2">
+            <a:schemeClr val="accent1">
+              <a:shade val="50000"/>
+            </a:schemeClr>
+          </a:lnRef>
+          <a:fillRef idx="1">
+            <a:schemeClr val="accent1"/>
+          </a:fillRef>
+          <a:effectRef idx="0">
+            <a:schemeClr val="accent1"/>
+          </a:effectRef>
+          <a:fontRef idx="minor">
+            <a:schemeClr val="lt1"/>
+          </a:fontRef>
+        </p:style>
+        <p:txBody>
+          <a:bodyPr rtlCol="0" anchor="ctr"/>
+          <a:lstStyle/>
+          <a:p>
+            <a:pPr marL="0" marR="0" lvl="0" indent="0" algn="ctr" defTabSz="914400" rtl="0" eaLnBrk="1" fontAlgn="auto" latinLnBrk="0" hangingPunct="1">
+              <a:lnSpc>
+                <a:spcPct val="100000"/>
+              </a:lnSpc>
+              <a:spcBef>
+                <a:spcPts val="0"/>
+              </a:spcBef>
+              <a:spcAft>
+                <a:spcPts val="0"/>
+              </a:spcAft>
+              <a:buClrTx/>
+              <a:buSzTx/>
+              <a:buFontTx/>
+              <a:buNone/>
+              <a:tabLst/>
+              <a:defRPr/>
+            </a:pPr>
+            <a:endParaRPr kumimoji="0" lang="en-US" sz="1800" b="0" i="0" u="none" strike="noStrike" kern="1200" cap="none" spc="0" normalizeH="0" baseline="0" noProof="0">
+              <a:ln>
+                <a:noFill/>
+              </a:ln>
+              <a:solidFill>
+                <a:prstClr val="white"/>
+              </a:solidFill>
+              <a:effectLst/>
+              <a:uLnTx/>
+              <a:uFillTx/>
+              <a:latin typeface="Calibri" panose="020F0502020204030204"/>
+              <a:ea typeface="+mn-ea"/>
+              <a:cs typeface="+mn-cs"/>
+            </a:endParaRPr>
+          </a:p>
+        </p:txBody>
+      </p:sp>
+      <p:sp>
+        <p:nvSpPr>
+          <p:cNvPr id="2" name="タイトル 1">
+            <a:extLst>
+              <a:ext uri="{FF2B5EF4-FFF2-40B4-BE49-F238E27FC236}">
+                <a16:creationId xmlns:a16="http://schemas.microsoft.com/office/drawing/2014/main" id="{A7D5D82D-CF3A-481C-A431-BE9E236A1998}"/>
+              </a:ext>
+            </a:extLst>
+          </p:cNvPr>
+          <p:cNvSpPr>
+            <a:spLocks noGrp="1"/>
+          </p:cNvSpPr>
+          <p:nvPr>
+            <p:ph type="title"/>
+          </p:nvPr>
+        </p:nvSpPr>
+        <p:spPr>
+          <a:xfrm>
+            <a:off x="966952" y="1204108"/>
+            <a:ext cx="2669406" cy="1781175"/>
+          </a:xfrm>
+        </p:spPr>
+        <p:txBody>
+          <a:bodyPr>
+            <a:normAutofit/>
+          </a:bodyPr>
+          <a:lstStyle/>
+          <a:p>
+            <a:r>
+              <a:rPr kumimoji="1" lang="en-US" altLang="ja-JP" sz="3200" dirty="0" err="1">
+                <a:solidFill>
+                  <a:srgbClr val="FFFFFF"/>
+                </a:solidFill>
+              </a:rPr>
+              <a:t>Sourcetree</a:t>
+            </a:r>
+            <a:r>
+              <a:rPr kumimoji="1" lang="ja-JP" altLang="en-US" sz="3200" dirty="0">
+                <a:solidFill>
+                  <a:srgbClr val="FFFFFF"/>
+                </a:solidFill>
+              </a:rPr>
+              <a:t>のインストール</a:t>
+            </a:r>
+          </a:p>
+        </p:txBody>
+      </p:sp>
+      <p:sp>
+        <p:nvSpPr>
+          <p:cNvPr id="10" name="Content Placeholder 9">
+            <a:extLst>
+              <a:ext uri="{FF2B5EF4-FFF2-40B4-BE49-F238E27FC236}">
+                <a16:creationId xmlns:a16="http://schemas.microsoft.com/office/drawing/2014/main" id="{0A837A21-1852-40A6-A18A-F08488F334AF}"/>
+              </a:ext>
+            </a:extLst>
+          </p:cNvPr>
+          <p:cNvSpPr>
+            <a:spLocks noGrp="1"/>
+          </p:cNvSpPr>
+          <p:nvPr>
+            <p:ph idx="1"/>
+          </p:nvPr>
+        </p:nvSpPr>
+        <p:spPr>
+          <a:xfrm>
+            <a:off x="966950" y="3355130"/>
+            <a:ext cx="3092981" cy="2427333"/>
+          </a:xfrm>
+        </p:spPr>
+        <p:txBody>
+          <a:bodyPr>
+            <a:normAutofit/>
+          </a:bodyPr>
+          <a:lstStyle/>
+          <a:p>
+            <a:r>
+              <a:rPr lang="ja-JP" altLang="en-US" sz="1600" dirty="0"/>
+              <a:t>案内に従い登録していきます。</a:t>
+            </a:r>
+            <a:endParaRPr lang="en-US" altLang="ja-JP" sz="1600" dirty="0"/>
+          </a:p>
+          <a:p>
+            <a:r>
+              <a:rPr lang="ja-JP" altLang="en-US" sz="1600" dirty="0"/>
+              <a:t>この画面になったら、「次へ」を選択する。</a:t>
+            </a:r>
+            <a:endParaRPr lang="en-US" altLang="ja-JP" sz="1600" dirty="0"/>
+          </a:p>
+          <a:p>
+            <a:endParaRPr lang="en-US" altLang="ja-JP" sz="1600" dirty="0"/>
+          </a:p>
+        </p:txBody>
+      </p:sp>
+      <p:pic>
+        <p:nvPicPr>
+          <p:cNvPr id="8" name="コンテンツ プレースホルダー 4">
+            <a:extLst>
+              <a:ext uri="{FF2B5EF4-FFF2-40B4-BE49-F238E27FC236}">
+                <a16:creationId xmlns:a16="http://schemas.microsoft.com/office/drawing/2014/main" id="{90FF0F12-B6E9-47AB-BCA8-A3C9632A32AA}"/>
+              </a:ext>
+            </a:extLst>
+          </p:cNvPr>
+          <p:cNvPicPr>
+            <a:picLocks noChangeAspect="1"/>
+          </p:cNvPicPr>
+          <p:nvPr/>
+        </p:nvPicPr>
+        <p:blipFill>
+          <a:blip r:embed="rId3">
+            <a:extLst>
+              <a:ext uri="{28A0092B-C50C-407E-A947-70E740481C1C}">
+                <a14:useLocalDpi xmlns:a14="http://schemas.microsoft.com/office/drawing/2010/main" val="0"/>
+              </a:ext>
+            </a:extLst>
+          </a:blip>
+          <a:stretch>
+            <a:fillRect/>
+          </a:stretch>
+        </p:blipFill>
+        <p:spPr>
+          <a:xfrm>
+            <a:off x="4789699" y="1200698"/>
+            <a:ext cx="6599030" cy="4027147"/>
+          </a:xfrm>
+          <a:prstGeom prst="rect">
+            <a:avLst/>
+          </a:prstGeom>
+        </p:spPr>
+      </p:pic>
       <mc:AlternateContent xmlns:mc="http://schemas.openxmlformats.org/markup-compatibility/2006" xmlns:p14="http://schemas.microsoft.com/office/powerpoint/2010/main">
         <mc:Choice Requires="p14">
-          <p:contentPart p14:bwMode="auto" r:id="rId6">
-            <p14:nvContentPartPr>
-              <p14:cNvPr id="6" name="インク 5">
-                <a:extLst>
-                  <a:ext uri="{FF2B5EF4-FFF2-40B4-BE49-F238E27FC236}">
-                    <a16:creationId xmlns:a16="http://schemas.microsoft.com/office/drawing/2014/main" id="{D6CCAEEE-3C3A-4432-9364-473E890247C3}"/>
-                  </a:ext>
-                </a:extLst>
-              </p14:cNvPr>
-              <p14:cNvContentPartPr/>
-              <p14:nvPr/>
-            </p14:nvContentPartPr>
-            <p14:xfrm>
-              <a:off x="8323126" y="3090367"/>
-              <a:ext cx="853560" cy="360"/>
-            </p14:xfrm>
-          </p:contentPart>
-        </mc:Choice>
-        <mc:Fallback xmlns="">
-          <p:pic>
-            <p:nvPicPr>
-              <p:cNvPr id="6" name="インク 5">
-                <a:extLst>
-                  <a:ext uri="{FF2B5EF4-FFF2-40B4-BE49-F238E27FC236}">
-                    <a16:creationId xmlns:a16="http://schemas.microsoft.com/office/drawing/2014/main" id="{D6CCAEEE-3C3A-4432-9364-473E890247C3}"/>
-                  </a:ext>
-                </a:extLst>
-              </p:cNvPr>
-              <p:cNvPicPr/>
-              <p:nvPr/>
-            </p:nvPicPr>
-            <p:blipFill>
-              <a:blip r:embed="rId7"/>
-              <a:stretch>
-                <a:fillRect/>
-              </a:stretch>
-            </p:blipFill>
-            <p:spPr>
-              <a:xfrm>
-                <a:off x="8233486" y="2910367"/>
-                <a:ext cx="1033200" cy="360000"/>
-              </a:xfrm>
-              <a:prstGeom prst="rect">
-                <a:avLst/>
-              </a:prstGeom>
-            </p:spPr>
-          </p:pic>
-        </mc:Fallback>
-      </mc:AlternateContent>
-      <mc:AlternateContent xmlns:mc="http://schemas.openxmlformats.org/markup-compatibility/2006" xmlns:p14="http://schemas.microsoft.com/office/powerpoint/2010/main">
-        <mc:Choice Requires="p14">
-          <p:contentPart p14:bwMode="auto" r:id="rId8">
-            <p14:nvContentPartPr>
-              <p14:cNvPr id="7" name="インク 6">
-                <a:extLst>
-                  <a:ext uri="{FF2B5EF4-FFF2-40B4-BE49-F238E27FC236}">
-                    <a16:creationId xmlns:a16="http://schemas.microsoft.com/office/drawing/2014/main" id="{8FD2660E-CAC5-4BD7-BEEA-AEA3DDEA1043}"/>
-                  </a:ext>
-                </a:extLst>
-              </p14:cNvPr>
-              <p14:cNvContentPartPr/>
-              <p14:nvPr/>
-            </p14:nvContentPartPr>
-            <p14:xfrm>
-              <a:off x="8323126" y="3298447"/>
-              <a:ext cx="880560" cy="360"/>
-            </p14:xfrm>
-          </p:contentPart>
-        </mc:Choice>
-        <mc:Fallback xmlns="">
-          <p:pic>
-            <p:nvPicPr>
-              <p:cNvPr id="7" name="インク 6">
-                <a:extLst>
-                  <a:ext uri="{FF2B5EF4-FFF2-40B4-BE49-F238E27FC236}">
-                    <a16:creationId xmlns:a16="http://schemas.microsoft.com/office/drawing/2014/main" id="{8FD2660E-CAC5-4BD7-BEEA-AEA3DDEA1043}"/>
-                  </a:ext>
-                </a:extLst>
-              </p:cNvPr>
-              <p:cNvPicPr/>
-              <p:nvPr/>
-            </p:nvPicPr>
-            <p:blipFill>
-              <a:blip r:embed="rId9"/>
-              <a:stretch>
-                <a:fillRect/>
-              </a:stretch>
-            </p:blipFill>
-            <p:spPr>
-              <a:xfrm>
-                <a:off x="8233486" y="3118807"/>
-                <a:ext cx="1060200" cy="360000"/>
-              </a:xfrm>
-              <a:prstGeom prst="rect">
-                <a:avLst/>
-              </a:prstGeom>
-            </p:spPr>
-          </p:pic>
-        </mc:Fallback>
-      </mc:AlternateContent>
-      <mc:AlternateContent xmlns:mc="http://schemas.openxmlformats.org/markup-compatibility/2006">
-        <mc:Choice xmlns:p14="http://schemas.microsoft.com/office/powerpoint/2010/main" Requires="p14">
-          <p:contentPart p14:bwMode="auto" r:id="rId10">
+          <p:contentPart p14:bwMode="auto" r:id="rId4">
             <p14:nvContentPartPr>
               <p14:cNvPr id="5" name="インク 4">
                 <a:extLst>
@@ -6952,7 +12181,7 @@
             </p14:xfrm>
           </p:contentPart>
         </mc:Choice>
-        <mc:Fallback>
+        <mc:Fallback xmlns="">
           <p:pic>
             <p:nvPicPr>
               <p:cNvPr id="5" name="インク 4">
@@ -6983,10 +12212,445 @@
           </p:pic>
         </mc:Fallback>
       </mc:AlternateContent>
+      <mc:AlternateContent xmlns:mc="http://schemas.openxmlformats.org/markup-compatibility/2006" xmlns:p14="http://schemas.microsoft.com/office/powerpoint/2010/main">
+        <mc:Choice Requires="p14">
+          <p:contentPart p14:bwMode="auto" r:id="rId12">
+            <p14:nvContentPartPr>
+              <p14:cNvPr id="4" name="インク 3">
+                <a:extLst>
+                  <a:ext uri="{FF2B5EF4-FFF2-40B4-BE49-F238E27FC236}">
+                    <a16:creationId xmlns:a16="http://schemas.microsoft.com/office/drawing/2014/main" id="{FE9B922C-4578-4D3E-B245-1B7345A5F7A5}"/>
+                  </a:ext>
+                </a:extLst>
+              </p14:cNvPr>
+              <p14:cNvContentPartPr/>
+              <p14:nvPr/>
+            </p14:nvContentPartPr>
+            <p14:xfrm>
+              <a:off x="10778290" y="4977670"/>
+              <a:ext cx="446760" cy="360"/>
+            </p14:xfrm>
+          </p:contentPart>
+        </mc:Choice>
+        <mc:Fallback xmlns="">
+          <p:pic>
+            <p:nvPicPr>
+              <p:cNvPr id="4" name="インク 3">
+                <a:extLst>
+                  <a:ext uri="{FF2B5EF4-FFF2-40B4-BE49-F238E27FC236}">
+                    <a16:creationId xmlns:a16="http://schemas.microsoft.com/office/drawing/2014/main" id="{FE9B922C-4578-4D3E-B245-1B7345A5F7A5}"/>
+                  </a:ext>
+                </a:extLst>
+              </p:cNvPr>
+              <p:cNvPicPr/>
+              <p:nvPr/>
+            </p:nvPicPr>
+            <p:blipFill>
+              <a:blip r:embed="rId13"/>
+              <a:stretch>
+                <a:fillRect/>
+              </a:stretch>
+            </p:blipFill>
+            <p:spPr>
+              <a:xfrm>
+                <a:off x="10688290" y="4798030"/>
+                <a:ext cx="626400" cy="360000"/>
+              </a:xfrm>
+              <a:prstGeom prst="rect">
+                <a:avLst/>
+              </a:prstGeom>
+            </p:spPr>
+          </p:pic>
+        </mc:Fallback>
+      </mc:AlternateContent>
+      <mc:AlternateContent xmlns:mc="http://schemas.openxmlformats.org/markup-compatibility/2006" xmlns:p14="http://schemas.microsoft.com/office/powerpoint/2010/main">
+        <mc:Choice Requires="p14">
+          <p:contentPart p14:bwMode="auto" r:id="rId14">
+            <p14:nvContentPartPr>
+              <p14:cNvPr id="9" name="インク 8">
+                <a:extLst>
+                  <a:ext uri="{FF2B5EF4-FFF2-40B4-BE49-F238E27FC236}">
+                    <a16:creationId xmlns:a16="http://schemas.microsoft.com/office/drawing/2014/main" id="{AF36D739-B401-4C75-87D3-A850B058A9F2}"/>
+                  </a:ext>
+                </a:extLst>
+              </p14:cNvPr>
+              <p14:cNvContentPartPr/>
+              <p14:nvPr/>
+            </p14:nvContentPartPr>
+            <p14:xfrm>
+              <a:off x="9080292" y="4243568"/>
+              <a:ext cx="1369440" cy="360"/>
+            </p14:xfrm>
+          </p:contentPart>
+        </mc:Choice>
+        <mc:Fallback xmlns="">
+          <p:pic>
+            <p:nvPicPr>
+              <p:cNvPr id="9" name="インク 8">
+                <a:extLst>
+                  <a:ext uri="{FF2B5EF4-FFF2-40B4-BE49-F238E27FC236}">
+                    <a16:creationId xmlns:a16="http://schemas.microsoft.com/office/drawing/2014/main" id="{AF36D739-B401-4C75-87D3-A850B058A9F2}"/>
+                  </a:ext>
+                </a:extLst>
+              </p:cNvPr>
+              <p:cNvPicPr/>
+              <p:nvPr/>
+            </p:nvPicPr>
+            <p:blipFill>
+              <a:blip r:embed="rId15"/>
+              <a:stretch>
+                <a:fillRect/>
+              </a:stretch>
+            </p:blipFill>
+            <p:spPr>
+              <a:xfrm>
+                <a:off x="9017652" y="4180568"/>
+                <a:ext cx="1495080" cy="126000"/>
+              </a:xfrm>
+              <a:prstGeom prst="rect">
+                <a:avLst/>
+              </a:prstGeom>
+            </p:spPr>
+          </p:pic>
+        </mc:Fallback>
+      </mc:AlternateContent>
     </p:spTree>
     <p:extLst>
       <p:ext uri="{BB962C8B-B14F-4D97-AF65-F5344CB8AC3E}">
-        <p14:creationId xmlns:p14="http://schemas.microsoft.com/office/powerpoint/2010/main" val="2968364414"/>
+        <p14:creationId xmlns:p14="http://schemas.microsoft.com/office/powerpoint/2010/main" val="555707695"/>
+      </p:ext>
+    </p:extLst>
+  </p:cSld>
+  <p:clrMapOvr>
+    <a:masterClrMapping/>
+  </p:clrMapOvr>
+</p:sld>
+</file>
+
+<file path=ppt/slides/slide9.xml><?xml version="1.0" encoding="utf-8"?>
+<p:sld xmlns:a="http://schemas.openxmlformats.org/drawingml/2006/main" xmlns:r="http://schemas.openxmlformats.org/officeDocument/2006/relationships" xmlns:p="http://schemas.openxmlformats.org/presentationml/2006/main">
+  <p:cSld>
+    <p:bg>
+      <p:bgPr>
+        <a:solidFill>
+          <a:schemeClr val="bg1"/>
+        </a:solidFill>
+        <a:effectLst/>
+      </p:bgPr>
+    </p:bg>
+    <p:spTree>
+      <p:nvGrpSpPr>
+        <p:cNvPr id="1" name=""/>
+        <p:cNvGrpSpPr/>
+        <p:nvPr/>
+      </p:nvGrpSpPr>
+      <p:grpSpPr>
+        <a:xfrm>
+          <a:off x="0" y="0"/>
+          <a:ext cx="0" cy="0"/>
+          <a:chOff x="0" y="0"/>
+          <a:chExt cx="0" cy="0"/>
+        </a:xfrm>
+      </p:grpSpPr>
+      <p:sp>
+        <p:nvSpPr>
+          <p:cNvPr id="13" name="Down Arrow 7">
+            <a:extLst>
+              <a:ext uri="{FF2B5EF4-FFF2-40B4-BE49-F238E27FC236}">
+                <a16:creationId xmlns:a16="http://schemas.microsoft.com/office/drawing/2014/main" id="{73DE2CFE-42F2-48F0-8706-5264E012B10C}"/>
+              </a:ext>
+              <a:ext uri="{C183D7F6-B498-43B3-948B-1728B52AA6E4}">
+                <adec:decorative xmlns:adec="http://schemas.microsoft.com/office/drawing/2017/decorative" val="1"/>
+              </a:ext>
+            </a:extLst>
+          </p:cNvPr>
+          <p:cNvSpPr>
+            <a:spLocks noGrp="1" noRot="1" noChangeAspect="1" noMove="1" noResize="1" noEditPoints="1" noAdjustHandles="1" noChangeArrowheads="1" noChangeShapeType="1" noTextEdit="1"/>
+          </p:cNvSpPr>
+          <p:nvPr>
+            <p:extLst>
+              <p:ext uri="{386F3935-93C4-4BCD-93E2-E3B085C9AB24}">
+                <p16:designElem xmlns:p16="http://schemas.microsoft.com/office/powerpoint/2015/main" val="1"/>
+              </p:ext>
+            </p:extLst>
+          </p:nvPr>
+        </p:nvSpPr>
+        <p:spPr>
+          <a:xfrm rot="16200000">
+            <a:off x="1288521" y="381403"/>
+            <a:ext cx="2200313" cy="3342508"/>
+          </a:xfrm>
+          <a:prstGeom prst="downArrow">
+            <a:avLst>
+              <a:gd name="adj1" fmla="val 100000"/>
+              <a:gd name="adj2" fmla="val 15788"/>
+            </a:avLst>
+          </a:prstGeom>
+          <a:solidFill>
+            <a:srgbClr val="404040"/>
+          </a:solidFill>
+          <a:ln w="53975">
+            <a:noFill/>
+          </a:ln>
+        </p:spPr>
+        <p:style>
+          <a:lnRef idx="2">
+            <a:schemeClr val="accent1">
+              <a:shade val="50000"/>
+            </a:schemeClr>
+          </a:lnRef>
+          <a:fillRef idx="1">
+            <a:schemeClr val="accent1"/>
+          </a:fillRef>
+          <a:effectRef idx="0">
+            <a:schemeClr val="accent1"/>
+          </a:effectRef>
+          <a:fontRef idx="minor">
+            <a:schemeClr val="lt1"/>
+          </a:fontRef>
+        </p:style>
+        <p:txBody>
+          <a:bodyPr rtlCol="0" anchor="ctr"/>
+          <a:lstStyle/>
+          <a:p>
+            <a:pPr marL="0" marR="0" lvl="0" indent="0" algn="ctr" defTabSz="914400" rtl="0" eaLnBrk="1" fontAlgn="auto" latinLnBrk="0" hangingPunct="1">
+              <a:lnSpc>
+                <a:spcPct val="100000"/>
+              </a:lnSpc>
+              <a:spcBef>
+                <a:spcPts val="0"/>
+              </a:spcBef>
+              <a:spcAft>
+                <a:spcPts val="0"/>
+              </a:spcAft>
+              <a:buClrTx/>
+              <a:buSzTx/>
+              <a:buFontTx/>
+              <a:buNone/>
+              <a:tabLst/>
+              <a:defRPr/>
+            </a:pPr>
+            <a:endParaRPr kumimoji="0" lang="en-US" sz="1800" b="0" i="0" u="none" strike="noStrike" kern="1200" cap="none" spc="0" normalizeH="0" baseline="0" noProof="0">
+              <a:ln>
+                <a:noFill/>
+              </a:ln>
+              <a:solidFill>
+                <a:prstClr val="white"/>
+              </a:solidFill>
+              <a:effectLst/>
+              <a:uLnTx/>
+              <a:uFillTx/>
+              <a:latin typeface="Calibri" panose="020F0502020204030204"/>
+              <a:ea typeface="+mn-ea"/>
+              <a:cs typeface="+mn-cs"/>
+            </a:endParaRPr>
+          </a:p>
+        </p:txBody>
+      </p:sp>
+      <p:sp>
+        <p:nvSpPr>
+          <p:cNvPr id="2" name="タイトル 1">
+            <a:extLst>
+              <a:ext uri="{FF2B5EF4-FFF2-40B4-BE49-F238E27FC236}">
+                <a16:creationId xmlns:a16="http://schemas.microsoft.com/office/drawing/2014/main" id="{A7D5D82D-CF3A-481C-A431-BE9E236A1998}"/>
+              </a:ext>
+            </a:extLst>
+          </p:cNvPr>
+          <p:cNvSpPr>
+            <a:spLocks noGrp="1"/>
+          </p:cNvSpPr>
+          <p:nvPr>
+            <p:ph type="title"/>
+          </p:nvPr>
+        </p:nvSpPr>
+        <p:spPr>
+          <a:xfrm>
+            <a:off x="966952" y="1204108"/>
+            <a:ext cx="2669406" cy="1781175"/>
+          </a:xfrm>
+        </p:spPr>
+        <p:txBody>
+          <a:bodyPr>
+            <a:normAutofit/>
+          </a:bodyPr>
+          <a:lstStyle/>
+          <a:p>
+            <a:r>
+              <a:rPr kumimoji="1" lang="en-US" altLang="ja-JP" sz="3200" dirty="0" err="1">
+                <a:solidFill>
+                  <a:srgbClr val="FFFFFF"/>
+                </a:solidFill>
+              </a:rPr>
+              <a:t>Sourcetree</a:t>
+            </a:r>
+            <a:r>
+              <a:rPr kumimoji="1" lang="ja-JP" altLang="en-US" sz="3200" dirty="0">
+                <a:solidFill>
+                  <a:srgbClr val="FFFFFF"/>
+                </a:solidFill>
+              </a:rPr>
+              <a:t>のインストール</a:t>
+            </a:r>
+          </a:p>
+        </p:txBody>
+      </p:sp>
+      <p:sp>
+        <p:nvSpPr>
+          <p:cNvPr id="10" name="Content Placeholder 9">
+            <a:extLst>
+              <a:ext uri="{FF2B5EF4-FFF2-40B4-BE49-F238E27FC236}">
+                <a16:creationId xmlns:a16="http://schemas.microsoft.com/office/drawing/2014/main" id="{0A837A21-1852-40A6-A18A-F08488F334AF}"/>
+              </a:ext>
+            </a:extLst>
+          </p:cNvPr>
+          <p:cNvSpPr>
+            <a:spLocks noGrp="1"/>
+          </p:cNvSpPr>
+          <p:nvPr>
+            <p:ph idx="1"/>
+          </p:nvPr>
+        </p:nvSpPr>
+        <p:spPr>
+          <a:xfrm>
+            <a:off x="966950" y="3355130"/>
+            <a:ext cx="3092981" cy="2427333"/>
+          </a:xfrm>
+        </p:spPr>
+        <p:txBody>
+          <a:bodyPr>
+            <a:normAutofit/>
+          </a:bodyPr>
+          <a:lstStyle/>
+          <a:p>
+            <a:r>
+              <a:rPr lang="en-US" altLang="ja-JP" sz="1600" dirty="0"/>
+              <a:t>Git</a:t>
+            </a:r>
+            <a:r>
+              <a:rPr lang="ja-JP" altLang="en-US" sz="1600" dirty="0"/>
+              <a:t>と</a:t>
+            </a:r>
+            <a:r>
+              <a:rPr lang="en-US" altLang="ja-JP" sz="1600" dirty="0" err="1"/>
+              <a:t>Mercuril</a:t>
+            </a:r>
+            <a:r>
+              <a:rPr lang="ja-JP" altLang="en-US" sz="1600" dirty="0"/>
+              <a:t>のダウンロード、インストール画面</a:t>
+            </a:r>
+            <a:endParaRPr lang="en-US" altLang="ja-JP" sz="1600" dirty="0"/>
+          </a:p>
+          <a:p>
+            <a:r>
+              <a:rPr lang="ja-JP" altLang="en-US" sz="1600" dirty="0"/>
+              <a:t>この画面では</a:t>
+            </a:r>
+            <a:r>
+              <a:rPr lang="en-US" altLang="ja-JP" sz="1600" dirty="0"/>
+              <a:t>Git</a:t>
+            </a:r>
+            <a:r>
+              <a:rPr lang="ja-JP" altLang="en-US" sz="1600" dirty="0"/>
+              <a:t>のチェック欄はないが、両方チェックを入れて「次へ」を選択する。</a:t>
+            </a:r>
+            <a:endParaRPr lang="en-US" altLang="ja-JP" sz="1600" dirty="0"/>
+          </a:p>
+          <a:p>
+            <a:endParaRPr lang="en-US" altLang="ja-JP" sz="1600" dirty="0"/>
+          </a:p>
+        </p:txBody>
+      </p:sp>
+      <p:pic>
+        <p:nvPicPr>
+          <p:cNvPr id="8" name="コンテンツ プレースホルダー 4">
+            <a:extLst>
+              <a:ext uri="{FF2B5EF4-FFF2-40B4-BE49-F238E27FC236}">
+                <a16:creationId xmlns:a16="http://schemas.microsoft.com/office/drawing/2014/main" id="{90FF0F12-B6E9-47AB-BCA8-A3C9632A32AA}"/>
+              </a:ext>
+            </a:extLst>
+          </p:cNvPr>
+          <p:cNvPicPr>
+            <a:picLocks noChangeAspect="1"/>
+          </p:cNvPicPr>
+          <p:nvPr/>
+        </p:nvPicPr>
+        <p:blipFill>
+          <a:blip r:embed="rId3">
+            <a:extLst>
+              <a:ext uri="{28A0092B-C50C-407E-A947-70E740481C1C}">
+                <a14:useLocalDpi xmlns:a14="http://schemas.microsoft.com/office/drawing/2010/main" val="0"/>
+              </a:ext>
+            </a:extLst>
+          </a:blip>
+          <a:stretch>
+            <a:fillRect/>
+          </a:stretch>
+        </p:blipFill>
+        <p:spPr>
+          <a:xfrm>
+            <a:off x="4789699" y="1200698"/>
+            <a:ext cx="6599029" cy="4027147"/>
+          </a:xfrm>
+          <a:prstGeom prst="rect">
+            <a:avLst/>
+          </a:prstGeom>
+        </p:spPr>
+      </p:pic>
+      <mc:AlternateContent xmlns:mc="http://schemas.openxmlformats.org/markup-compatibility/2006" xmlns:p14="http://schemas.microsoft.com/office/powerpoint/2010/main">
+        <mc:Choice Requires="p14">
+          <p:contentPart p14:bwMode="auto" r:id="rId4">
+            <p14:nvContentPartPr>
+              <p14:cNvPr id="4" name="インク 3">
+                <a:extLst>
+                  <a:ext uri="{FF2B5EF4-FFF2-40B4-BE49-F238E27FC236}">
+                    <a16:creationId xmlns:a16="http://schemas.microsoft.com/office/drawing/2014/main" id="{FE9B922C-4578-4D3E-B245-1B7345A5F7A5}"/>
+                  </a:ext>
+                </a:extLst>
+              </p14:cNvPr>
+              <p14:cNvContentPartPr/>
+              <p14:nvPr/>
+            </p14:nvContentPartPr>
+            <p14:xfrm>
+              <a:off x="10778290" y="4977670"/>
+              <a:ext cx="446760" cy="360"/>
+            </p14:xfrm>
+          </p:contentPart>
+        </mc:Choice>
+        <mc:Fallback xmlns="">
+          <p:pic>
+            <p:nvPicPr>
+              <p:cNvPr id="4" name="インク 3">
+                <a:extLst>
+                  <a:ext uri="{FF2B5EF4-FFF2-40B4-BE49-F238E27FC236}">
+                    <a16:creationId xmlns:a16="http://schemas.microsoft.com/office/drawing/2014/main" id="{FE9B922C-4578-4D3E-B245-1B7345A5F7A5}"/>
+                  </a:ext>
+                </a:extLst>
+              </p:cNvPr>
+              <p:cNvPicPr/>
+              <p:nvPr/>
+            </p:nvPicPr>
+            <p:blipFill>
+              <a:blip r:embed="rId5"/>
+              <a:stretch>
+                <a:fillRect/>
+              </a:stretch>
+            </p:blipFill>
+            <p:spPr>
+              <a:xfrm>
+                <a:off x="10688290" y="4798030"/>
+                <a:ext cx="626400" cy="360000"/>
+              </a:xfrm>
+              <a:prstGeom prst="rect">
+                <a:avLst/>
+              </a:prstGeom>
+            </p:spPr>
+          </p:pic>
+        </mc:Fallback>
+      </mc:AlternateContent>
+    </p:spTree>
+    <p:extLst>
+      <p:ext uri="{BB962C8B-B14F-4D97-AF65-F5344CB8AC3E}">
+        <p14:creationId xmlns:p14="http://schemas.microsoft.com/office/powerpoint/2010/main" val="540253510"/>
       </p:ext>
     </p:extLst>
   </p:cSld>

--- a/git.pptx
+++ b/git.pptx
@@ -5,7 +5,7 @@
     <p:sldMasterId id="2147483648" r:id="rId1"/>
   </p:sldMasterIdLst>
   <p:notesMasterIdLst>
-    <p:notesMasterId r:id="rId22"/>
+    <p:notesMasterId r:id="rId27"/>
   </p:notesMasterIdLst>
   <p:sldIdLst>
     <p:sldId id="256" r:id="rId2"/>
@@ -28,6 +28,11 @@
     <p:sldId id="275" r:id="rId19"/>
     <p:sldId id="276" r:id="rId20"/>
     <p:sldId id="277" r:id="rId21"/>
+    <p:sldId id="278" r:id="rId22"/>
+    <p:sldId id="279" r:id="rId23"/>
+    <p:sldId id="280" r:id="rId24"/>
+    <p:sldId id="281" r:id="rId25"/>
+    <p:sldId id="282" r:id="rId26"/>
   </p:sldIdLst>
   <p:sldSz cx="12192000" cy="6858000"/>
   <p:notesSz cx="6858000" cy="9144000"/>
@@ -159,6 +164,11 @@
             <p14:sldId id="275"/>
             <p14:sldId id="276"/>
             <p14:sldId id="277"/>
+            <p14:sldId id="278"/>
+            <p14:sldId id="279"/>
+            <p14:sldId id="280"/>
+            <p14:sldId id="281"/>
+            <p14:sldId id="282"/>
           </p14:sldIdLst>
         </p14:section>
       </p14:sectionLst>
@@ -645,6 +655,35 @@
           <inkml:channelProperty channel="Y" name="resolution" value="1000" units="1/cm"/>
         </inkml:channelProperties>
       </inkml:inkSource>
+      <inkml:timestamp xml:id="ts0" timeString="2018-09-12T07:13:33.882"/>
+    </inkml:context>
+    <inkml:brush xml:id="br0">
+      <inkml:brushProperty name="width" value="0.3" units="cm"/>
+      <inkml:brushProperty name="height" value="0.6" units="cm"/>
+      <inkml:brushProperty name="color" value="#FFFC00"/>
+      <inkml:brushProperty name="tip" value="rectangle"/>
+      <inkml:brushProperty name="rasterOp" value="maskPen"/>
+      <inkml:brushProperty name="ignorePressure" value="1"/>
+    </inkml:brush>
+  </inkml:definitions>
+  <inkml:trace contextRef="#ctx0" brushRef="#br0">1 0,'1269'0,"-1226"0</inkml:trace>
+</inkml:ink>
+</file>
+
+<file path=ppt/ink/ink25.xml><?xml version="1.0" encoding="utf-8"?>
+<inkml:ink xmlns:inkml="http://www.w3.org/2003/InkML">
+  <inkml:definitions>
+    <inkml:context xml:id="ctx0">
+      <inkml:inkSource xml:id="inkSrc0">
+        <inkml:traceFormat>
+          <inkml:channel name="X" type="integer" min="-2.14748E9" max="2.14748E9" units="cm"/>
+          <inkml:channel name="Y" type="integer" min="-2.14748E9" max="2.14748E9" units="cm"/>
+        </inkml:traceFormat>
+        <inkml:channelProperties>
+          <inkml:channelProperty channel="X" name="resolution" value="1000" units="1/cm"/>
+          <inkml:channelProperty channel="Y" name="resolution" value="1000" units="1/cm"/>
+        </inkml:channelProperties>
+      </inkml:inkSource>
       <inkml:timestamp xml:id="ts0" timeString="2018-09-12T07:13:36.082"/>
     </inkml:context>
     <inkml:brush xml:id="br0">
@@ -657,6 +696,122 @@
     </inkml:brush>
   </inkml:definitions>
   <inkml:trace contextRef="#ctx0" brushRef="#br0">0 0,'2028'0,"-2015"0</inkml:trace>
+</inkml:ink>
+</file>
+
+<file path=ppt/ink/ink26.xml><?xml version="1.0" encoding="utf-8"?>
+<inkml:ink xmlns:inkml="http://www.w3.org/2003/InkML">
+  <inkml:definitions>
+    <inkml:context xml:id="ctx0">
+      <inkml:inkSource xml:id="inkSrc0">
+        <inkml:traceFormat>
+          <inkml:channel name="X" type="integer" min="-2.14748E9" max="2.14748E9" units="cm"/>
+          <inkml:channel name="Y" type="integer" min="-2.14748E9" max="2.14748E9" units="cm"/>
+        </inkml:traceFormat>
+        <inkml:channelProperties>
+          <inkml:channelProperty channel="X" name="resolution" value="1000" units="1/cm"/>
+          <inkml:channelProperty channel="Y" name="resolution" value="1000" units="1/cm"/>
+        </inkml:channelProperties>
+      </inkml:inkSource>
+      <inkml:timestamp xml:id="ts0" timeString="2018-09-20T01:32:36.291"/>
+    </inkml:context>
+    <inkml:brush xml:id="br0">
+      <inkml:brushProperty name="width" value="0.3" units="cm"/>
+      <inkml:brushProperty name="height" value="0.6" units="cm"/>
+      <inkml:brushProperty name="color" value="#FFFC00"/>
+      <inkml:brushProperty name="tip" value="rectangle"/>
+      <inkml:brushProperty name="rasterOp" value="maskPen"/>
+      <inkml:brushProperty name="ignorePressure" value="1"/>
+    </inkml:brush>
+  </inkml:definitions>
+  <inkml:trace contextRef="#ctx0" brushRef="#br0">1 0,'1269'0,"-1226"0</inkml:trace>
+</inkml:ink>
+</file>
+
+<file path=ppt/ink/ink27.xml><?xml version="1.0" encoding="utf-8"?>
+<inkml:ink xmlns:inkml="http://www.w3.org/2003/InkML">
+  <inkml:definitions>
+    <inkml:context xml:id="ctx0">
+      <inkml:inkSource xml:id="inkSrc0">
+        <inkml:traceFormat>
+          <inkml:channel name="X" type="integer" min="-2.14748E9" max="2.14748E9" units="cm"/>
+          <inkml:channel name="Y" type="integer" min="-2.14748E9" max="2.14748E9" units="cm"/>
+        </inkml:traceFormat>
+        <inkml:channelProperties>
+          <inkml:channelProperty channel="X" name="resolution" value="1000" units="1/cm"/>
+          <inkml:channelProperty channel="Y" name="resolution" value="1000" units="1/cm"/>
+        </inkml:channelProperties>
+      </inkml:inkSource>
+      <inkml:timestamp xml:id="ts0" timeString="2018-09-12T07:13:33.882"/>
+    </inkml:context>
+    <inkml:brush xml:id="br0">
+      <inkml:brushProperty name="width" value="0.3" units="cm"/>
+      <inkml:brushProperty name="height" value="0.6" units="cm"/>
+      <inkml:brushProperty name="color" value="#FFFC00"/>
+      <inkml:brushProperty name="tip" value="rectangle"/>
+      <inkml:brushProperty name="rasterOp" value="maskPen"/>
+      <inkml:brushProperty name="ignorePressure" value="1"/>
+    </inkml:brush>
+  </inkml:definitions>
+  <inkml:trace contextRef="#ctx0" brushRef="#br0">1 0,'1269'0,"-1226"0</inkml:trace>
+</inkml:ink>
+</file>
+
+<file path=ppt/ink/ink28.xml><?xml version="1.0" encoding="utf-8"?>
+<inkml:ink xmlns:inkml="http://www.w3.org/2003/InkML">
+  <inkml:definitions>
+    <inkml:context xml:id="ctx0">
+      <inkml:inkSource xml:id="inkSrc0">
+        <inkml:traceFormat>
+          <inkml:channel name="X" type="integer" min="-2.14748E9" max="2.14748E9" units="cm"/>
+          <inkml:channel name="Y" type="integer" min="-2.14748E9" max="2.14748E9" units="cm"/>
+        </inkml:traceFormat>
+        <inkml:channelProperties>
+          <inkml:channelProperty channel="X" name="resolution" value="1000" units="1/cm"/>
+          <inkml:channelProperty channel="Y" name="resolution" value="1000" units="1/cm"/>
+        </inkml:channelProperties>
+      </inkml:inkSource>
+      <inkml:timestamp xml:id="ts0" timeString="2018-09-12T07:13:36.082"/>
+    </inkml:context>
+    <inkml:brush xml:id="br0">
+      <inkml:brushProperty name="width" value="0.3" units="cm"/>
+      <inkml:brushProperty name="height" value="0.6" units="cm"/>
+      <inkml:brushProperty name="color" value="#FFFC00"/>
+      <inkml:brushProperty name="tip" value="rectangle"/>
+      <inkml:brushProperty name="rasterOp" value="maskPen"/>
+      <inkml:brushProperty name="ignorePressure" value="1"/>
+    </inkml:brush>
+  </inkml:definitions>
+  <inkml:trace contextRef="#ctx0" brushRef="#br0">0 0,'2028'0,"-2015"0</inkml:trace>
+</inkml:ink>
+</file>
+
+<file path=ppt/ink/ink29.xml><?xml version="1.0" encoding="utf-8"?>
+<inkml:ink xmlns:inkml="http://www.w3.org/2003/InkML">
+  <inkml:definitions>
+    <inkml:context xml:id="ctx0">
+      <inkml:inkSource xml:id="inkSrc0">
+        <inkml:traceFormat>
+          <inkml:channel name="X" type="integer" min="-2.14748E9" max="2.14748E9" units="cm"/>
+          <inkml:channel name="Y" type="integer" min="-2.14748E9" max="2.14748E9" units="cm"/>
+        </inkml:traceFormat>
+        <inkml:channelProperties>
+          <inkml:channelProperty channel="X" name="resolution" value="1000" units="1/cm"/>
+          <inkml:channelProperty channel="Y" name="resolution" value="1000" units="1/cm"/>
+        </inkml:channelProperties>
+      </inkml:inkSource>
+      <inkml:timestamp xml:id="ts0" timeString="2018-09-20T01:32:36.291"/>
+    </inkml:context>
+    <inkml:brush xml:id="br0">
+      <inkml:brushProperty name="width" value="0.3" units="cm"/>
+      <inkml:brushProperty name="height" value="0.6" units="cm"/>
+      <inkml:brushProperty name="color" value="#FFFC00"/>
+      <inkml:brushProperty name="tip" value="rectangle"/>
+      <inkml:brushProperty name="rasterOp" value="maskPen"/>
+      <inkml:brushProperty name="ignorePressure" value="1"/>
+    </inkml:brush>
+  </inkml:definitions>
+  <inkml:trace contextRef="#ctx0" brushRef="#br0">1 0,'1269'0,"-1226"0</inkml:trace>
 </inkml:ink>
 </file>
 
@@ -686,6 +841,180 @@
     </inkml:brush>
   </inkml:definitions>
   <inkml:trace contextRef="#ctx0" brushRef="#br0">0 1,'3338'0,"-3323"0</inkml:trace>
+</inkml:ink>
+</file>
+
+<file path=ppt/ink/ink30.xml><?xml version="1.0" encoding="utf-8"?>
+<inkml:ink xmlns:inkml="http://www.w3.org/2003/InkML">
+  <inkml:definitions>
+    <inkml:context xml:id="ctx0">
+      <inkml:inkSource xml:id="inkSrc0">
+        <inkml:traceFormat>
+          <inkml:channel name="X" type="integer" min="-2.14748E9" max="2.14748E9" units="cm"/>
+          <inkml:channel name="Y" type="integer" min="-2.14748E9" max="2.14748E9" units="cm"/>
+        </inkml:traceFormat>
+        <inkml:channelProperties>
+          <inkml:channelProperty channel="X" name="resolution" value="1000" units="1/cm"/>
+          <inkml:channelProperty channel="Y" name="resolution" value="1000" units="1/cm"/>
+        </inkml:channelProperties>
+      </inkml:inkSource>
+      <inkml:timestamp xml:id="ts0" timeString="2018-09-12T07:13:33.882"/>
+    </inkml:context>
+    <inkml:brush xml:id="br0">
+      <inkml:brushProperty name="width" value="0.3" units="cm"/>
+      <inkml:brushProperty name="height" value="0.6" units="cm"/>
+      <inkml:brushProperty name="color" value="#FFFC00"/>
+      <inkml:brushProperty name="tip" value="rectangle"/>
+      <inkml:brushProperty name="rasterOp" value="maskPen"/>
+      <inkml:brushProperty name="ignorePressure" value="1"/>
+    </inkml:brush>
+  </inkml:definitions>
+  <inkml:trace contextRef="#ctx0" brushRef="#br0">1 0,'535'0,"-517"0</inkml:trace>
+</inkml:ink>
+</file>
+
+<file path=ppt/ink/ink31.xml><?xml version="1.0" encoding="utf-8"?>
+<inkml:ink xmlns:inkml="http://www.w3.org/2003/InkML">
+  <inkml:definitions>
+    <inkml:context xml:id="ctx0">
+      <inkml:inkSource xml:id="inkSrc0">
+        <inkml:traceFormat>
+          <inkml:channel name="X" type="integer" min="-2.14748E9" max="2.14748E9" units="cm"/>
+          <inkml:channel name="Y" type="integer" min="-2.14748E9" max="2.14748E9" units="cm"/>
+        </inkml:traceFormat>
+        <inkml:channelProperties>
+          <inkml:channelProperty channel="X" name="resolution" value="1000" units="1/cm"/>
+          <inkml:channelProperty channel="Y" name="resolution" value="1000" units="1/cm"/>
+        </inkml:channelProperties>
+      </inkml:inkSource>
+      <inkml:timestamp xml:id="ts0" timeString="2018-09-12T07:13:36.082"/>
+    </inkml:context>
+    <inkml:brush xml:id="br0">
+      <inkml:brushProperty name="width" value="0.3" units="cm"/>
+      <inkml:brushProperty name="height" value="0.6" units="cm"/>
+      <inkml:brushProperty name="color" value="#FFFC00"/>
+      <inkml:brushProperty name="tip" value="rectangle"/>
+      <inkml:brushProperty name="rasterOp" value="maskPen"/>
+      <inkml:brushProperty name="ignorePressure" value="1"/>
+    </inkml:brush>
+  </inkml:definitions>
+  <inkml:trace contextRef="#ctx0" brushRef="#br0">0 0,'549'0,"-545"0</inkml:trace>
+</inkml:ink>
+</file>
+
+<file path=ppt/ink/ink32.xml><?xml version="1.0" encoding="utf-8"?>
+<inkml:ink xmlns:inkml="http://www.w3.org/2003/InkML">
+  <inkml:definitions>
+    <inkml:context xml:id="ctx0">
+      <inkml:inkSource xml:id="inkSrc0">
+        <inkml:traceFormat>
+          <inkml:channel name="X" type="integer" min="-2.14748E9" max="2.14748E9" units="cm"/>
+          <inkml:channel name="Y" type="integer" min="-2.14748E9" max="2.14748E9" units="cm"/>
+        </inkml:traceFormat>
+        <inkml:channelProperties>
+          <inkml:channelProperty channel="X" name="resolution" value="1000" units="1/cm"/>
+          <inkml:channelProperty channel="Y" name="resolution" value="1000" units="1/cm"/>
+        </inkml:channelProperties>
+      </inkml:inkSource>
+      <inkml:timestamp xml:id="ts0" timeString="2018-09-12T07:13:33.882"/>
+    </inkml:context>
+    <inkml:brush xml:id="br0">
+      <inkml:brushProperty name="width" value="0.3" units="cm"/>
+      <inkml:brushProperty name="height" value="0.6" units="cm"/>
+      <inkml:brushProperty name="color" value="#FFFC00"/>
+      <inkml:brushProperty name="tip" value="rectangle"/>
+      <inkml:brushProperty name="rasterOp" value="maskPen"/>
+      <inkml:brushProperty name="ignorePressure" value="1"/>
+    </inkml:brush>
+  </inkml:definitions>
+  <inkml:trace contextRef="#ctx0" brushRef="#br0">1 0,'1690'0,"-1633"0</inkml:trace>
+</inkml:ink>
+</file>
+
+<file path=ppt/ink/ink33.xml><?xml version="1.0" encoding="utf-8"?>
+<inkml:ink xmlns:inkml="http://www.w3.org/2003/InkML">
+  <inkml:definitions>
+    <inkml:context xml:id="ctx0">
+      <inkml:inkSource xml:id="inkSrc0">
+        <inkml:traceFormat>
+          <inkml:channel name="X" type="integer" min="-2.14748E9" max="2.14748E9" units="cm"/>
+          <inkml:channel name="Y" type="integer" min="-2.14748E9" max="2.14748E9" units="cm"/>
+        </inkml:traceFormat>
+        <inkml:channelProperties>
+          <inkml:channelProperty channel="X" name="resolution" value="1000" units="1/cm"/>
+          <inkml:channelProperty channel="Y" name="resolution" value="1000" units="1/cm"/>
+        </inkml:channelProperties>
+      </inkml:inkSource>
+      <inkml:timestamp xml:id="ts0" timeString="2018-09-12T07:13:36.082"/>
+    </inkml:context>
+    <inkml:brush xml:id="br0">
+      <inkml:brushProperty name="width" value="0.3" units="cm"/>
+      <inkml:brushProperty name="height" value="0.6" units="cm"/>
+      <inkml:brushProperty name="color" value="#FFFC00"/>
+      <inkml:brushProperty name="tip" value="rectangle"/>
+      <inkml:brushProperty name="rasterOp" value="maskPen"/>
+      <inkml:brushProperty name="ignorePressure" value="1"/>
+    </inkml:brush>
+  </inkml:definitions>
+  <inkml:trace contextRef="#ctx0" brushRef="#br0">0 0,'1246'0,"-1238"0</inkml:trace>
+</inkml:ink>
+</file>
+
+<file path=ppt/ink/ink34.xml><?xml version="1.0" encoding="utf-8"?>
+<inkml:ink xmlns:inkml="http://www.w3.org/2003/InkML">
+  <inkml:definitions>
+    <inkml:context xml:id="ctx0">
+      <inkml:inkSource xml:id="inkSrc0">
+        <inkml:traceFormat>
+          <inkml:channel name="X" type="integer" min="-2.14748E9" max="2.14748E9" units="cm"/>
+          <inkml:channel name="Y" type="integer" min="-2.14748E9" max="2.14748E9" units="cm"/>
+        </inkml:traceFormat>
+        <inkml:channelProperties>
+          <inkml:channelProperty channel="X" name="resolution" value="1000" units="1/cm"/>
+          <inkml:channelProperty channel="Y" name="resolution" value="1000" units="1/cm"/>
+        </inkml:channelProperties>
+      </inkml:inkSource>
+      <inkml:timestamp xml:id="ts0" timeString="2018-09-12T07:13:33.882"/>
+    </inkml:context>
+    <inkml:brush xml:id="br0">
+      <inkml:brushProperty name="width" value="0.3" units="cm"/>
+      <inkml:brushProperty name="height" value="0.6" units="cm"/>
+      <inkml:brushProperty name="color" value="#FFFC00"/>
+      <inkml:brushProperty name="tip" value="rectangle"/>
+      <inkml:brushProperty name="rasterOp" value="maskPen"/>
+      <inkml:brushProperty name="ignorePressure" value="1"/>
+    </inkml:brush>
+  </inkml:definitions>
+  <inkml:trace contextRef="#ctx0" brushRef="#br0">1 0,'6590'0,"-6367"0</inkml:trace>
+</inkml:ink>
+</file>
+
+<file path=ppt/ink/ink35.xml><?xml version="1.0" encoding="utf-8"?>
+<inkml:ink xmlns:inkml="http://www.w3.org/2003/InkML">
+  <inkml:definitions>
+    <inkml:context xml:id="ctx0">
+      <inkml:inkSource xml:id="inkSrc0">
+        <inkml:traceFormat>
+          <inkml:channel name="X" type="integer" min="-2.14748E9" max="2.14748E9" units="cm"/>
+          <inkml:channel name="Y" type="integer" min="-2.14748E9" max="2.14748E9" units="cm"/>
+        </inkml:traceFormat>
+        <inkml:channelProperties>
+          <inkml:channelProperty channel="X" name="resolution" value="1000" units="1/cm"/>
+          <inkml:channelProperty channel="Y" name="resolution" value="1000" units="1/cm"/>
+        </inkml:channelProperties>
+      </inkml:inkSource>
+      <inkml:timestamp xml:id="ts0" timeString="2018-09-12T07:13:36.082"/>
+    </inkml:context>
+    <inkml:brush xml:id="br0">
+      <inkml:brushProperty name="width" value="0.3" units="cm"/>
+      <inkml:brushProperty name="height" value="0.6" units="cm"/>
+      <inkml:brushProperty name="color" value="#FFFC00"/>
+      <inkml:brushProperty name="tip" value="rectangle"/>
+      <inkml:brushProperty name="rasterOp" value="maskPen"/>
+      <inkml:brushProperty name="ignorePressure" value="1"/>
+    </inkml:brush>
+  </inkml:definitions>
+  <inkml:trace contextRef="#ctx0" brushRef="#br0">0 0,'1781'0,"-1770"0</inkml:trace>
 </inkml:ink>
 </file>
 
@@ -945,7 +1274,7 @@
           <a:p>
             <a:fld id="{86046D81-5AB9-45E9-B1AC-1C4B4F9FB52B}" type="datetimeFigureOut">
               <a:rPr kumimoji="1" lang="ja-JP" altLang="en-US" smtClean="0"/>
-              <a:t>2018/9/12</a:t>
+              <a:t>2018/9/20</a:t>
             </a:fld>
             <a:endParaRPr kumimoji="1" lang="ja-JP" altLang="en-US"/>
           </a:p>
@@ -2252,6 +2581,426 @@
 </p:notes>
 </file>
 
+<file path=ppt/notesSlides/notesSlide20.xml><?xml version="1.0" encoding="utf-8"?>
+<p:notes xmlns:a="http://schemas.openxmlformats.org/drawingml/2006/main" xmlns:r="http://schemas.openxmlformats.org/officeDocument/2006/relationships" xmlns:p="http://schemas.openxmlformats.org/presentationml/2006/main">
+  <p:cSld>
+    <p:spTree>
+      <p:nvGrpSpPr>
+        <p:cNvPr id="1" name=""/>
+        <p:cNvGrpSpPr/>
+        <p:nvPr/>
+      </p:nvGrpSpPr>
+      <p:grpSpPr>
+        <a:xfrm>
+          <a:off x="0" y="0"/>
+          <a:ext cx="0" cy="0"/>
+          <a:chOff x="0" y="0"/>
+          <a:chExt cx="0" cy="0"/>
+        </a:xfrm>
+      </p:grpSpPr>
+      <p:sp>
+        <p:nvSpPr>
+          <p:cNvPr id="2" name="スライド イメージ プレースホルダー 1"/>
+          <p:cNvSpPr>
+            <a:spLocks noGrp="1" noRot="1" noChangeAspect="1"/>
+          </p:cNvSpPr>
+          <p:nvPr>
+            <p:ph type="sldImg"/>
+          </p:nvPr>
+        </p:nvSpPr>
+        <p:spPr/>
+      </p:sp>
+      <p:sp>
+        <p:nvSpPr>
+          <p:cNvPr id="3" name="ノート プレースホルダー 2"/>
+          <p:cNvSpPr>
+            <a:spLocks noGrp="1"/>
+          </p:cNvSpPr>
+          <p:nvPr>
+            <p:ph type="body" idx="1"/>
+          </p:nvPr>
+        </p:nvSpPr>
+        <p:spPr/>
+        <p:txBody>
+          <a:bodyPr/>
+          <a:lstStyle/>
+          <a:p>
+            <a:endParaRPr kumimoji="1" lang="ja-JP" altLang="en-US" dirty="0"/>
+          </a:p>
+        </p:txBody>
+      </p:sp>
+      <p:sp>
+        <p:nvSpPr>
+          <p:cNvPr id="4" name="スライド番号プレースホルダー 3"/>
+          <p:cNvSpPr>
+            <a:spLocks noGrp="1"/>
+          </p:cNvSpPr>
+          <p:nvPr>
+            <p:ph type="sldNum" sz="quarter" idx="10"/>
+          </p:nvPr>
+        </p:nvSpPr>
+        <p:spPr/>
+        <p:txBody>
+          <a:bodyPr/>
+          <a:lstStyle/>
+          <a:p>
+            <a:fld id="{BCBA475A-E4EF-4230-A042-9AEE72A46185}" type="slidenum">
+              <a:rPr kumimoji="1" lang="ja-JP" altLang="en-US" smtClean="0"/>
+              <a:t>21</a:t>
+            </a:fld>
+            <a:endParaRPr kumimoji="1" lang="ja-JP" altLang="en-US"/>
+          </a:p>
+        </p:txBody>
+      </p:sp>
+    </p:spTree>
+    <p:extLst>
+      <p:ext uri="{BB962C8B-B14F-4D97-AF65-F5344CB8AC3E}">
+        <p14:creationId xmlns:p14="http://schemas.microsoft.com/office/powerpoint/2010/main" val="3849746981"/>
+      </p:ext>
+    </p:extLst>
+  </p:cSld>
+  <p:clrMapOvr>
+    <a:masterClrMapping/>
+  </p:clrMapOvr>
+</p:notes>
+</file>
+
+<file path=ppt/notesSlides/notesSlide21.xml><?xml version="1.0" encoding="utf-8"?>
+<p:notes xmlns:a="http://schemas.openxmlformats.org/drawingml/2006/main" xmlns:r="http://schemas.openxmlformats.org/officeDocument/2006/relationships" xmlns:p="http://schemas.openxmlformats.org/presentationml/2006/main">
+  <p:cSld>
+    <p:spTree>
+      <p:nvGrpSpPr>
+        <p:cNvPr id="1" name=""/>
+        <p:cNvGrpSpPr/>
+        <p:nvPr/>
+      </p:nvGrpSpPr>
+      <p:grpSpPr>
+        <a:xfrm>
+          <a:off x="0" y="0"/>
+          <a:ext cx="0" cy="0"/>
+          <a:chOff x="0" y="0"/>
+          <a:chExt cx="0" cy="0"/>
+        </a:xfrm>
+      </p:grpSpPr>
+      <p:sp>
+        <p:nvSpPr>
+          <p:cNvPr id="2" name="スライド イメージ プレースホルダー 1"/>
+          <p:cNvSpPr>
+            <a:spLocks noGrp="1" noRot="1" noChangeAspect="1"/>
+          </p:cNvSpPr>
+          <p:nvPr>
+            <p:ph type="sldImg"/>
+          </p:nvPr>
+        </p:nvSpPr>
+        <p:spPr/>
+      </p:sp>
+      <p:sp>
+        <p:nvSpPr>
+          <p:cNvPr id="3" name="ノート プレースホルダー 2"/>
+          <p:cNvSpPr>
+            <a:spLocks noGrp="1"/>
+          </p:cNvSpPr>
+          <p:nvPr>
+            <p:ph type="body" idx="1"/>
+          </p:nvPr>
+        </p:nvSpPr>
+        <p:spPr/>
+        <p:txBody>
+          <a:bodyPr/>
+          <a:lstStyle/>
+          <a:p>
+            <a:endParaRPr kumimoji="1" lang="ja-JP" altLang="en-US" dirty="0"/>
+          </a:p>
+        </p:txBody>
+      </p:sp>
+      <p:sp>
+        <p:nvSpPr>
+          <p:cNvPr id="4" name="スライド番号プレースホルダー 3"/>
+          <p:cNvSpPr>
+            <a:spLocks noGrp="1"/>
+          </p:cNvSpPr>
+          <p:nvPr>
+            <p:ph type="sldNum" sz="quarter" idx="10"/>
+          </p:nvPr>
+        </p:nvSpPr>
+        <p:spPr/>
+        <p:txBody>
+          <a:bodyPr/>
+          <a:lstStyle/>
+          <a:p>
+            <a:fld id="{BCBA475A-E4EF-4230-A042-9AEE72A46185}" type="slidenum">
+              <a:rPr kumimoji="1" lang="ja-JP" altLang="en-US" smtClean="0"/>
+              <a:t>22</a:t>
+            </a:fld>
+            <a:endParaRPr kumimoji="1" lang="ja-JP" altLang="en-US"/>
+          </a:p>
+        </p:txBody>
+      </p:sp>
+    </p:spTree>
+    <p:extLst>
+      <p:ext uri="{BB962C8B-B14F-4D97-AF65-F5344CB8AC3E}">
+        <p14:creationId xmlns:p14="http://schemas.microsoft.com/office/powerpoint/2010/main" val="1120967629"/>
+      </p:ext>
+    </p:extLst>
+  </p:cSld>
+  <p:clrMapOvr>
+    <a:masterClrMapping/>
+  </p:clrMapOvr>
+</p:notes>
+</file>
+
+<file path=ppt/notesSlides/notesSlide22.xml><?xml version="1.0" encoding="utf-8"?>
+<p:notes xmlns:a="http://schemas.openxmlformats.org/drawingml/2006/main" xmlns:r="http://schemas.openxmlformats.org/officeDocument/2006/relationships" xmlns:p="http://schemas.openxmlformats.org/presentationml/2006/main">
+  <p:cSld>
+    <p:spTree>
+      <p:nvGrpSpPr>
+        <p:cNvPr id="1" name=""/>
+        <p:cNvGrpSpPr/>
+        <p:nvPr/>
+      </p:nvGrpSpPr>
+      <p:grpSpPr>
+        <a:xfrm>
+          <a:off x="0" y="0"/>
+          <a:ext cx="0" cy="0"/>
+          <a:chOff x="0" y="0"/>
+          <a:chExt cx="0" cy="0"/>
+        </a:xfrm>
+      </p:grpSpPr>
+      <p:sp>
+        <p:nvSpPr>
+          <p:cNvPr id="2" name="スライド イメージ プレースホルダー 1"/>
+          <p:cNvSpPr>
+            <a:spLocks noGrp="1" noRot="1" noChangeAspect="1"/>
+          </p:cNvSpPr>
+          <p:nvPr>
+            <p:ph type="sldImg"/>
+          </p:nvPr>
+        </p:nvSpPr>
+        <p:spPr/>
+      </p:sp>
+      <p:sp>
+        <p:nvSpPr>
+          <p:cNvPr id="3" name="ノート プレースホルダー 2"/>
+          <p:cNvSpPr>
+            <a:spLocks noGrp="1"/>
+          </p:cNvSpPr>
+          <p:nvPr>
+            <p:ph type="body" idx="1"/>
+          </p:nvPr>
+        </p:nvSpPr>
+        <p:spPr/>
+        <p:txBody>
+          <a:bodyPr/>
+          <a:lstStyle/>
+          <a:p>
+            <a:endParaRPr kumimoji="1" lang="ja-JP" altLang="en-US" dirty="0"/>
+          </a:p>
+        </p:txBody>
+      </p:sp>
+      <p:sp>
+        <p:nvSpPr>
+          <p:cNvPr id="4" name="スライド番号プレースホルダー 3"/>
+          <p:cNvSpPr>
+            <a:spLocks noGrp="1"/>
+          </p:cNvSpPr>
+          <p:nvPr>
+            <p:ph type="sldNum" sz="quarter" idx="10"/>
+          </p:nvPr>
+        </p:nvSpPr>
+        <p:spPr/>
+        <p:txBody>
+          <a:bodyPr/>
+          <a:lstStyle/>
+          <a:p>
+            <a:fld id="{BCBA475A-E4EF-4230-A042-9AEE72A46185}" type="slidenum">
+              <a:rPr kumimoji="1" lang="ja-JP" altLang="en-US" smtClean="0"/>
+              <a:t>23</a:t>
+            </a:fld>
+            <a:endParaRPr kumimoji="1" lang="ja-JP" altLang="en-US"/>
+          </a:p>
+        </p:txBody>
+      </p:sp>
+    </p:spTree>
+    <p:extLst>
+      <p:ext uri="{BB962C8B-B14F-4D97-AF65-F5344CB8AC3E}">
+        <p14:creationId xmlns:p14="http://schemas.microsoft.com/office/powerpoint/2010/main" val="416551264"/>
+      </p:ext>
+    </p:extLst>
+  </p:cSld>
+  <p:clrMapOvr>
+    <a:masterClrMapping/>
+  </p:clrMapOvr>
+</p:notes>
+</file>
+
+<file path=ppt/notesSlides/notesSlide23.xml><?xml version="1.0" encoding="utf-8"?>
+<p:notes xmlns:a="http://schemas.openxmlformats.org/drawingml/2006/main" xmlns:r="http://schemas.openxmlformats.org/officeDocument/2006/relationships" xmlns:p="http://schemas.openxmlformats.org/presentationml/2006/main">
+  <p:cSld>
+    <p:spTree>
+      <p:nvGrpSpPr>
+        <p:cNvPr id="1" name=""/>
+        <p:cNvGrpSpPr/>
+        <p:nvPr/>
+      </p:nvGrpSpPr>
+      <p:grpSpPr>
+        <a:xfrm>
+          <a:off x="0" y="0"/>
+          <a:ext cx="0" cy="0"/>
+          <a:chOff x="0" y="0"/>
+          <a:chExt cx="0" cy="0"/>
+        </a:xfrm>
+      </p:grpSpPr>
+      <p:sp>
+        <p:nvSpPr>
+          <p:cNvPr id="2" name="スライド イメージ プレースホルダー 1"/>
+          <p:cNvSpPr>
+            <a:spLocks noGrp="1" noRot="1" noChangeAspect="1"/>
+          </p:cNvSpPr>
+          <p:nvPr>
+            <p:ph type="sldImg"/>
+          </p:nvPr>
+        </p:nvSpPr>
+        <p:spPr/>
+      </p:sp>
+      <p:sp>
+        <p:nvSpPr>
+          <p:cNvPr id="3" name="ノート プレースホルダー 2"/>
+          <p:cNvSpPr>
+            <a:spLocks noGrp="1"/>
+          </p:cNvSpPr>
+          <p:nvPr>
+            <p:ph type="body" idx="1"/>
+          </p:nvPr>
+        </p:nvSpPr>
+        <p:spPr/>
+        <p:txBody>
+          <a:bodyPr/>
+          <a:lstStyle/>
+          <a:p>
+            <a:endParaRPr kumimoji="1" lang="ja-JP" altLang="en-US" dirty="0"/>
+          </a:p>
+        </p:txBody>
+      </p:sp>
+      <p:sp>
+        <p:nvSpPr>
+          <p:cNvPr id="4" name="スライド番号プレースホルダー 3"/>
+          <p:cNvSpPr>
+            <a:spLocks noGrp="1"/>
+          </p:cNvSpPr>
+          <p:nvPr>
+            <p:ph type="sldNum" sz="quarter" idx="10"/>
+          </p:nvPr>
+        </p:nvSpPr>
+        <p:spPr/>
+        <p:txBody>
+          <a:bodyPr/>
+          <a:lstStyle/>
+          <a:p>
+            <a:fld id="{BCBA475A-E4EF-4230-A042-9AEE72A46185}" type="slidenum">
+              <a:rPr kumimoji="1" lang="ja-JP" altLang="en-US" smtClean="0"/>
+              <a:t>24</a:t>
+            </a:fld>
+            <a:endParaRPr kumimoji="1" lang="ja-JP" altLang="en-US"/>
+          </a:p>
+        </p:txBody>
+      </p:sp>
+    </p:spTree>
+    <p:extLst>
+      <p:ext uri="{BB962C8B-B14F-4D97-AF65-F5344CB8AC3E}">
+        <p14:creationId xmlns:p14="http://schemas.microsoft.com/office/powerpoint/2010/main" val="640922818"/>
+      </p:ext>
+    </p:extLst>
+  </p:cSld>
+  <p:clrMapOvr>
+    <a:masterClrMapping/>
+  </p:clrMapOvr>
+</p:notes>
+</file>
+
+<file path=ppt/notesSlides/notesSlide24.xml><?xml version="1.0" encoding="utf-8"?>
+<p:notes xmlns:a="http://schemas.openxmlformats.org/drawingml/2006/main" xmlns:r="http://schemas.openxmlformats.org/officeDocument/2006/relationships" xmlns:p="http://schemas.openxmlformats.org/presentationml/2006/main">
+  <p:cSld>
+    <p:spTree>
+      <p:nvGrpSpPr>
+        <p:cNvPr id="1" name=""/>
+        <p:cNvGrpSpPr/>
+        <p:nvPr/>
+      </p:nvGrpSpPr>
+      <p:grpSpPr>
+        <a:xfrm>
+          <a:off x="0" y="0"/>
+          <a:ext cx="0" cy="0"/>
+          <a:chOff x="0" y="0"/>
+          <a:chExt cx="0" cy="0"/>
+        </a:xfrm>
+      </p:grpSpPr>
+      <p:sp>
+        <p:nvSpPr>
+          <p:cNvPr id="2" name="スライド イメージ プレースホルダー 1"/>
+          <p:cNvSpPr>
+            <a:spLocks noGrp="1" noRot="1" noChangeAspect="1"/>
+          </p:cNvSpPr>
+          <p:nvPr>
+            <p:ph type="sldImg"/>
+          </p:nvPr>
+        </p:nvSpPr>
+        <p:spPr/>
+      </p:sp>
+      <p:sp>
+        <p:nvSpPr>
+          <p:cNvPr id="3" name="ノート プレースホルダー 2"/>
+          <p:cNvSpPr>
+            <a:spLocks noGrp="1"/>
+          </p:cNvSpPr>
+          <p:nvPr>
+            <p:ph type="body" idx="1"/>
+          </p:nvPr>
+        </p:nvSpPr>
+        <p:spPr/>
+        <p:txBody>
+          <a:bodyPr/>
+          <a:lstStyle/>
+          <a:p>
+            <a:endParaRPr kumimoji="1" lang="ja-JP" altLang="en-US" dirty="0"/>
+          </a:p>
+        </p:txBody>
+      </p:sp>
+      <p:sp>
+        <p:nvSpPr>
+          <p:cNvPr id="4" name="スライド番号プレースホルダー 3"/>
+          <p:cNvSpPr>
+            <a:spLocks noGrp="1"/>
+          </p:cNvSpPr>
+          <p:nvPr>
+            <p:ph type="sldNum" sz="quarter" idx="10"/>
+          </p:nvPr>
+        </p:nvSpPr>
+        <p:spPr/>
+        <p:txBody>
+          <a:bodyPr/>
+          <a:lstStyle/>
+          <a:p>
+            <a:fld id="{BCBA475A-E4EF-4230-A042-9AEE72A46185}" type="slidenum">
+              <a:rPr kumimoji="1" lang="ja-JP" altLang="en-US" smtClean="0"/>
+              <a:t>25</a:t>
+            </a:fld>
+            <a:endParaRPr kumimoji="1" lang="ja-JP" altLang="en-US"/>
+          </a:p>
+        </p:txBody>
+      </p:sp>
+    </p:spTree>
+    <p:extLst>
+      <p:ext uri="{BB962C8B-B14F-4D97-AF65-F5344CB8AC3E}">
+        <p14:creationId xmlns:p14="http://schemas.microsoft.com/office/powerpoint/2010/main" val="2566959639"/>
+      </p:ext>
+    </p:extLst>
+  </p:cSld>
+  <p:clrMapOvr>
+    <a:masterClrMapping/>
+  </p:clrMapOvr>
+</p:notes>
+</file>
+
 <file path=ppt/notesSlides/notesSlide3.xml><?xml version="1.0" encoding="utf-8"?>
 <p:notes xmlns:a="http://schemas.openxmlformats.org/drawingml/2006/main" xmlns:r="http://schemas.openxmlformats.org/officeDocument/2006/relationships" xmlns:p="http://schemas.openxmlformats.org/presentationml/2006/main">
   <p:cSld>
@@ -2987,7 +3736,7 @@
           <a:p>
             <a:fld id="{82A1F928-7F2E-419B-B14E-22C5E74D67C0}" type="datetimeFigureOut">
               <a:rPr kumimoji="1" lang="ja-JP" altLang="en-US" smtClean="0"/>
-              <a:t>2018/9/12</a:t>
+              <a:t>2018/9/20</a:t>
             </a:fld>
             <a:endParaRPr kumimoji="1" lang="ja-JP" altLang="en-US"/>
           </a:p>
@@ -3217,7 +3966,7 @@
           <a:p>
             <a:fld id="{82A1F928-7F2E-419B-B14E-22C5E74D67C0}" type="datetimeFigureOut">
               <a:rPr kumimoji="1" lang="ja-JP" altLang="en-US" smtClean="0"/>
-              <a:t>2018/9/12</a:t>
+              <a:t>2018/9/20</a:t>
             </a:fld>
             <a:endParaRPr kumimoji="1" lang="ja-JP" altLang="en-US"/>
           </a:p>
@@ -3457,7 +4206,7 @@
           <a:p>
             <a:fld id="{82A1F928-7F2E-419B-B14E-22C5E74D67C0}" type="datetimeFigureOut">
               <a:rPr kumimoji="1" lang="ja-JP" altLang="en-US" smtClean="0"/>
-              <a:t>2018/9/12</a:t>
+              <a:t>2018/9/20</a:t>
             </a:fld>
             <a:endParaRPr kumimoji="1" lang="ja-JP" altLang="en-US"/>
           </a:p>
@@ -3687,7 +4436,7 @@
           <a:p>
             <a:fld id="{82A1F928-7F2E-419B-B14E-22C5E74D67C0}" type="datetimeFigureOut">
               <a:rPr kumimoji="1" lang="ja-JP" altLang="en-US" smtClean="0"/>
-              <a:t>2018/9/12</a:t>
+              <a:t>2018/9/20</a:t>
             </a:fld>
             <a:endParaRPr kumimoji="1" lang="ja-JP" altLang="en-US"/>
           </a:p>
@@ -3962,7 +4711,7 @@
           <a:p>
             <a:fld id="{82A1F928-7F2E-419B-B14E-22C5E74D67C0}" type="datetimeFigureOut">
               <a:rPr kumimoji="1" lang="ja-JP" altLang="en-US" smtClean="0"/>
-              <a:t>2018/9/12</a:t>
+              <a:t>2018/9/20</a:t>
             </a:fld>
             <a:endParaRPr kumimoji="1" lang="ja-JP" altLang="en-US"/>
           </a:p>
@@ -4291,7 +5040,7 @@
           <a:p>
             <a:fld id="{82A1F928-7F2E-419B-B14E-22C5E74D67C0}" type="datetimeFigureOut">
               <a:rPr kumimoji="1" lang="ja-JP" altLang="en-US" smtClean="0"/>
-              <a:t>2018/9/12</a:t>
+              <a:t>2018/9/20</a:t>
             </a:fld>
             <a:endParaRPr kumimoji="1" lang="ja-JP" altLang="en-US"/>
           </a:p>
@@ -4767,7 +5516,7 @@
           <a:p>
             <a:fld id="{82A1F928-7F2E-419B-B14E-22C5E74D67C0}" type="datetimeFigureOut">
               <a:rPr kumimoji="1" lang="ja-JP" altLang="en-US" smtClean="0"/>
-              <a:t>2018/9/12</a:t>
+              <a:t>2018/9/20</a:t>
             </a:fld>
             <a:endParaRPr kumimoji="1" lang="ja-JP" altLang="en-US"/>
           </a:p>
@@ -4908,7 +5657,7 @@
           <a:p>
             <a:fld id="{82A1F928-7F2E-419B-B14E-22C5E74D67C0}" type="datetimeFigureOut">
               <a:rPr kumimoji="1" lang="ja-JP" altLang="en-US" smtClean="0"/>
-              <a:t>2018/9/12</a:t>
+              <a:t>2018/9/20</a:t>
             </a:fld>
             <a:endParaRPr kumimoji="1" lang="ja-JP" altLang="en-US"/>
           </a:p>
@@ -5021,7 +5770,7 @@
           <a:p>
             <a:fld id="{82A1F928-7F2E-419B-B14E-22C5E74D67C0}" type="datetimeFigureOut">
               <a:rPr kumimoji="1" lang="ja-JP" altLang="en-US" smtClean="0"/>
-              <a:t>2018/9/12</a:t>
+              <a:t>2018/9/20</a:t>
             </a:fld>
             <a:endParaRPr kumimoji="1" lang="ja-JP" altLang="en-US"/>
           </a:p>
@@ -5364,7 +6113,7 @@
           <a:p>
             <a:fld id="{82A1F928-7F2E-419B-B14E-22C5E74D67C0}" type="datetimeFigureOut">
               <a:rPr kumimoji="1" lang="ja-JP" altLang="en-US" smtClean="0"/>
-              <a:t>2018/9/12</a:t>
+              <a:t>2018/9/20</a:t>
             </a:fld>
             <a:endParaRPr kumimoji="1" lang="ja-JP" altLang="en-US"/>
           </a:p>
@@ -5652,7 +6401,7 @@
           <a:p>
             <a:fld id="{82A1F928-7F2E-419B-B14E-22C5E74D67C0}" type="datetimeFigureOut">
               <a:rPr kumimoji="1" lang="ja-JP" altLang="en-US" smtClean="0"/>
-              <a:t>2018/9/12</a:t>
+              <a:t>2018/9/20</a:t>
             </a:fld>
             <a:endParaRPr kumimoji="1" lang="ja-JP" altLang="en-US"/>
           </a:p>
@@ -5925,7 +6674,7 @@
           <a:p>
             <a:fld id="{82A1F928-7F2E-419B-B14E-22C5E74D67C0}" type="datetimeFigureOut">
               <a:rPr kumimoji="1" lang="ja-JP" altLang="en-US" smtClean="0"/>
-              <a:t>2018/9/12</a:t>
+              <a:t>2018/9/20</a:t>
             </a:fld>
             <a:endParaRPr kumimoji="1" lang="ja-JP" altLang="en-US"/>
           </a:p>
@@ -8431,8 +9180,8 @@
           </a:prstGeom>
         </p:spPr>
       </p:pic>
-      <mc:AlternateContent xmlns:mc="http://schemas.openxmlformats.org/markup-compatibility/2006">
-        <mc:Choice xmlns:p14="http://schemas.microsoft.com/office/powerpoint/2010/main" Requires="p14">
+      <mc:AlternateContent xmlns:mc="http://schemas.openxmlformats.org/markup-compatibility/2006" xmlns:p14="http://schemas.microsoft.com/office/powerpoint/2010/main">
+        <mc:Choice Requires="p14">
           <p:contentPart p14:bwMode="auto" r:id="rId4">
             <p14:nvContentPartPr>
               <p14:cNvPr id="4" name="インク 3">
@@ -8451,7 +9200,7 @@
             </p14:xfrm>
           </p:contentPart>
         </mc:Choice>
-        <mc:Fallback>
+        <mc:Fallback xmlns="">
           <p:pic>
             <p:nvPicPr>
               <p:cNvPr id="4" name="インク 3">
@@ -8482,8 +9231,8 @@
           </p:pic>
         </mc:Fallback>
       </mc:AlternateContent>
-      <mc:AlternateContent xmlns:mc="http://schemas.openxmlformats.org/markup-compatibility/2006">
-        <mc:Choice xmlns:p14="http://schemas.microsoft.com/office/powerpoint/2010/main" Requires="p14">
+      <mc:AlternateContent xmlns:mc="http://schemas.openxmlformats.org/markup-compatibility/2006" xmlns:p14="http://schemas.microsoft.com/office/powerpoint/2010/main">
+        <mc:Choice Requires="p14">
           <p:contentPart p14:bwMode="auto" r:id="rId6">
             <p14:nvContentPartPr>
               <p14:cNvPr id="5" name="インク 4">
@@ -8502,7 +9251,7 @@
             </p14:xfrm>
           </p:contentPart>
         </mc:Choice>
-        <mc:Fallback>
+        <mc:Fallback xmlns="">
           <p:pic>
             <p:nvPicPr>
               <p:cNvPr id="5" name="インク 4">
@@ -8533,8 +9282,8 @@
           </p:pic>
         </mc:Fallback>
       </mc:AlternateContent>
-      <mc:AlternateContent xmlns:mc="http://schemas.openxmlformats.org/markup-compatibility/2006">
-        <mc:Choice xmlns:p14="http://schemas.microsoft.com/office/powerpoint/2010/main" Requires="p14">
+      <mc:AlternateContent xmlns:mc="http://schemas.openxmlformats.org/markup-compatibility/2006" xmlns:p14="http://schemas.microsoft.com/office/powerpoint/2010/main">
+        <mc:Choice Requires="p14">
           <p:contentPart p14:bwMode="auto" r:id="rId8">
             <p14:nvContentPartPr>
               <p14:cNvPr id="7" name="インク 6">
@@ -8553,7 +9302,7 @@
             </p14:xfrm>
           </p:contentPart>
         </mc:Choice>
-        <mc:Fallback>
+        <mc:Fallback xmlns="">
           <p:pic>
             <p:nvPicPr>
               <p:cNvPr id="7" name="インク 6">
@@ -8584,8 +9333,8 @@
           </p:pic>
         </mc:Fallback>
       </mc:AlternateContent>
-      <mc:AlternateContent xmlns:mc="http://schemas.openxmlformats.org/markup-compatibility/2006">
-        <mc:Choice xmlns:p14="http://schemas.microsoft.com/office/powerpoint/2010/main" Requires="p14">
+      <mc:AlternateContent xmlns:mc="http://schemas.openxmlformats.org/markup-compatibility/2006" xmlns:p14="http://schemas.microsoft.com/office/powerpoint/2010/main">
+        <mc:Choice Requires="p14">
           <p:contentPart p14:bwMode="auto" r:id="rId10">
             <p14:nvContentPartPr>
               <p14:cNvPr id="9" name="インク 8">
@@ -8604,7 +9353,7 @@
             </p14:xfrm>
           </p:contentPart>
         </mc:Choice>
-        <mc:Fallback>
+        <mc:Fallback xmlns="">
           <p:pic>
             <p:nvPicPr>
               <p:cNvPr id="9" name="インク 8">
@@ -8635,8 +9384,8 @@
           </p:pic>
         </mc:Fallback>
       </mc:AlternateContent>
-      <mc:AlternateContent xmlns:mc="http://schemas.openxmlformats.org/markup-compatibility/2006">
-        <mc:Choice xmlns:p14="http://schemas.microsoft.com/office/powerpoint/2010/main" Requires="p14">
+      <mc:AlternateContent xmlns:mc="http://schemas.openxmlformats.org/markup-compatibility/2006" xmlns:p14="http://schemas.microsoft.com/office/powerpoint/2010/main">
+        <mc:Choice Requires="p14">
           <p:contentPart p14:bwMode="auto" r:id="rId12">
             <p14:nvContentPartPr>
               <p14:cNvPr id="11" name="インク 10">
@@ -8655,7 +9404,7 @@
             </p14:xfrm>
           </p:contentPart>
         </mc:Choice>
-        <mc:Fallback>
+        <mc:Fallback xmlns="">
           <p:pic>
             <p:nvPicPr>
               <p:cNvPr id="11" name="インク 10">
@@ -8686,8 +9435,8 @@
           </p:pic>
         </mc:Fallback>
       </mc:AlternateContent>
-      <mc:AlternateContent xmlns:mc="http://schemas.openxmlformats.org/markup-compatibility/2006">
-        <mc:Choice xmlns:p14="http://schemas.microsoft.com/office/powerpoint/2010/main" Requires="p14">
+      <mc:AlternateContent xmlns:mc="http://schemas.openxmlformats.org/markup-compatibility/2006" xmlns:p14="http://schemas.microsoft.com/office/powerpoint/2010/main">
+        <mc:Choice Requires="p14">
           <p:contentPart p14:bwMode="auto" r:id="rId14">
             <p14:nvContentPartPr>
               <p14:cNvPr id="12" name="インク 11">
@@ -8706,7 +9455,7 @@
             </p14:xfrm>
           </p:contentPart>
         </mc:Choice>
-        <mc:Fallback>
+        <mc:Fallback xmlns="">
           <p:pic>
             <p:nvPicPr>
               <p:cNvPr id="12" name="インク 11">
@@ -8737,8 +9486,8 @@
           </p:pic>
         </mc:Fallback>
       </mc:AlternateContent>
-      <mc:AlternateContent xmlns:mc="http://schemas.openxmlformats.org/markup-compatibility/2006">
-        <mc:Choice xmlns:p14="http://schemas.microsoft.com/office/powerpoint/2010/main" Requires="p14">
+      <mc:AlternateContent xmlns:mc="http://schemas.openxmlformats.org/markup-compatibility/2006" xmlns:p14="http://schemas.microsoft.com/office/powerpoint/2010/main">
+        <mc:Choice Requires="p14">
           <p:contentPart p14:bwMode="auto" r:id="rId16">
             <p14:nvContentPartPr>
               <p14:cNvPr id="14" name="インク 13">
@@ -8757,7 +9506,7 @@
             </p14:xfrm>
           </p:contentPart>
         </mc:Choice>
-        <mc:Fallback>
+        <mc:Fallback xmlns="">
           <p:pic>
             <p:nvPicPr>
               <p:cNvPr id="14" name="インク 13">
@@ -10159,8 +10908,8 @@
           </a:prstGeom>
         </p:spPr>
       </p:pic>
-      <mc:AlternateContent xmlns:mc="http://schemas.openxmlformats.org/markup-compatibility/2006">
-        <mc:Choice xmlns:p14="http://schemas.microsoft.com/office/powerpoint/2010/main" Requires="p14">
+      <mc:AlternateContent xmlns:mc="http://schemas.openxmlformats.org/markup-compatibility/2006" xmlns:p14="http://schemas.microsoft.com/office/powerpoint/2010/main">
+        <mc:Choice Requires="p14">
           <p:contentPart p14:bwMode="auto" r:id="rId4">
             <p14:nvContentPartPr>
               <p14:cNvPr id="6" name="インク 5">
@@ -10179,7 +10928,7 @@
             </p14:xfrm>
           </p:contentPart>
         </mc:Choice>
-        <mc:Fallback>
+        <mc:Fallback xmlns="">
           <p:pic>
             <p:nvPicPr>
               <p:cNvPr id="6" name="インク 5">
@@ -10210,6 +10959,309 @@
           </p:pic>
         </mc:Fallback>
       </mc:AlternateContent>
+    </p:spTree>
+    <p:extLst>
+      <p:ext uri="{BB962C8B-B14F-4D97-AF65-F5344CB8AC3E}">
+        <p14:creationId xmlns:p14="http://schemas.microsoft.com/office/powerpoint/2010/main" val="3468121904"/>
+      </p:ext>
+    </p:extLst>
+  </p:cSld>
+  <p:clrMapOvr>
+    <a:masterClrMapping/>
+  </p:clrMapOvr>
+</p:sld>
+</file>
+
+<file path=ppt/slides/slide21.xml><?xml version="1.0" encoding="utf-8"?>
+<p:sld xmlns:a="http://schemas.openxmlformats.org/drawingml/2006/main" xmlns:r="http://schemas.openxmlformats.org/officeDocument/2006/relationships" xmlns:p="http://schemas.openxmlformats.org/presentationml/2006/main">
+  <p:cSld>
+    <p:bg>
+      <p:bgPr>
+        <a:solidFill>
+          <a:schemeClr val="bg1"/>
+        </a:solidFill>
+        <a:effectLst/>
+      </p:bgPr>
+    </p:bg>
+    <p:spTree>
+      <p:nvGrpSpPr>
+        <p:cNvPr id="1" name=""/>
+        <p:cNvGrpSpPr/>
+        <p:nvPr/>
+      </p:nvGrpSpPr>
+      <p:grpSpPr>
+        <a:xfrm>
+          <a:off x="0" y="0"/>
+          <a:ext cx="0" cy="0"/>
+          <a:chOff x="0" y="0"/>
+          <a:chExt cx="0" cy="0"/>
+        </a:xfrm>
+      </p:grpSpPr>
+      <p:sp>
+        <p:nvSpPr>
+          <p:cNvPr id="13" name="Down Arrow 7">
+            <a:extLst>
+              <a:ext uri="{FF2B5EF4-FFF2-40B4-BE49-F238E27FC236}">
+                <a16:creationId xmlns:a16="http://schemas.microsoft.com/office/drawing/2014/main" id="{73DE2CFE-42F2-48F0-8706-5264E012B10C}"/>
+              </a:ext>
+              <a:ext uri="{C183D7F6-B498-43B3-948B-1728B52AA6E4}">
+                <adec:decorative xmlns:adec="http://schemas.microsoft.com/office/drawing/2017/decorative" val="1"/>
+              </a:ext>
+            </a:extLst>
+          </p:cNvPr>
+          <p:cNvSpPr>
+            <a:spLocks noGrp="1" noRot="1" noChangeAspect="1" noMove="1" noResize="1" noEditPoints="1" noAdjustHandles="1" noChangeArrowheads="1" noChangeShapeType="1" noTextEdit="1"/>
+          </p:cNvSpPr>
+          <p:nvPr>
+            <p:extLst>
+              <p:ext uri="{386F3935-93C4-4BCD-93E2-E3B085C9AB24}">
+                <p16:designElem xmlns:p16="http://schemas.microsoft.com/office/powerpoint/2015/main" val="1"/>
+              </p:ext>
+            </p:extLst>
+          </p:nvPr>
+        </p:nvSpPr>
+        <p:spPr>
+          <a:xfrm rot="16200000">
+            <a:off x="1288521" y="381403"/>
+            <a:ext cx="2200313" cy="3342508"/>
+          </a:xfrm>
+          <a:prstGeom prst="downArrow">
+            <a:avLst>
+              <a:gd name="adj1" fmla="val 100000"/>
+              <a:gd name="adj2" fmla="val 15788"/>
+            </a:avLst>
+          </a:prstGeom>
+          <a:solidFill>
+            <a:srgbClr val="404040"/>
+          </a:solidFill>
+          <a:ln w="53975">
+            <a:noFill/>
+          </a:ln>
+        </p:spPr>
+        <p:style>
+          <a:lnRef idx="2">
+            <a:schemeClr val="accent1">
+              <a:shade val="50000"/>
+            </a:schemeClr>
+          </a:lnRef>
+          <a:fillRef idx="1">
+            <a:schemeClr val="accent1"/>
+          </a:fillRef>
+          <a:effectRef idx="0">
+            <a:schemeClr val="accent1"/>
+          </a:effectRef>
+          <a:fontRef idx="minor">
+            <a:schemeClr val="lt1"/>
+          </a:fontRef>
+        </p:style>
+        <p:txBody>
+          <a:bodyPr rtlCol="0" anchor="ctr"/>
+          <a:lstStyle/>
+          <a:p>
+            <a:pPr marL="0" marR="0" lvl="0" indent="0" algn="ctr" defTabSz="914400" rtl="0" eaLnBrk="1" fontAlgn="auto" latinLnBrk="0" hangingPunct="1">
+              <a:lnSpc>
+                <a:spcPct val="100000"/>
+              </a:lnSpc>
+              <a:spcBef>
+                <a:spcPts val="0"/>
+              </a:spcBef>
+              <a:spcAft>
+                <a:spcPts val="0"/>
+              </a:spcAft>
+              <a:buClrTx/>
+              <a:buSzTx/>
+              <a:buFontTx/>
+              <a:buNone/>
+              <a:tabLst/>
+              <a:defRPr/>
+            </a:pPr>
+            <a:endParaRPr kumimoji="0" lang="en-US" sz="1800" b="0" i="0" u="none" strike="noStrike" kern="1200" cap="none" spc="0" normalizeH="0" baseline="0" noProof="0">
+              <a:ln>
+                <a:noFill/>
+              </a:ln>
+              <a:solidFill>
+                <a:prstClr val="white"/>
+              </a:solidFill>
+              <a:effectLst/>
+              <a:uLnTx/>
+              <a:uFillTx/>
+              <a:latin typeface="Calibri" panose="020F0502020204030204"/>
+              <a:ea typeface="+mn-ea"/>
+              <a:cs typeface="+mn-cs"/>
+            </a:endParaRPr>
+          </a:p>
+        </p:txBody>
+      </p:sp>
+      <p:sp>
+        <p:nvSpPr>
+          <p:cNvPr id="2" name="タイトル 1">
+            <a:extLst>
+              <a:ext uri="{FF2B5EF4-FFF2-40B4-BE49-F238E27FC236}">
+                <a16:creationId xmlns:a16="http://schemas.microsoft.com/office/drawing/2014/main" id="{A7D5D82D-CF3A-481C-A431-BE9E236A1998}"/>
+              </a:ext>
+            </a:extLst>
+          </p:cNvPr>
+          <p:cNvSpPr>
+            <a:spLocks noGrp="1"/>
+          </p:cNvSpPr>
+          <p:nvPr>
+            <p:ph type="title"/>
+          </p:nvPr>
+        </p:nvSpPr>
+        <p:spPr>
+          <a:xfrm>
+            <a:off x="966952" y="1204108"/>
+            <a:ext cx="2669406" cy="1781175"/>
+          </a:xfrm>
+        </p:spPr>
+        <p:txBody>
+          <a:bodyPr>
+            <a:normAutofit/>
+          </a:bodyPr>
+          <a:lstStyle/>
+          <a:p>
+            <a:r>
+              <a:rPr kumimoji="1" lang="en-US" altLang="ja-JP" sz="3200" dirty="0" err="1">
+                <a:solidFill>
+                  <a:srgbClr val="FFFFFF"/>
+                </a:solidFill>
+              </a:rPr>
+              <a:t>Sourcetree</a:t>
+            </a:r>
+            <a:r>
+              <a:rPr kumimoji="1" lang="ja-JP" altLang="en-US" sz="3200" dirty="0">
+                <a:solidFill>
+                  <a:srgbClr val="FFFFFF"/>
+                </a:solidFill>
+              </a:rPr>
+              <a:t>の使い方</a:t>
+            </a:r>
+          </a:p>
+        </p:txBody>
+      </p:sp>
+      <p:sp>
+        <p:nvSpPr>
+          <p:cNvPr id="10" name="Content Placeholder 9">
+            <a:extLst>
+              <a:ext uri="{FF2B5EF4-FFF2-40B4-BE49-F238E27FC236}">
+                <a16:creationId xmlns:a16="http://schemas.microsoft.com/office/drawing/2014/main" id="{0A837A21-1852-40A6-A18A-F08488F334AF}"/>
+              </a:ext>
+            </a:extLst>
+          </p:cNvPr>
+          <p:cNvSpPr>
+            <a:spLocks noGrp="1"/>
+          </p:cNvSpPr>
+          <p:nvPr>
+            <p:ph idx="1"/>
+          </p:nvPr>
+        </p:nvSpPr>
+        <p:spPr>
+          <a:xfrm>
+            <a:off x="966950" y="3355130"/>
+            <a:ext cx="3092981" cy="2427333"/>
+          </a:xfrm>
+        </p:spPr>
+        <p:txBody>
+          <a:bodyPr>
+            <a:normAutofit/>
+          </a:bodyPr>
+          <a:lstStyle/>
+          <a:p>
+            <a:r>
+              <a:rPr lang="ja-JP" altLang="en-US" sz="1600" dirty="0"/>
+              <a:t>「ログ」のタブを選択し、「作業ツリーのファイル」のフォルダがあるので、「すべてインデックスに追加」を選択する。</a:t>
+            </a:r>
+            <a:endParaRPr lang="en-US" altLang="ja-JP" sz="1600" dirty="0"/>
+          </a:p>
+        </p:txBody>
+      </p:sp>
+      <p:pic>
+        <p:nvPicPr>
+          <p:cNvPr id="8" name="コンテンツ プレースホルダー 4">
+            <a:extLst>
+              <a:ext uri="{FF2B5EF4-FFF2-40B4-BE49-F238E27FC236}">
+                <a16:creationId xmlns:a16="http://schemas.microsoft.com/office/drawing/2014/main" id="{90FF0F12-B6E9-47AB-BCA8-A3C9632A32AA}"/>
+              </a:ext>
+            </a:extLst>
+          </p:cNvPr>
+          <p:cNvPicPr>
+            <a:picLocks noChangeAspect="1"/>
+          </p:cNvPicPr>
+          <p:nvPr/>
+        </p:nvPicPr>
+        <p:blipFill>
+          <a:blip r:embed="rId3">
+            <a:extLst>
+              <a:ext uri="{28A0092B-C50C-407E-A947-70E740481C1C}">
+                <a14:useLocalDpi xmlns:a14="http://schemas.microsoft.com/office/drawing/2010/main" val="0"/>
+              </a:ext>
+            </a:extLst>
+          </a:blip>
+          <a:stretch>
+            <a:fillRect/>
+          </a:stretch>
+        </p:blipFill>
+        <p:spPr>
+          <a:xfrm>
+            <a:off x="4378533" y="899311"/>
+            <a:ext cx="6760509" cy="4507006"/>
+          </a:xfrm>
+          <a:prstGeom prst="rect">
+            <a:avLst/>
+          </a:prstGeom>
+        </p:spPr>
+      </p:pic>
+      <mc:AlternateContent xmlns:mc="http://schemas.openxmlformats.org/markup-compatibility/2006">
+        <mc:Choice xmlns:p14="http://schemas.microsoft.com/office/powerpoint/2010/main" Requires="p14">
+          <p:contentPart p14:bwMode="auto" r:id="rId4">
+            <p14:nvContentPartPr>
+              <p14:cNvPr id="6" name="インク 5">
+                <a:extLst>
+                  <a:ext uri="{FF2B5EF4-FFF2-40B4-BE49-F238E27FC236}">
+                    <a16:creationId xmlns:a16="http://schemas.microsoft.com/office/drawing/2014/main" id="{EA2E0A98-1F8F-4C65-85D5-9F0609D059A3}"/>
+                  </a:ext>
+                </a:extLst>
+              </p14:cNvPr>
+              <p14:cNvContentPartPr/>
+              <p14:nvPr/>
+            </p14:nvContentPartPr>
+            <p14:xfrm>
+              <a:off x="5623320" y="4616851"/>
+              <a:ext cx="472680" cy="360"/>
+            </p14:xfrm>
+          </p:contentPart>
+        </mc:Choice>
+        <mc:Fallback>
+          <p:pic>
+            <p:nvPicPr>
+              <p:cNvPr id="6" name="インク 5">
+                <a:extLst>
+                  <a:ext uri="{FF2B5EF4-FFF2-40B4-BE49-F238E27FC236}">
+                    <a16:creationId xmlns:a16="http://schemas.microsoft.com/office/drawing/2014/main" id="{EA2E0A98-1F8F-4C65-85D5-9F0609D059A3}"/>
+                  </a:ext>
+                </a:extLst>
+              </p:cNvPr>
+              <p:cNvPicPr/>
+              <p:nvPr/>
+            </p:nvPicPr>
+            <p:blipFill>
+              <a:blip r:embed="rId5"/>
+              <a:stretch>
+                <a:fillRect/>
+              </a:stretch>
+            </p:blipFill>
+            <p:spPr>
+              <a:xfrm>
+                <a:off x="5569320" y="4508851"/>
+                <a:ext cx="580320" cy="216000"/>
+              </a:xfrm>
+              <a:prstGeom prst="rect">
+                <a:avLst/>
+              </a:prstGeom>
+            </p:spPr>
+          </p:pic>
+        </mc:Fallback>
+      </mc:AlternateContent>
       <mc:AlternateContent xmlns:mc="http://schemas.openxmlformats.org/markup-compatibility/2006">
         <mc:Choice xmlns:p14="http://schemas.microsoft.com/office/powerpoint/2010/main" Requires="p14">
           <p:contentPart p14:bwMode="auto" r:id="rId6">
@@ -10225,7 +11277,7 @@
               <p14:nvPr/>
             </p14:nvContentPartPr>
             <p14:xfrm>
-              <a:off x="6777233" y="3143054"/>
+              <a:off x="6798748" y="4471624"/>
               <a:ext cx="735120" cy="360"/>
             </p14:xfrm>
           </p:contentPart>
@@ -10251,8 +11303,59 @@
             </p:blipFill>
             <p:spPr>
               <a:xfrm>
-                <a:off x="6723233" y="3035054"/>
+                <a:off x="6744748" y="4363624"/>
                 <a:ext cx="842760" cy="216000"/>
+              </a:xfrm>
+              <a:prstGeom prst="rect">
+                <a:avLst/>
+              </a:prstGeom>
+            </p:spPr>
+          </p:pic>
+        </mc:Fallback>
+      </mc:AlternateContent>
+      <mc:AlternateContent xmlns:mc="http://schemas.openxmlformats.org/markup-compatibility/2006">
+        <mc:Choice xmlns:p14="http://schemas.microsoft.com/office/powerpoint/2010/main" Requires="p14">
+          <p:contentPart p14:bwMode="auto" r:id="rId8">
+            <p14:nvContentPartPr>
+              <p14:cNvPr id="9" name="インク 8">
+                <a:extLst>
+                  <a:ext uri="{FF2B5EF4-FFF2-40B4-BE49-F238E27FC236}">
+                    <a16:creationId xmlns:a16="http://schemas.microsoft.com/office/drawing/2014/main" id="{F89B0D5E-5F50-4FB8-8C46-ABEE056F8E51}"/>
+                  </a:ext>
+                </a:extLst>
+              </p14:cNvPr>
+              <p14:cNvContentPartPr/>
+              <p14:nvPr/>
+            </p14:nvContentPartPr>
+            <p14:xfrm>
+              <a:off x="6562408" y="5226451"/>
+              <a:ext cx="472680" cy="360"/>
+            </p14:xfrm>
+          </p:contentPart>
+        </mc:Choice>
+        <mc:Fallback>
+          <p:pic>
+            <p:nvPicPr>
+              <p:cNvPr id="9" name="インク 8">
+                <a:extLst>
+                  <a:ext uri="{FF2B5EF4-FFF2-40B4-BE49-F238E27FC236}">
+                    <a16:creationId xmlns:a16="http://schemas.microsoft.com/office/drawing/2014/main" id="{F89B0D5E-5F50-4FB8-8C46-ABEE056F8E51}"/>
+                  </a:ext>
+                </a:extLst>
+              </p:cNvPr>
+              <p:cNvPicPr/>
+              <p:nvPr/>
+            </p:nvPicPr>
+            <p:blipFill>
+              <a:blip r:embed="rId5"/>
+              <a:stretch>
+                <a:fillRect/>
+              </a:stretch>
+            </p:blipFill>
+            <p:spPr>
+              <a:xfrm>
+                <a:off x="6508408" y="5118451"/>
+                <a:ext cx="580320" cy="216000"/>
               </a:xfrm>
               <a:prstGeom prst="rect">
                 <a:avLst/>
@@ -10264,7 +11367,1496 @@
     </p:spTree>
     <p:extLst>
       <p:ext uri="{BB962C8B-B14F-4D97-AF65-F5344CB8AC3E}">
-        <p14:creationId xmlns:p14="http://schemas.microsoft.com/office/powerpoint/2010/main" val="3468121904"/>
+        <p14:creationId xmlns:p14="http://schemas.microsoft.com/office/powerpoint/2010/main" val="2609952270"/>
+      </p:ext>
+    </p:extLst>
+  </p:cSld>
+  <p:clrMapOvr>
+    <a:masterClrMapping/>
+  </p:clrMapOvr>
+</p:sld>
+</file>
+
+<file path=ppt/slides/slide22.xml><?xml version="1.0" encoding="utf-8"?>
+<p:sld xmlns:a="http://schemas.openxmlformats.org/drawingml/2006/main" xmlns:r="http://schemas.openxmlformats.org/officeDocument/2006/relationships" xmlns:p="http://schemas.openxmlformats.org/presentationml/2006/main">
+  <p:cSld>
+    <p:bg>
+      <p:bgPr>
+        <a:solidFill>
+          <a:schemeClr val="bg1"/>
+        </a:solidFill>
+        <a:effectLst/>
+      </p:bgPr>
+    </p:bg>
+    <p:spTree>
+      <p:nvGrpSpPr>
+        <p:cNvPr id="1" name=""/>
+        <p:cNvGrpSpPr/>
+        <p:nvPr/>
+      </p:nvGrpSpPr>
+      <p:grpSpPr>
+        <a:xfrm>
+          <a:off x="0" y="0"/>
+          <a:ext cx="0" cy="0"/>
+          <a:chOff x="0" y="0"/>
+          <a:chExt cx="0" cy="0"/>
+        </a:xfrm>
+      </p:grpSpPr>
+      <p:sp>
+        <p:nvSpPr>
+          <p:cNvPr id="13" name="Down Arrow 7">
+            <a:extLst>
+              <a:ext uri="{FF2B5EF4-FFF2-40B4-BE49-F238E27FC236}">
+                <a16:creationId xmlns:a16="http://schemas.microsoft.com/office/drawing/2014/main" id="{73DE2CFE-42F2-48F0-8706-5264E012B10C}"/>
+              </a:ext>
+              <a:ext uri="{C183D7F6-B498-43B3-948B-1728B52AA6E4}">
+                <adec:decorative xmlns:adec="http://schemas.microsoft.com/office/drawing/2017/decorative" val="1"/>
+              </a:ext>
+            </a:extLst>
+          </p:cNvPr>
+          <p:cNvSpPr>
+            <a:spLocks noGrp="1" noRot="1" noChangeAspect="1" noMove="1" noResize="1" noEditPoints="1" noAdjustHandles="1" noChangeArrowheads="1" noChangeShapeType="1" noTextEdit="1"/>
+          </p:cNvSpPr>
+          <p:nvPr>
+            <p:extLst>
+              <p:ext uri="{386F3935-93C4-4BCD-93E2-E3B085C9AB24}">
+                <p16:designElem xmlns:p16="http://schemas.microsoft.com/office/powerpoint/2015/main" val="1"/>
+              </p:ext>
+            </p:extLst>
+          </p:nvPr>
+        </p:nvSpPr>
+        <p:spPr>
+          <a:xfrm rot="16200000">
+            <a:off x="1288521" y="381403"/>
+            <a:ext cx="2200313" cy="3342508"/>
+          </a:xfrm>
+          <a:prstGeom prst="downArrow">
+            <a:avLst>
+              <a:gd name="adj1" fmla="val 100000"/>
+              <a:gd name="adj2" fmla="val 15788"/>
+            </a:avLst>
+          </a:prstGeom>
+          <a:solidFill>
+            <a:srgbClr val="404040"/>
+          </a:solidFill>
+          <a:ln w="53975">
+            <a:noFill/>
+          </a:ln>
+        </p:spPr>
+        <p:style>
+          <a:lnRef idx="2">
+            <a:schemeClr val="accent1">
+              <a:shade val="50000"/>
+            </a:schemeClr>
+          </a:lnRef>
+          <a:fillRef idx="1">
+            <a:schemeClr val="accent1"/>
+          </a:fillRef>
+          <a:effectRef idx="0">
+            <a:schemeClr val="accent1"/>
+          </a:effectRef>
+          <a:fontRef idx="minor">
+            <a:schemeClr val="lt1"/>
+          </a:fontRef>
+        </p:style>
+        <p:txBody>
+          <a:bodyPr rtlCol="0" anchor="ctr"/>
+          <a:lstStyle/>
+          <a:p>
+            <a:pPr marL="0" marR="0" lvl="0" indent="0" algn="ctr" defTabSz="914400" rtl="0" eaLnBrk="1" fontAlgn="auto" latinLnBrk="0" hangingPunct="1">
+              <a:lnSpc>
+                <a:spcPct val="100000"/>
+              </a:lnSpc>
+              <a:spcBef>
+                <a:spcPts val="0"/>
+              </a:spcBef>
+              <a:spcAft>
+                <a:spcPts val="0"/>
+              </a:spcAft>
+              <a:buClrTx/>
+              <a:buSzTx/>
+              <a:buFontTx/>
+              <a:buNone/>
+              <a:tabLst/>
+              <a:defRPr/>
+            </a:pPr>
+            <a:endParaRPr kumimoji="0" lang="en-US" sz="1800" b="0" i="0" u="none" strike="noStrike" kern="1200" cap="none" spc="0" normalizeH="0" baseline="0" noProof="0">
+              <a:ln>
+                <a:noFill/>
+              </a:ln>
+              <a:solidFill>
+                <a:prstClr val="white"/>
+              </a:solidFill>
+              <a:effectLst/>
+              <a:uLnTx/>
+              <a:uFillTx/>
+              <a:latin typeface="Calibri" panose="020F0502020204030204"/>
+              <a:ea typeface="+mn-ea"/>
+              <a:cs typeface="+mn-cs"/>
+            </a:endParaRPr>
+          </a:p>
+        </p:txBody>
+      </p:sp>
+      <p:sp>
+        <p:nvSpPr>
+          <p:cNvPr id="2" name="タイトル 1">
+            <a:extLst>
+              <a:ext uri="{FF2B5EF4-FFF2-40B4-BE49-F238E27FC236}">
+                <a16:creationId xmlns:a16="http://schemas.microsoft.com/office/drawing/2014/main" id="{A7D5D82D-CF3A-481C-A431-BE9E236A1998}"/>
+              </a:ext>
+            </a:extLst>
+          </p:cNvPr>
+          <p:cNvSpPr>
+            <a:spLocks noGrp="1"/>
+          </p:cNvSpPr>
+          <p:nvPr>
+            <p:ph type="title"/>
+          </p:nvPr>
+        </p:nvSpPr>
+        <p:spPr>
+          <a:xfrm>
+            <a:off x="966952" y="1204108"/>
+            <a:ext cx="2669406" cy="1781175"/>
+          </a:xfrm>
+        </p:spPr>
+        <p:txBody>
+          <a:bodyPr>
+            <a:normAutofit/>
+          </a:bodyPr>
+          <a:lstStyle/>
+          <a:p>
+            <a:r>
+              <a:rPr kumimoji="1" lang="en-US" altLang="ja-JP" sz="3200" dirty="0" err="1">
+                <a:solidFill>
+                  <a:srgbClr val="FFFFFF"/>
+                </a:solidFill>
+              </a:rPr>
+              <a:t>Sourcetree</a:t>
+            </a:r>
+            <a:r>
+              <a:rPr kumimoji="1" lang="ja-JP" altLang="en-US" sz="3200" dirty="0">
+                <a:solidFill>
+                  <a:srgbClr val="FFFFFF"/>
+                </a:solidFill>
+              </a:rPr>
+              <a:t>の使い方</a:t>
+            </a:r>
+          </a:p>
+        </p:txBody>
+      </p:sp>
+      <p:sp>
+        <p:nvSpPr>
+          <p:cNvPr id="10" name="Content Placeholder 9">
+            <a:extLst>
+              <a:ext uri="{FF2B5EF4-FFF2-40B4-BE49-F238E27FC236}">
+                <a16:creationId xmlns:a16="http://schemas.microsoft.com/office/drawing/2014/main" id="{0A837A21-1852-40A6-A18A-F08488F334AF}"/>
+              </a:ext>
+            </a:extLst>
+          </p:cNvPr>
+          <p:cNvSpPr>
+            <a:spLocks noGrp="1"/>
+          </p:cNvSpPr>
+          <p:nvPr>
+            <p:ph idx="1"/>
+          </p:nvPr>
+        </p:nvSpPr>
+        <p:spPr>
+          <a:xfrm>
+            <a:off x="966950" y="3355130"/>
+            <a:ext cx="3092981" cy="2427333"/>
+          </a:xfrm>
+        </p:spPr>
+        <p:txBody>
+          <a:bodyPr>
+            <a:normAutofit/>
+          </a:bodyPr>
+          <a:lstStyle/>
+          <a:p>
+            <a:r>
+              <a:rPr lang="ja-JP" altLang="en-US" sz="1600" dirty="0"/>
+              <a:t>そうしたら、「</a:t>
+            </a:r>
+            <a:r>
+              <a:rPr lang="en-US" altLang="ja-JP" sz="1600" dirty="0"/>
+              <a:t>Index</a:t>
+            </a:r>
+            <a:r>
+              <a:rPr lang="ja-JP" altLang="en-US" sz="1600" dirty="0"/>
+              <a:t>にステージしたファイル」にファイルが移動していることを確認する。</a:t>
+            </a:r>
+            <a:endParaRPr lang="en-US" altLang="ja-JP" sz="1600" dirty="0"/>
+          </a:p>
+        </p:txBody>
+      </p:sp>
+      <p:pic>
+        <p:nvPicPr>
+          <p:cNvPr id="8" name="コンテンツ プレースホルダー 4">
+            <a:extLst>
+              <a:ext uri="{FF2B5EF4-FFF2-40B4-BE49-F238E27FC236}">
+                <a16:creationId xmlns:a16="http://schemas.microsoft.com/office/drawing/2014/main" id="{90FF0F12-B6E9-47AB-BCA8-A3C9632A32AA}"/>
+              </a:ext>
+            </a:extLst>
+          </p:cNvPr>
+          <p:cNvPicPr>
+            <a:picLocks noChangeAspect="1"/>
+          </p:cNvPicPr>
+          <p:nvPr/>
+        </p:nvPicPr>
+        <p:blipFill>
+          <a:blip r:embed="rId3">
+            <a:extLst>
+              <a:ext uri="{28A0092B-C50C-407E-A947-70E740481C1C}">
+                <a14:useLocalDpi xmlns:a14="http://schemas.microsoft.com/office/drawing/2010/main" val="0"/>
+              </a:ext>
+            </a:extLst>
+          </a:blip>
+          <a:stretch>
+            <a:fillRect/>
+          </a:stretch>
+        </p:blipFill>
+        <p:spPr>
+          <a:xfrm>
+            <a:off x="4378533" y="899311"/>
+            <a:ext cx="6760509" cy="4507006"/>
+          </a:xfrm>
+          <a:prstGeom prst="rect">
+            <a:avLst/>
+          </a:prstGeom>
+        </p:spPr>
+      </p:pic>
+      <mc:AlternateContent xmlns:mc="http://schemas.openxmlformats.org/markup-compatibility/2006">
+        <mc:Choice xmlns:p14="http://schemas.microsoft.com/office/powerpoint/2010/main" Requires="p14">
+          <p:contentPart p14:bwMode="auto" r:id="rId4">
+            <p14:nvContentPartPr>
+              <p14:cNvPr id="6" name="インク 5">
+                <a:extLst>
+                  <a:ext uri="{FF2B5EF4-FFF2-40B4-BE49-F238E27FC236}">
+                    <a16:creationId xmlns:a16="http://schemas.microsoft.com/office/drawing/2014/main" id="{EA2E0A98-1F8F-4C65-85D5-9F0609D059A3}"/>
+                  </a:ext>
+                </a:extLst>
+              </p14:cNvPr>
+              <p14:cNvContentPartPr/>
+              <p14:nvPr/>
+            </p14:nvContentPartPr>
+            <p14:xfrm>
+              <a:off x="5646628" y="3842300"/>
+              <a:ext cx="472680" cy="360"/>
+            </p14:xfrm>
+          </p:contentPart>
+        </mc:Choice>
+        <mc:Fallback>
+          <p:pic>
+            <p:nvPicPr>
+              <p:cNvPr id="6" name="インク 5">
+                <a:extLst>
+                  <a:ext uri="{FF2B5EF4-FFF2-40B4-BE49-F238E27FC236}">
+                    <a16:creationId xmlns:a16="http://schemas.microsoft.com/office/drawing/2014/main" id="{EA2E0A98-1F8F-4C65-85D5-9F0609D059A3}"/>
+                  </a:ext>
+                </a:extLst>
+              </p:cNvPr>
+              <p:cNvPicPr/>
+              <p:nvPr/>
+            </p:nvPicPr>
+            <p:blipFill>
+              <a:blip r:embed="rId5"/>
+              <a:stretch>
+                <a:fillRect/>
+              </a:stretch>
+            </p:blipFill>
+            <p:spPr>
+              <a:xfrm>
+                <a:off x="5592628" y="3734300"/>
+                <a:ext cx="580320" cy="216000"/>
+              </a:xfrm>
+              <a:prstGeom prst="rect">
+                <a:avLst/>
+              </a:prstGeom>
+            </p:spPr>
+          </p:pic>
+        </mc:Fallback>
+      </mc:AlternateContent>
+      <mc:AlternateContent xmlns:mc="http://schemas.openxmlformats.org/markup-compatibility/2006">
+        <mc:Choice xmlns:p14="http://schemas.microsoft.com/office/powerpoint/2010/main" Requires="p14">
+          <p:contentPart p14:bwMode="auto" r:id="rId6">
+            <p14:nvContentPartPr>
+              <p14:cNvPr id="7" name="インク 6">
+                <a:extLst>
+                  <a:ext uri="{FF2B5EF4-FFF2-40B4-BE49-F238E27FC236}">
+                    <a16:creationId xmlns:a16="http://schemas.microsoft.com/office/drawing/2014/main" id="{5BCE3A4D-C36F-4482-9743-2A81EE5C833D}"/>
+                  </a:ext>
+                </a:extLst>
+              </p14:cNvPr>
+              <p14:cNvContentPartPr/>
+              <p14:nvPr/>
+            </p14:nvContentPartPr>
+            <p14:xfrm>
+              <a:off x="5604649" y="3707831"/>
+              <a:ext cx="735120" cy="360"/>
+            </p14:xfrm>
+          </p:contentPart>
+        </mc:Choice>
+        <mc:Fallback>
+          <p:pic>
+            <p:nvPicPr>
+              <p:cNvPr id="7" name="インク 6">
+                <a:extLst>
+                  <a:ext uri="{FF2B5EF4-FFF2-40B4-BE49-F238E27FC236}">
+                    <a16:creationId xmlns:a16="http://schemas.microsoft.com/office/drawing/2014/main" id="{5BCE3A4D-C36F-4482-9743-2A81EE5C833D}"/>
+                  </a:ext>
+                </a:extLst>
+              </p:cNvPr>
+              <p:cNvPicPr/>
+              <p:nvPr/>
+            </p:nvPicPr>
+            <p:blipFill>
+              <a:blip r:embed="rId7"/>
+              <a:stretch>
+                <a:fillRect/>
+              </a:stretch>
+            </p:blipFill>
+            <p:spPr>
+              <a:xfrm>
+                <a:off x="5550649" y="3599831"/>
+                <a:ext cx="842760" cy="216000"/>
+              </a:xfrm>
+              <a:prstGeom prst="rect">
+                <a:avLst/>
+              </a:prstGeom>
+            </p:spPr>
+          </p:pic>
+        </mc:Fallback>
+      </mc:AlternateContent>
+      <mc:AlternateContent xmlns:mc="http://schemas.openxmlformats.org/markup-compatibility/2006">
+        <mc:Choice xmlns:p14="http://schemas.microsoft.com/office/powerpoint/2010/main" Requires="p14">
+          <p:contentPart p14:bwMode="auto" r:id="rId8">
+            <p14:nvContentPartPr>
+              <p14:cNvPr id="9" name="インク 8">
+                <a:extLst>
+                  <a:ext uri="{FF2B5EF4-FFF2-40B4-BE49-F238E27FC236}">
+                    <a16:creationId xmlns:a16="http://schemas.microsoft.com/office/drawing/2014/main" id="{F89B0D5E-5F50-4FB8-8C46-ABEE056F8E51}"/>
+                  </a:ext>
+                </a:extLst>
+              </p14:cNvPr>
+              <p14:cNvContentPartPr/>
+              <p14:nvPr/>
+            </p14:nvContentPartPr>
+            <p14:xfrm>
+              <a:off x="6562408" y="5226451"/>
+              <a:ext cx="472680" cy="360"/>
+            </p14:xfrm>
+          </p:contentPart>
+        </mc:Choice>
+        <mc:Fallback>
+          <p:pic>
+            <p:nvPicPr>
+              <p:cNvPr id="9" name="インク 8">
+                <a:extLst>
+                  <a:ext uri="{FF2B5EF4-FFF2-40B4-BE49-F238E27FC236}">
+                    <a16:creationId xmlns:a16="http://schemas.microsoft.com/office/drawing/2014/main" id="{F89B0D5E-5F50-4FB8-8C46-ABEE056F8E51}"/>
+                  </a:ext>
+                </a:extLst>
+              </p:cNvPr>
+              <p:cNvPicPr/>
+              <p:nvPr/>
+            </p:nvPicPr>
+            <p:blipFill>
+              <a:blip r:embed="rId5"/>
+              <a:stretch>
+                <a:fillRect/>
+              </a:stretch>
+            </p:blipFill>
+            <p:spPr>
+              <a:xfrm>
+                <a:off x="6508408" y="5118451"/>
+                <a:ext cx="580320" cy="216000"/>
+              </a:xfrm>
+              <a:prstGeom prst="rect">
+                <a:avLst/>
+              </a:prstGeom>
+            </p:spPr>
+          </p:pic>
+        </mc:Fallback>
+      </mc:AlternateContent>
+    </p:spTree>
+    <p:extLst>
+      <p:ext uri="{BB962C8B-B14F-4D97-AF65-F5344CB8AC3E}">
+        <p14:creationId xmlns:p14="http://schemas.microsoft.com/office/powerpoint/2010/main" val="2048084812"/>
+      </p:ext>
+    </p:extLst>
+  </p:cSld>
+  <p:clrMapOvr>
+    <a:masterClrMapping/>
+  </p:clrMapOvr>
+</p:sld>
+</file>
+
+<file path=ppt/slides/slide23.xml><?xml version="1.0" encoding="utf-8"?>
+<p:sld xmlns:a="http://schemas.openxmlformats.org/drawingml/2006/main" xmlns:r="http://schemas.openxmlformats.org/officeDocument/2006/relationships" xmlns:p="http://schemas.openxmlformats.org/presentationml/2006/main">
+  <p:cSld>
+    <p:bg>
+      <p:bgPr>
+        <a:solidFill>
+          <a:schemeClr val="bg1"/>
+        </a:solidFill>
+        <a:effectLst/>
+      </p:bgPr>
+    </p:bg>
+    <p:spTree>
+      <p:nvGrpSpPr>
+        <p:cNvPr id="1" name=""/>
+        <p:cNvGrpSpPr/>
+        <p:nvPr/>
+      </p:nvGrpSpPr>
+      <p:grpSpPr>
+        <a:xfrm>
+          <a:off x="0" y="0"/>
+          <a:ext cx="0" cy="0"/>
+          <a:chOff x="0" y="0"/>
+          <a:chExt cx="0" cy="0"/>
+        </a:xfrm>
+      </p:grpSpPr>
+      <p:sp>
+        <p:nvSpPr>
+          <p:cNvPr id="13" name="Down Arrow 7">
+            <a:extLst>
+              <a:ext uri="{FF2B5EF4-FFF2-40B4-BE49-F238E27FC236}">
+                <a16:creationId xmlns:a16="http://schemas.microsoft.com/office/drawing/2014/main" id="{73DE2CFE-42F2-48F0-8706-5264E012B10C}"/>
+              </a:ext>
+              <a:ext uri="{C183D7F6-B498-43B3-948B-1728B52AA6E4}">
+                <adec:decorative xmlns:adec="http://schemas.microsoft.com/office/drawing/2017/decorative" val="1"/>
+              </a:ext>
+            </a:extLst>
+          </p:cNvPr>
+          <p:cNvSpPr>
+            <a:spLocks noGrp="1" noRot="1" noChangeAspect="1" noMove="1" noResize="1" noEditPoints="1" noAdjustHandles="1" noChangeArrowheads="1" noChangeShapeType="1" noTextEdit="1"/>
+          </p:cNvSpPr>
+          <p:nvPr>
+            <p:extLst>
+              <p:ext uri="{386F3935-93C4-4BCD-93E2-E3B085C9AB24}">
+                <p16:designElem xmlns:p16="http://schemas.microsoft.com/office/powerpoint/2015/main" val="1"/>
+              </p:ext>
+            </p:extLst>
+          </p:nvPr>
+        </p:nvSpPr>
+        <p:spPr>
+          <a:xfrm rot="16200000">
+            <a:off x="1288521" y="381403"/>
+            <a:ext cx="2200313" cy="3342508"/>
+          </a:xfrm>
+          <a:prstGeom prst="downArrow">
+            <a:avLst>
+              <a:gd name="adj1" fmla="val 100000"/>
+              <a:gd name="adj2" fmla="val 15788"/>
+            </a:avLst>
+          </a:prstGeom>
+          <a:solidFill>
+            <a:srgbClr val="404040"/>
+          </a:solidFill>
+          <a:ln w="53975">
+            <a:noFill/>
+          </a:ln>
+        </p:spPr>
+        <p:style>
+          <a:lnRef idx="2">
+            <a:schemeClr val="accent1">
+              <a:shade val="50000"/>
+            </a:schemeClr>
+          </a:lnRef>
+          <a:fillRef idx="1">
+            <a:schemeClr val="accent1"/>
+          </a:fillRef>
+          <a:effectRef idx="0">
+            <a:schemeClr val="accent1"/>
+          </a:effectRef>
+          <a:fontRef idx="minor">
+            <a:schemeClr val="lt1"/>
+          </a:fontRef>
+        </p:style>
+        <p:txBody>
+          <a:bodyPr rtlCol="0" anchor="ctr"/>
+          <a:lstStyle/>
+          <a:p>
+            <a:pPr marL="0" marR="0" lvl="0" indent="0" algn="ctr" defTabSz="914400" rtl="0" eaLnBrk="1" fontAlgn="auto" latinLnBrk="0" hangingPunct="1">
+              <a:lnSpc>
+                <a:spcPct val="100000"/>
+              </a:lnSpc>
+              <a:spcBef>
+                <a:spcPts val="0"/>
+              </a:spcBef>
+              <a:spcAft>
+                <a:spcPts val="0"/>
+              </a:spcAft>
+              <a:buClrTx/>
+              <a:buSzTx/>
+              <a:buFontTx/>
+              <a:buNone/>
+              <a:tabLst/>
+              <a:defRPr/>
+            </a:pPr>
+            <a:endParaRPr kumimoji="0" lang="en-US" sz="1800" b="0" i="0" u="none" strike="noStrike" kern="1200" cap="none" spc="0" normalizeH="0" baseline="0" noProof="0">
+              <a:ln>
+                <a:noFill/>
+              </a:ln>
+              <a:solidFill>
+                <a:prstClr val="white"/>
+              </a:solidFill>
+              <a:effectLst/>
+              <a:uLnTx/>
+              <a:uFillTx/>
+              <a:latin typeface="Calibri" panose="020F0502020204030204"/>
+              <a:ea typeface="+mn-ea"/>
+              <a:cs typeface="+mn-cs"/>
+            </a:endParaRPr>
+          </a:p>
+        </p:txBody>
+      </p:sp>
+      <p:sp>
+        <p:nvSpPr>
+          <p:cNvPr id="2" name="タイトル 1">
+            <a:extLst>
+              <a:ext uri="{FF2B5EF4-FFF2-40B4-BE49-F238E27FC236}">
+                <a16:creationId xmlns:a16="http://schemas.microsoft.com/office/drawing/2014/main" id="{A7D5D82D-CF3A-481C-A431-BE9E236A1998}"/>
+              </a:ext>
+            </a:extLst>
+          </p:cNvPr>
+          <p:cNvSpPr>
+            <a:spLocks noGrp="1"/>
+          </p:cNvSpPr>
+          <p:nvPr>
+            <p:ph type="title"/>
+          </p:nvPr>
+        </p:nvSpPr>
+        <p:spPr>
+          <a:xfrm>
+            <a:off x="966952" y="1204108"/>
+            <a:ext cx="2669406" cy="1781175"/>
+          </a:xfrm>
+        </p:spPr>
+        <p:txBody>
+          <a:bodyPr>
+            <a:normAutofit/>
+          </a:bodyPr>
+          <a:lstStyle/>
+          <a:p>
+            <a:r>
+              <a:rPr kumimoji="1" lang="en-US" altLang="ja-JP" sz="3200" dirty="0" err="1">
+                <a:solidFill>
+                  <a:srgbClr val="FFFFFF"/>
+                </a:solidFill>
+              </a:rPr>
+              <a:t>Sourcetree</a:t>
+            </a:r>
+            <a:r>
+              <a:rPr kumimoji="1" lang="ja-JP" altLang="en-US" sz="3200" dirty="0">
+                <a:solidFill>
+                  <a:srgbClr val="FFFFFF"/>
+                </a:solidFill>
+              </a:rPr>
+              <a:t>の使い方</a:t>
+            </a:r>
+          </a:p>
+        </p:txBody>
+      </p:sp>
+      <p:sp>
+        <p:nvSpPr>
+          <p:cNvPr id="10" name="Content Placeholder 9">
+            <a:extLst>
+              <a:ext uri="{FF2B5EF4-FFF2-40B4-BE49-F238E27FC236}">
+                <a16:creationId xmlns:a16="http://schemas.microsoft.com/office/drawing/2014/main" id="{0A837A21-1852-40A6-A18A-F08488F334AF}"/>
+              </a:ext>
+            </a:extLst>
+          </p:cNvPr>
+          <p:cNvSpPr>
+            <a:spLocks noGrp="1"/>
+          </p:cNvSpPr>
+          <p:nvPr>
+            <p:ph idx="1"/>
+          </p:nvPr>
+        </p:nvSpPr>
+        <p:spPr>
+          <a:xfrm>
+            <a:off x="966950" y="3355130"/>
+            <a:ext cx="3092981" cy="2427333"/>
+          </a:xfrm>
+        </p:spPr>
+        <p:txBody>
+          <a:bodyPr>
+            <a:normAutofit/>
+          </a:bodyPr>
+          <a:lstStyle/>
+          <a:p>
+            <a:r>
+              <a:rPr lang="ja-JP" altLang="en-US" sz="1600" dirty="0"/>
+              <a:t>左上にある「コミット」を選択する。</a:t>
+            </a:r>
+            <a:endParaRPr lang="en-US" altLang="ja-JP" sz="1600" dirty="0"/>
+          </a:p>
+        </p:txBody>
+      </p:sp>
+      <p:pic>
+        <p:nvPicPr>
+          <p:cNvPr id="8" name="コンテンツ プレースホルダー 4">
+            <a:extLst>
+              <a:ext uri="{FF2B5EF4-FFF2-40B4-BE49-F238E27FC236}">
+                <a16:creationId xmlns:a16="http://schemas.microsoft.com/office/drawing/2014/main" id="{90FF0F12-B6E9-47AB-BCA8-A3C9632A32AA}"/>
+              </a:ext>
+            </a:extLst>
+          </p:cNvPr>
+          <p:cNvPicPr>
+            <a:picLocks noChangeAspect="1"/>
+          </p:cNvPicPr>
+          <p:nvPr/>
+        </p:nvPicPr>
+        <p:blipFill>
+          <a:blip r:embed="rId3">
+            <a:extLst>
+              <a:ext uri="{28A0092B-C50C-407E-A947-70E740481C1C}">
+                <a14:useLocalDpi xmlns:a14="http://schemas.microsoft.com/office/drawing/2010/main" val="0"/>
+              </a:ext>
+            </a:extLst>
+          </a:blip>
+          <a:stretch>
+            <a:fillRect/>
+          </a:stretch>
+        </p:blipFill>
+        <p:spPr>
+          <a:xfrm>
+            <a:off x="4378533" y="899311"/>
+            <a:ext cx="6760509" cy="4507006"/>
+          </a:xfrm>
+          <a:prstGeom prst="rect">
+            <a:avLst/>
+          </a:prstGeom>
+        </p:spPr>
+      </p:pic>
+      <mc:AlternateContent xmlns:mc="http://schemas.openxmlformats.org/markup-compatibility/2006">
+        <mc:Choice xmlns:p14="http://schemas.microsoft.com/office/powerpoint/2010/main" Requires="p14">
+          <p:contentPart p14:bwMode="auto" r:id="rId4">
+            <p14:nvContentPartPr>
+              <p14:cNvPr id="6" name="インク 5">
+                <a:extLst>
+                  <a:ext uri="{FF2B5EF4-FFF2-40B4-BE49-F238E27FC236}">
+                    <a16:creationId xmlns:a16="http://schemas.microsoft.com/office/drawing/2014/main" id="{EA2E0A98-1F8F-4C65-85D5-9F0609D059A3}"/>
+                  </a:ext>
+                </a:extLst>
+              </p14:cNvPr>
+              <p14:cNvContentPartPr/>
+              <p14:nvPr/>
+            </p14:nvContentPartPr>
+            <p14:xfrm>
+              <a:off x="4442823" y="1451683"/>
+              <a:ext cx="199102" cy="360"/>
+            </p14:xfrm>
+          </p:contentPart>
+        </mc:Choice>
+        <mc:Fallback>
+          <p:pic>
+            <p:nvPicPr>
+              <p:cNvPr id="6" name="インク 5">
+                <a:extLst>
+                  <a:ext uri="{FF2B5EF4-FFF2-40B4-BE49-F238E27FC236}">
+                    <a16:creationId xmlns:a16="http://schemas.microsoft.com/office/drawing/2014/main" id="{EA2E0A98-1F8F-4C65-85D5-9F0609D059A3}"/>
+                  </a:ext>
+                </a:extLst>
+              </p:cNvPr>
+              <p:cNvPicPr/>
+              <p:nvPr/>
+            </p:nvPicPr>
+            <p:blipFill>
+              <a:blip r:embed="rId5"/>
+              <a:stretch>
+                <a:fillRect/>
+              </a:stretch>
+            </p:blipFill>
+            <p:spPr>
+              <a:xfrm>
+                <a:off x="4388915" y="1343683"/>
+                <a:ext cx="306560" cy="216000"/>
+              </a:xfrm>
+              <a:prstGeom prst="rect">
+                <a:avLst/>
+              </a:prstGeom>
+            </p:spPr>
+          </p:pic>
+        </mc:Fallback>
+      </mc:AlternateContent>
+      <mc:AlternateContent xmlns:mc="http://schemas.openxmlformats.org/markup-compatibility/2006">
+        <mc:Choice xmlns:p14="http://schemas.microsoft.com/office/powerpoint/2010/main" Requires="p14">
+          <p:contentPart p14:bwMode="auto" r:id="rId6">
+            <p14:nvContentPartPr>
+              <p14:cNvPr id="7" name="インク 6">
+                <a:extLst>
+                  <a:ext uri="{FF2B5EF4-FFF2-40B4-BE49-F238E27FC236}">
+                    <a16:creationId xmlns:a16="http://schemas.microsoft.com/office/drawing/2014/main" id="{5BCE3A4D-C36F-4482-9743-2A81EE5C833D}"/>
+                  </a:ext>
+                </a:extLst>
+              </p14:cNvPr>
+              <p14:cNvContentPartPr/>
+              <p14:nvPr/>
+            </p14:nvContentPartPr>
+            <p14:xfrm>
+              <a:off x="4442823" y="1330391"/>
+              <a:ext cx="199102" cy="360"/>
+            </p14:xfrm>
+          </p:contentPart>
+        </mc:Choice>
+        <mc:Fallback>
+          <p:pic>
+            <p:nvPicPr>
+              <p:cNvPr id="7" name="インク 6">
+                <a:extLst>
+                  <a:ext uri="{FF2B5EF4-FFF2-40B4-BE49-F238E27FC236}">
+                    <a16:creationId xmlns:a16="http://schemas.microsoft.com/office/drawing/2014/main" id="{5BCE3A4D-C36F-4482-9743-2A81EE5C833D}"/>
+                  </a:ext>
+                </a:extLst>
+              </p:cNvPr>
+              <p:cNvPicPr/>
+              <p:nvPr/>
+            </p:nvPicPr>
+            <p:blipFill>
+              <a:blip r:embed="rId7"/>
+              <a:stretch>
+                <a:fillRect/>
+              </a:stretch>
+            </p:blipFill>
+            <p:spPr>
+              <a:xfrm>
+                <a:off x="4388915" y="1222391"/>
+                <a:ext cx="306560" cy="216000"/>
+              </a:xfrm>
+              <a:prstGeom prst="rect">
+                <a:avLst/>
+              </a:prstGeom>
+            </p:spPr>
+          </p:pic>
+        </mc:Fallback>
+      </mc:AlternateContent>
+    </p:spTree>
+    <p:extLst>
+      <p:ext uri="{BB962C8B-B14F-4D97-AF65-F5344CB8AC3E}">
+        <p14:creationId xmlns:p14="http://schemas.microsoft.com/office/powerpoint/2010/main" val="689896452"/>
+      </p:ext>
+    </p:extLst>
+  </p:cSld>
+  <p:clrMapOvr>
+    <a:masterClrMapping/>
+  </p:clrMapOvr>
+</p:sld>
+</file>
+
+<file path=ppt/slides/slide24.xml><?xml version="1.0" encoding="utf-8"?>
+<p:sld xmlns:a="http://schemas.openxmlformats.org/drawingml/2006/main" xmlns:r="http://schemas.openxmlformats.org/officeDocument/2006/relationships" xmlns:p="http://schemas.openxmlformats.org/presentationml/2006/main">
+  <p:cSld>
+    <p:bg>
+      <p:bgPr>
+        <a:solidFill>
+          <a:schemeClr val="bg1"/>
+        </a:solidFill>
+        <a:effectLst/>
+      </p:bgPr>
+    </p:bg>
+    <p:spTree>
+      <p:nvGrpSpPr>
+        <p:cNvPr id="1" name=""/>
+        <p:cNvGrpSpPr/>
+        <p:nvPr/>
+      </p:nvGrpSpPr>
+      <p:grpSpPr>
+        <a:xfrm>
+          <a:off x="0" y="0"/>
+          <a:ext cx="0" cy="0"/>
+          <a:chOff x="0" y="0"/>
+          <a:chExt cx="0" cy="0"/>
+        </a:xfrm>
+      </p:grpSpPr>
+      <p:sp>
+        <p:nvSpPr>
+          <p:cNvPr id="13" name="Down Arrow 7">
+            <a:extLst>
+              <a:ext uri="{FF2B5EF4-FFF2-40B4-BE49-F238E27FC236}">
+                <a16:creationId xmlns:a16="http://schemas.microsoft.com/office/drawing/2014/main" id="{73DE2CFE-42F2-48F0-8706-5264E012B10C}"/>
+              </a:ext>
+              <a:ext uri="{C183D7F6-B498-43B3-948B-1728B52AA6E4}">
+                <adec:decorative xmlns:adec="http://schemas.microsoft.com/office/drawing/2017/decorative" val="1"/>
+              </a:ext>
+            </a:extLst>
+          </p:cNvPr>
+          <p:cNvSpPr>
+            <a:spLocks noGrp="1" noRot="1" noChangeAspect="1" noMove="1" noResize="1" noEditPoints="1" noAdjustHandles="1" noChangeArrowheads="1" noChangeShapeType="1" noTextEdit="1"/>
+          </p:cNvSpPr>
+          <p:nvPr>
+            <p:extLst>
+              <p:ext uri="{386F3935-93C4-4BCD-93E2-E3B085C9AB24}">
+                <p16:designElem xmlns:p16="http://schemas.microsoft.com/office/powerpoint/2015/main" val="1"/>
+              </p:ext>
+            </p:extLst>
+          </p:nvPr>
+        </p:nvSpPr>
+        <p:spPr>
+          <a:xfrm rot="16200000">
+            <a:off x="1288521" y="381403"/>
+            <a:ext cx="2200313" cy="3342508"/>
+          </a:xfrm>
+          <a:prstGeom prst="downArrow">
+            <a:avLst>
+              <a:gd name="adj1" fmla="val 100000"/>
+              <a:gd name="adj2" fmla="val 15788"/>
+            </a:avLst>
+          </a:prstGeom>
+          <a:solidFill>
+            <a:srgbClr val="404040"/>
+          </a:solidFill>
+          <a:ln w="53975">
+            <a:noFill/>
+          </a:ln>
+        </p:spPr>
+        <p:style>
+          <a:lnRef idx="2">
+            <a:schemeClr val="accent1">
+              <a:shade val="50000"/>
+            </a:schemeClr>
+          </a:lnRef>
+          <a:fillRef idx="1">
+            <a:schemeClr val="accent1"/>
+          </a:fillRef>
+          <a:effectRef idx="0">
+            <a:schemeClr val="accent1"/>
+          </a:effectRef>
+          <a:fontRef idx="minor">
+            <a:schemeClr val="lt1"/>
+          </a:fontRef>
+        </p:style>
+        <p:txBody>
+          <a:bodyPr rtlCol="0" anchor="ctr"/>
+          <a:lstStyle/>
+          <a:p>
+            <a:pPr marL="0" marR="0" lvl="0" indent="0" algn="ctr" defTabSz="914400" rtl="0" eaLnBrk="1" fontAlgn="auto" latinLnBrk="0" hangingPunct="1">
+              <a:lnSpc>
+                <a:spcPct val="100000"/>
+              </a:lnSpc>
+              <a:spcBef>
+                <a:spcPts val="0"/>
+              </a:spcBef>
+              <a:spcAft>
+                <a:spcPts val="0"/>
+              </a:spcAft>
+              <a:buClrTx/>
+              <a:buSzTx/>
+              <a:buFontTx/>
+              <a:buNone/>
+              <a:tabLst/>
+              <a:defRPr/>
+            </a:pPr>
+            <a:endParaRPr kumimoji="0" lang="en-US" sz="1800" b="0" i="0" u="none" strike="noStrike" kern="1200" cap="none" spc="0" normalizeH="0" baseline="0" noProof="0">
+              <a:ln>
+                <a:noFill/>
+              </a:ln>
+              <a:solidFill>
+                <a:prstClr val="white"/>
+              </a:solidFill>
+              <a:effectLst/>
+              <a:uLnTx/>
+              <a:uFillTx/>
+              <a:latin typeface="Calibri" panose="020F0502020204030204"/>
+              <a:ea typeface="+mn-ea"/>
+              <a:cs typeface="+mn-cs"/>
+            </a:endParaRPr>
+          </a:p>
+        </p:txBody>
+      </p:sp>
+      <p:sp>
+        <p:nvSpPr>
+          <p:cNvPr id="2" name="タイトル 1">
+            <a:extLst>
+              <a:ext uri="{FF2B5EF4-FFF2-40B4-BE49-F238E27FC236}">
+                <a16:creationId xmlns:a16="http://schemas.microsoft.com/office/drawing/2014/main" id="{A7D5D82D-CF3A-481C-A431-BE9E236A1998}"/>
+              </a:ext>
+            </a:extLst>
+          </p:cNvPr>
+          <p:cNvSpPr>
+            <a:spLocks noGrp="1"/>
+          </p:cNvSpPr>
+          <p:nvPr>
+            <p:ph type="title"/>
+          </p:nvPr>
+        </p:nvSpPr>
+        <p:spPr>
+          <a:xfrm>
+            <a:off x="966952" y="1204108"/>
+            <a:ext cx="2669406" cy="1781175"/>
+          </a:xfrm>
+        </p:spPr>
+        <p:txBody>
+          <a:bodyPr>
+            <a:normAutofit/>
+          </a:bodyPr>
+          <a:lstStyle/>
+          <a:p>
+            <a:r>
+              <a:rPr kumimoji="1" lang="en-US" altLang="ja-JP" sz="3200" dirty="0" err="1">
+                <a:solidFill>
+                  <a:srgbClr val="FFFFFF"/>
+                </a:solidFill>
+              </a:rPr>
+              <a:t>Sourcetree</a:t>
+            </a:r>
+            <a:r>
+              <a:rPr kumimoji="1" lang="ja-JP" altLang="en-US" sz="3200" dirty="0">
+                <a:solidFill>
+                  <a:srgbClr val="FFFFFF"/>
+                </a:solidFill>
+              </a:rPr>
+              <a:t>の使い方</a:t>
+            </a:r>
+          </a:p>
+        </p:txBody>
+      </p:sp>
+      <p:sp>
+        <p:nvSpPr>
+          <p:cNvPr id="10" name="Content Placeholder 9">
+            <a:extLst>
+              <a:ext uri="{FF2B5EF4-FFF2-40B4-BE49-F238E27FC236}">
+                <a16:creationId xmlns:a16="http://schemas.microsoft.com/office/drawing/2014/main" id="{0A837A21-1852-40A6-A18A-F08488F334AF}"/>
+              </a:ext>
+            </a:extLst>
+          </p:cNvPr>
+          <p:cNvSpPr>
+            <a:spLocks noGrp="1"/>
+          </p:cNvSpPr>
+          <p:nvPr>
+            <p:ph idx="1"/>
+          </p:nvPr>
+        </p:nvSpPr>
+        <p:spPr>
+          <a:xfrm>
+            <a:off x="966950" y="3355130"/>
+            <a:ext cx="3092981" cy="2427333"/>
+          </a:xfrm>
+        </p:spPr>
+        <p:txBody>
+          <a:bodyPr>
+            <a:normAutofit/>
+          </a:bodyPr>
+          <a:lstStyle/>
+          <a:p>
+            <a:r>
+              <a:rPr lang="ja-JP" altLang="en-US" sz="1600" dirty="0"/>
+              <a:t>作成したファイルを確定させる。</a:t>
+            </a:r>
+            <a:endParaRPr lang="en-US" altLang="ja-JP" sz="1600" dirty="0"/>
+          </a:p>
+          <a:p>
+            <a:r>
+              <a:rPr lang="ja-JP" altLang="en-US" sz="1600" dirty="0"/>
+              <a:t>下のコメント欄に理由を書き右下の「コミット」を選択する。</a:t>
+            </a:r>
+            <a:endParaRPr lang="en-US" altLang="ja-JP" sz="1600" dirty="0"/>
+          </a:p>
+        </p:txBody>
+      </p:sp>
+      <p:pic>
+        <p:nvPicPr>
+          <p:cNvPr id="8" name="コンテンツ プレースホルダー 4">
+            <a:extLst>
+              <a:ext uri="{FF2B5EF4-FFF2-40B4-BE49-F238E27FC236}">
+                <a16:creationId xmlns:a16="http://schemas.microsoft.com/office/drawing/2014/main" id="{90FF0F12-B6E9-47AB-BCA8-A3C9632A32AA}"/>
+              </a:ext>
+            </a:extLst>
+          </p:cNvPr>
+          <p:cNvPicPr>
+            <a:picLocks noChangeAspect="1"/>
+          </p:cNvPicPr>
+          <p:nvPr/>
+        </p:nvPicPr>
+        <p:blipFill>
+          <a:blip r:embed="rId3">
+            <a:extLst>
+              <a:ext uri="{28A0092B-C50C-407E-A947-70E740481C1C}">
+                <a14:useLocalDpi xmlns:a14="http://schemas.microsoft.com/office/drawing/2010/main" val="0"/>
+              </a:ext>
+            </a:extLst>
+          </a:blip>
+          <a:stretch>
+            <a:fillRect/>
+          </a:stretch>
+        </p:blipFill>
+        <p:spPr>
+          <a:xfrm>
+            <a:off x="4378533" y="899311"/>
+            <a:ext cx="6760509" cy="4507006"/>
+          </a:xfrm>
+          <a:prstGeom prst="rect">
+            <a:avLst/>
+          </a:prstGeom>
+        </p:spPr>
+      </p:pic>
+      <mc:AlternateContent xmlns:mc="http://schemas.openxmlformats.org/markup-compatibility/2006">
+        <mc:Choice xmlns:p14="http://schemas.microsoft.com/office/powerpoint/2010/main" Requires="p14">
+          <p:contentPart p14:bwMode="auto" r:id="rId4">
+            <p14:nvContentPartPr>
+              <p14:cNvPr id="6" name="インク 5">
+                <a:extLst>
+                  <a:ext uri="{FF2B5EF4-FFF2-40B4-BE49-F238E27FC236}">
+                    <a16:creationId xmlns:a16="http://schemas.microsoft.com/office/drawing/2014/main" id="{EA2E0A98-1F8F-4C65-85D5-9F0609D059A3}"/>
+                  </a:ext>
+                </a:extLst>
+              </p14:cNvPr>
+              <p14:cNvContentPartPr/>
+              <p14:nvPr/>
+            </p14:nvContentPartPr>
+            <p14:xfrm>
+              <a:off x="5781296" y="4732766"/>
+              <a:ext cx="629407" cy="360"/>
+            </p14:xfrm>
+          </p:contentPart>
+        </mc:Choice>
+        <mc:Fallback>
+          <p:pic>
+            <p:nvPicPr>
+              <p:cNvPr id="6" name="インク 5">
+                <a:extLst>
+                  <a:ext uri="{FF2B5EF4-FFF2-40B4-BE49-F238E27FC236}">
+                    <a16:creationId xmlns:a16="http://schemas.microsoft.com/office/drawing/2014/main" id="{EA2E0A98-1F8F-4C65-85D5-9F0609D059A3}"/>
+                  </a:ext>
+                </a:extLst>
+              </p:cNvPr>
+              <p:cNvPicPr/>
+              <p:nvPr/>
+            </p:nvPicPr>
+            <p:blipFill>
+              <a:blip r:embed="rId5"/>
+              <a:stretch>
+                <a:fillRect/>
+              </a:stretch>
+            </p:blipFill>
+            <p:spPr>
+              <a:xfrm>
+                <a:off x="5727285" y="4624766"/>
+                <a:ext cx="737069" cy="216000"/>
+              </a:xfrm>
+              <a:prstGeom prst="rect">
+                <a:avLst/>
+              </a:prstGeom>
+            </p:spPr>
+          </p:pic>
+        </mc:Fallback>
+      </mc:AlternateContent>
+      <mc:AlternateContent xmlns:mc="http://schemas.openxmlformats.org/markup-compatibility/2006">
+        <mc:Choice xmlns:p14="http://schemas.microsoft.com/office/powerpoint/2010/main" Requires="p14">
+          <p:contentPart p14:bwMode="auto" r:id="rId6">
+            <p14:nvContentPartPr>
+              <p14:cNvPr id="7" name="インク 6">
+                <a:extLst>
+                  <a:ext uri="{FF2B5EF4-FFF2-40B4-BE49-F238E27FC236}">
+                    <a16:creationId xmlns:a16="http://schemas.microsoft.com/office/drawing/2014/main" id="{5BCE3A4D-C36F-4482-9743-2A81EE5C833D}"/>
+                  </a:ext>
+                </a:extLst>
+              </p14:cNvPr>
+              <p14:cNvContentPartPr/>
+              <p14:nvPr/>
+            </p14:nvContentPartPr>
+            <p14:xfrm>
+              <a:off x="10590904" y="5047158"/>
+              <a:ext cx="451821" cy="360"/>
+            </p14:xfrm>
+          </p:contentPart>
+        </mc:Choice>
+        <mc:Fallback>
+          <p:pic>
+            <p:nvPicPr>
+              <p:cNvPr id="7" name="インク 6">
+                <a:extLst>
+                  <a:ext uri="{FF2B5EF4-FFF2-40B4-BE49-F238E27FC236}">
+                    <a16:creationId xmlns:a16="http://schemas.microsoft.com/office/drawing/2014/main" id="{5BCE3A4D-C36F-4482-9743-2A81EE5C833D}"/>
+                  </a:ext>
+                </a:extLst>
+              </p:cNvPr>
+              <p:cNvPicPr/>
+              <p:nvPr/>
+            </p:nvPicPr>
+            <p:blipFill>
+              <a:blip r:embed="rId7"/>
+              <a:stretch>
+                <a:fillRect/>
+              </a:stretch>
+            </p:blipFill>
+            <p:spPr>
+              <a:xfrm>
+                <a:off x="10536901" y="4939158"/>
+                <a:ext cx="559466" cy="216000"/>
+              </a:xfrm>
+              <a:prstGeom prst="rect">
+                <a:avLst/>
+              </a:prstGeom>
+            </p:spPr>
+          </p:pic>
+        </mc:Fallback>
+      </mc:AlternateContent>
+    </p:spTree>
+    <p:extLst>
+      <p:ext uri="{BB962C8B-B14F-4D97-AF65-F5344CB8AC3E}">
+        <p14:creationId xmlns:p14="http://schemas.microsoft.com/office/powerpoint/2010/main" val="827379122"/>
+      </p:ext>
+    </p:extLst>
+  </p:cSld>
+  <p:clrMapOvr>
+    <a:masterClrMapping/>
+  </p:clrMapOvr>
+</p:sld>
+</file>
+
+<file path=ppt/slides/slide25.xml><?xml version="1.0" encoding="utf-8"?>
+<p:sld xmlns:a="http://schemas.openxmlformats.org/drawingml/2006/main" xmlns:r="http://schemas.openxmlformats.org/officeDocument/2006/relationships" xmlns:p="http://schemas.openxmlformats.org/presentationml/2006/main">
+  <p:cSld>
+    <p:bg>
+      <p:bgPr>
+        <a:solidFill>
+          <a:schemeClr val="bg1"/>
+        </a:solidFill>
+        <a:effectLst/>
+      </p:bgPr>
+    </p:bg>
+    <p:spTree>
+      <p:nvGrpSpPr>
+        <p:cNvPr id="1" name=""/>
+        <p:cNvGrpSpPr/>
+        <p:nvPr/>
+      </p:nvGrpSpPr>
+      <p:grpSpPr>
+        <a:xfrm>
+          <a:off x="0" y="0"/>
+          <a:ext cx="0" cy="0"/>
+          <a:chOff x="0" y="0"/>
+          <a:chExt cx="0" cy="0"/>
+        </a:xfrm>
+      </p:grpSpPr>
+      <p:sp>
+        <p:nvSpPr>
+          <p:cNvPr id="13" name="Down Arrow 7">
+            <a:extLst>
+              <a:ext uri="{FF2B5EF4-FFF2-40B4-BE49-F238E27FC236}">
+                <a16:creationId xmlns:a16="http://schemas.microsoft.com/office/drawing/2014/main" id="{73DE2CFE-42F2-48F0-8706-5264E012B10C}"/>
+              </a:ext>
+              <a:ext uri="{C183D7F6-B498-43B3-948B-1728B52AA6E4}">
+                <adec:decorative xmlns:adec="http://schemas.microsoft.com/office/drawing/2017/decorative" val="1"/>
+              </a:ext>
+            </a:extLst>
+          </p:cNvPr>
+          <p:cNvSpPr>
+            <a:spLocks noGrp="1" noRot="1" noChangeAspect="1" noMove="1" noResize="1" noEditPoints="1" noAdjustHandles="1" noChangeArrowheads="1" noChangeShapeType="1" noTextEdit="1"/>
+          </p:cNvSpPr>
+          <p:nvPr>
+            <p:extLst>
+              <p:ext uri="{386F3935-93C4-4BCD-93E2-E3B085C9AB24}">
+                <p16:designElem xmlns:p16="http://schemas.microsoft.com/office/powerpoint/2015/main" val="1"/>
+              </p:ext>
+            </p:extLst>
+          </p:nvPr>
+        </p:nvSpPr>
+        <p:spPr>
+          <a:xfrm rot="16200000">
+            <a:off x="1288521" y="381403"/>
+            <a:ext cx="2200313" cy="3342508"/>
+          </a:xfrm>
+          <a:prstGeom prst="downArrow">
+            <a:avLst>
+              <a:gd name="adj1" fmla="val 100000"/>
+              <a:gd name="adj2" fmla="val 15788"/>
+            </a:avLst>
+          </a:prstGeom>
+          <a:solidFill>
+            <a:srgbClr val="404040"/>
+          </a:solidFill>
+          <a:ln w="53975">
+            <a:noFill/>
+          </a:ln>
+        </p:spPr>
+        <p:style>
+          <a:lnRef idx="2">
+            <a:schemeClr val="accent1">
+              <a:shade val="50000"/>
+            </a:schemeClr>
+          </a:lnRef>
+          <a:fillRef idx="1">
+            <a:schemeClr val="accent1"/>
+          </a:fillRef>
+          <a:effectRef idx="0">
+            <a:schemeClr val="accent1"/>
+          </a:effectRef>
+          <a:fontRef idx="minor">
+            <a:schemeClr val="lt1"/>
+          </a:fontRef>
+        </p:style>
+        <p:txBody>
+          <a:bodyPr rtlCol="0" anchor="ctr"/>
+          <a:lstStyle/>
+          <a:p>
+            <a:pPr marL="0" marR="0" lvl="0" indent="0" algn="ctr" defTabSz="914400" rtl="0" eaLnBrk="1" fontAlgn="auto" latinLnBrk="0" hangingPunct="1">
+              <a:lnSpc>
+                <a:spcPct val="100000"/>
+              </a:lnSpc>
+              <a:spcBef>
+                <a:spcPts val="0"/>
+              </a:spcBef>
+              <a:spcAft>
+                <a:spcPts val="0"/>
+              </a:spcAft>
+              <a:buClrTx/>
+              <a:buSzTx/>
+              <a:buFontTx/>
+              <a:buNone/>
+              <a:tabLst/>
+              <a:defRPr/>
+            </a:pPr>
+            <a:endParaRPr kumimoji="0" lang="en-US" sz="1800" b="0" i="0" u="none" strike="noStrike" kern="1200" cap="none" spc="0" normalizeH="0" baseline="0" noProof="0">
+              <a:ln>
+                <a:noFill/>
+              </a:ln>
+              <a:solidFill>
+                <a:prstClr val="white"/>
+              </a:solidFill>
+              <a:effectLst/>
+              <a:uLnTx/>
+              <a:uFillTx/>
+              <a:latin typeface="Calibri" panose="020F0502020204030204"/>
+              <a:ea typeface="+mn-ea"/>
+              <a:cs typeface="+mn-cs"/>
+            </a:endParaRPr>
+          </a:p>
+        </p:txBody>
+      </p:sp>
+      <p:sp>
+        <p:nvSpPr>
+          <p:cNvPr id="2" name="タイトル 1">
+            <a:extLst>
+              <a:ext uri="{FF2B5EF4-FFF2-40B4-BE49-F238E27FC236}">
+                <a16:creationId xmlns:a16="http://schemas.microsoft.com/office/drawing/2014/main" id="{A7D5D82D-CF3A-481C-A431-BE9E236A1998}"/>
+              </a:ext>
+            </a:extLst>
+          </p:cNvPr>
+          <p:cNvSpPr>
+            <a:spLocks noGrp="1"/>
+          </p:cNvSpPr>
+          <p:nvPr>
+            <p:ph type="title"/>
+          </p:nvPr>
+        </p:nvSpPr>
+        <p:spPr>
+          <a:xfrm>
+            <a:off x="966952" y="1204108"/>
+            <a:ext cx="2669406" cy="1781175"/>
+          </a:xfrm>
+        </p:spPr>
+        <p:txBody>
+          <a:bodyPr>
+            <a:normAutofit/>
+          </a:bodyPr>
+          <a:lstStyle/>
+          <a:p>
+            <a:r>
+              <a:rPr kumimoji="1" lang="en-US" altLang="ja-JP" sz="3200" dirty="0" err="1">
+                <a:solidFill>
+                  <a:srgbClr val="FFFFFF"/>
+                </a:solidFill>
+              </a:rPr>
+              <a:t>Sourcetree</a:t>
+            </a:r>
+            <a:r>
+              <a:rPr kumimoji="1" lang="ja-JP" altLang="en-US" sz="3200" dirty="0">
+                <a:solidFill>
+                  <a:srgbClr val="FFFFFF"/>
+                </a:solidFill>
+              </a:rPr>
+              <a:t>の使い方</a:t>
+            </a:r>
+          </a:p>
+        </p:txBody>
+      </p:sp>
+      <p:sp>
+        <p:nvSpPr>
+          <p:cNvPr id="10" name="Content Placeholder 9">
+            <a:extLst>
+              <a:ext uri="{FF2B5EF4-FFF2-40B4-BE49-F238E27FC236}">
+                <a16:creationId xmlns:a16="http://schemas.microsoft.com/office/drawing/2014/main" id="{0A837A21-1852-40A6-A18A-F08488F334AF}"/>
+              </a:ext>
+            </a:extLst>
+          </p:cNvPr>
+          <p:cNvSpPr>
+            <a:spLocks noGrp="1"/>
+          </p:cNvSpPr>
+          <p:nvPr>
+            <p:ph idx="1"/>
+          </p:nvPr>
+        </p:nvSpPr>
+        <p:spPr>
+          <a:xfrm>
+            <a:off x="966950" y="3355130"/>
+            <a:ext cx="3092981" cy="2427333"/>
+          </a:xfrm>
+        </p:spPr>
+        <p:txBody>
+          <a:bodyPr>
+            <a:normAutofit/>
+          </a:bodyPr>
+          <a:lstStyle/>
+          <a:p>
+            <a:r>
+              <a:rPr lang="ja-JP" altLang="en-US" sz="1600" dirty="0"/>
+              <a:t>作成したファイルを確定させる。</a:t>
+            </a:r>
+            <a:endParaRPr lang="en-US" altLang="ja-JP" sz="1600" dirty="0"/>
+          </a:p>
+          <a:p>
+            <a:r>
+              <a:rPr lang="ja-JP" altLang="en-US" sz="1600" dirty="0"/>
+              <a:t>下のコメント欄に理由を書き右下の「コミット」を選択する。</a:t>
+            </a:r>
+            <a:endParaRPr lang="en-US" altLang="ja-JP" sz="1600" dirty="0"/>
+          </a:p>
+        </p:txBody>
+      </p:sp>
+      <p:pic>
+        <p:nvPicPr>
+          <p:cNvPr id="8" name="コンテンツ プレースホルダー 4">
+            <a:extLst>
+              <a:ext uri="{FF2B5EF4-FFF2-40B4-BE49-F238E27FC236}">
+                <a16:creationId xmlns:a16="http://schemas.microsoft.com/office/drawing/2014/main" id="{90FF0F12-B6E9-47AB-BCA8-A3C9632A32AA}"/>
+              </a:ext>
+            </a:extLst>
+          </p:cNvPr>
+          <p:cNvPicPr>
+            <a:picLocks noChangeAspect="1"/>
+          </p:cNvPicPr>
+          <p:nvPr/>
+        </p:nvPicPr>
+        <p:blipFill>
+          <a:blip r:embed="rId3">
+            <a:extLst>
+              <a:ext uri="{28A0092B-C50C-407E-A947-70E740481C1C}">
+                <a14:useLocalDpi xmlns:a14="http://schemas.microsoft.com/office/drawing/2010/main" val="0"/>
+              </a:ext>
+            </a:extLst>
+          </a:blip>
+          <a:stretch>
+            <a:fillRect/>
+          </a:stretch>
+        </p:blipFill>
+        <p:spPr>
+          <a:xfrm>
+            <a:off x="4378533" y="899311"/>
+            <a:ext cx="6760509" cy="4507006"/>
+          </a:xfrm>
+          <a:prstGeom prst="rect">
+            <a:avLst/>
+          </a:prstGeom>
+        </p:spPr>
+      </p:pic>
+      <mc:AlternateContent xmlns:mc="http://schemas.openxmlformats.org/markup-compatibility/2006">
+        <mc:Choice xmlns:p14="http://schemas.microsoft.com/office/powerpoint/2010/main" Requires="p14">
+          <p:contentPart p14:bwMode="auto" r:id="rId4">
+            <p14:nvContentPartPr>
+              <p14:cNvPr id="6" name="インク 5">
+                <a:extLst>
+                  <a:ext uri="{FF2B5EF4-FFF2-40B4-BE49-F238E27FC236}">
+                    <a16:creationId xmlns:a16="http://schemas.microsoft.com/office/drawing/2014/main" id="{EA2E0A98-1F8F-4C65-85D5-9F0609D059A3}"/>
+                  </a:ext>
+                </a:extLst>
+              </p14:cNvPr>
+              <p14:cNvContentPartPr/>
+              <p14:nvPr/>
+            </p14:nvContentPartPr>
+            <p14:xfrm>
+              <a:off x="5457628" y="1898126"/>
+              <a:ext cx="2454621" cy="360"/>
+            </p14:xfrm>
+          </p:contentPart>
+        </mc:Choice>
+        <mc:Fallback>
+          <p:pic>
+            <p:nvPicPr>
+              <p:cNvPr id="6" name="インク 5">
+                <a:extLst>
+                  <a:ext uri="{FF2B5EF4-FFF2-40B4-BE49-F238E27FC236}">
+                    <a16:creationId xmlns:a16="http://schemas.microsoft.com/office/drawing/2014/main" id="{EA2E0A98-1F8F-4C65-85D5-9F0609D059A3}"/>
+                  </a:ext>
+                </a:extLst>
+              </p:cNvPr>
+              <p:cNvPicPr/>
+              <p:nvPr/>
+            </p:nvPicPr>
+            <p:blipFill>
+              <a:blip r:embed="rId5"/>
+              <a:stretch>
+                <a:fillRect/>
+              </a:stretch>
+            </p:blipFill>
+            <p:spPr>
+              <a:xfrm>
+                <a:off x="5403593" y="1790126"/>
+                <a:ext cx="2562330" cy="216000"/>
+              </a:xfrm>
+              <a:prstGeom prst="rect">
+                <a:avLst/>
+              </a:prstGeom>
+            </p:spPr>
+          </p:pic>
+        </mc:Fallback>
+      </mc:AlternateContent>
+      <mc:AlternateContent xmlns:mc="http://schemas.openxmlformats.org/markup-compatibility/2006">
+        <mc:Choice xmlns:p14="http://schemas.microsoft.com/office/powerpoint/2010/main" Requires="p14">
+          <p:contentPart p14:bwMode="auto" r:id="rId6">
+            <p14:nvContentPartPr>
+              <p14:cNvPr id="7" name="インク 6">
+                <a:extLst>
+                  <a:ext uri="{FF2B5EF4-FFF2-40B4-BE49-F238E27FC236}">
+                    <a16:creationId xmlns:a16="http://schemas.microsoft.com/office/drawing/2014/main" id="{5BCE3A4D-C36F-4482-9743-2A81EE5C833D}"/>
+                  </a:ext>
+                </a:extLst>
+              </p14:cNvPr>
+              <p14:cNvContentPartPr/>
+              <p14:nvPr/>
+            </p14:nvContentPartPr>
+            <p14:xfrm>
+              <a:off x="5561704" y="4460866"/>
+              <a:ext cx="645458" cy="360"/>
+            </p14:xfrm>
+          </p:contentPart>
+        </mc:Choice>
+        <mc:Fallback>
+          <p:pic>
+            <p:nvPicPr>
+              <p:cNvPr id="7" name="インク 6">
+                <a:extLst>
+                  <a:ext uri="{FF2B5EF4-FFF2-40B4-BE49-F238E27FC236}">
+                    <a16:creationId xmlns:a16="http://schemas.microsoft.com/office/drawing/2014/main" id="{5BCE3A4D-C36F-4482-9743-2A81EE5C833D}"/>
+                  </a:ext>
+                </a:extLst>
+              </p:cNvPr>
+              <p:cNvPicPr/>
+              <p:nvPr/>
+            </p:nvPicPr>
+            <p:blipFill>
+              <a:blip r:embed="rId7"/>
+              <a:stretch>
+                <a:fillRect/>
+              </a:stretch>
+            </p:blipFill>
+            <p:spPr>
+              <a:xfrm>
+                <a:off x="5507706" y="4352866"/>
+                <a:ext cx="753094" cy="216000"/>
+              </a:xfrm>
+              <a:prstGeom prst="rect">
+                <a:avLst/>
+              </a:prstGeom>
+            </p:spPr>
+          </p:pic>
+        </mc:Fallback>
+      </mc:AlternateContent>
+    </p:spTree>
+    <p:extLst>
+      <p:ext uri="{BB962C8B-B14F-4D97-AF65-F5344CB8AC3E}">
+        <p14:creationId xmlns:p14="http://schemas.microsoft.com/office/powerpoint/2010/main" val="1901157545"/>
       </p:ext>
     </p:extLst>
   </p:cSld>
